--- a/Algorithm-이론/알고리즘 이론 학습 자료.pptx
+++ b/Algorithm-이론/알고리즘 이론 학습 자료.pptx
@@ -136,6 +136,11 @@
       </a:defRPr>
     </a:lvl9pPr>
   </p:defaultTextStyle>
+  <p:extLst>
+    <p:ext uri="{EFAFB233-063F-42B5-8137-9DF3F51BA10A}">
+      <p15:sldGuideLst xmlns:p15="http://schemas.microsoft.com/office/powerpoint/2012/main"/>
+    </p:ext>
+  </p:extLst>
 </p:presentation>
 </file>
 
@@ -2996,6 +3001,2626 @@
           <a:chExt cx="0" cy="0"/>
         </a:xfrm>
       </p:grpSpPr>
+      <p:sp>
+        <p:nvSpPr>
+          <p:cNvPr id="19" name="직사각형 18"/>
+          <p:cNvSpPr/>
+          <p:nvPr/>
+        </p:nvSpPr>
+        <p:spPr>
+          <a:xfrm>
+            <a:off x="0" y="0"/>
+            <a:ext cx="8470231" cy="850232"/>
+          </a:xfrm>
+          <a:prstGeom prst="rect">
+            <a:avLst/>
+          </a:prstGeom>
+        </p:spPr>
+        <p:style>
+          <a:lnRef idx="2">
+            <a:schemeClr val="accent1">
+              <a:shade val="50000"/>
+            </a:schemeClr>
+          </a:lnRef>
+          <a:fillRef idx="1">
+            <a:schemeClr val="accent1"/>
+          </a:fillRef>
+          <a:effectRef idx="0">
+            <a:schemeClr val="accent1"/>
+          </a:effectRef>
+          <a:fontRef idx="minor">
+            <a:schemeClr val="lt1"/>
+          </a:fontRef>
+        </p:style>
+        <p:txBody>
+          <a:bodyPr rtlCol="0" anchor="ctr"/>
+          <a:lstStyle/>
+          <a:p>
+            <a:pPr algn="ctr"/>
+            <a:endParaRPr lang="ko-KR" altLang="en-US"/>
+          </a:p>
+        </p:txBody>
+      </p:sp>
+      <p:cxnSp>
+        <p:nvCxnSpPr>
+          <p:cNvPr id="21" name="직선 연결선 20"/>
+          <p:cNvCxnSpPr/>
+          <p:nvPr/>
+        </p:nvCxnSpPr>
+        <p:spPr>
+          <a:xfrm>
+            <a:off x="882315" y="-8021"/>
+            <a:ext cx="0" cy="850232"/>
+          </a:xfrm>
+          <a:prstGeom prst="line">
+            <a:avLst/>
+          </a:prstGeom>
+          <a:ln>
+            <a:solidFill>
+              <a:schemeClr val="tx1"/>
+            </a:solidFill>
+          </a:ln>
+        </p:spPr>
+        <p:style>
+          <a:lnRef idx="1">
+            <a:schemeClr val="accent1"/>
+          </a:lnRef>
+          <a:fillRef idx="0">
+            <a:schemeClr val="accent1"/>
+          </a:fillRef>
+          <a:effectRef idx="0">
+            <a:schemeClr val="accent1"/>
+          </a:effectRef>
+          <a:fontRef idx="minor">
+            <a:schemeClr val="tx1"/>
+          </a:fontRef>
+        </p:style>
+      </p:cxnSp>
+      <p:cxnSp>
+        <p:nvCxnSpPr>
+          <p:cNvPr id="23" name="직선 연결선 22"/>
+          <p:cNvCxnSpPr/>
+          <p:nvPr/>
+        </p:nvCxnSpPr>
+        <p:spPr>
+          <a:xfrm>
+            <a:off x="1852862" y="8021"/>
+            <a:ext cx="0" cy="850232"/>
+          </a:xfrm>
+          <a:prstGeom prst="line">
+            <a:avLst/>
+          </a:prstGeom>
+          <a:ln>
+            <a:solidFill>
+              <a:schemeClr val="tx1"/>
+            </a:solidFill>
+          </a:ln>
+        </p:spPr>
+        <p:style>
+          <a:lnRef idx="1">
+            <a:schemeClr val="accent1"/>
+          </a:lnRef>
+          <a:fillRef idx="0">
+            <a:schemeClr val="accent1"/>
+          </a:fillRef>
+          <a:effectRef idx="0">
+            <a:schemeClr val="accent1"/>
+          </a:effectRef>
+          <a:fontRef idx="minor">
+            <a:schemeClr val="tx1"/>
+          </a:fontRef>
+        </p:style>
+      </p:cxnSp>
+      <p:cxnSp>
+        <p:nvCxnSpPr>
+          <p:cNvPr id="24" name="직선 연결선 23"/>
+          <p:cNvCxnSpPr/>
+          <p:nvPr/>
+        </p:nvCxnSpPr>
+        <p:spPr>
+          <a:xfrm>
+            <a:off x="2807367" y="8021"/>
+            <a:ext cx="0" cy="850232"/>
+          </a:xfrm>
+          <a:prstGeom prst="line">
+            <a:avLst/>
+          </a:prstGeom>
+          <a:ln>
+            <a:solidFill>
+              <a:schemeClr val="tx1"/>
+            </a:solidFill>
+          </a:ln>
+        </p:spPr>
+        <p:style>
+          <a:lnRef idx="1">
+            <a:schemeClr val="accent1"/>
+          </a:lnRef>
+          <a:fillRef idx="0">
+            <a:schemeClr val="accent1"/>
+          </a:fillRef>
+          <a:effectRef idx="0">
+            <a:schemeClr val="accent1"/>
+          </a:effectRef>
+          <a:fontRef idx="minor">
+            <a:schemeClr val="tx1"/>
+          </a:fontRef>
+        </p:style>
+      </p:cxnSp>
+      <p:cxnSp>
+        <p:nvCxnSpPr>
+          <p:cNvPr id="25" name="직선 연결선 24"/>
+          <p:cNvCxnSpPr/>
+          <p:nvPr/>
+        </p:nvCxnSpPr>
+        <p:spPr>
+          <a:xfrm>
+            <a:off x="3842081" y="8021"/>
+            <a:ext cx="0" cy="850232"/>
+          </a:xfrm>
+          <a:prstGeom prst="line">
+            <a:avLst/>
+          </a:prstGeom>
+          <a:ln>
+            <a:solidFill>
+              <a:schemeClr val="tx1"/>
+            </a:solidFill>
+          </a:ln>
+        </p:spPr>
+        <p:style>
+          <a:lnRef idx="1">
+            <a:schemeClr val="accent1"/>
+          </a:lnRef>
+          <a:fillRef idx="0">
+            <a:schemeClr val="accent1"/>
+          </a:fillRef>
+          <a:effectRef idx="0">
+            <a:schemeClr val="accent1"/>
+          </a:effectRef>
+          <a:fontRef idx="minor">
+            <a:schemeClr val="tx1"/>
+          </a:fontRef>
+        </p:style>
+      </p:cxnSp>
+      <p:cxnSp>
+        <p:nvCxnSpPr>
+          <p:cNvPr id="26" name="직선 연결선 25"/>
+          <p:cNvCxnSpPr/>
+          <p:nvPr/>
+        </p:nvCxnSpPr>
+        <p:spPr>
+          <a:xfrm>
+            <a:off x="7636038" y="0"/>
+            <a:ext cx="0" cy="850232"/>
+          </a:xfrm>
+          <a:prstGeom prst="line">
+            <a:avLst/>
+          </a:prstGeom>
+          <a:ln>
+            <a:solidFill>
+              <a:schemeClr val="tx1"/>
+            </a:solidFill>
+          </a:ln>
+        </p:spPr>
+        <p:style>
+          <a:lnRef idx="1">
+            <a:schemeClr val="accent1"/>
+          </a:lnRef>
+          <a:fillRef idx="0">
+            <a:schemeClr val="accent1"/>
+          </a:fillRef>
+          <a:effectRef idx="0">
+            <a:schemeClr val="accent1"/>
+          </a:effectRef>
+          <a:fontRef idx="minor">
+            <a:schemeClr val="tx1"/>
+          </a:fontRef>
+        </p:style>
+      </p:cxnSp>
+      <p:cxnSp>
+        <p:nvCxnSpPr>
+          <p:cNvPr id="27" name="직선 연결선 26"/>
+          <p:cNvCxnSpPr/>
+          <p:nvPr/>
+        </p:nvCxnSpPr>
+        <p:spPr>
+          <a:xfrm>
+            <a:off x="4836692" y="8021"/>
+            <a:ext cx="0" cy="850232"/>
+          </a:xfrm>
+          <a:prstGeom prst="line">
+            <a:avLst/>
+          </a:prstGeom>
+          <a:ln>
+            <a:solidFill>
+              <a:schemeClr val="tx1"/>
+            </a:solidFill>
+          </a:ln>
+        </p:spPr>
+        <p:style>
+          <a:lnRef idx="1">
+            <a:schemeClr val="accent1"/>
+          </a:lnRef>
+          <a:fillRef idx="0">
+            <a:schemeClr val="accent1"/>
+          </a:fillRef>
+          <a:effectRef idx="0">
+            <a:schemeClr val="accent1"/>
+          </a:effectRef>
+          <a:fontRef idx="minor">
+            <a:schemeClr val="tx1"/>
+          </a:fontRef>
+        </p:style>
+      </p:cxnSp>
+      <p:cxnSp>
+        <p:nvCxnSpPr>
+          <p:cNvPr id="28" name="직선 연결선 27"/>
+          <p:cNvCxnSpPr/>
+          <p:nvPr/>
+        </p:nvCxnSpPr>
+        <p:spPr>
+          <a:xfrm>
+            <a:off x="5823281" y="24063"/>
+            <a:ext cx="0" cy="850232"/>
+          </a:xfrm>
+          <a:prstGeom prst="line">
+            <a:avLst/>
+          </a:prstGeom>
+          <a:ln>
+            <a:solidFill>
+              <a:schemeClr val="tx1"/>
+            </a:solidFill>
+          </a:ln>
+        </p:spPr>
+        <p:style>
+          <a:lnRef idx="1">
+            <a:schemeClr val="accent1"/>
+          </a:lnRef>
+          <a:fillRef idx="0">
+            <a:schemeClr val="accent1"/>
+          </a:fillRef>
+          <a:effectRef idx="0">
+            <a:schemeClr val="accent1"/>
+          </a:effectRef>
+          <a:fontRef idx="minor">
+            <a:schemeClr val="tx1"/>
+          </a:fontRef>
+        </p:style>
+      </p:cxnSp>
+      <p:cxnSp>
+        <p:nvCxnSpPr>
+          <p:cNvPr id="29" name="직선 연결선 28"/>
+          <p:cNvCxnSpPr/>
+          <p:nvPr/>
+        </p:nvCxnSpPr>
+        <p:spPr>
+          <a:xfrm>
+            <a:off x="6745702" y="-24062"/>
+            <a:ext cx="0" cy="850232"/>
+          </a:xfrm>
+          <a:prstGeom prst="line">
+            <a:avLst/>
+          </a:prstGeom>
+          <a:ln>
+            <a:solidFill>
+              <a:schemeClr val="tx1"/>
+            </a:solidFill>
+          </a:ln>
+        </p:spPr>
+        <p:style>
+          <a:lnRef idx="1">
+            <a:schemeClr val="accent1"/>
+          </a:lnRef>
+          <a:fillRef idx="0">
+            <a:schemeClr val="accent1"/>
+          </a:fillRef>
+          <a:effectRef idx="0">
+            <a:schemeClr val="accent1"/>
+          </a:effectRef>
+          <a:fontRef idx="minor">
+            <a:schemeClr val="tx1"/>
+          </a:fontRef>
+        </p:style>
+      </p:cxnSp>
+      <p:sp>
+        <p:nvSpPr>
+          <p:cNvPr id="11" name="직사각형 10"/>
+          <p:cNvSpPr/>
+          <p:nvPr/>
+        </p:nvSpPr>
+        <p:spPr>
+          <a:xfrm>
+            <a:off x="0" y="8021"/>
+            <a:ext cx="8470231" cy="850232"/>
+          </a:xfrm>
+          <a:prstGeom prst="rect">
+            <a:avLst/>
+          </a:prstGeom>
+        </p:spPr>
+        <p:style>
+          <a:lnRef idx="2">
+            <a:schemeClr val="accent1">
+              <a:shade val="50000"/>
+            </a:schemeClr>
+          </a:lnRef>
+          <a:fillRef idx="1">
+            <a:schemeClr val="accent1"/>
+          </a:fillRef>
+          <a:effectRef idx="0">
+            <a:schemeClr val="accent1"/>
+          </a:effectRef>
+          <a:fontRef idx="minor">
+            <a:schemeClr val="lt1"/>
+          </a:fontRef>
+        </p:style>
+        <p:txBody>
+          <a:bodyPr rtlCol="0" anchor="ctr"/>
+          <a:lstStyle/>
+          <a:p>
+            <a:pPr algn="ctr"/>
+            <a:endParaRPr lang="en-US" altLang="ko-KR" dirty="0" smtClean="0"/>
+          </a:p>
+        </p:txBody>
+      </p:sp>
+      <p:cxnSp>
+        <p:nvCxnSpPr>
+          <p:cNvPr id="12" name="직선 연결선 11"/>
+          <p:cNvCxnSpPr/>
+          <p:nvPr/>
+        </p:nvCxnSpPr>
+        <p:spPr>
+          <a:xfrm>
+            <a:off x="882315" y="-8021"/>
+            <a:ext cx="0" cy="850232"/>
+          </a:xfrm>
+          <a:prstGeom prst="line">
+            <a:avLst/>
+          </a:prstGeom>
+          <a:ln>
+            <a:solidFill>
+              <a:schemeClr val="tx1"/>
+            </a:solidFill>
+          </a:ln>
+        </p:spPr>
+        <p:style>
+          <a:lnRef idx="1">
+            <a:schemeClr val="accent1"/>
+          </a:lnRef>
+          <a:fillRef idx="0">
+            <a:schemeClr val="accent1"/>
+          </a:fillRef>
+          <a:effectRef idx="0">
+            <a:schemeClr val="accent1"/>
+          </a:effectRef>
+          <a:fontRef idx="minor">
+            <a:schemeClr val="tx1"/>
+          </a:fontRef>
+        </p:style>
+      </p:cxnSp>
+      <p:cxnSp>
+        <p:nvCxnSpPr>
+          <p:cNvPr id="13" name="직선 연결선 12"/>
+          <p:cNvCxnSpPr/>
+          <p:nvPr/>
+        </p:nvCxnSpPr>
+        <p:spPr>
+          <a:xfrm>
+            <a:off x="1852862" y="8021"/>
+            <a:ext cx="0" cy="850232"/>
+          </a:xfrm>
+          <a:prstGeom prst="line">
+            <a:avLst/>
+          </a:prstGeom>
+          <a:ln>
+            <a:solidFill>
+              <a:schemeClr val="tx1"/>
+            </a:solidFill>
+          </a:ln>
+        </p:spPr>
+        <p:style>
+          <a:lnRef idx="1">
+            <a:schemeClr val="accent1"/>
+          </a:lnRef>
+          <a:fillRef idx="0">
+            <a:schemeClr val="accent1"/>
+          </a:fillRef>
+          <a:effectRef idx="0">
+            <a:schemeClr val="accent1"/>
+          </a:effectRef>
+          <a:fontRef idx="minor">
+            <a:schemeClr val="tx1"/>
+          </a:fontRef>
+        </p:style>
+      </p:cxnSp>
+      <p:cxnSp>
+        <p:nvCxnSpPr>
+          <p:cNvPr id="14" name="직선 연결선 13"/>
+          <p:cNvCxnSpPr/>
+          <p:nvPr/>
+        </p:nvCxnSpPr>
+        <p:spPr>
+          <a:xfrm>
+            <a:off x="2807367" y="8021"/>
+            <a:ext cx="0" cy="850232"/>
+          </a:xfrm>
+          <a:prstGeom prst="line">
+            <a:avLst/>
+          </a:prstGeom>
+          <a:ln>
+            <a:solidFill>
+              <a:schemeClr val="tx1"/>
+            </a:solidFill>
+          </a:ln>
+        </p:spPr>
+        <p:style>
+          <a:lnRef idx="1">
+            <a:schemeClr val="accent1"/>
+          </a:lnRef>
+          <a:fillRef idx="0">
+            <a:schemeClr val="accent1"/>
+          </a:fillRef>
+          <a:effectRef idx="0">
+            <a:schemeClr val="accent1"/>
+          </a:effectRef>
+          <a:fontRef idx="minor">
+            <a:schemeClr val="tx1"/>
+          </a:fontRef>
+        </p:style>
+      </p:cxnSp>
+      <p:cxnSp>
+        <p:nvCxnSpPr>
+          <p:cNvPr id="15" name="직선 연결선 14"/>
+          <p:cNvCxnSpPr/>
+          <p:nvPr/>
+        </p:nvCxnSpPr>
+        <p:spPr>
+          <a:xfrm>
+            <a:off x="3842081" y="8021"/>
+            <a:ext cx="0" cy="850232"/>
+          </a:xfrm>
+          <a:prstGeom prst="line">
+            <a:avLst/>
+          </a:prstGeom>
+          <a:ln>
+            <a:solidFill>
+              <a:schemeClr val="tx1"/>
+            </a:solidFill>
+          </a:ln>
+        </p:spPr>
+        <p:style>
+          <a:lnRef idx="1">
+            <a:schemeClr val="accent1"/>
+          </a:lnRef>
+          <a:fillRef idx="0">
+            <a:schemeClr val="accent1"/>
+          </a:fillRef>
+          <a:effectRef idx="0">
+            <a:schemeClr val="accent1"/>
+          </a:effectRef>
+          <a:fontRef idx="minor">
+            <a:schemeClr val="tx1"/>
+          </a:fontRef>
+        </p:style>
+      </p:cxnSp>
+      <p:cxnSp>
+        <p:nvCxnSpPr>
+          <p:cNvPr id="16" name="직선 연결선 15"/>
+          <p:cNvCxnSpPr/>
+          <p:nvPr/>
+        </p:nvCxnSpPr>
+        <p:spPr>
+          <a:xfrm>
+            <a:off x="7636038" y="0"/>
+            <a:ext cx="0" cy="850232"/>
+          </a:xfrm>
+          <a:prstGeom prst="line">
+            <a:avLst/>
+          </a:prstGeom>
+          <a:ln>
+            <a:solidFill>
+              <a:schemeClr val="tx1"/>
+            </a:solidFill>
+          </a:ln>
+        </p:spPr>
+        <p:style>
+          <a:lnRef idx="1">
+            <a:schemeClr val="accent1"/>
+          </a:lnRef>
+          <a:fillRef idx="0">
+            <a:schemeClr val="accent1"/>
+          </a:fillRef>
+          <a:effectRef idx="0">
+            <a:schemeClr val="accent1"/>
+          </a:effectRef>
+          <a:fontRef idx="minor">
+            <a:schemeClr val="tx1"/>
+          </a:fontRef>
+        </p:style>
+      </p:cxnSp>
+      <p:cxnSp>
+        <p:nvCxnSpPr>
+          <p:cNvPr id="17" name="직선 연결선 16"/>
+          <p:cNvCxnSpPr/>
+          <p:nvPr/>
+        </p:nvCxnSpPr>
+        <p:spPr>
+          <a:xfrm>
+            <a:off x="4836692" y="8021"/>
+            <a:ext cx="0" cy="850232"/>
+          </a:xfrm>
+          <a:prstGeom prst="line">
+            <a:avLst/>
+          </a:prstGeom>
+          <a:ln>
+            <a:solidFill>
+              <a:schemeClr val="tx1"/>
+            </a:solidFill>
+          </a:ln>
+        </p:spPr>
+        <p:style>
+          <a:lnRef idx="1">
+            <a:schemeClr val="accent1"/>
+          </a:lnRef>
+          <a:fillRef idx="0">
+            <a:schemeClr val="accent1"/>
+          </a:fillRef>
+          <a:effectRef idx="0">
+            <a:schemeClr val="accent1"/>
+          </a:effectRef>
+          <a:fontRef idx="minor">
+            <a:schemeClr val="tx1"/>
+          </a:fontRef>
+        </p:style>
+      </p:cxnSp>
+      <p:cxnSp>
+        <p:nvCxnSpPr>
+          <p:cNvPr id="18" name="직선 연결선 17"/>
+          <p:cNvCxnSpPr/>
+          <p:nvPr/>
+        </p:nvCxnSpPr>
+        <p:spPr>
+          <a:xfrm>
+            <a:off x="5823281" y="24063"/>
+            <a:ext cx="0" cy="850232"/>
+          </a:xfrm>
+          <a:prstGeom prst="line">
+            <a:avLst/>
+          </a:prstGeom>
+          <a:ln>
+            <a:solidFill>
+              <a:schemeClr val="tx1"/>
+            </a:solidFill>
+          </a:ln>
+        </p:spPr>
+        <p:style>
+          <a:lnRef idx="1">
+            <a:schemeClr val="accent1"/>
+          </a:lnRef>
+          <a:fillRef idx="0">
+            <a:schemeClr val="accent1"/>
+          </a:fillRef>
+          <a:effectRef idx="0">
+            <a:schemeClr val="accent1"/>
+          </a:effectRef>
+          <a:fontRef idx="minor">
+            <a:schemeClr val="tx1"/>
+          </a:fontRef>
+        </p:style>
+      </p:cxnSp>
+      <p:cxnSp>
+        <p:nvCxnSpPr>
+          <p:cNvPr id="20" name="직선 연결선 19"/>
+          <p:cNvCxnSpPr/>
+          <p:nvPr/>
+        </p:nvCxnSpPr>
+        <p:spPr>
+          <a:xfrm>
+            <a:off x="6745702" y="-24062"/>
+            <a:ext cx="0" cy="850232"/>
+          </a:xfrm>
+          <a:prstGeom prst="line">
+            <a:avLst/>
+          </a:prstGeom>
+          <a:ln>
+            <a:solidFill>
+              <a:schemeClr val="tx1"/>
+            </a:solidFill>
+          </a:ln>
+        </p:spPr>
+        <p:style>
+          <a:lnRef idx="1">
+            <a:schemeClr val="accent1"/>
+          </a:lnRef>
+          <a:fillRef idx="0">
+            <a:schemeClr val="accent1"/>
+          </a:fillRef>
+          <a:effectRef idx="0">
+            <a:schemeClr val="accent1"/>
+          </a:effectRef>
+          <a:fontRef idx="minor">
+            <a:schemeClr val="tx1"/>
+          </a:fontRef>
+        </p:style>
+      </p:cxnSp>
+      <p:sp>
+        <p:nvSpPr>
+          <p:cNvPr id="22" name="TextBox 21"/>
+          <p:cNvSpPr txBox="1"/>
+          <p:nvPr/>
+        </p:nvSpPr>
+        <p:spPr>
+          <a:xfrm>
+            <a:off x="281496" y="264513"/>
+            <a:ext cx="437940" cy="369332"/>
+          </a:xfrm>
+          <a:prstGeom prst="rect">
+            <a:avLst/>
+          </a:prstGeom>
+          <a:noFill/>
+        </p:spPr>
+        <p:txBody>
+          <a:bodyPr wrap="none" rtlCol="0">
+            <a:spAutoFit/>
+          </a:bodyPr>
+          <a:lstStyle/>
+          <a:p>
+            <a:r>
+              <a:rPr lang="en-US" altLang="ko-KR" dirty="0" smtClean="0"/>
+              <a:t>21</a:t>
+            </a:r>
+            <a:endParaRPr lang="ko-KR" altLang="en-US" dirty="0"/>
+          </a:p>
+        </p:txBody>
+      </p:sp>
+      <p:sp>
+        <p:nvSpPr>
+          <p:cNvPr id="30" name="TextBox 29"/>
+          <p:cNvSpPr txBox="1"/>
+          <p:nvPr/>
+        </p:nvSpPr>
+        <p:spPr>
+          <a:xfrm>
+            <a:off x="1158998" y="274673"/>
+            <a:ext cx="437940" cy="369332"/>
+          </a:xfrm>
+          <a:prstGeom prst="rect">
+            <a:avLst/>
+          </a:prstGeom>
+          <a:noFill/>
+        </p:spPr>
+        <p:txBody>
+          <a:bodyPr wrap="none" rtlCol="0">
+            <a:spAutoFit/>
+          </a:bodyPr>
+          <a:lstStyle/>
+          <a:p>
+            <a:r>
+              <a:rPr lang="en-US" altLang="ko-KR" dirty="0" smtClean="0"/>
+              <a:t>13</a:t>
+            </a:r>
+            <a:endParaRPr lang="ko-KR" altLang="en-US" dirty="0"/>
+          </a:p>
+        </p:txBody>
+      </p:sp>
+      <p:sp>
+        <p:nvSpPr>
+          <p:cNvPr id="31" name="TextBox 30"/>
+          <p:cNvSpPr txBox="1"/>
+          <p:nvPr/>
+        </p:nvSpPr>
+        <p:spPr>
+          <a:xfrm>
+            <a:off x="2206546" y="254353"/>
+            <a:ext cx="311304" cy="369332"/>
+          </a:xfrm>
+          <a:prstGeom prst="rect">
+            <a:avLst/>
+          </a:prstGeom>
+          <a:noFill/>
+        </p:spPr>
+        <p:txBody>
+          <a:bodyPr wrap="none" rtlCol="0">
+            <a:spAutoFit/>
+          </a:bodyPr>
+          <a:lstStyle/>
+          <a:p>
+            <a:r>
+              <a:rPr lang="en-US" altLang="ko-KR" dirty="0" smtClean="0"/>
+              <a:t>1</a:t>
+            </a:r>
+            <a:endParaRPr lang="ko-KR" altLang="en-US" dirty="0"/>
+          </a:p>
+        </p:txBody>
+      </p:sp>
+      <p:sp>
+        <p:nvSpPr>
+          <p:cNvPr id="32" name="TextBox 31"/>
+          <p:cNvSpPr txBox="1"/>
+          <p:nvPr/>
+        </p:nvSpPr>
+        <p:spPr>
+          <a:xfrm>
+            <a:off x="3165330" y="254353"/>
+            <a:ext cx="311304" cy="369332"/>
+          </a:xfrm>
+          <a:prstGeom prst="rect">
+            <a:avLst/>
+          </a:prstGeom>
+          <a:noFill/>
+        </p:spPr>
+        <p:txBody>
+          <a:bodyPr wrap="none" rtlCol="0">
+            <a:spAutoFit/>
+          </a:bodyPr>
+          <a:lstStyle/>
+          <a:p>
+            <a:r>
+              <a:rPr lang="en-US" altLang="ko-KR" dirty="0"/>
+              <a:t>8</a:t>
+            </a:r>
+            <a:endParaRPr lang="ko-KR" altLang="en-US" dirty="0"/>
+          </a:p>
+        </p:txBody>
+      </p:sp>
+      <p:sp>
+        <p:nvSpPr>
+          <p:cNvPr id="33" name="TextBox 32"/>
+          <p:cNvSpPr txBox="1"/>
+          <p:nvPr/>
+        </p:nvSpPr>
+        <p:spPr>
+          <a:xfrm>
+            <a:off x="7928545" y="264513"/>
+            <a:ext cx="311304" cy="369332"/>
+          </a:xfrm>
+          <a:prstGeom prst="rect">
+            <a:avLst/>
+          </a:prstGeom>
+          <a:noFill/>
+        </p:spPr>
+        <p:txBody>
+          <a:bodyPr wrap="none" rtlCol="0">
+            <a:spAutoFit/>
+          </a:bodyPr>
+          <a:lstStyle/>
+          <a:p>
+            <a:r>
+              <a:rPr lang="en-US" altLang="ko-KR" dirty="0"/>
+              <a:t>7</a:t>
+            </a:r>
+            <a:endParaRPr lang="ko-KR" altLang="en-US" dirty="0"/>
+          </a:p>
+        </p:txBody>
+      </p:sp>
+      <p:sp>
+        <p:nvSpPr>
+          <p:cNvPr id="34" name="TextBox 33"/>
+          <p:cNvSpPr txBox="1"/>
+          <p:nvPr/>
+        </p:nvSpPr>
+        <p:spPr>
+          <a:xfrm>
+            <a:off x="7032228" y="267096"/>
+            <a:ext cx="311304" cy="369332"/>
+          </a:xfrm>
+          <a:prstGeom prst="rect">
+            <a:avLst/>
+          </a:prstGeom>
+          <a:noFill/>
+        </p:spPr>
+        <p:txBody>
+          <a:bodyPr wrap="none" rtlCol="0">
+            <a:spAutoFit/>
+          </a:bodyPr>
+          <a:lstStyle/>
+          <a:p>
+            <a:r>
+              <a:rPr lang="en-US" altLang="ko-KR" dirty="0"/>
+              <a:t>9</a:t>
+            </a:r>
+            <a:endParaRPr lang="ko-KR" altLang="en-US" dirty="0"/>
+          </a:p>
+        </p:txBody>
+      </p:sp>
+      <p:sp>
+        <p:nvSpPr>
+          <p:cNvPr id="35" name="TextBox 34"/>
+          <p:cNvSpPr txBox="1"/>
+          <p:nvPr/>
+        </p:nvSpPr>
+        <p:spPr>
+          <a:xfrm>
+            <a:off x="6122644" y="264513"/>
+            <a:ext cx="437940" cy="369332"/>
+          </a:xfrm>
+          <a:prstGeom prst="rect">
+            <a:avLst/>
+          </a:prstGeom>
+          <a:noFill/>
+        </p:spPr>
+        <p:txBody>
+          <a:bodyPr wrap="none" rtlCol="0">
+            <a:spAutoFit/>
+          </a:bodyPr>
+          <a:lstStyle/>
+          <a:p>
+            <a:r>
+              <a:rPr lang="en-US" altLang="ko-KR" dirty="0" smtClean="0"/>
+              <a:t>12</a:t>
+            </a:r>
+            <a:endParaRPr lang="ko-KR" altLang="en-US" dirty="0"/>
+          </a:p>
+        </p:txBody>
+      </p:sp>
+      <p:sp>
+        <p:nvSpPr>
+          <p:cNvPr id="36" name="TextBox 35"/>
+          <p:cNvSpPr txBox="1"/>
+          <p:nvPr/>
+        </p:nvSpPr>
+        <p:spPr>
+          <a:xfrm>
+            <a:off x="5190685" y="264513"/>
+            <a:ext cx="311304" cy="369332"/>
+          </a:xfrm>
+          <a:prstGeom prst="rect">
+            <a:avLst/>
+          </a:prstGeom>
+          <a:noFill/>
+        </p:spPr>
+        <p:txBody>
+          <a:bodyPr wrap="none" rtlCol="0">
+            <a:spAutoFit/>
+          </a:bodyPr>
+          <a:lstStyle/>
+          <a:p>
+            <a:r>
+              <a:rPr lang="en-US" altLang="ko-KR" dirty="0"/>
+              <a:t>6</a:t>
+            </a:r>
+            <a:endParaRPr lang="ko-KR" altLang="en-US" dirty="0"/>
+          </a:p>
+        </p:txBody>
+      </p:sp>
+      <p:sp>
+        <p:nvSpPr>
+          <p:cNvPr id="37" name="TextBox 36"/>
+          <p:cNvSpPr txBox="1"/>
+          <p:nvPr/>
+        </p:nvSpPr>
+        <p:spPr>
+          <a:xfrm>
+            <a:off x="4190997" y="260770"/>
+            <a:ext cx="311304" cy="369332"/>
+          </a:xfrm>
+          <a:prstGeom prst="rect">
+            <a:avLst/>
+          </a:prstGeom>
+          <a:noFill/>
+        </p:spPr>
+        <p:txBody>
+          <a:bodyPr wrap="none" rtlCol="0">
+            <a:spAutoFit/>
+          </a:bodyPr>
+          <a:lstStyle/>
+          <a:p>
+            <a:r>
+              <a:rPr lang="en-US" altLang="ko-KR" dirty="0"/>
+              <a:t>3</a:t>
+            </a:r>
+            <a:endParaRPr lang="ko-KR" altLang="en-US" dirty="0"/>
+          </a:p>
+        </p:txBody>
+      </p:sp>
+      <p:sp>
+        <p:nvSpPr>
+          <p:cNvPr id="38" name="직사각형 37"/>
+          <p:cNvSpPr/>
+          <p:nvPr/>
+        </p:nvSpPr>
+        <p:spPr>
+          <a:xfrm>
+            <a:off x="0" y="1012877"/>
+            <a:ext cx="7625878" cy="850232"/>
+          </a:xfrm>
+          <a:prstGeom prst="rect">
+            <a:avLst/>
+          </a:prstGeom>
+        </p:spPr>
+        <p:style>
+          <a:lnRef idx="2">
+            <a:schemeClr val="accent1">
+              <a:shade val="50000"/>
+            </a:schemeClr>
+          </a:lnRef>
+          <a:fillRef idx="1">
+            <a:schemeClr val="accent1"/>
+          </a:fillRef>
+          <a:effectRef idx="0">
+            <a:schemeClr val="accent1"/>
+          </a:effectRef>
+          <a:fontRef idx="minor">
+            <a:schemeClr val="lt1"/>
+          </a:fontRef>
+        </p:style>
+        <p:txBody>
+          <a:bodyPr rtlCol="0" anchor="ctr"/>
+          <a:lstStyle/>
+          <a:p>
+            <a:pPr algn="ctr"/>
+            <a:endParaRPr lang="en-US" altLang="ko-KR" dirty="0" smtClean="0"/>
+          </a:p>
+        </p:txBody>
+      </p:sp>
+      <p:cxnSp>
+        <p:nvCxnSpPr>
+          <p:cNvPr id="39" name="직선 연결선 38"/>
+          <p:cNvCxnSpPr/>
+          <p:nvPr/>
+        </p:nvCxnSpPr>
+        <p:spPr>
+          <a:xfrm>
+            <a:off x="882314" y="996835"/>
+            <a:ext cx="0" cy="850232"/>
+          </a:xfrm>
+          <a:prstGeom prst="line">
+            <a:avLst/>
+          </a:prstGeom>
+          <a:ln>
+            <a:solidFill>
+              <a:schemeClr val="tx1"/>
+            </a:solidFill>
+          </a:ln>
+        </p:spPr>
+        <p:style>
+          <a:lnRef idx="1">
+            <a:schemeClr val="accent1"/>
+          </a:lnRef>
+          <a:fillRef idx="0">
+            <a:schemeClr val="accent1"/>
+          </a:fillRef>
+          <a:effectRef idx="0">
+            <a:schemeClr val="accent1"/>
+          </a:effectRef>
+          <a:fontRef idx="minor">
+            <a:schemeClr val="tx1"/>
+          </a:fontRef>
+        </p:style>
+      </p:cxnSp>
+      <p:cxnSp>
+        <p:nvCxnSpPr>
+          <p:cNvPr id="40" name="직선 연결선 39"/>
+          <p:cNvCxnSpPr/>
+          <p:nvPr/>
+        </p:nvCxnSpPr>
+        <p:spPr>
+          <a:xfrm>
+            <a:off x="1852861" y="1012877"/>
+            <a:ext cx="0" cy="850232"/>
+          </a:xfrm>
+          <a:prstGeom prst="line">
+            <a:avLst/>
+          </a:prstGeom>
+          <a:ln>
+            <a:solidFill>
+              <a:schemeClr val="tx1"/>
+            </a:solidFill>
+          </a:ln>
+        </p:spPr>
+        <p:style>
+          <a:lnRef idx="1">
+            <a:schemeClr val="accent1"/>
+          </a:lnRef>
+          <a:fillRef idx="0">
+            <a:schemeClr val="accent1"/>
+          </a:fillRef>
+          <a:effectRef idx="0">
+            <a:schemeClr val="accent1"/>
+          </a:effectRef>
+          <a:fontRef idx="minor">
+            <a:schemeClr val="tx1"/>
+          </a:fontRef>
+        </p:style>
+      </p:cxnSp>
+      <p:cxnSp>
+        <p:nvCxnSpPr>
+          <p:cNvPr id="41" name="직선 연결선 40"/>
+          <p:cNvCxnSpPr/>
+          <p:nvPr/>
+        </p:nvCxnSpPr>
+        <p:spPr>
+          <a:xfrm>
+            <a:off x="2807366" y="1012877"/>
+            <a:ext cx="0" cy="850232"/>
+          </a:xfrm>
+          <a:prstGeom prst="line">
+            <a:avLst/>
+          </a:prstGeom>
+          <a:ln>
+            <a:solidFill>
+              <a:schemeClr val="tx1"/>
+            </a:solidFill>
+          </a:ln>
+        </p:spPr>
+        <p:style>
+          <a:lnRef idx="1">
+            <a:schemeClr val="accent1"/>
+          </a:lnRef>
+          <a:fillRef idx="0">
+            <a:schemeClr val="accent1"/>
+          </a:fillRef>
+          <a:effectRef idx="0">
+            <a:schemeClr val="accent1"/>
+          </a:effectRef>
+          <a:fontRef idx="minor">
+            <a:schemeClr val="tx1"/>
+          </a:fontRef>
+        </p:style>
+      </p:cxnSp>
+      <p:cxnSp>
+        <p:nvCxnSpPr>
+          <p:cNvPr id="42" name="직선 연결선 41"/>
+          <p:cNvCxnSpPr/>
+          <p:nvPr/>
+        </p:nvCxnSpPr>
+        <p:spPr>
+          <a:xfrm>
+            <a:off x="3842080" y="1012877"/>
+            <a:ext cx="0" cy="850232"/>
+          </a:xfrm>
+          <a:prstGeom prst="line">
+            <a:avLst/>
+          </a:prstGeom>
+          <a:ln>
+            <a:solidFill>
+              <a:schemeClr val="tx1"/>
+            </a:solidFill>
+          </a:ln>
+        </p:spPr>
+        <p:style>
+          <a:lnRef idx="1">
+            <a:schemeClr val="accent1"/>
+          </a:lnRef>
+          <a:fillRef idx="0">
+            <a:schemeClr val="accent1"/>
+          </a:fillRef>
+          <a:effectRef idx="0">
+            <a:schemeClr val="accent1"/>
+          </a:effectRef>
+          <a:fontRef idx="minor">
+            <a:schemeClr val="tx1"/>
+          </a:fontRef>
+        </p:style>
+      </p:cxnSp>
+      <p:cxnSp>
+        <p:nvCxnSpPr>
+          <p:cNvPr id="44" name="직선 연결선 43"/>
+          <p:cNvCxnSpPr/>
+          <p:nvPr/>
+        </p:nvCxnSpPr>
+        <p:spPr>
+          <a:xfrm>
+            <a:off x="4836691" y="1012877"/>
+            <a:ext cx="0" cy="850232"/>
+          </a:xfrm>
+          <a:prstGeom prst="line">
+            <a:avLst/>
+          </a:prstGeom>
+          <a:ln>
+            <a:solidFill>
+              <a:schemeClr val="tx1"/>
+            </a:solidFill>
+          </a:ln>
+        </p:spPr>
+        <p:style>
+          <a:lnRef idx="1">
+            <a:schemeClr val="accent1"/>
+          </a:lnRef>
+          <a:fillRef idx="0">
+            <a:schemeClr val="accent1"/>
+          </a:fillRef>
+          <a:effectRef idx="0">
+            <a:schemeClr val="accent1"/>
+          </a:effectRef>
+          <a:fontRef idx="minor">
+            <a:schemeClr val="tx1"/>
+          </a:fontRef>
+        </p:style>
+      </p:cxnSp>
+      <p:cxnSp>
+        <p:nvCxnSpPr>
+          <p:cNvPr id="45" name="직선 연결선 44"/>
+          <p:cNvCxnSpPr/>
+          <p:nvPr/>
+        </p:nvCxnSpPr>
+        <p:spPr>
+          <a:xfrm>
+            <a:off x="5823280" y="1028919"/>
+            <a:ext cx="0" cy="850232"/>
+          </a:xfrm>
+          <a:prstGeom prst="line">
+            <a:avLst/>
+          </a:prstGeom>
+          <a:ln>
+            <a:solidFill>
+              <a:schemeClr val="tx1"/>
+            </a:solidFill>
+          </a:ln>
+        </p:spPr>
+        <p:style>
+          <a:lnRef idx="1">
+            <a:schemeClr val="accent1"/>
+          </a:lnRef>
+          <a:fillRef idx="0">
+            <a:schemeClr val="accent1"/>
+          </a:fillRef>
+          <a:effectRef idx="0">
+            <a:schemeClr val="accent1"/>
+          </a:effectRef>
+          <a:fontRef idx="minor">
+            <a:schemeClr val="tx1"/>
+          </a:fontRef>
+        </p:style>
+      </p:cxnSp>
+      <p:cxnSp>
+        <p:nvCxnSpPr>
+          <p:cNvPr id="46" name="직선 연결선 45"/>
+          <p:cNvCxnSpPr/>
+          <p:nvPr/>
+        </p:nvCxnSpPr>
+        <p:spPr>
+          <a:xfrm>
+            <a:off x="6745701" y="980794"/>
+            <a:ext cx="0" cy="850232"/>
+          </a:xfrm>
+          <a:prstGeom prst="line">
+            <a:avLst/>
+          </a:prstGeom>
+          <a:ln>
+            <a:solidFill>
+              <a:schemeClr val="tx1"/>
+            </a:solidFill>
+          </a:ln>
+        </p:spPr>
+        <p:style>
+          <a:lnRef idx="1">
+            <a:schemeClr val="accent1"/>
+          </a:lnRef>
+          <a:fillRef idx="0">
+            <a:schemeClr val="accent1"/>
+          </a:fillRef>
+          <a:effectRef idx="0">
+            <a:schemeClr val="accent1"/>
+          </a:effectRef>
+          <a:fontRef idx="minor">
+            <a:schemeClr val="tx1"/>
+          </a:fontRef>
+        </p:style>
+      </p:cxnSp>
+      <p:sp>
+        <p:nvSpPr>
+          <p:cNvPr id="47" name="TextBox 46"/>
+          <p:cNvSpPr txBox="1"/>
+          <p:nvPr/>
+        </p:nvSpPr>
+        <p:spPr>
+          <a:xfrm>
+            <a:off x="281495" y="1269369"/>
+            <a:ext cx="437940" cy="369332"/>
+          </a:xfrm>
+          <a:prstGeom prst="rect">
+            <a:avLst/>
+          </a:prstGeom>
+          <a:noFill/>
+        </p:spPr>
+        <p:txBody>
+          <a:bodyPr wrap="none" rtlCol="0">
+            <a:spAutoFit/>
+          </a:bodyPr>
+          <a:lstStyle/>
+          <a:p>
+            <a:r>
+              <a:rPr lang="en-US" altLang="ko-KR" dirty="0" smtClean="0"/>
+              <a:t>21</a:t>
+            </a:r>
+            <a:endParaRPr lang="ko-KR" altLang="en-US" dirty="0"/>
+          </a:p>
+        </p:txBody>
+      </p:sp>
+      <p:sp>
+        <p:nvSpPr>
+          <p:cNvPr id="48" name="TextBox 47"/>
+          <p:cNvSpPr txBox="1"/>
+          <p:nvPr/>
+        </p:nvSpPr>
+        <p:spPr>
+          <a:xfrm>
+            <a:off x="1158997" y="1279529"/>
+            <a:ext cx="437940" cy="369332"/>
+          </a:xfrm>
+          <a:prstGeom prst="rect">
+            <a:avLst/>
+          </a:prstGeom>
+          <a:noFill/>
+        </p:spPr>
+        <p:txBody>
+          <a:bodyPr wrap="none" rtlCol="0">
+            <a:spAutoFit/>
+          </a:bodyPr>
+          <a:lstStyle/>
+          <a:p>
+            <a:r>
+              <a:rPr lang="en-US" altLang="ko-KR" dirty="0" smtClean="0"/>
+              <a:t>13</a:t>
+            </a:r>
+            <a:endParaRPr lang="ko-KR" altLang="en-US" dirty="0"/>
+          </a:p>
+        </p:txBody>
+      </p:sp>
+      <p:sp>
+        <p:nvSpPr>
+          <p:cNvPr id="49" name="TextBox 48"/>
+          <p:cNvSpPr txBox="1"/>
+          <p:nvPr/>
+        </p:nvSpPr>
+        <p:spPr>
+          <a:xfrm>
+            <a:off x="2206545" y="1259209"/>
+            <a:ext cx="311304" cy="369332"/>
+          </a:xfrm>
+          <a:prstGeom prst="rect">
+            <a:avLst/>
+          </a:prstGeom>
+          <a:noFill/>
+        </p:spPr>
+        <p:txBody>
+          <a:bodyPr wrap="none" rtlCol="0">
+            <a:spAutoFit/>
+          </a:bodyPr>
+          <a:lstStyle/>
+          <a:p>
+            <a:r>
+              <a:rPr lang="en-US" altLang="ko-KR" dirty="0" smtClean="0"/>
+              <a:t>1</a:t>
+            </a:r>
+            <a:endParaRPr lang="ko-KR" altLang="en-US" dirty="0"/>
+          </a:p>
+        </p:txBody>
+      </p:sp>
+      <p:sp>
+        <p:nvSpPr>
+          <p:cNvPr id="50" name="TextBox 49"/>
+          <p:cNvSpPr txBox="1"/>
+          <p:nvPr/>
+        </p:nvSpPr>
+        <p:spPr>
+          <a:xfrm>
+            <a:off x="3165329" y="1259209"/>
+            <a:ext cx="311304" cy="369332"/>
+          </a:xfrm>
+          <a:prstGeom prst="rect">
+            <a:avLst/>
+          </a:prstGeom>
+          <a:noFill/>
+        </p:spPr>
+        <p:txBody>
+          <a:bodyPr wrap="none" rtlCol="0">
+            <a:spAutoFit/>
+          </a:bodyPr>
+          <a:lstStyle/>
+          <a:p>
+            <a:r>
+              <a:rPr lang="en-US" altLang="ko-KR" dirty="0"/>
+              <a:t>8</a:t>
+            </a:r>
+            <a:endParaRPr lang="ko-KR" altLang="en-US" dirty="0"/>
+          </a:p>
+        </p:txBody>
+      </p:sp>
+      <p:sp>
+        <p:nvSpPr>
+          <p:cNvPr id="52" name="TextBox 51"/>
+          <p:cNvSpPr txBox="1"/>
+          <p:nvPr/>
+        </p:nvSpPr>
+        <p:spPr>
+          <a:xfrm>
+            <a:off x="7032227" y="1271952"/>
+            <a:ext cx="311304" cy="369332"/>
+          </a:xfrm>
+          <a:prstGeom prst="rect">
+            <a:avLst/>
+          </a:prstGeom>
+          <a:noFill/>
+        </p:spPr>
+        <p:txBody>
+          <a:bodyPr wrap="none" rtlCol="0">
+            <a:spAutoFit/>
+          </a:bodyPr>
+          <a:lstStyle/>
+          <a:p>
+            <a:r>
+              <a:rPr lang="en-US" altLang="ko-KR" dirty="0"/>
+              <a:t>9</a:t>
+            </a:r>
+            <a:endParaRPr lang="ko-KR" altLang="en-US" dirty="0"/>
+          </a:p>
+        </p:txBody>
+      </p:sp>
+      <p:sp>
+        <p:nvSpPr>
+          <p:cNvPr id="53" name="TextBox 52"/>
+          <p:cNvSpPr txBox="1"/>
+          <p:nvPr/>
+        </p:nvSpPr>
+        <p:spPr>
+          <a:xfrm>
+            <a:off x="6122643" y="1269369"/>
+            <a:ext cx="437940" cy="369332"/>
+          </a:xfrm>
+          <a:prstGeom prst="rect">
+            <a:avLst/>
+          </a:prstGeom>
+          <a:noFill/>
+        </p:spPr>
+        <p:txBody>
+          <a:bodyPr wrap="none" rtlCol="0">
+            <a:spAutoFit/>
+          </a:bodyPr>
+          <a:lstStyle/>
+          <a:p>
+            <a:r>
+              <a:rPr lang="en-US" altLang="ko-KR" dirty="0" smtClean="0"/>
+              <a:t>12</a:t>
+            </a:r>
+            <a:endParaRPr lang="ko-KR" altLang="en-US" dirty="0"/>
+          </a:p>
+        </p:txBody>
+      </p:sp>
+      <p:sp>
+        <p:nvSpPr>
+          <p:cNvPr id="54" name="TextBox 53"/>
+          <p:cNvSpPr txBox="1"/>
+          <p:nvPr/>
+        </p:nvSpPr>
+        <p:spPr>
+          <a:xfrm>
+            <a:off x="5190684" y="1269369"/>
+            <a:ext cx="311304" cy="369332"/>
+          </a:xfrm>
+          <a:prstGeom prst="rect">
+            <a:avLst/>
+          </a:prstGeom>
+          <a:noFill/>
+        </p:spPr>
+        <p:txBody>
+          <a:bodyPr wrap="none" rtlCol="0">
+            <a:spAutoFit/>
+          </a:bodyPr>
+          <a:lstStyle/>
+          <a:p>
+            <a:r>
+              <a:rPr lang="en-US" altLang="ko-KR" dirty="0"/>
+              <a:t>6</a:t>
+            </a:r>
+            <a:endParaRPr lang="ko-KR" altLang="en-US" dirty="0"/>
+          </a:p>
+        </p:txBody>
+      </p:sp>
+      <p:sp>
+        <p:nvSpPr>
+          <p:cNvPr id="55" name="TextBox 54"/>
+          <p:cNvSpPr txBox="1"/>
+          <p:nvPr/>
+        </p:nvSpPr>
+        <p:spPr>
+          <a:xfrm>
+            <a:off x="4190996" y="1265626"/>
+            <a:ext cx="311304" cy="369332"/>
+          </a:xfrm>
+          <a:prstGeom prst="rect">
+            <a:avLst/>
+          </a:prstGeom>
+          <a:noFill/>
+        </p:spPr>
+        <p:txBody>
+          <a:bodyPr wrap="none" rtlCol="0">
+            <a:spAutoFit/>
+          </a:bodyPr>
+          <a:lstStyle/>
+          <a:p>
+            <a:r>
+              <a:rPr lang="en-US" altLang="ko-KR" dirty="0"/>
+              <a:t>3</a:t>
+            </a:r>
+            <a:endParaRPr lang="ko-KR" altLang="en-US" dirty="0"/>
+          </a:p>
+        </p:txBody>
+      </p:sp>
+      <p:sp>
+        <p:nvSpPr>
+          <p:cNvPr id="72" name="직사각형 71"/>
+          <p:cNvSpPr/>
+          <p:nvPr/>
+        </p:nvSpPr>
+        <p:spPr>
+          <a:xfrm>
+            <a:off x="0" y="2020417"/>
+            <a:ext cx="6745701" cy="850232"/>
+          </a:xfrm>
+          <a:prstGeom prst="rect">
+            <a:avLst/>
+          </a:prstGeom>
+        </p:spPr>
+        <p:style>
+          <a:lnRef idx="2">
+            <a:schemeClr val="accent1">
+              <a:shade val="50000"/>
+            </a:schemeClr>
+          </a:lnRef>
+          <a:fillRef idx="1">
+            <a:schemeClr val="accent1"/>
+          </a:fillRef>
+          <a:effectRef idx="0">
+            <a:schemeClr val="accent1"/>
+          </a:effectRef>
+          <a:fontRef idx="minor">
+            <a:schemeClr val="lt1"/>
+          </a:fontRef>
+        </p:style>
+        <p:txBody>
+          <a:bodyPr rtlCol="0" anchor="ctr"/>
+          <a:lstStyle/>
+          <a:p>
+            <a:pPr algn="ctr"/>
+            <a:endParaRPr lang="en-US" altLang="ko-KR" dirty="0" smtClean="0"/>
+          </a:p>
+        </p:txBody>
+      </p:sp>
+      <p:cxnSp>
+        <p:nvCxnSpPr>
+          <p:cNvPr id="73" name="직선 연결선 72"/>
+          <p:cNvCxnSpPr/>
+          <p:nvPr/>
+        </p:nvCxnSpPr>
+        <p:spPr>
+          <a:xfrm>
+            <a:off x="882314" y="2004375"/>
+            <a:ext cx="0" cy="850232"/>
+          </a:xfrm>
+          <a:prstGeom prst="line">
+            <a:avLst/>
+          </a:prstGeom>
+          <a:ln>
+            <a:solidFill>
+              <a:schemeClr val="tx1"/>
+            </a:solidFill>
+          </a:ln>
+        </p:spPr>
+        <p:style>
+          <a:lnRef idx="1">
+            <a:schemeClr val="accent1"/>
+          </a:lnRef>
+          <a:fillRef idx="0">
+            <a:schemeClr val="accent1"/>
+          </a:fillRef>
+          <a:effectRef idx="0">
+            <a:schemeClr val="accent1"/>
+          </a:effectRef>
+          <a:fontRef idx="minor">
+            <a:schemeClr val="tx1"/>
+          </a:fontRef>
+        </p:style>
+      </p:cxnSp>
+      <p:cxnSp>
+        <p:nvCxnSpPr>
+          <p:cNvPr id="74" name="직선 연결선 73"/>
+          <p:cNvCxnSpPr/>
+          <p:nvPr/>
+        </p:nvCxnSpPr>
+        <p:spPr>
+          <a:xfrm>
+            <a:off x="1852861" y="2020417"/>
+            <a:ext cx="0" cy="850232"/>
+          </a:xfrm>
+          <a:prstGeom prst="line">
+            <a:avLst/>
+          </a:prstGeom>
+          <a:ln>
+            <a:solidFill>
+              <a:schemeClr val="tx1"/>
+            </a:solidFill>
+          </a:ln>
+        </p:spPr>
+        <p:style>
+          <a:lnRef idx="1">
+            <a:schemeClr val="accent1"/>
+          </a:lnRef>
+          <a:fillRef idx="0">
+            <a:schemeClr val="accent1"/>
+          </a:fillRef>
+          <a:effectRef idx="0">
+            <a:schemeClr val="accent1"/>
+          </a:effectRef>
+          <a:fontRef idx="minor">
+            <a:schemeClr val="tx1"/>
+          </a:fontRef>
+        </p:style>
+      </p:cxnSp>
+      <p:cxnSp>
+        <p:nvCxnSpPr>
+          <p:cNvPr id="75" name="직선 연결선 74"/>
+          <p:cNvCxnSpPr/>
+          <p:nvPr/>
+        </p:nvCxnSpPr>
+        <p:spPr>
+          <a:xfrm>
+            <a:off x="2807366" y="2020417"/>
+            <a:ext cx="0" cy="850232"/>
+          </a:xfrm>
+          <a:prstGeom prst="line">
+            <a:avLst/>
+          </a:prstGeom>
+          <a:ln>
+            <a:solidFill>
+              <a:schemeClr val="tx1"/>
+            </a:solidFill>
+          </a:ln>
+        </p:spPr>
+        <p:style>
+          <a:lnRef idx="1">
+            <a:schemeClr val="accent1"/>
+          </a:lnRef>
+          <a:fillRef idx="0">
+            <a:schemeClr val="accent1"/>
+          </a:fillRef>
+          <a:effectRef idx="0">
+            <a:schemeClr val="accent1"/>
+          </a:effectRef>
+          <a:fontRef idx="minor">
+            <a:schemeClr val="tx1"/>
+          </a:fontRef>
+        </p:style>
+      </p:cxnSp>
+      <p:cxnSp>
+        <p:nvCxnSpPr>
+          <p:cNvPr id="76" name="직선 연결선 75"/>
+          <p:cNvCxnSpPr/>
+          <p:nvPr/>
+        </p:nvCxnSpPr>
+        <p:spPr>
+          <a:xfrm>
+            <a:off x="3842080" y="2020417"/>
+            <a:ext cx="0" cy="850232"/>
+          </a:xfrm>
+          <a:prstGeom prst="line">
+            <a:avLst/>
+          </a:prstGeom>
+          <a:ln>
+            <a:solidFill>
+              <a:schemeClr val="tx1"/>
+            </a:solidFill>
+          </a:ln>
+        </p:spPr>
+        <p:style>
+          <a:lnRef idx="1">
+            <a:schemeClr val="accent1"/>
+          </a:lnRef>
+          <a:fillRef idx="0">
+            <a:schemeClr val="accent1"/>
+          </a:fillRef>
+          <a:effectRef idx="0">
+            <a:schemeClr val="accent1"/>
+          </a:effectRef>
+          <a:fontRef idx="minor">
+            <a:schemeClr val="tx1"/>
+          </a:fontRef>
+        </p:style>
+      </p:cxnSp>
+      <p:cxnSp>
+        <p:nvCxnSpPr>
+          <p:cNvPr id="77" name="직선 연결선 76"/>
+          <p:cNvCxnSpPr/>
+          <p:nvPr/>
+        </p:nvCxnSpPr>
+        <p:spPr>
+          <a:xfrm>
+            <a:off x="4836691" y="2020417"/>
+            <a:ext cx="0" cy="850232"/>
+          </a:xfrm>
+          <a:prstGeom prst="line">
+            <a:avLst/>
+          </a:prstGeom>
+          <a:ln>
+            <a:solidFill>
+              <a:schemeClr val="tx1"/>
+            </a:solidFill>
+          </a:ln>
+        </p:spPr>
+        <p:style>
+          <a:lnRef idx="1">
+            <a:schemeClr val="accent1"/>
+          </a:lnRef>
+          <a:fillRef idx="0">
+            <a:schemeClr val="accent1"/>
+          </a:fillRef>
+          <a:effectRef idx="0">
+            <a:schemeClr val="accent1"/>
+          </a:effectRef>
+          <a:fontRef idx="minor">
+            <a:schemeClr val="tx1"/>
+          </a:fontRef>
+        </p:style>
+      </p:cxnSp>
+      <p:cxnSp>
+        <p:nvCxnSpPr>
+          <p:cNvPr id="78" name="직선 연결선 77"/>
+          <p:cNvCxnSpPr/>
+          <p:nvPr/>
+        </p:nvCxnSpPr>
+        <p:spPr>
+          <a:xfrm>
+            <a:off x="5823280" y="2036459"/>
+            <a:ext cx="0" cy="850232"/>
+          </a:xfrm>
+          <a:prstGeom prst="line">
+            <a:avLst/>
+          </a:prstGeom>
+          <a:ln>
+            <a:solidFill>
+              <a:schemeClr val="tx1"/>
+            </a:solidFill>
+          </a:ln>
+        </p:spPr>
+        <p:style>
+          <a:lnRef idx="1">
+            <a:schemeClr val="accent1"/>
+          </a:lnRef>
+          <a:fillRef idx="0">
+            <a:schemeClr val="accent1"/>
+          </a:fillRef>
+          <a:effectRef idx="0">
+            <a:schemeClr val="accent1"/>
+          </a:effectRef>
+          <a:fontRef idx="minor">
+            <a:schemeClr val="tx1"/>
+          </a:fontRef>
+        </p:style>
+      </p:cxnSp>
+      <p:sp>
+        <p:nvSpPr>
+          <p:cNvPr id="79" name="TextBox 78"/>
+          <p:cNvSpPr txBox="1"/>
+          <p:nvPr/>
+        </p:nvSpPr>
+        <p:spPr>
+          <a:xfrm>
+            <a:off x="281495" y="2276909"/>
+            <a:ext cx="437940" cy="369332"/>
+          </a:xfrm>
+          <a:prstGeom prst="rect">
+            <a:avLst/>
+          </a:prstGeom>
+          <a:noFill/>
+        </p:spPr>
+        <p:txBody>
+          <a:bodyPr wrap="none" rtlCol="0">
+            <a:spAutoFit/>
+          </a:bodyPr>
+          <a:lstStyle/>
+          <a:p>
+            <a:r>
+              <a:rPr lang="en-US" altLang="ko-KR" dirty="0" smtClean="0"/>
+              <a:t>21</a:t>
+            </a:r>
+            <a:endParaRPr lang="ko-KR" altLang="en-US" dirty="0"/>
+          </a:p>
+        </p:txBody>
+      </p:sp>
+      <p:sp>
+        <p:nvSpPr>
+          <p:cNvPr id="80" name="TextBox 79"/>
+          <p:cNvSpPr txBox="1"/>
+          <p:nvPr/>
+        </p:nvSpPr>
+        <p:spPr>
+          <a:xfrm>
+            <a:off x="1158997" y="2287069"/>
+            <a:ext cx="437940" cy="369332"/>
+          </a:xfrm>
+          <a:prstGeom prst="rect">
+            <a:avLst/>
+          </a:prstGeom>
+          <a:noFill/>
+        </p:spPr>
+        <p:txBody>
+          <a:bodyPr wrap="none" rtlCol="0">
+            <a:spAutoFit/>
+          </a:bodyPr>
+          <a:lstStyle/>
+          <a:p>
+            <a:r>
+              <a:rPr lang="en-US" altLang="ko-KR" dirty="0" smtClean="0"/>
+              <a:t>13</a:t>
+            </a:r>
+            <a:endParaRPr lang="ko-KR" altLang="en-US" dirty="0"/>
+          </a:p>
+        </p:txBody>
+      </p:sp>
+      <p:sp>
+        <p:nvSpPr>
+          <p:cNvPr id="81" name="TextBox 80"/>
+          <p:cNvSpPr txBox="1"/>
+          <p:nvPr/>
+        </p:nvSpPr>
+        <p:spPr>
+          <a:xfrm>
+            <a:off x="2206545" y="2266749"/>
+            <a:ext cx="311304" cy="369332"/>
+          </a:xfrm>
+          <a:prstGeom prst="rect">
+            <a:avLst/>
+          </a:prstGeom>
+          <a:noFill/>
+        </p:spPr>
+        <p:txBody>
+          <a:bodyPr wrap="none" rtlCol="0">
+            <a:spAutoFit/>
+          </a:bodyPr>
+          <a:lstStyle/>
+          <a:p>
+            <a:r>
+              <a:rPr lang="en-US" altLang="ko-KR" dirty="0" smtClean="0"/>
+              <a:t>1</a:t>
+            </a:r>
+            <a:endParaRPr lang="ko-KR" altLang="en-US" dirty="0"/>
+          </a:p>
+        </p:txBody>
+      </p:sp>
+      <p:sp>
+        <p:nvSpPr>
+          <p:cNvPr id="82" name="TextBox 81"/>
+          <p:cNvSpPr txBox="1"/>
+          <p:nvPr/>
+        </p:nvSpPr>
+        <p:spPr>
+          <a:xfrm>
+            <a:off x="3165329" y="2266749"/>
+            <a:ext cx="311304" cy="369332"/>
+          </a:xfrm>
+          <a:prstGeom prst="rect">
+            <a:avLst/>
+          </a:prstGeom>
+          <a:noFill/>
+        </p:spPr>
+        <p:txBody>
+          <a:bodyPr wrap="none" rtlCol="0">
+            <a:spAutoFit/>
+          </a:bodyPr>
+          <a:lstStyle/>
+          <a:p>
+            <a:r>
+              <a:rPr lang="en-US" altLang="ko-KR" dirty="0"/>
+              <a:t>8</a:t>
+            </a:r>
+            <a:endParaRPr lang="ko-KR" altLang="en-US" dirty="0"/>
+          </a:p>
+        </p:txBody>
+      </p:sp>
+      <p:sp>
+        <p:nvSpPr>
+          <p:cNvPr id="83" name="TextBox 82"/>
+          <p:cNvSpPr txBox="1"/>
+          <p:nvPr/>
+        </p:nvSpPr>
+        <p:spPr>
+          <a:xfrm>
+            <a:off x="6122643" y="2276909"/>
+            <a:ext cx="437940" cy="369332"/>
+          </a:xfrm>
+          <a:prstGeom prst="rect">
+            <a:avLst/>
+          </a:prstGeom>
+          <a:noFill/>
+        </p:spPr>
+        <p:txBody>
+          <a:bodyPr wrap="none" rtlCol="0">
+            <a:spAutoFit/>
+          </a:bodyPr>
+          <a:lstStyle/>
+          <a:p>
+            <a:r>
+              <a:rPr lang="en-US" altLang="ko-KR" dirty="0" smtClean="0"/>
+              <a:t>12</a:t>
+            </a:r>
+            <a:endParaRPr lang="ko-KR" altLang="en-US" dirty="0"/>
+          </a:p>
+        </p:txBody>
+      </p:sp>
+      <p:sp>
+        <p:nvSpPr>
+          <p:cNvPr id="84" name="TextBox 83"/>
+          <p:cNvSpPr txBox="1"/>
+          <p:nvPr/>
+        </p:nvSpPr>
+        <p:spPr>
+          <a:xfrm>
+            <a:off x="5190684" y="2276909"/>
+            <a:ext cx="311304" cy="369332"/>
+          </a:xfrm>
+          <a:prstGeom prst="rect">
+            <a:avLst/>
+          </a:prstGeom>
+          <a:noFill/>
+        </p:spPr>
+        <p:txBody>
+          <a:bodyPr wrap="none" rtlCol="0">
+            <a:spAutoFit/>
+          </a:bodyPr>
+          <a:lstStyle/>
+          <a:p>
+            <a:r>
+              <a:rPr lang="en-US" altLang="ko-KR" dirty="0"/>
+              <a:t>6</a:t>
+            </a:r>
+            <a:endParaRPr lang="ko-KR" altLang="en-US" dirty="0"/>
+          </a:p>
+        </p:txBody>
+      </p:sp>
+      <p:sp>
+        <p:nvSpPr>
+          <p:cNvPr id="85" name="TextBox 84"/>
+          <p:cNvSpPr txBox="1"/>
+          <p:nvPr/>
+        </p:nvSpPr>
+        <p:spPr>
+          <a:xfrm>
+            <a:off x="4190996" y="2273166"/>
+            <a:ext cx="311304" cy="369332"/>
+          </a:xfrm>
+          <a:prstGeom prst="rect">
+            <a:avLst/>
+          </a:prstGeom>
+          <a:noFill/>
+        </p:spPr>
+        <p:txBody>
+          <a:bodyPr wrap="none" rtlCol="0">
+            <a:spAutoFit/>
+          </a:bodyPr>
+          <a:lstStyle/>
+          <a:p>
+            <a:r>
+              <a:rPr lang="en-US" altLang="ko-KR" dirty="0"/>
+              <a:t>3</a:t>
+            </a:r>
+            <a:endParaRPr lang="ko-KR" altLang="en-US" dirty="0"/>
+          </a:p>
+        </p:txBody>
+      </p:sp>
+      <p:sp>
+        <p:nvSpPr>
+          <p:cNvPr id="86" name="직사각형 85"/>
+          <p:cNvSpPr/>
+          <p:nvPr/>
+        </p:nvSpPr>
+        <p:spPr>
+          <a:xfrm>
+            <a:off x="10160" y="3100939"/>
+            <a:ext cx="5813120" cy="850232"/>
+          </a:xfrm>
+          <a:prstGeom prst="rect">
+            <a:avLst/>
+          </a:prstGeom>
+        </p:spPr>
+        <p:style>
+          <a:lnRef idx="2">
+            <a:schemeClr val="accent1">
+              <a:shade val="50000"/>
+            </a:schemeClr>
+          </a:lnRef>
+          <a:fillRef idx="1">
+            <a:schemeClr val="accent1"/>
+          </a:fillRef>
+          <a:effectRef idx="0">
+            <a:schemeClr val="accent1"/>
+          </a:effectRef>
+          <a:fontRef idx="minor">
+            <a:schemeClr val="lt1"/>
+          </a:fontRef>
+        </p:style>
+        <p:txBody>
+          <a:bodyPr rtlCol="0" anchor="ctr"/>
+          <a:lstStyle/>
+          <a:p>
+            <a:pPr algn="ctr"/>
+            <a:endParaRPr lang="en-US" altLang="ko-KR" dirty="0" smtClean="0"/>
+          </a:p>
+        </p:txBody>
+      </p:sp>
+      <p:cxnSp>
+        <p:nvCxnSpPr>
+          <p:cNvPr id="87" name="직선 연결선 86"/>
+          <p:cNvCxnSpPr/>
+          <p:nvPr/>
+        </p:nvCxnSpPr>
+        <p:spPr>
+          <a:xfrm>
+            <a:off x="892473" y="3084897"/>
+            <a:ext cx="0" cy="850232"/>
+          </a:xfrm>
+          <a:prstGeom prst="line">
+            <a:avLst/>
+          </a:prstGeom>
+          <a:ln>
+            <a:solidFill>
+              <a:schemeClr val="tx1"/>
+            </a:solidFill>
+          </a:ln>
+        </p:spPr>
+        <p:style>
+          <a:lnRef idx="1">
+            <a:schemeClr val="accent1"/>
+          </a:lnRef>
+          <a:fillRef idx="0">
+            <a:schemeClr val="accent1"/>
+          </a:fillRef>
+          <a:effectRef idx="0">
+            <a:schemeClr val="accent1"/>
+          </a:effectRef>
+          <a:fontRef idx="minor">
+            <a:schemeClr val="tx1"/>
+          </a:fontRef>
+        </p:style>
+      </p:cxnSp>
+      <p:cxnSp>
+        <p:nvCxnSpPr>
+          <p:cNvPr id="88" name="직선 연결선 87"/>
+          <p:cNvCxnSpPr/>
+          <p:nvPr/>
+        </p:nvCxnSpPr>
+        <p:spPr>
+          <a:xfrm>
+            <a:off x="1863020" y="3100939"/>
+            <a:ext cx="0" cy="850232"/>
+          </a:xfrm>
+          <a:prstGeom prst="line">
+            <a:avLst/>
+          </a:prstGeom>
+          <a:ln>
+            <a:solidFill>
+              <a:schemeClr val="tx1"/>
+            </a:solidFill>
+          </a:ln>
+        </p:spPr>
+        <p:style>
+          <a:lnRef idx="1">
+            <a:schemeClr val="accent1"/>
+          </a:lnRef>
+          <a:fillRef idx="0">
+            <a:schemeClr val="accent1"/>
+          </a:fillRef>
+          <a:effectRef idx="0">
+            <a:schemeClr val="accent1"/>
+          </a:effectRef>
+          <a:fontRef idx="minor">
+            <a:schemeClr val="tx1"/>
+          </a:fontRef>
+        </p:style>
+      </p:cxnSp>
+      <p:cxnSp>
+        <p:nvCxnSpPr>
+          <p:cNvPr id="89" name="직선 연결선 88"/>
+          <p:cNvCxnSpPr/>
+          <p:nvPr/>
+        </p:nvCxnSpPr>
+        <p:spPr>
+          <a:xfrm>
+            <a:off x="2817525" y="3100939"/>
+            <a:ext cx="0" cy="850232"/>
+          </a:xfrm>
+          <a:prstGeom prst="line">
+            <a:avLst/>
+          </a:prstGeom>
+          <a:ln>
+            <a:solidFill>
+              <a:schemeClr val="tx1"/>
+            </a:solidFill>
+          </a:ln>
+        </p:spPr>
+        <p:style>
+          <a:lnRef idx="1">
+            <a:schemeClr val="accent1"/>
+          </a:lnRef>
+          <a:fillRef idx="0">
+            <a:schemeClr val="accent1"/>
+          </a:fillRef>
+          <a:effectRef idx="0">
+            <a:schemeClr val="accent1"/>
+          </a:effectRef>
+          <a:fontRef idx="minor">
+            <a:schemeClr val="tx1"/>
+          </a:fontRef>
+        </p:style>
+      </p:cxnSp>
+      <p:cxnSp>
+        <p:nvCxnSpPr>
+          <p:cNvPr id="90" name="직선 연결선 89"/>
+          <p:cNvCxnSpPr/>
+          <p:nvPr/>
+        </p:nvCxnSpPr>
+        <p:spPr>
+          <a:xfrm>
+            <a:off x="3852239" y="3100939"/>
+            <a:ext cx="0" cy="850232"/>
+          </a:xfrm>
+          <a:prstGeom prst="line">
+            <a:avLst/>
+          </a:prstGeom>
+          <a:ln>
+            <a:solidFill>
+              <a:schemeClr val="tx1"/>
+            </a:solidFill>
+          </a:ln>
+        </p:spPr>
+        <p:style>
+          <a:lnRef idx="1">
+            <a:schemeClr val="accent1"/>
+          </a:lnRef>
+          <a:fillRef idx="0">
+            <a:schemeClr val="accent1"/>
+          </a:fillRef>
+          <a:effectRef idx="0">
+            <a:schemeClr val="accent1"/>
+          </a:effectRef>
+          <a:fontRef idx="minor">
+            <a:schemeClr val="tx1"/>
+          </a:fontRef>
+        </p:style>
+      </p:cxnSp>
+      <p:cxnSp>
+        <p:nvCxnSpPr>
+          <p:cNvPr id="91" name="직선 연결선 90"/>
+          <p:cNvCxnSpPr/>
+          <p:nvPr/>
+        </p:nvCxnSpPr>
+        <p:spPr>
+          <a:xfrm>
+            <a:off x="4846850" y="3100939"/>
+            <a:ext cx="0" cy="850232"/>
+          </a:xfrm>
+          <a:prstGeom prst="line">
+            <a:avLst/>
+          </a:prstGeom>
+          <a:ln>
+            <a:solidFill>
+              <a:schemeClr val="tx1"/>
+            </a:solidFill>
+          </a:ln>
+        </p:spPr>
+        <p:style>
+          <a:lnRef idx="1">
+            <a:schemeClr val="accent1"/>
+          </a:lnRef>
+          <a:fillRef idx="0">
+            <a:schemeClr val="accent1"/>
+          </a:fillRef>
+          <a:effectRef idx="0">
+            <a:schemeClr val="accent1"/>
+          </a:effectRef>
+          <a:fontRef idx="minor">
+            <a:schemeClr val="tx1"/>
+          </a:fontRef>
+        </p:style>
+      </p:cxnSp>
+      <p:sp>
+        <p:nvSpPr>
+          <p:cNvPr id="93" name="TextBox 92"/>
+          <p:cNvSpPr txBox="1"/>
+          <p:nvPr/>
+        </p:nvSpPr>
+        <p:spPr>
+          <a:xfrm>
+            <a:off x="291654" y="3357431"/>
+            <a:ext cx="437940" cy="369332"/>
+          </a:xfrm>
+          <a:prstGeom prst="rect">
+            <a:avLst/>
+          </a:prstGeom>
+          <a:noFill/>
+        </p:spPr>
+        <p:txBody>
+          <a:bodyPr wrap="none" rtlCol="0">
+            <a:spAutoFit/>
+          </a:bodyPr>
+          <a:lstStyle/>
+          <a:p>
+            <a:r>
+              <a:rPr lang="en-US" altLang="ko-KR" dirty="0" smtClean="0"/>
+              <a:t>21</a:t>
+            </a:r>
+            <a:endParaRPr lang="ko-KR" altLang="en-US" dirty="0"/>
+          </a:p>
+        </p:txBody>
+      </p:sp>
+      <p:sp>
+        <p:nvSpPr>
+          <p:cNvPr id="94" name="TextBox 93"/>
+          <p:cNvSpPr txBox="1"/>
+          <p:nvPr/>
+        </p:nvSpPr>
+        <p:spPr>
+          <a:xfrm>
+            <a:off x="1169156" y="3367591"/>
+            <a:ext cx="437940" cy="369332"/>
+          </a:xfrm>
+          <a:prstGeom prst="rect">
+            <a:avLst/>
+          </a:prstGeom>
+          <a:noFill/>
+        </p:spPr>
+        <p:txBody>
+          <a:bodyPr wrap="none" rtlCol="0">
+            <a:spAutoFit/>
+          </a:bodyPr>
+          <a:lstStyle/>
+          <a:p>
+            <a:r>
+              <a:rPr lang="en-US" altLang="ko-KR" dirty="0" smtClean="0"/>
+              <a:t>13</a:t>
+            </a:r>
+            <a:endParaRPr lang="ko-KR" altLang="en-US" dirty="0"/>
+          </a:p>
+        </p:txBody>
+      </p:sp>
+      <p:sp>
+        <p:nvSpPr>
+          <p:cNvPr id="95" name="TextBox 94"/>
+          <p:cNvSpPr txBox="1"/>
+          <p:nvPr/>
+        </p:nvSpPr>
+        <p:spPr>
+          <a:xfrm>
+            <a:off x="2216704" y="3347271"/>
+            <a:ext cx="311304" cy="369332"/>
+          </a:xfrm>
+          <a:prstGeom prst="rect">
+            <a:avLst/>
+          </a:prstGeom>
+          <a:noFill/>
+        </p:spPr>
+        <p:txBody>
+          <a:bodyPr wrap="none" rtlCol="0">
+            <a:spAutoFit/>
+          </a:bodyPr>
+          <a:lstStyle/>
+          <a:p>
+            <a:r>
+              <a:rPr lang="en-US" altLang="ko-KR" dirty="0" smtClean="0"/>
+              <a:t>1</a:t>
+            </a:r>
+            <a:endParaRPr lang="ko-KR" altLang="en-US" dirty="0"/>
+          </a:p>
+        </p:txBody>
+      </p:sp>
+      <p:sp>
+        <p:nvSpPr>
+          <p:cNvPr id="96" name="TextBox 95"/>
+          <p:cNvSpPr txBox="1"/>
+          <p:nvPr/>
+        </p:nvSpPr>
+        <p:spPr>
+          <a:xfrm>
+            <a:off x="3175488" y="3347271"/>
+            <a:ext cx="311304" cy="369332"/>
+          </a:xfrm>
+          <a:prstGeom prst="rect">
+            <a:avLst/>
+          </a:prstGeom>
+          <a:noFill/>
+        </p:spPr>
+        <p:txBody>
+          <a:bodyPr wrap="none" rtlCol="0">
+            <a:spAutoFit/>
+          </a:bodyPr>
+          <a:lstStyle/>
+          <a:p>
+            <a:r>
+              <a:rPr lang="en-US" altLang="ko-KR" dirty="0"/>
+              <a:t>8</a:t>
+            </a:r>
+            <a:endParaRPr lang="ko-KR" altLang="en-US" dirty="0"/>
+          </a:p>
+        </p:txBody>
+      </p:sp>
+      <p:sp>
+        <p:nvSpPr>
+          <p:cNvPr id="98" name="TextBox 97"/>
+          <p:cNvSpPr txBox="1"/>
+          <p:nvPr/>
+        </p:nvSpPr>
+        <p:spPr>
+          <a:xfrm>
+            <a:off x="5200843" y="3357431"/>
+            <a:ext cx="311304" cy="369332"/>
+          </a:xfrm>
+          <a:prstGeom prst="rect">
+            <a:avLst/>
+          </a:prstGeom>
+          <a:noFill/>
+        </p:spPr>
+        <p:txBody>
+          <a:bodyPr wrap="none" rtlCol="0">
+            <a:spAutoFit/>
+          </a:bodyPr>
+          <a:lstStyle/>
+          <a:p>
+            <a:r>
+              <a:rPr lang="en-US" altLang="ko-KR" dirty="0"/>
+              <a:t>6</a:t>
+            </a:r>
+            <a:endParaRPr lang="ko-KR" altLang="en-US" dirty="0"/>
+          </a:p>
+        </p:txBody>
+      </p:sp>
+      <p:sp>
+        <p:nvSpPr>
+          <p:cNvPr id="99" name="TextBox 98"/>
+          <p:cNvSpPr txBox="1"/>
+          <p:nvPr/>
+        </p:nvSpPr>
+        <p:spPr>
+          <a:xfrm>
+            <a:off x="4201155" y="3353688"/>
+            <a:ext cx="311304" cy="369332"/>
+          </a:xfrm>
+          <a:prstGeom prst="rect">
+            <a:avLst/>
+          </a:prstGeom>
+          <a:noFill/>
+        </p:spPr>
+        <p:txBody>
+          <a:bodyPr wrap="none" rtlCol="0">
+            <a:spAutoFit/>
+          </a:bodyPr>
+          <a:lstStyle/>
+          <a:p>
+            <a:r>
+              <a:rPr lang="en-US" altLang="ko-KR" dirty="0"/>
+              <a:t>3</a:t>
+            </a:r>
+            <a:endParaRPr lang="ko-KR" altLang="en-US" dirty="0"/>
+          </a:p>
+        </p:txBody>
+      </p:sp>
+      <p:sp>
+        <p:nvSpPr>
+          <p:cNvPr id="100" name="직사각형 99"/>
+          <p:cNvSpPr/>
+          <p:nvPr/>
+        </p:nvSpPr>
+        <p:spPr>
+          <a:xfrm>
+            <a:off x="-10160" y="4147419"/>
+            <a:ext cx="4857010" cy="850232"/>
+          </a:xfrm>
+          <a:prstGeom prst="rect">
+            <a:avLst/>
+          </a:prstGeom>
+        </p:spPr>
+        <p:style>
+          <a:lnRef idx="2">
+            <a:schemeClr val="accent1">
+              <a:shade val="50000"/>
+            </a:schemeClr>
+          </a:lnRef>
+          <a:fillRef idx="1">
+            <a:schemeClr val="accent1"/>
+          </a:fillRef>
+          <a:effectRef idx="0">
+            <a:schemeClr val="accent1"/>
+          </a:effectRef>
+          <a:fontRef idx="minor">
+            <a:schemeClr val="lt1"/>
+          </a:fontRef>
+        </p:style>
+        <p:txBody>
+          <a:bodyPr rtlCol="0" anchor="ctr"/>
+          <a:lstStyle/>
+          <a:p>
+            <a:pPr algn="ctr"/>
+            <a:endParaRPr lang="en-US" altLang="ko-KR" dirty="0" smtClean="0"/>
+          </a:p>
+        </p:txBody>
+      </p:sp>
+      <p:cxnSp>
+        <p:nvCxnSpPr>
+          <p:cNvPr id="101" name="직선 연결선 100"/>
+          <p:cNvCxnSpPr/>
+          <p:nvPr/>
+        </p:nvCxnSpPr>
+        <p:spPr>
+          <a:xfrm>
+            <a:off x="872153" y="4131377"/>
+            <a:ext cx="0" cy="850232"/>
+          </a:xfrm>
+          <a:prstGeom prst="line">
+            <a:avLst/>
+          </a:prstGeom>
+          <a:ln>
+            <a:solidFill>
+              <a:schemeClr val="tx1"/>
+            </a:solidFill>
+          </a:ln>
+        </p:spPr>
+        <p:style>
+          <a:lnRef idx="1">
+            <a:schemeClr val="accent1"/>
+          </a:lnRef>
+          <a:fillRef idx="0">
+            <a:schemeClr val="accent1"/>
+          </a:fillRef>
+          <a:effectRef idx="0">
+            <a:schemeClr val="accent1"/>
+          </a:effectRef>
+          <a:fontRef idx="minor">
+            <a:schemeClr val="tx1"/>
+          </a:fontRef>
+        </p:style>
+      </p:cxnSp>
+      <p:cxnSp>
+        <p:nvCxnSpPr>
+          <p:cNvPr id="102" name="직선 연결선 101"/>
+          <p:cNvCxnSpPr/>
+          <p:nvPr/>
+        </p:nvCxnSpPr>
+        <p:spPr>
+          <a:xfrm>
+            <a:off x="1842700" y="4147419"/>
+            <a:ext cx="0" cy="850232"/>
+          </a:xfrm>
+          <a:prstGeom prst="line">
+            <a:avLst/>
+          </a:prstGeom>
+          <a:ln>
+            <a:solidFill>
+              <a:schemeClr val="tx1"/>
+            </a:solidFill>
+          </a:ln>
+        </p:spPr>
+        <p:style>
+          <a:lnRef idx="1">
+            <a:schemeClr val="accent1"/>
+          </a:lnRef>
+          <a:fillRef idx="0">
+            <a:schemeClr val="accent1"/>
+          </a:fillRef>
+          <a:effectRef idx="0">
+            <a:schemeClr val="accent1"/>
+          </a:effectRef>
+          <a:fontRef idx="minor">
+            <a:schemeClr val="tx1"/>
+          </a:fontRef>
+        </p:style>
+      </p:cxnSp>
+      <p:cxnSp>
+        <p:nvCxnSpPr>
+          <p:cNvPr id="103" name="직선 연결선 102"/>
+          <p:cNvCxnSpPr/>
+          <p:nvPr/>
+        </p:nvCxnSpPr>
+        <p:spPr>
+          <a:xfrm>
+            <a:off x="2797205" y="4147419"/>
+            <a:ext cx="0" cy="850232"/>
+          </a:xfrm>
+          <a:prstGeom prst="line">
+            <a:avLst/>
+          </a:prstGeom>
+          <a:ln>
+            <a:solidFill>
+              <a:schemeClr val="tx1"/>
+            </a:solidFill>
+          </a:ln>
+        </p:spPr>
+        <p:style>
+          <a:lnRef idx="1">
+            <a:schemeClr val="accent1"/>
+          </a:lnRef>
+          <a:fillRef idx="0">
+            <a:schemeClr val="accent1"/>
+          </a:fillRef>
+          <a:effectRef idx="0">
+            <a:schemeClr val="accent1"/>
+          </a:effectRef>
+          <a:fontRef idx="minor">
+            <a:schemeClr val="tx1"/>
+          </a:fontRef>
+        </p:style>
+      </p:cxnSp>
+      <p:cxnSp>
+        <p:nvCxnSpPr>
+          <p:cNvPr id="104" name="직선 연결선 103"/>
+          <p:cNvCxnSpPr/>
+          <p:nvPr/>
+        </p:nvCxnSpPr>
+        <p:spPr>
+          <a:xfrm>
+            <a:off x="3831919" y="4147419"/>
+            <a:ext cx="0" cy="850232"/>
+          </a:xfrm>
+          <a:prstGeom prst="line">
+            <a:avLst/>
+          </a:prstGeom>
+          <a:ln>
+            <a:solidFill>
+              <a:schemeClr val="tx1"/>
+            </a:solidFill>
+          </a:ln>
+        </p:spPr>
+        <p:style>
+          <a:lnRef idx="1">
+            <a:schemeClr val="accent1"/>
+          </a:lnRef>
+          <a:fillRef idx="0">
+            <a:schemeClr val="accent1"/>
+          </a:fillRef>
+          <a:effectRef idx="0">
+            <a:schemeClr val="accent1"/>
+          </a:effectRef>
+          <a:fontRef idx="minor">
+            <a:schemeClr val="tx1"/>
+          </a:fontRef>
+        </p:style>
+      </p:cxnSp>
+      <p:sp>
+        <p:nvSpPr>
+          <p:cNvPr id="106" name="TextBox 105"/>
+          <p:cNvSpPr txBox="1"/>
+          <p:nvPr/>
+        </p:nvSpPr>
+        <p:spPr>
+          <a:xfrm>
+            <a:off x="271334" y="4403911"/>
+            <a:ext cx="437940" cy="369332"/>
+          </a:xfrm>
+          <a:prstGeom prst="rect">
+            <a:avLst/>
+          </a:prstGeom>
+          <a:noFill/>
+        </p:spPr>
+        <p:txBody>
+          <a:bodyPr wrap="none" rtlCol="0">
+            <a:spAutoFit/>
+          </a:bodyPr>
+          <a:lstStyle/>
+          <a:p>
+            <a:r>
+              <a:rPr lang="en-US" altLang="ko-KR" dirty="0" smtClean="0"/>
+              <a:t>21</a:t>
+            </a:r>
+            <a:endParaRPr lang="ko-KR" altLang="en-US" dirty="0"/>
+          </a:p>
+        </p:txBody>
+      </p:sp>
+      <p:sp>
+        <p:nvSpPr>
+          <p:cNvPr id="107" name="TextBox 106"/>
+          <p:cNvSpPr txBox="1"/>
+          <p:nvPr/>
+        </p:nvSpPr>
+        <p:spPr>
+          <a:xfrm>
+            <a:off x="1148836" y="4414071"/>
+            <a:ext cx="437940" cy="369332"/>
+          </a:xfrm>
+          <a:prstGeom prst="rect">
+            <a:avLst/>
+          </a:prstGeom>
+          <a:noFill/>
+        </p:spPr>
+        <p:txBody>
+          <a:bodyPr wrap="none" rtlCol="0">
+            <a:spAutoFit/>
+          </a:bodyPr>
+          <a:lstStyle/>
+          <a:p>
+            <a:r>
+              <a:rPr lang="en-US" altLang="ko-KR" dirty="0" smtClean="0"/>
+              <a:t>13</a:t>
+            </a:r>
+            <a:endParaRPr lang="ko-KR" altLang="en-US" dirty="0"/>
+          </a:p>
+        </p:txBody>
+      </p:sp>
+      <p:sp>
+        <p:nvSpPr>
+          <p:cNvPr id="108" name="TextBox 107"/>
+          <p:cNvSpPr txBox="1"/>
+          <p:nvPr/>
+        </p:nvSpPr>
+        <p:spPr>
+          <a:xfrm>
+            <a:off x="2196384" y="4393751"/>
+            <a:ext cx="311304" cy="369332"/>
+          </a:xfrm>
+          <a:prstGeom prst="rect">
+            <a:avLst/>
+          </a:prstGeom>
+          <a:noFill/>
+        </p:spPr>
+        <p:txBody>
+          <a:bodyPr wrap="none" rtlCol="0">
+            <a:spAutoFit/>
+          </a:bodyPr>
+          <a:lstStyle/>
+          <a:p>
+            <a:r>
+              <a:rPr lang="en-US" altLang="ko-KR" dirty="0" smtClean="0"/>
+              <a:t>1</a:t>
+            </a:r>
+            <a:endParaRPr lang="ko-KR" altLang="en-US" dirty="0"/>
+          </a:p>
+        </p:txBody>
+      </p:sp>
+      <p:sp>
+        <p:nvSpPr>
+          <p:cNvPr id="109" name="TextBox 108"/>
+          <p:cNvSpPr txBox="1"/>
+          <p:nvPr/>
+        </p:nvSpPr>
+        <p:spPr>
+          <a:xfrm>
+            <a:off x="3155168" y="4393751"/>
+            <a:ext cx="311304" cy="369332"/>
+          </a:xfrm>
+          <a:prstGeom prst="rect">
+            <a:avLst/>
+          </a:prstGeom>
+          <a:noFill/>
+        </p:spPr>
+        <p:txBody>
+          <a:bodyPr wrap="none" rtlCol="0">
+            <a:spAutoFit/>
+          </a:bodyPr>
+          <a:lstStyle/>
+          <a:p>
+            <a:r>
+              <a:rPr lang="en-US" altLang="ko-KR" dirty="0"/>
+              <a:t>8</a:t>
+            </a:r>
+            <a:endParaRPr lang="ko-KR" altLang="en-US" dirty="0"/>
+          </a:p>
+        </p:txBody>
+      </p:sp>
+      <p:sp>
+        <p:nvSpPr>
+          <p:cNvPr id="111" name="TextBox 110"/>
+          <p:cNvSpPr txBox="1"/>
+          <p:nvPr/>
+        </p:nvSpPr>
+        <p:spPr>
+          <a:xfrm>
+            <a:off x="4180835" y="4400168"/>
+            <a:ext cx="311304" cy="369332"/>
+          </a:xfrm>
+          <a:prstGeom prst="rect">
+            <a:avLst/>
+          </a:prstGeom>
+          <a:noFill/>
+        </p:spPr>
+        <p:txBody>
+          <a:bodyPr wrap="none" rtlCol="0">
+            <a:spAutoFit/>
+          </a:bodyPr>
+          <a:lstStyle/>
+          <a:p>
+            <a:r>
+              <a:rPr lang="en-US" altLang="ko-KR" dirty="0"/>
+              <a:t>3</a:t>
+            </a:r>
+            <a:endParaRPr lang="ko-KR" altLang="en-US" dirty="0"/>
+          </a:p>
+        </p:txBody>
+      </p:sp>
     </p:spTree>
     <p:extLst>
       <p:ext uri="{BB962C8B-B14F-4D97-AF65-F5344CB8AC3E}">
@@ -3326,6 +5951,326 @@
           <a:chExt cx="0" cy="0"/>
         </a:xfrm>
       </p:grpSpPr>
+      <p:sp>
+        <p:nvSpPr>
+          <p:cNvPr id="3" name="타원 2"/>
+          <p:cNvSpPr/>
+          <p:nvPr/>
+        </p:nvSpPr>
+        <p:spPr>
+          <a:xfrm>
+            <a:off x="4693920" y="619760"/>
+            <a:ext cx="1005840" cy="914400"/>
+          </a:xfrm>
+          <a:prstGeom prst="ellipse">
+            <a:avLst/>
+          </a:prstGeom>
+        </p:spPr>
+        <p:style>
+          <a:lnRef idx="2">
+            <a:schemeClr val="accent1">
+              <a:shade val="50000"/>
+            </a:schemeClr>
+          </a:lnRef>
+          <a:fillRef idx="1">
+            <a:schemeClr val="accent1"/>
+          </a:fillRef>
+          <a:effectRef idx="0">
+            <a:schemeClr val="accent1"/>
+          </a:effectRef>
+          <a:fontRef idx="minor">
+            <a:schemeClr val="lt1"/>
+          </a:fontRef>
+        </p:style>
+        <p:txBody>
+          <a:bodyPr rtlCol="0" anchor="ctr"/>
+          <a:lstStyle/>
+          <a:p>
+            <a:pPr algn="ctr"/>
+            <a:endParaRPr lang="ko-KR" altLang="en-US"/>
+          </a:p>
+        </p:txBody>
+      </p:sp>
+      <p:sp>
+        <p:nvSpPr>
+          <p:cNvPr id="48" name="타원 47"/>
+          <p:cNvSpPr/>
+          <p:nvPr/>
+        </p:nvSpPr>
+        <p:spPr>
+          <a:xfrm>
+            <a:off x="3566160" y="1889760"/>
+            <a:ext cx="1005840" cy="914400"/>
+          </a:xfrm>
+          <a:prstGeom prst="ellipse">
+            <a:avLst/>
+          </a:prstGeom>
+        </p:spPr>
+        <p:style>
+          <a:lnRef idx="2">
+            <a:schemeClr val="accent1">
+              <a:shade val="50000"/>
+            </a:schemeClr>
+          </a:lnRef>
+          <a:fillRef idx="1">
+            <a:schemeClr val="accent1"/>
+          </a:fillRef>
+          <a:effectRef idx="0">
+            <a:schemeClr val="accent1"/>
+          </a:effectRef>
+          <a:fontRef idx="minor">
+            <a:schemeClr val="lt1"/>
+          </a:fontRef>
+        </p:style>
+        <p:txBody>
+          <a:bodyPr rtlCol="0" anchor="ctr"/>
+          <a:lstStyle/>
+          <a:p>
+            <a:pPr algn="ctr"/>
+            <a:endParaRPr lang="ko-KR" altLang="en-US"/>
+          </a:p>
+        </p:txBody>
+      </p:sp>
+      <p:sp>
+        <p:nvSpPr>
+          <p:cNvPr id="49" name="타원 48"/>
+          <p:cNvSpPr/>
+          <p:nvPr/>
+        </p:nvSpPr>
+        <p:spPr>
+          <a:xfrm>
+            <a:off x="5923280" y="1879600"/>
+            <a:ext cx="1005840" cy="914400"/>
+          </a:xfrm>
+          <a:prstGeom prst="ellipse">
+            <a:avLst/>
+          </a:prstGeom>
+        </p:spPr>
+        <p:style>
+          <a:lnRef idx="2">
+            <a:schemeClr val="accent1">
+              <a:shade val="50000"/>
+            </a:schemeClr>
+          </a:lnRef>
+          <a:fillRef idx="1">
+            <a:schemeClr val="accent1"/>
+          </a:fillRef>
+          <a:effectRef idx="0">
+            <a:schemeClr val="accent1"/>
+          </a:effectRef>
+          <a:fontRef idx="minor">
+            <a:schemeClr val="lt1"/>
+          </a:fontRef>
+        </p:style>
+        <p:txBody>
+          <a:bodyPr rtlCol="0" anchor="ctr"/>
+          <a:lstStyle/>
+          <a:p>
+            <a:pPr algn="ctr"/>
+            <a:endParaRPr lang="ko-KR" altLang="en-US"/>
+          </a:p>
+        </p:txBody>
+      </p:sp>
+      <p:sp>
+        <p:nvSpPr>
+          <p:cNvPr id="50" name="타원 49"/>
+          <p:cNvSpPr/>
+          <p:nvPr/>
+        </p:nvSpPr>
+        <p:spPr>
+          <a:xfrm>
+            <a:off x="3566160" y="5374640"/>
+            <a:ext cx="1005840" cy="914400"/>
+          </a:xfrm>
+          <a:prstGeom prst="ellipse">
+            <a:avLst/>
+          </a:prstGeom>
+        </p:spPr>
+        <p:style>
+          <a:lnRef idx="2">
+            <a:schemeClr val="accent1">
+              <a:shade val="50000"/>
+            </a:schemeClr>
+          </a:lnRef>
+          <a:fillRef idx="1">
+            <a:schemeClr val="accent1"/>
+          </a:fillRef>
+          <a:effectRef idx="0">
+            <a:schemeClr val="accent1"/>
+          </a:effectRef>
+          <a:fontRef idx="minor">
+            <a:schemeClr val="lt1"/>
+          </a:fontRef>
+        </p:style>
+        <p:txBody>
+          <a:bodyPr rtlCol="0" anchor="ctr"/>
+          <a:lstStyle/>
+          <a:p>
+            <a:pPr algn="ctr"/>
+            <a:endParaRPr lang="ko-KR" altLang="en-US"/>
+          </a:p>
+        </p:txBody>
+      </p:sp>
+      <p:sp>
+        <p:nvSpPr>
+          <p:cNvPr id="51" name="타원 50"/>
+          <p:cNvSpPr/>
+          <p:nvPr/>
+        </p:nvSpPr>
+        <p:spPr>
+          <a:xfrm>
+            <a:off x="1117600" y="5364480"/>
+            <a:ext cx="1005840" cy="914400"/>
+          </a:xfrm>
+          <a:prstGeom prst="ellipse">
+            <a:avLst/>
+          </a:prstGeom>
+        </p:spPr>
+        <p:style>
+          <a:lnRef idx="2">
+            <a:schemeClr val="accent1">
+              <a:shade val="50000"/>
+            </a:schemeClr>
+          </a:lnRef>
+          <a:fillRef idx="1">
+            <a:schemeClr val="accent1"/>
+          </a:fillRef>
+          <a:effectRef idx="0">
+            <a:schemeClr val="accent1"/>
+          </a:effectRef>
+          <a:fontRef idx="minor">
+            <a:schemeClr val="lt1"/>
+          </a:fontRef>
+        </p:style>
+        <p:txBody>
+          <a:bodyPr rtlCol="0" anchor="ctr"/>
+          <a:lstStyle/>
+          <a:p>
+            <a:pPr algn="ctr"/>
+            <a:endParaRPr lang="ko-KR" altLang="en-US"/>
+          </a:p>
+        </p:txBody>
+      </p:sp>
+      <p:sp>
+        <p:nvSpPr>
+          <p:cNvPr id="54" name="타원 53"/>
+          <p:cNvSpPr/>
+          <p:nvPr/>
+        </p:nvSpPr>
+        <p:spPr>
+          <a:xfrm>
+            <a:off x="7467600" y="3749040"/>
+            <a:ext cx="1005840" cy="914400"/>
+          </a:xfrm>
+          <a:prstGeom prst="ellipse">
+            <a:avLst/>
+          </a:prstGeom>
+        </p:spPr>
+        <p:style>
+          <a:lnRef idx="2">
+            <a:schemeClr val="accent1">
+              <a:shade val="50000"/>
+            </a:schemeClr>
+          </a:lnRef>
+          <a:fillRef idx="1">
+            <a:schemeClr val="accent1"/>
+          </a:fillRef>
+          <a:effectRef idx="0">
+            <a:schemeClr val="accent1"/>
+          </a:effectRef>
+          <a:fontRef idx="minor">
+            <a:schemeClr val="lt1"/>
+          </a:fontRef>
+        </p:style>
+        <p:txBody>
+          <a:bodyPr rtlCol="0" anchor="ctr"/>
+          <a:lstStyle/>
+          <a:p>
+            <a:pPr algn="ctr"/>
+            <a:endParaRPr lang="ko-KR" altLang="en-US"/>
+          </a:p>
+        </p:txBody>
+      </p:sp>
+      <p:sp>
+        <p:nvSpPr>
+          <p:cNvPr id="55" name="타원 54"/>
+          <p:cNvSpPr/>
+          <p:nvPr/>
+        </p:nvSpPr>
+        <p:spPr>
+          <a:xfrm>
+            <a:off x="4846320" y="3749040"/>
+            <a:ext cx="1005840" cy="914400"/>
+          </a:xfrm>
+          <a:prstGeom prst="ellipse">
+            <a:avLst/>
+          </a:prstGeom>
+        </p:spPr>
+        <p:style>
+          <a:lnRef idx="2">
+            <a:schemeClr val="accent1">
+              <a:shade val="50000"/>
+            </a:schemeClr>
+          </a:lnRef>
+          <a:fillRef idx="1">
+            <a:schemeClr val="accent1"/>
+          </a:fillRef>
+          <a:effectRef idx="0">
+            <a:schemeClr val="accent1"/>
+          </a:effectRef>
+          <a:fontRef idx="minor">
+            <a:schemeClr val="lt1"/>
+          </a:fontRef>
+        </p:style>
+        <p:txBody>
+          <a:bodyPr rtlCol="0" anchor="ctr"/>
+          <a:lstStyle/>
+          <a:p>
+            <a:pPr algn="ctr"/>
+            <a:endParaRPr lang="ko-KR" altLang="en-US"/>
+          </a:p>
+        </p:txBody>
+      </p:sp>
+      <p:sp>
+        <p:nvSpPr>
+          <p:cNvPr id="56" name="타원 55"/>
+          <p:cNvSpPr/>
+          <p:nvPr/>
+        </p:nvSpPr>
+        <p:spPr>
+          <a:xfrm>
+            <a:off x="2468880" y="3759200"/>
+            <a:ext cx="1005840" cy="914400"/>
+          </a:xfrm>
+          <a:prstGeom prst="ellipse">
+            <a:avLst/>
+          </a:prstGeom>
+        </p:spPr>
+        <p:style>
+          <a:lnRef idx="2">
+            <a:schemeClr val="accent1">
+              <a:shade val="50000"/>
+            </a:schemeClr>
+          </a:lnRef>
+          <a:fillRef idx="1">
+            <a:schemeClr val="accent1"/>
+          </a:fillRef>
+          <a:effectRef idx="0">
+            <a:schemeClr val="accent1"/>
+          </a:effectRef>
+          <a:fontRef idx="minor">
+            <a:schemeClr val="lt1"/>
+          </a:fontRef>
+        </p:style>
+        <p:txBody>
+          <a:bodyPr rtlCol="0" anchor="ctr"/>
+          <a:lstStyle/>
+          <a:p>
+            <a:pPr algn="ctr"/>
+            <a:endParaRPr lang="ko-KR" altLang="en-US"/>
+          </a:p>
+        </p:txBody>
+      </p:sp>
     </p:spTree>
     <p:extLst>
       <p:ext uri="{BB962C8B-B14F-4D97-AF65-F5344CB8AC3E}">

--- a/Algorithm-이론/알고리즘 이론 학습 자료.pptx
+++ b/Algorithm-이론/알고리즘 이론 학습 자료.pptx
@@ -275,7 +275,7 @@
           <a:p>
             <a:fld id="{F5183EF9-8AE5-4977-9B10-E3C99861EBC1}" type="datetimeFigureOut">
               <a:rPr lang="ko-KR" altLang="en-US" smtClean="0"/>
-              <a:t>2020-02-04</a:t>
+              <a:t>2020-02-12</a:t>
             </a:fld>
             <a:endParaRPr lang="ko-KR" altLang="en-US"/>
           </a:p>
@@ -445,7 +445,7 @@
           <a:p>
             <a:fld id="{F5183EF9-8AE5-4977-9B10-E3C99861EBC1}" type="datetimeFigureOut">
               <a:rPr lang="ko-KR" altLang="en-US" smtClean="0"/>
-              <a:t>2020-02-04</a:t>
+              <a:t>2020-02-12</a:t>
             </a:fld>
             <a:endParaRPr lang="ko-KR" altLang="en-US"/>
           </a:p>
@@ -625,7 +625,7 @@
           <a:p>
             <a:fld id="{F5183EF9-8AE5-4977-9B10-E3C99861EBC1}" type="datetimeFigureOut">
               <a:rPr lang="ko-KR" altLang="en-US" smtClean="0"/>
-              <a:t>2020-02-04</a:t>
+              <a:t>2020-02-12</a:t>
             </a:fld>
             <a:endParaRPr lang="ko-KR" altLang="en-US"/>
           </a:p>
@@ -795,7 +795,7 @@
           <a:p>
             <a:fld id="{F5183EF9-8AE5-4977-9B10-E3C99861EBC1}" type="datetimeFigureOut">
               <a:rPr lang="ko-KR" altLang="en-US" smtClean="0"/>
-              <a:t>2020-02-04</a:t>
+              <a:t>2020-02-12</a:t>
             </a:fld>
             <a:endParaRPr lang="ko-KR" altLang="en-US"/>
           </a:p>
@@ -1041,7 +1041,7 @@
           <a:p>
             <a:fld id="{F5183EF9-8AE5-4977-9B10-E3C99861EBC1}" type="datetimeFigureOut">
               <a:rPr lang="ko-KR" altLang="en-US" smtClean="0"/>
-              <a:t>2020-02-04</a:t>
+              <a:t>2020-02-12</a:t>
             </a:fld>
             <a:endParaRPr lang="ko-KR" altLang="en-US"/>
           </a:p>
@@ -1273,7 +1273,7 @@
           <a:p>
             <a:fld id="{F5183EF9-8AE5-4977-9B10-E3C99861EBC1}" type="datetimeFigureOut">
               <a:rPr lang="ko-KR" altLang="en-US" smtClean="0"/>
-              <a:t>2020-02-04</a:t>
+              <a:t>2020-02-12</a:t>
             </a:fld>
             <a:endParaRPr lang="ko-KR" altLang="en-US"/>
           </a:p>
@@ -1640,7 +1640,7 @@
           <a:p>
             <a:fld id="{F5183EF9-8AE5-4977-9B10-E3C99861EBC1}" type="datetimeFigureOut">
               <a:rPr lang="ko-KR" altLang="en-US" smtClean="0"/>
-              <a:t>2020-02-04</a:t>
+              <a:t>2020-02-12</a:t>
             </a:fld>
             <a:endParaRPr lang="ko-KR" altLang="en-US"/>
           </a:p>
@@ -1758,7 +1758,7 @@
           <a:p>
             <a:fld id="{F5183EF9-8AE5-4977-9B10-E3C99861EBC1}" type="datetimeFigureOut">
               <a:rPr lang="ko-KR" altLang="en-US" smtClean="0"/>
-              <a:t>2020-02-04</a:t>
+              <a:t>2020-02-12</a:t>
             </a:fld>
             <a:endParaRPr lang="ko-KR" altLang="en-US"/>
           </a:p>
@@ -1853,7 +1853,7 @@
           <a:p>
             <a:fld id="{F5183EF9-8AE5-4977-9B10-E3C99861EBC1}" type="datetimeFigureOut">
               <a:rPr lang="ko-KR" altLang="en-US" smtClean="0"/>
-              <a:t>2020-02-04</a:t>
+              <a:t>2020-02-12</a:t>
             </a:fld>
             <a:endParaRPr lang="ko-KR" altLang="en-US"/>
           </a:p>
@@ -2130,7 +2130,7 @@
           <a:p>
             <a:fld id="{F5183EF9-8AE5-4977-9B10-E3C99861EBC1}" type="datetimeFigureOut">
               <a:rPr lang="ko-KR" altLang="en-US" smtClean="0"/>
-              <a:t>2020-02-04</a:t>
+              <a:t>2020-02-12</a:t>
             </a:fld>
             <a:endParaRPr lang="ko-KR" altLang="en-US"/>
           </a:p>
@@ -2383,7 +2383,7 @@
           <a:p>
             <a:fld id="{F5183EF9-8AE5-4977-9B10-E3C99861EBC1}" type="datetimeFigureOut">
               <a:rPr lang="ko-KR" altLang="en-US" smtClean="0"/>
-              <a:t>2020-02-04</a:t>
+              <a:t>2020-02-12</a:t>
             </a:fld>
             <a:endParaRPr lang="ko-KR" altLang="en-US"/>
           </a:p>
@@ -2596,7 +2596,7 @@
           <a:p>
             <a:fld id="{F5183EF9-8AE5-4977-9B10-E3C99861EBC1}" type="datetimeFigureOut">
               <a:rPr lang="ko-KR" altLang="en-US" smtClean="0"/>
-              <a:t>2020-02-04</a:t>
+              <a:t>2020-02-12</a:t>
             </a:fld>
             <a:endParaRPr lang="ko-KR" altLang="en-US"/>
           </a:p>
@@ -3015,6 +3015,12 @@
           <a:prstGeom prst="rect">
             <a:avLst/>
           </a:prstGeom>
+          <a:solidFill>
+            <a:schemeClr val="accent1">
+              <a:lumMod val="40000"/>
+              <a:lumOff val="60000"/>
+            </a:schemeClr>
+          </a:solidFill>
         </p:spPr>
         <p:style>
           <a:lnRef idx="2">
@@ -3335,6 +3341,12 @@
           <a:prstGeom prst="rect">
             <a:avLst/>
           </a:prstGeom>
+          <a:solidFill>
+            <a:schemeClr val="accent1">
+              <a:lumMod val="40000"/>
+              <a:lumOff val="60000"/>
+            </a:schemeClr>
+          </a:solidFill>
         </p:spPr>
         <p:style>
           <a:lnRef idx="2">
@@ -3655,7 +3667,12 @@
           <a:prstGeom prst="rect">
             <a:avLst/>
           </a:prstGeom>
-          <a:noFill/>
+          <a:solidFill>
+            <a:schemeClr val="accent1">
+              <a:lumMod val="40000"/>
+              <a:lumOff val="60000"/>
+            </a:schemeClr>
+          </a:solidFill>
         </p:spPr>
         <p:txBody>
           <a:bodyPr wrap="none" rtlCol="0">
@@ -3685,7 +3702,12 @@
           <a:prstGeom prst="rect">
             <a:avLst/>
           </a:prstGeom>
-          <a:noFill/>
+          <a:solidFill>
+            <a:schemeClr val="accent1">
+              <a:lumMod val="40000"/>
+              <a:lumOff val="60000"/>
+            </a:schemeClr>
+          </a:solidFill>
         </p:spPr>
         <p:txBody>
           <a:bodyPr wrap="none" rtlCol="0">
@@ -3715,7 +3737,12 @@
           <a:prstGeom prst="rect">
             <a:avLst/>
           </a:prstGeom>
-          <a:noFill/>
+          <a:solidFill>
+            <a:schemeClr val="accent1">
+              <a:lumMod val="40000"/>
+              <a:lumOff val="60000"/>
+            </a:schemeClr>
+          </a:solidFill>
         </p:spPr>
         <p:txBody>
           <a:bodyPr wrap="none" rtlCol="0">
@@ -3745,7 +3772,12 @@
           <a:prstGeom prst="rect">
             <a:avLst/>
           </a:prstGeom>
-          <a:noFill/>
+          <a:solidFill>
+            <a:schemeClr val="accent1">
+              <a:lumMod val="40000"/>
+              <a:lumOff val="60000"/>
+            </a:schemeClr>
+          </a:solidFill>
         </p:spPr>
         <p:txBody>
           <a:bodyPr wrap="none" rtlCol="0">
@@ -3775,7 +3807,12 @@
           <a:prstGeom prst="rect">
             <a:avLst/>
           </a:prstGeom>
-          <a:noFill/>
+          <a:solidFill>
+            <a:schemeClr val="accent1">
+              <a:lumMod val="40000"/>
+              <a:lumOff val="60000"/>
+            </a:schemeClr>
+          </a:solidFill>
         </p:spPr>
         <p:txBody>
           <a:bodyPr wrap="none" rtlCol="0">
@@ -3805,7 +3842,12 @@
           <a:prstGeom prst="rect">
             <a:avLst/>
           </a:prstGeom>
-          <a:noFill/>
+          <a:solidFill>
+            <a:schemeClr val="accent1">
+              <a:lumMod val="40000"/>
+              <a:lumOff val="60000"/>
+            </a:schemeClr>
+          </a:solidFill>
         </p:spPr>
         <p:txBody>
           <a:bodyPr wrap="none" rtlCol="0">
@@ -3835,7 +3877,12 @@
           <a:prstGeom prst="rect">
             <a:avLst/>
           </a:prstGeom>
-          <a:noFill/>
+          <a:solidFill>
+            <a:schemeClr val="accent1">
+              <a:lumMod val="40000"/>
+              <a:lumOff val="60000"/>
+            </a:schemeClr>
+          </a:solidFill>
         </p:spPr>
         <p:txBody>
           <a:bodyPr wrap="none" rtlCol="0">
@@ -3865,7 +3912,12 @@
           <a:prstGeom prst="rect">
             <a:avLst/>
           </a:prstGeom>
-          <a:noFill/>
+          <a:solidFill>
+            <a:schemeClr val="accent1">
+              <a:lumMod val="40000"/>
+              <a:lumOff val="60000"/>
+            </a:schemeClr>
+          </a:solidFill>
         </p:spPr>
         <p:txBody>
           <a:bodyPr wrap="none" rtlCol="0">
@@ -3895,7 +3947,12 @@
           <a:prstGeom prst="rect">
             <a:avLst/>
           </a:prstGeom>
-          <a:noFill/>
+          <a:solidFill>
+            <a:schemeClr val="accent1">
+              <a:lumMod val="40000"/>
+              <a:lumOff val="60000"/>
+            </a:schemeClr>
+          </a:solidFill>
         </p:spPr>
         <p:txBody>
           <a:bodyPr wrap="none" rtlCol="0">
@@ -3925,6 +3982,12 @@
           <a:prstGeom prst="rect">
             <a:avLst/>
           </a:prstGeom>
+          <a:solidFill>
+            <a:schemeClr val="accent1">
+              <a:lumMod val="40000"/>
+              <a:lumOff val="60000"/>
+            </a:schemeClr>
+          </a:solidFill>
         </p:spPr>
         <p:style>
           <a:lnRef idx="2">
@@ -4210,7 +4273,12 @@
           <a:prstGeom prst="rect">
             <a:avLst/>
           </a:prstGeom>
-          <a:noFill/>
+          <a:solidFill>
+            <a:schemeClr val="accent1">
+              <a:lumMod val="40000"/>
+              <a:lumOff val="60000"/>
+            </a:schemeClr>
+          </a:solidFill>
         </p:spPr>
         <p:txBody>
           <a:bodyPr wrap="none" rtlCol="0">
@@ -4240,7 +4308,12 @@
           <a:prstGeom prst="rect">
             <a:avLst/>
           </a:prstGeom>
-          <a:noFill/>
+          <a:solidFill>
+            <a:schemeClr val="accent1">
+              <a:lumMod val="40000"/>
+              <a:lumOff val="60000"/>
+            </a:schemeClr>
+          </a:solidFill>
         </p:spPr>
         <p:txBody>
           <a:bodyPr wrap="none" rtlCol="0">
@@ -4270,7 +4343,12 @@
           <a:prstGeom prst="rect">
             <a:avLst/>
           </a:prstGeom>
-          <a:noFill/>
+          <a:solidFill>
+            <a:schemeClr val="accent1">
+              <a:lumMod val="40000"/>
+              <a:lumOff val="60000"/>
+            </a:schemeClr>
+          </a:solidFill>
         </p:spPr>
         <p:txBody>
           <a:bodyPr wrap="none" rtlCol="0">
@@ -4300,7 +4378,12 @@
           <a:prstGeom prst="rect">
             <a:avLst/>
           </a:prstGeom>
-          <a:noFill/>
+          <a:solidFill>
+            <a:schemeClr val="accent1">
+              <a:lumMod val="40000"/>
+              <a:lumOff val="60000"/>
+            </a:schemeClr>
+          </a:solidFill>
         </p:spPr>
         <p:txBody>
           <a:bodyPr wrap="none" rtlCol="0">
@@ -4330,7 +4413,12 @@
           <a:prstGeom prst="rect">
             <a:avLst/>
           </a:prstGeom>
-          <a:noFill/>
+          <a:solidFill>
+            <a:schemeClr val="accent1">
+              <a:lumMod val="40000"/>
+              <a:lumOff val="60000"/>
+            </a:schemeClr>
+          </a:solidFill>
         </p:spPr>
         <p:txBody>
           <a:bodyPr wrap="none" rtlCol="0">
@@ -4360,7 +4448,12 @@
           <a:prstGeom prst="rect">
             <a:avLst/>
           </a:prstGeom>
-          <a:noFill/>
+          <a:solidFill>
+            <a:schemeClr val="accent1">
+              <a:lumMod val="40000"/>
+              <a:lumOff val="60000"/>
+            </a:schemeClr>
+          </a:solidFill>
         </p:spPr>
         <p:txBody>
           <a:bodyPr wrap="none" rtlCol="0">
@@ -4390,7 +4483,12 @@
           <a:prstGeom prst="rect">
             <a:avLst/>
           </a:prstGeom>
-          <a:noFill/>
+          <a:solidFill>
+            <a:schemeClr val="accent1">
+              <a:lumMod val="40000"/>
+              <a:lumOff val="60000"/>
+            </a:schemeClr>
+          </a:solidFill>
         </p:spPr>
         <p:txBody>
           <a:bodyPr wrap="none" rtlCol="0">
@@ -4420,7 +4518,12 @@
           <a:prstGeom prst="rect">
             <a:avLst/>
           </a:prstGeom>
-          <a:noFill/>
+          <a:solidFill>
+            <a:schemeClr val="accent1">
+              <a:lumMod val="40000"/>
+              <a:lumOff val="60000"/>
+            </a:schemeClr>
+          </a:solidFill>
         </p:spPr>
         <p:txBody>
           <a:bodyPr wrap="none" rtlCol="0">
@@ -4450,6 +4553,12 @@
           <a:prstGeom prst="rect">
             <a:avLst/>
           </a:prstGeom>
+          <a:solidFill>
+            <a:schemeClr val="accent1">
+              <a:lumMod val="40000"/>
+              <a:lumOff val="60000"/>
+            </a:schemeClr>
+          </a:solidFill>
         </p:spPr>
         <p:style>
           <a:lnRef idx="2">
@@ -4700,7 +4809,12 @@
           <a:prstGeom prst="rect">
             <a:avLst/>
           </a:prstGeom>
-          <a:noFill/>
+          <a:solidFill>
+            <a:schemeClr val="accent1">
+              <a:lumMod val="40000"/>
+              <a:lumOff val="60000"/>
+            </a:schemeClr>
+          </a:solidFill>
         </p:spPr>
         <p:txBody>
           <a:bodyPr wrap="none" rtlCol="0">
@@ -4730,7 +4844,12 @@
           <a:prstGeom prst="rect">
             <a:avLst/>
           </a:prstGeom>
-          <a:noFill/>
+          <a:solidFill>
+            <a:schemeClr val="accent1">
+              <a:lumMod val="40000"/>
+              <a:lumOff val="60000"/>
+            </a:schemeClr>
+          </a:solidFill>
         </p:spPr>
         <p:txBody>
           <a:bodyPr wrap="none" rtlCol="0">
@@ -4760,7 +4879,12 @@
           <a:prstGeom prst="rect">
             <a:avLst/>
           </a:prstGeom>
-          <a:noFill/>
+          <a:solidFill>
+            <a:schemeClr val="accent1">
+              <a:lumMod val="40000"/>
+              <a:lumOff val="60000"/>
+            </a:schemeClr>
+          </a:solidFill>
         </p:spPr>
         <p:txBody>
           <a:bodyPr wrap="none" rtlCol="0">
@@ -4790,7 +4914,12 @@
           <a:prstGeom prst="rect">
             <a:avLst/>
           </a:prstGeom>
-          <a:noFill/>
+          <a:solidFill>
+            <a:schemeClr val="accent1">
+              <a:lumMod val="40000"/>
+              <a:lumOff val="60000"/>
+            </a:schemeClr>
+          </a:solidFill>
         </p:spPr>
         <p:txBody>
           <a:bodyPr wrap="none" rtlCol="0">
@@ -4820,7 +4949,12 @@
           <a:prstGeom prst="rect">
             <a:avLst/>
           </a:prstGeom>
-          <a:noFill/>
+          <a:solidFill>
+            <a:schemeClr val="accent1">
+              <a:lumMod val="40000"/>
+              <a:lumOff val="60000"/>
+            </a:schemeClr>
+          </a:solidFill>
         </p:spPr>
         <p:txBody>
           <a:bodyPr wrap="none" rtlCol="0">
@@ -4850,7 +4984,12 @@
           <a:prstGeom prst="rect">
             <a:avLst/>
           </a:prstGeom>
-          <a:noFill/>
+          <a:solidFill>
+            <a:schemeClr val="accent1">
+              <a:lumMod val="40000"/>
+              <a:lumOff val="60000"/>
+            </a:schemeClr>
+          </a:solidFill>
         </p:spPr>
         <p:txBody>
           <a:bodyPr wrap="none" rtlCol="0">
@@ -4880,7 +5019,12 @@
           <a:prstGeom prst="rect">
             <a:avLst/>
           </a:prstGeom>
-          <a:noFill/>
+          <a:solidFill>
+            <a:schemeClr val="accent1">
+              <a:lumMod val="40000"/>
+              <a:lumOff val="60000"/>
+            </a:schemeClr>
+          </a:solidFill>
         </p:spPr>
         <p:txBody>
           <a:bodyPr wrap="none" rtlCol="0">
@@ -4910,6 +5054,12 @@
           <a:prstGeom prst="rect">
             <a:avLst/>
           </a:prstGeom>
+          <a:solidFill>
+            <a:schemeClr val="accent1">
+              <a:lumMod val="40000"/>
+              <a:lumOff val="60000"/>
+            </a:schemeClr>
+          </a:solidFill>
         </p:spPr>
         <p:style>
           <a:lnRef idx="2">
@@ -5125,7 +5275,12 @@
           <a:prstGeom prst="rect">
             <a:avLst/>
           </a:prstGeom>
-          <a:noFill/>
+          <a:solidFill>
+            <a:schemeClr val="accent1">
+              <a:lumMod val="40000"/>
+              <a:lumOff val="60000"/>
+            </a:schemeClr>
+          </a:solidFill>
         </p:spPr>
         <p:txBody>
           <a:bodyPr wrap="none" rtlCol="0">
@@ -5155,7 +5310,12 @@
           <a:prstGeom prst="rect">
             <a:avLst/>
           </a:prstGeom>
-          <a:noFill/>
+          <a:solidFill>
+            <a:schemeClr val="accent1">
+              <a:lumMod val="40000"/>
+              <a:lumOff val="60000"/>
+            </a:schemeClr>
+          </a:solidFill>
         </p:spPr>
         <p:txBody>
           <a:bodyPr wrap="none" rtlCol="0">
@@ -5185,7 +5345,12 @@
           <a:prstGeom prst="rect">
             <a:avLst/>
           </a:prstGeom>
-          <a:noFill/>
+          <a:solidFill>
+            <a:schemeClr val="accent1">
+              <a:lumMod val="40000"/>
+              <a:lumOff val="60000"/>
+            </a:schemeClr>
+          </a:solidFill>
         </p:spPr>
         <p:txBody>
           <a:bodyPr wrap="none" rtlCol="0">
@@ -5215,7 +5380,12 @@
           <a:prstGeom prst="rect">
             <a:avLst/>
           </a:prstGeom>
-          <a:noFill/>
+          <a:solidFill>
+            <a:schemeClr val="accent1">
+              <a:lumMod val="40000"/>
+              <a:lumOff val="60000"/>
+            </a:schemeClr>
+          </a:solidFill>
         </p:spPr>
         <p:txBody>
           <a:bodyPr wrap="none" rtlCol="0">
@@ -5245,7 +5415,12 @@
           <a:prstGeom prst="rect">
             <a:avLst/>
           </a:prstGeom>
-          <a:noFill/>
+          <a:solidFill>
+            <a:schemeClr val="accent1">
+              <a:lumMod val="40000"/>
+              <a:lumOff val="60000"/>
+            </a:schemeClr>
+          </a:solidFill>
         </p:spPr>
         <p:txBody>
           <a:bodyPr wrap="none" rtlCol="0">
@@ -5275,7 +5450,12 @@
           <a:prstGeom prst="rect">
             <a:avLst/>
           </a:prstGeom>
-          <a:noFill/>
+          <a:solidFill>
+            <a:schemeClr val="accent1">
+              <a:lumMod val="40000"/>
+              <a:lumOff val="60000"/>
+            </a:schemeClr>
+          </a:solidFill>
         </p:spPr>
         <p:txBody>
           <a:bodyPr wrap="none" rtlCol="0">
@@ -5305,6 +5485,12 @@
           <a:prstGeom prst="rect">
             <a:avLst/>
           </a:prstGeom>
+          <a:solidFill>
+            <a:schemeClr val="accent1">
+              <a:lumMod val="40000"/>
+              <a:lumOff val="60000"/>
+            </a:schemeClr>
+          </a:solidFill>
         </p:spPr>
         <p:style>
           <a:lnRef idx="2">
@@ -5485,7 +5671,12 @@
           <a:prstGeom prst="rect">
             <a:avLst/>
           </a:prstGeom>
-          <a:noFill/>
+          <a:solidFill>
+            <a:schemeClr val="accent1">
+              <a:lumMod val="40000"/>
+              <a:lumOff val="60000"/>
+            </a:schemeClr>
+          </a:solidFill>
         </p:spPr>
         <p:txBody>
           <a:bodyPr wrap="none" rtlCol="0">
@@ -5515,7 +5706,12 @@
           <a:prstGeom prst="rect">
             <a:avLst/>
           </a:prstGeom>
-          <a:noFill/>
+          <a:solidFill>
+            <a:schemeClr val="accent1">
+              <a:lumMod val="40000"/>
+              <a:lumOff val="60000"/>
+            </a:schemeClr>
+          </a:solidFill>
         </p:spPr>
         <p:txBody>
           <a:bodyPr wrap="none" rtlCol="0">
@@ -5545,7 +5741,12 @@
           <a:prstGeom prst="rect">
             <a:avLst/>
           </a:prstGeom>
-          <a:noFill/>
+          <a:solidFill>
+            <a:schemeClr val="accent1">
+              <a:lumMod val="40000"/>
+              <a:lumOff val="60000"/>
+            </a:schemeClr>
+          </a:solidFill>
         </p:spPr>
         <p:txBody>
           <a:bodyPr wrap="none" rtlCol="0">
@@ -5575,7 +5776,12 @@
           <a:prstGeom prst="rect">
             <a:avLst/>
           </a:prstGeom>
-          <a:noFill/>
+          <a:solidFill>
+            <a:schemeClr val="accent1">
+              <a:lumMod val="40000"/>
+              <a:lumOff val="60000"/>
+            </a:schemeClr>
+          </a:solidFill>
         </p:spPr>
         <p:txBody>
           <a:bodyPr wrap="none" rtlCol="0">
@@ -5605,7 +5811,12 @@
           <a:prstGeom prst="rect">
             <a:avLst/>
           </a:prstGeom>
-          <a:noFill/>
+          <a:solidFill>
+            <a:schemeClr val="accent1">
+              <a:lumMod val="40000"/>
+              <a:lumOff val="60000"/>
+            </a:schemeClr>
+          </a:solidFill>
         </p:spPr>
         <p:txBody>
           <a:bodyPr wrap="none" rtlCol="0">
@@ -6601,6 +6812,65 @@
           <a:chExt cx="0" cy="0"/>
         </a:xfrm>
       </p:grpSpPr>
+      <p:pic>
+        <p:nvPicPr>
+          <p:cNvPr id="2" name="그림 1"/>
+          <p:cNvPicPr>
+            <a:picLocks noChangeAspect="1"/>
+          </p:cNvPicPr>
+          <p:nvPr/>
+        </p:nvPicPr>
+        <p:blipFill>
+          <a:blip r:embed="rId2"/>
+          <a:stretch>
+            <a:fillRect/>
+          </a:stretch>
+        </p:blipFill>
+        <p:spPr>
+          <a:xfrm>
+            <a:off x="1232907" y="1714412"/>
+            <a:ext cx="8316486" cy="1257475"/>
+          </a:xfrm>
+          <a:prstGeom prst="rect">
+            <a:avLst/>
+          </a:prstGeom>
+        </p:spPr>
+      </p:pic>
+      <p:cxnSp>
+        <p:nvCxnSpPr>
+          <p:cNvPr id="4" name="직선 연결선 3"/>
+          <p:cNvCxnSpPr/>
+          <p:nvPr/>
+        </p:nvCxnSpPr>
+        <p:spPr>
+          <a:xfrm>
+            <a:off x="5227455" y="2702740"/>
+            <a:ext cx="3390563" cy="0"/>
+          </a:xfrm>
+          <a:prstGeom prst="line">
+            <a:avLst/>
+          </a:prstGeom>
+          <a:ln w="19050">
+            <a:solidFill>
+              <a:srgbClr val="FF0000"/>
+            </a:solidFill>
+          </a:ln>
+        </p:spPr>
+        <p:style>
+          <a:lnRef idx="1">
+            <a:schemeClr val="accent1"/>
+          </a:lnRef>
+          <a:fillRef idx="0">
+            <a:schemeClr val="accent1"/>
+          </a:fillRef>
+          <a:effectRef idx="0">
+            <a:schemeClr val="accent1"/>
+          </a:effectRef>
+          <a:fontRef idx="minor">
+            <a:schemeClr val="tx1"/>
+          </a:fontRef>
+        </p:style>
+      </p:cxnSp>
     </p:spTree>
     <p:extLst>
       <p:ext uri="{BB962C8B-B14F-4D97-AF65-F5344CB8AC3E}">
@@ -6751,6 +7021,751 @@
           <a:chExt cx="0" cy="0"/>
         </a:xfrm>
       </p:grpSpPr>
+      <p:sp>
+        <p:nvSpPr>
+          <p:cNvPr id="2" name="직사각형 1"/>
+          <p:cNvSpPr/>
+          <p:nvPr/>
+        </p:nvSpPr>
+        <p:spPr>
+          <a:xfrm>
+            <a:off x="1739788" y="1033189"/>
+            <a:ext cx="6745701" cy="850232"/>
+          </a:xfrm>
+          <a:prstGeom prst="rect">
+            <a:avLst/>
+          </a:prstGeom>
+          <a:solidFill>
+            <a:schemeClr val="accent1">
+              <a:lumMod val="40000"/>
+              <a:lumOff val="60000"/>
+            </a:schemeClr>
+          </a:solidFill>
+        </p:spPr>
+        <p:style>
+          <a:lnRef idx="2">
+            <a:schemeClr val="accent1">
+              <a:shade val="50000"/>
+            </a:schemeClr>
+          </a:lnRef>
+          <a:fillRef idx="1">
+            <a:schemeClr val="accent1"/>
+          </a:fillRef>
+          <a:effectRef idx="0">
+            <a:schemeClr val="accent1"/>
+          </a:effectRef>
+          <a:fontRef idx="minor">
+            <a:schemeClr val="lt1"/>
+          </a:fontRef>
+        </p:style>
+        <p:txBody>
+          <a:bodyPr rtlCol="0" anchor="ctr"/>
+          <a:lstStyle/>
+          <a:p>
+            <a:pPr algn="ctr"/>
+            <a:endParaRPr lang="en-US" altLang="ko-KR" dirty="0" smtClean="0"/>
+          </a:p>
+        </p:txBody>
+      </p:sp>
+      <p:cxnSp>
+        <p:nvCxnSpPr>
+          <p:cNvPr id="3" name="직선 연결선 2"/>
+          <p:cNvCxnSpPr/>
+          <p:nvPr/>
+        </p:nvCxnSpPr>
+        <p:spPr>
+          <a:xfrm>
+            <a:off x="2622102" y="1017147"/>
+            <a:ext cx="0" cy="850232"/>
+          </a:xfrm>
+          <a:prstGeom prst="line">
+            <a:avLst/>
+          </a:prstGeom>
+          <a:ln>
+            <a:solidFill>
+              <a:schemeClr val="tx1"/>
+            </a:solidFill>
+          </a:ln>
+        </p:spPr>
+        <p:style>
+          <a:lnRef idx="1">
+            <a:schemeClr val="accent1"/>
+          </a:lnRef>
+          <a:fillRef idx="0">
+            <a:schemeClr val="accent1"/>
+          </a:fillRef>
+          <a:effectRef idx="0">
+            <a:schemeClr val="accent1"/>
+          </a:effectRef>
+          <a:fontRef idx="minor">
+            <a:schemeClr val="tx1"/>
+          </a:fontRef>
+        </p:style>
+      </p:cxnSp>
+      <p:cxnSp>
+        <p:nvCxnSpPr>
+          <p:cNvPr id="4" name="직선 연결선 3"/>
+          <p:cNvCxnSpPr/>
+          <p:nvPr/>
+        </p:nvCxnSpPr>
+        <p:spPr>
+          <a:xfrm>
+            <a:off x="3592649" y="1033189"/>
+            <a:ext cx="0" cy="850232"/>
+          </a:xfrm>
+          <a:prstGeom prst="line">
+            <a:avLst/>
+          </a:prstGeom>
+          <a:ln>
+            <a:solidFill>
+              <a:schemeClr val="tx1"/>
+            </a:solidFill>
+          </a:ln>
+        </p:spPr>
+        <p:style>
+          <a:lnRef idx="1">
+            <a:schemeClr val="accent1"/>
+          </a:lnRef>
+          <a:fillRef idx="0">
+            <a:schemeClr val="accent1"/>
+          </a:fillRef>
+          <a:effectRef idx="0">
+            <a:schemeClr val="accent1"/>
+          </a:effectRef>
+          <a:fontRef idx="minor">
+            <a:schemeClr val="tx1"/>
+          </a:fontRef>
+        </p:style>
+      </p:cxnSp>
+      <p:cxnSp>
+        <p:nvCxnSpPr>
+          <p:cNvPr id="5" name="직선 연결선 4"/>
+          <p:cNvCxnSpPr/>
+          <p:nvPr/>
+        </p:nvCxnSpPr>
+        <p:spPr>
+          <a:xfrm>
+            <a:off x="4547154" y="1033189"/>
+            <a:ext cx="0" cy="850232"/>
+          </a:xfrm>
+          <a:prstGeom prst="line">
+            <a:avLst/>
+          </a:prstGeom>
+          <a:ln>
+            <a:solidFill>
+              <a:schemeClr val="tx1"/>
+            </a:solidFill>
+          </a:ln>
+        </p:spPr>
+        <p:style>
+          <a:lnRef idx="1">
+            <a:schemeClr val="accent1"/>
+          </a:lnRef>
+          <a:fillRef idx="0">
+            <a:schemeClr val="accent1"/>
+          </a:fillRef>
+          <a:effectRef idx="0">
+            <a:schemeClr val="accent1"/>
+          </a:effectRef>
+          <a:fontRef idx="minor">
+            <a:schemeClr val="tx1"/>
+          </a:fontRef>
+        </p:style>
+      </p:cxnSp>
+      <p:cxnSp>
+        <p:nvCxnSpPr>
+          <p:cNvPr id="6" name="직선 연결선 5"/>
+          <p:cNvCxnSpPr/>
+          <p:nvPr/>
+        </p:nvCxnSpPr>
+        <p:spPr>
+          <a:xfrm>
+            <a:off x="5581868" y="1033189"/>
+            <a:ext cx="0" cy="850232"/>
+          </a:xfrm>
+          <a:prstGeom prst="line">
+            <a:avLst/>
+          </a:prstGeom>
+          <a:ln>
+            <a:solidFill>
+              <a:schemeClr val="tx1"/>
+            </a:solidFill>
+          </a:ln>
+        </p:spPr>
+        <p:style>
+          <a:lnRef idx="1">
+            <a:schemeClr val="accent1"/>
+          </a:lnRef>
+          <a:fillRef idx="0">
+            <a:schemeClr val="accent1"/>
+          </a:fillRef>
+          <a:effectRef idx="0">
+            <a:schemeClr val="accent1"/>
+          </a:effectRef>
+          <a:fontRef idx="minor">
+            <a:schemeClr val="tx1"/>
+          </a:fontRef>
+        </p:style>
+      </p:cxnSp>
+      <p:cxnSp>
+        <p:nvCxnSpPr>
+          <p:cNvPr id="7" name="직선 연결선 6"/>
+          <p:cNvCxnSpPr/>
+          <p:nvPr/>
+        </p:nvCxnSpPr>
+        <p:spPr>
+          <a:xfrm>
+            <a:off x="6576479" y="1033189"/>
+            <a:ext cx="0" cy="850232"/>
+          </a:xfrm>
+          <a:prstGeom prst="line">
+            <a:avLst/>
+          </a:prstGeom>
+          <a:ln>
+            <a:solidFill>
+              <a:schemeClr val="tx1"/>
+            </a:solidFill>
+          </a:ln>
+        </p:spPr>
+        <p:style>
+          <a:lnRef idx="1">
+            <a:schemeClr val="accent1"/>
+          </a:lnRef>
+          <a:fillRef idx="0">
+            <a:schemeClr val="accent1"/>
+          </a:fillRef>
+          <a:effectRef idx="0">
+            <a:schemeClr val="accent1"/>
+          </a:effectRef>
+          <a:fontRef idx="minor">
+            <a:schemeClr val="tx1"/>
+          </a:fontRef>
+        </p:style>
+      </p:cxnSp>
+      <p:cxnSp>
+        <p:nvCxnSpPr>
+          <p:cNvPr id="8" name="직선 연결선 7"/>
+          <p:cNvCxnSpPr/>
+          <p:nvPr/>
+        </p:nvCxnSpPr>
+        <p:spPr>
+          <a:xfrm>
+            <a:off x="7563068" y="1049231"/>
+            <a:ext cx="0" cy="850232"/>
+          </a:xfrm>
+          <a:prstGeom prst="line">
+            <a:avLst/>
+          </a:prstGeom>
+          <a:ln>
+            <a:solidFill>
+              <a:schemeClr val="tx1"/>
+            </a:solidFill>
+          </a:ln>
+        </p:spPr>
+        <p:style>
+          <a:lnRef idx="1">
+            <a:schemeClr val="accent1"/>
+          </a:lnRef>
+          <a:fillRef idx="0">
+            <a:schemeClr val="accent1"/>
+          </a:fillRef>
+          <a:effectRef idx="0">
+            <a:schemeClr val="accent1"/>
+          </a:effectRef>
+          <a:fontRef idx="minor">
+            <a:schemeClr val="tx1"/>
+          </a:fontRef>
+        </p:style>
+      </p:cxnSp>
+      <p:sp>
+        <p:nvSpPr>
+          <p:cNvPr id="9" name="TextBox 8"/>
+          <p:cNvSpPr txBox="1"/>
+          <p:nvPr/>
+        </p:nvSpPr>
+        <p:spPr>
+          <a:xfrm>
+            <a:off x="2021283" y="1289681"/>
+            <a:ext cx="311304" cy="369332"/>
+          </a:xfrm>
+          <a:prstGeom prst="rect">
+            <a:avLst/>
+          </a:prstGeom>
+          <a:solidFill>
+            <a:schemeClr val="accent1">
+              <a:lumMod val="40000"/>
+              <a:lumOff val="60000"/>
+            </a:schemeClr>
+          </a:solidFill>
+        </p:spPr>
+        <p:txBody>
+          <a:bodyPr wrap="none" rtlCol="0">
+            <a:spAutoFit/>
+          </a:bodyPr>
+          <a:lstStyle/>
+          <a:p>
+            <a:r>
+              <a:rPr lang="en-US" altLang="ko-KR" dirty="0"/>
+              <a:t>6</a:t>
+            </a:r>
+            <a:endParaRPr lang="ko-KR" altLang="en-US" dirty="0"/>
+          </a:p>
+        </p:txBody>
+      </p:sp>
+      <p:sp>
+        <p:nvSpPr>
+          <p:cNvPr id="10" name="TextBox 9"/>
+          <p:cNvSpPr txBox="1"/>
+          <p:nvPr/>
+        </p:nvSpPr>
+        <p:spPr>
+          <a:xfrm>
+            <a:off x="2939245" y="1299841"/>
+            <a:ext cx="311304" cy="369332"/>
+          </a:xfrm>
+          <a:prstGeom prst="rect">
+            <a:avLst/>
+          </a:prstGeom>
+          <a:solidFill>
+            <a:schemeClr val="accent1">
+              <a:lumMod val="40000"/>
+              <a:lumOff val="60000"/>
+            </a:schemeClr>
+          </a:solidFill>
+        </p:spPr>
+        <p:txBody>
+          <a:bodyPr wrap="none" rtlCol="0">
+            <a:spAutoFit/>
+          </a:bodyPr>
+          <a:lstStyle/>
+          <a:p>
+            <a:r>
+              <a:rPr lang="en-US" altLang="ko-KR" dirty="0" smtClean="0"/>
+              <a:t>4</a:t>
+            </a:r>
+            <a:endParaRPr lang="ko-KR" altLang="en-US" dirty="0"/>
+          </a:p>
+        </p:txBody>
+      </p:sp>
+      <p:sp>
+        <p:nvSpPr>
+          <p:cNvPr id="11" name="TextBox 10"/>
+          <p:cNvSpPr txBox="1"/>
+          <p:nvPr/>
+        </p:nvSpPr>
+        <p:spPr>
+          <a:xfrm>
+            <a:off x="3946333" y="1279521"/>
+            <a:ext cx="311304" cy="369332"/>
+          </a:xfrm>
+          <a:prstGeom prst="rect">
+            <a:avLst/>
+          </a:prstGeom>
+          <a:solidFill>
+            <a:schemeClr val="accent1">
+              <a:lumMod val="40000"/>
+              <a:lumOff val="60000"/>
+            </a:schemeClr>
+          </a:solidFill>
+        </p:spPr>
+        <p:txBody>
+          <a:bodyPr wrap="none" rtlCol="0">
+            <a:spAutoFit/>
+          </a:bodyPr>
+          <a:lstStyle/>
+          <a:p>
+            <a:r>
+              <a:rPr lang="en-US" altLang="ko-KR" dirty="0"/>
+              <a:t>3</a:t>
+            </a:r>
+            <a:endParaRPr lang="ko-KR" altLang="en-US" dirty="0"/>
+          </a:p>
+        </p:txBody>
+      </p:sp>
+      <p:sp>
+        <p:nvSpPr>
+          <p:cNvPr id="12" name="TextBox 11"/>
+          <p:cNvSpPr txBox="1"/>
+          <p:nvPr/>
+        </p:nvSpPr>
+        <p:spPr>
+          <a:xfrm>
+            <a:off x="4905117" y="1279521"/>
+            <a:ext cx="311304" cy="369332"/>
+          </a:xfrm>
+          <a:prstGeom prst="rect">
+            <a:avLst/>
+          </a:prstGeom>
+          <a:solidFill>
+            <a:schemeClr val="accent1">
+              <a:lumMod val="40000"/>
+              <a:lumOff val="60000"/>
+            </a:schemeClr>
+          </a:solidFill>
+        </p:spPr>
+        <p:txBody>
+          <a:bodyPr wrap="none" rtlCol="0">
+            <a:spAutoFit/>
+          </a:bodyPr>
+          <a:lstStyle/>
+          <a:p>
+            <a:r>
+              <a:rPr lang="en-US" altLang="ko-KR" dirty="0"/>
+              <a:t>2</a:t>
+            </a:r>
+            <a:endParaRPr lang="ko-KR" altLang="en-US" dirty="0"/>
+          </a:p>
+        </p:txBody>
+      </p:sp>
+      <p:sp>
+        <p:nvSpPr>
+          <p:cNvPr id="13" name="TextBox 12"/>
+          <p:cNvSpPr txBox="1"/>
+          <p:nvPr/>
+        </p:nvSpPr>
+        <p:spPr>
+          <a:xfrm>
+            <a:off x="7862431" y="1289681"/>
+            <a:ext cx="311304" cy="369332"/>
+          </a:xfrm>
+          <a:prstGeom prst="rect">
+            <a:avLst/>
+          </a:prstGeom>
+          <a:solidFill>
+            <a:schemeClr val="accent1">
+              <a:lumMod val="40000"/>
+              <a:lumOff val="60000"/>
+            </a:schemeClr>
+          </a:solidFill>
+        </p:spPr>
+        <p:txBody>
+          <a:bodyPr wrap="none" rtlCol="0">
+            <a:spAutoFit/>
+          </a:bodyPr>
+          <a:lstStyle/>
+          <a:p>
+            <a:r>
+              <a:rPr lang="en-US" altLang="ko-KR" dirty="0" smtClean="0"/>
+              <a:t>8</a:t>
+            </a:r>
+            <a:endParaRPr lang="ko-KR" altLang="en-US" dirty="0"/>
+          </a:p>
+        </p:txBody>
+      </p:sp>
+      <p:sp>
+        <p:nvSpPr>
+          <p:cNvPr id="14" name="TextBox 13"/>
+          <p:cNvSpPr txBox="1"/>
+          <p:nvPr/>
+        </p:nvSpPr>
+        <p:spPr>
+          <a:xfrm>
+            <a:off x="6930472" y="1289681"/>
+            <a:ext cx="311304" cy="369332"/>
+          </a:xfrm>
+          <a:prstGeom prst="rect">
+            <a:avLst/>
+          </a:prstGeom>
+          <a:solidFill>
+            <a:schemeClr val="accent1">
+              <a:lumMod val="40000"/>
+              <a:lumOff val="60000"/>
+            </a:schemeClr>
+          </a:solidFill>
+        </p:spPr>
+        <p:txBody>
+          <a:bodyPr wrap="none" rtlCol="0">
+            <a:spAutoFit/>
+          </a:bodyPr>
+          <a:lstStyle/>
+          <a:p>
+            <a:r>
+              <a:rPr lang="en-US" altLang="ko-KR" dirty="0"/>
+              <a:t>3</a:t>
+            </a:r>
+            <a:endParaRPr lang="ko-KR" altLang="en-US" dirty="0"/>
+          </a:p>
+        </p:txBody>
+      </p:sp>
+      <p:sp>
+        <p:nvSpPr>
+          <p:cNvPr id="15" name="TextBox 14"/>
+          <p:cNvSpPr txBox="1"/>
+          <p:nvPr/>
+        </p:nvSpPr>
+        <p:spPr>
+          <a:xfrm>
+            <a:off x="5930784" y="1285938"/>
+            <a:ext cx="311304" cy="369332"/>
+          </a:xfrm>
+          <a:prstGeom prst="rect">
+            <a:avLst/>
+          </a:prstGeom>
+          <a:solidFill>
+            <a:schemeClr val="accent1">
+              <a:lumMod val="40000"/>
+              <a:lumOff val="60000"/>
+            </a:schemeClr>
+          </a:solidFill>
+        </p:spPr>
+        <p:txBody>
+          <a:bodyPr wrap="none" rtlCol="0">
+            <a:spAutoFit/>
+          </a:bodyPr>
+          <a:lstStyle/>
+          <a:p>
+            <a:r>
+              <a:rPr lang="en-US" altLang="ko-KR" dirty="0"/>
+              <a:t>1</a:t>
+            </a:r>
+            <a:endParaRPr lang="ko-KR" altLang="en-US" dirty="0"/>
+          </a:p>
+        </p:txBody>
+      </p:sp>
+      <p:sp>
+        <p:nvSpPr>
+          <p:cNvPr id="17" name="TextBox 16"/>
+          <p:cNvSpPr txBox="1"/>
+          <p:nvPr/>
+        </p:nvSpPr>
+        <p:spPr>
+          <a:xfrm>
+            <a:off x="2054404" y="735027"/>
+            <a:ext cx="251992" cy="230832"/>
+          </a:xfrm>
+          <a:prstGeom prst="rect">
+            <a:avLst/>
+          </a:prstGeom>
+          <a:noFill/>
+        </p:spPr>
+        <p:txBody>
+          <a:bodyPr wrap="none" rtlCol="0">
+            <a:spAutoFit/>
+          </a:bodyPr>
+          <a:lstStyle/>
+          <a:p>
+            <a:r>
+              <a:rPr lang="en-US" altLang="ko-KR" sz="900" b="1" dirty="0"/>
+              <a:t>0</a:t>
+            </a:r>
+            <a:endParaRPr lang="ko-KR" altLang="en-US" sz="900" b="1" dirty="0"/>
+          </a:p>
+        </p:txBody>
+      </p:sp>
+      <p:sp>
+        <p:nvSpPr>
+          <p:cNvPr id="18" name="TextBox 17"/>
+          <p:cNvSpPr txBox="1"/>
+          <p:nvPr/>
+        </p:nvSpPr>
+        <p:spPr>
+          <a:xfrm>
+            <a:off x="2970504" y="735027"/>
+            <a:ext cx="251992" cy="230832"/>
+          </a:xfrm>
+          <a:prstGeom prst="rect">
+            <a:avLst/>
+          </a:prstGeom>
+          <a:noFill/>
+        </p:spPr>
+        <p:txBody>
+          <a:bodyPr wrap="none" rtlCol="0">
+            <a:spAutoFit/>
+          </a:bodyPr>
+          <a:lstStyle/>
+          <a:p>
+            <a:r>
+              <a:rPr lang="en-US" altLang="ko-KR" sz="900" b="1" dirty="0" smtClean="0"/>
+              <a:t>1</a:t>
+            </a:r>
+            <a:endParaRPr lang="ko-KR" altLang="en-US" sz="900" b="1" dirty="0"/>
+          </a:p>
+        </p:txBody>
+      </p:sp>
+      <p:sp>
+        <p:nvSpPr>
+          <p:cNvPr id="19" name="TextBox 18"/>
+          <p:cNvSpPr txBox="1"/>
+          <p:nvPr/>
+        </p:nvSpPr>
+        <p:spPr>
+          <a:xfrm>
+            <a:off x="3977592" y="735027"/>
+            <a:ext cx="251992" cy="230832"/>
+          </a:xfrm>
+          <a:prstGeom prst="rect">
+            <a:avLst/>
+          </a:prstGeom>
+          <a:noFill/>
+        </p:spPr>
+        <p:txBody>
+          <a:bodyPr wrap="none" rtlCol="0">
+            <a:spAutoFit/>
+          </a:bodyPr>
+          <a:lstStyle/>
+          <a:p>
+            <a:r>
+              <a:rPr lang="en-US" altLang="ko-KR" sz="900" b="1" dirty="0"/>
+              <a:t>2</a:t>
+            </a:r>
+            <a:endParaRPr lang="ko-KR" altLang="en-US" sz="900" b="1" dirty="0"/>
+          </a:p>
+        </p:txBody>
+      </p:sp>
+      <p:sp>
+        <p:nvSpPr>
+          <p:cNvPr id="20" name="TextBox 19"/>
+          <p:cNvSpPr txBox="1"/>
+          <p:nvPr/>
+        </p:nvSpPr>
+        <p:spPr>
+          <a:xfrm>
+            <a:off x="4936376" y="735027"/>
+            <a:ext cx="251992" cy="230832"/>
+          </a:xfrm>
+          <a:prstGeom prst="rect">
+            <a:avLst/>
+          </a:prstGeom>
+          <a:noFill/>
+        </p:spPr>
+        <p:txBody>
+          <a:bodyPr wrap="none" rtlCol="0">
+            <a:spAutoFit/>
+          </a:bodyPr>
+          <a:lstStyle/>
+          <a:p>
+            <a:r>
+              <a:rPr lang="en-US" altLang="ko-KR" sz="900" b="1" dirty="0"/>
+              <a:t>3</a:t>
+            </a:r>
+            <a:endParaRPr lang="ko-KR" altLang="en-US" sz="900" b="1" dirty="0"/>
+          </a:p>
+        </p:txBody>
+      </p:sp>
+      <p:sp>
+        <p:nvSpPr>
+          <p:cNvPr id="21" name="TextBox 20"/>
+          <p:cNvSpPr txBox="1"/>
+          <p:nvPr/>
+        </p:nvSpPr>
+        <p:spPr>
+          <a:xfrm>
+            <a:off x="5962043" y="735027"/>
+            <a:ext cx="251992" cy="230832"/>
+          </a:xfrm>
+          <a:prstGeom prst="rect">
+            <a:avLst/>
+          </a:prstGeom>
+          <a:noFill/>
+        </p:spPr>
+        <p:txBody>
+          <a:bodyPr wrap="none" rtlCol="0">
+            <a:spAutoFit/>
+          </a:bodyPr>
+          <a:lstStyle/>
+          <a:p>
+            <a:r>
+              <a:rPr lang="en-US" altLang="ko-KR" sz="900" b="1" dirty="0"/>
+              <a:t>4</a:t>
+            </a:r>
+            <a:endParaRPr lang="ko-KR" altLang="en-US" sz="900" b="1" dirty="0"/>
+          </a:p>
+        </p:txBody>
+      </p:sp>
+      <p:sp>
+        <p:nvSpPr>
+          <p:cNvPr id="22" name="TextBox 21"/>
+          <p:cNvSpPr txBox="1"/>
+          <p:nvPr/>
+        </p:nvSpPr>
+        <p:spPr>
+          <a:xfrm>
+            <a:off x="6961731" y="729635"/>
+            <a:ext cx="251992" cy="230832"/>
+          </a:xfrm>
+          <a:prstGeom prst="rect">
+            <a:avLst/>
+          </a:prstGeom>
+          <a:noFill/>
+        </p:spPr>
+        <p:txBody>
+          <a:bodyPr wrap="none" rtlCol="0">
+            <a:spAutoFit/>
+          </a:bodyPr>
+          <a:lstStyle/>
+          <a:p>
+            <a:r>
+              <a:rPr lang="en-US" altLang="ko-KR" sz="900" b="1" dirty="0"/>
+              <a:t>5</a:t>
+            </a:r>
+            <a:endParaRPr lang="ko-KR" altLang="en-US" sz="900" b="1" dirty="0"/>
+          </a:p>
+        </p:txBody>
+      </p:sp>
+      <p:sp>
+        <p:nvSpPr>
+          <p:cNvPr id="23" name="TextBox 22"/>
+          <p:cNvSpPr txBox="1"/>
+          <p:nvPr/>
+        </p:nvSpPr>
+        <p:spPr>
+          <a:xfrm>
+            <a:off x="7893690" y="729635"/>
+            <a:ext cx="251992" cy="230832"/>
+          </a:xfrm>
+          <a:prstGeom prst="rect">
+            <a:avLst/>
+          </a:prstGeom>
+          <a:noFill/>
+        </p:spPr>
+        <p:txBody>
+          <a:bodyPr wrap="none" rtlCol="0">
+            <a:spAutoFit/>
+          </a:bodyPr>
+          <a:lstStyle/>
+          <a:p>
+            <a:r>
+              <a:rPr lang="en-US" altLang="ko-KR" sz="900" b="1" dirty="0"/>
+              <a:t>6</a:t>
+            </a:r>
+            <a:endParaRPr lang="ko-KR" altLang="en-US" sz="900" b="1" dirty="0"/>
+          </a:p>
+        </p:txBody>
+      </p:sp>
+      <p:sp>
+        <p:nvSpPr>
+          <p:cNvPr id="24" name="TextBox 23"/>
+          <p:cNvSpPr txBox="1"/>
+          <p:nvPr/>
+        </p:nvSpPr>
+        <p:spPr>
+          <a:xfrm>
+            <a:off x="1338415" y="737849"/>
+            <a:ext cx="588623" cy="215444"/>
+          </a:xfrm>
+          <a:prstGeom prst="rect">
+            <a:avLst/>
+          </a:prstGeom>
+          <a:noFill/>
+        </p:spPr>
+        <p:txBody>
+          <a:bodyPr wrap="none" rtlCol="0">
+            <a:spAutoFit/>
+          </a:bodyPr>
+          <a:lstStyle/>
+          <a:p>
+            <a:r>
+              <a:rPr lang="ko-KR" altLang="en-US" sz="800" b="1" dirty="0" smtClean="0"/>
+              <a:t>인덱스 </a:t>
+            </a:r>
+            <a:r>
+              <a:rPr lang="en-US" altLang="ko-KR" sz="800" b="1" dirty="0" smtClean="0"/>
+              <a:t>: </a:t>
+            </a:r>
+            <a:endParaRPr lang="ko-KR" altLang="en-US" sz="800" b="1" dirty="0"/>
+          </a:p>
+        </p:txBody>
+      </p:sp>
     </p:spTree>
     <p:extLst>
       <p:ext uri="{BB962C8B-B14F-4D97-AF65-F5344CB8AC3E}">

--- a/Algorithm-이론/알고리즘 이론 학습 자료.pptx
+++ b/Algorithm-이론/알고리즘 이론 학습 자료.pptx
@@ -275,7 +275,7 @@
           <a:p>
             <a:fld id="{F5183EF9-8AE5-4977-9B10-E3C99861EBC1}" type="datetimeFigureOut">
               <a:rPr lang="ko-KR" altLang="en-US" smtClean="0"/>
-              <a:t>2020-02-12</a:t>
+              <a:t>2020-02-16</a:t>
             </a:fld>
             <a:endParaRPr lang="ko-KR" altLang="en-US"/>
           </a:p>
@@ -445,7 +445,7 @@
           <a:p>
             <a:fld id="{F5183EF9-8AE5-4977-9B10-E3C99861EBC1}" type="datetimeFigureOut">
               <a:rPr lang="ko-KR" altLang="en-US" smtClean="0"/>
-              <a:t>2020-02-12</a:t>
+              <a:t>2020-02-16</a:t>
             </a:fld>
             <a:endParaRPr lang="ko-KR" altLang="en-US"/>
           </a:p>
@@ -625,7 +625,7 @@
           <a:p>
             <a:fld id="{F5183EF9-8AE5-4977-9B10-E3C99861EBC1}" type="datetimeFigureOut">
               <a:rPr lang="ko-KR" altLang="en-US" smtClean="0"/>
-              <a:t>2020-02-12</a:t>
+              <a:t>2020-02-16</a:t>
             </a:fld>
             <a:endParaRPr lang="ko-KR" altLang="en-US"/>
           </a:p>
@@ -795,7 +795,7 @@
           <a:p>
             <a:fld id="{F5183EF9-8AE5-4977-9B10-E3C99861EBC1}" type="datetimeFigureOut">
               <a:rPr lang="ko-KR" altLang="en-US" smtClean="0"/>
-              <a:t>2020-02-12</a:t>
+              <a:t>2020-02-16</a:t>
             </a:fld>
             <a:endParaRPr lang="ko-KR" altLang="en-US"/>
           </a:p>
@@ -1041,7 +1041,7 @@
           <a:p>
             <a:fld id="{F5183EF9-8AE5-4977-9B10-E3C99861EBC1}" type="datetimeFigureOut">
               <a:rPr lang="ko-KR" altLang="en-US" smtClean="0"/>
-              <a:t>2020-02-12</a:t>
+              <a:t>2020-02-16</a:t>
             </a:fld>
             <a:endParaRPr lang="ko-KR" altLang="en-US"/>
           </a:p>
@@ -1273,7 +1273,7 @@
           <a:p>
             <a:fld id="{F5183EF9-8AE5-4977-9B10-E3C99861EBC1}" type="datetimeFigureOut">
               <a:rPr lang="ko-KR" altLang="en-US" smtClean="0"/>
-              <a:t>2020-02-12</a:t>
+              <a:t>2020-02-16</a:t>
             </a:fld>
             <a:endParaRPr lang="ko-KR" altLang="en-US"/>
           </a:p>
@@ -1640,7 +1640,7 @@
           <a:p>
             <a:fld id="{F5183EF9-8AE5-4977-9B10-E3C99861EBC1}" type="datetimeFigureOut">
               <a:rPr lang="ko-KR" altLang="en-US" smtClean="0"/>
-              <a:t>2020-02-12</a:t>
+              <a:t>2020-02-16</a:t>
             </a:fld>
             <a:endParaRPr lang="ko-KR" altLang="en-US"/>
           </a:p>
@@ -1758,7 +1758,7 @@
           <a:p>
             <a:fld id="{F5183EF9-8AE5-4977-9B10-E3C99861EBC1}" type="datetimeFigureOut">
               <a:rPr lang="ko-KR" altLang="en-US" smtClean="0"/>
-              <a:t>2020-02-12</a:t>
+              <a:t>2020-02-16</a:t>
             </a:fld>
             <a:endParaRPr lang="ko-KR" altLang="en-US"/>
           </a:p>
@@ -1853,7 +1853,7 @@
           <a:p>
             <a:fld id="{F5183EF9-8AE5-4977-9B10-E3C99861EBC1}" type="datetimeFigureOut">
               <a:rPr lang="ko-KR" altLang="en-US" smtClean="0"/>
-              <a:t>2020-02-12</a:t>
+              <a:t>2020-02-16</a:t>
             </a:fld>
             <a:endParaRPr lang="ko-KR" altLang="en-US"/>
           </a:p>
@@ -2130,7 +2130,7 @@
           <a:p>
             <a:fld id="{F5183EF9-8AE5-4977-9B10-E3C99861EBC1}" type="datetimeFigureOut">
               <a:rPr lang="ko-KR" altLang="en-US" smtClean="0"/>
-              <a:t>2020-02-12</a:t>
+              <a:t>2020-02-16</a:t>
             </a:fld>
             <a:endParaRPr lang="ko-KR" altLang="en-US"/>
           </a:p>
@@ -2383,7 +2383,7 @@
           <a:p>
             <a:fld id="{F5183EF9-8AE5-4977-9B10-E3C99861EBC1}" type="datetimeFigureOut">
               <a:rPr lang="ko-KR" altLang="en-US" smtClean="0"/>
-              <a:t>2020-02-12</a:t>
+              <a:t>2020-02-16</a:t>
             </a:fld>
             <a:endParaRPr lang="ko-KR" altLang="en-US"/>
           </a:p>
@@ -2596,7 +2596,7 @@
           <a:p>
             <a:fld id="{F5183EF9-8AE5-4977-9B10-E3C99861EBC1}" type="datetimeFigureOut">
               <a:rPr lang="ko-KR" altLang="en-US" smtClean="0"/>
-              <a:t>2020-02-12</a:t>
+              <a:t>2020-02-16</a:t>
             </a:fld>
             <a:endParaRPr lang="ko-KR" altLang="en-US"/>
           </a:p>
@@ -7029,7 +7029,7 @@
         </p:nvSpPr>
         <p:spPr>
           <a:xfrm>
-            <a:off x="1739788" y="1033189"/>
+            <a:off x="1917588" y="2421723"/>
             <a:ext cx="6745701" cy="850232"/>
           </a:xfrm>
           <a:prstGeom prst="rect">
@@ -7075,7 +7075,7 @@
         </p:nvCxnSpPr>
         <p:spPr>
           <a:xfrm>
-            <a:off x="2622102" y="1017147"/>
+            <a:off x="2799902" y="2405681"/>
             <a:ext cx="0" cy="850232"/>
           </a:xfrm>
           <a:prstGeom prst="line">
@@ -7110,7 +7110,7 @@
         </p:nvCxnSpPr>
         <p:spPr>
           <a:xfrm>
-            <a:off x="3592649" y="1033189"/>
+            <a:off x="3770449" y="2421723"/>
             <a:ext cx="0" cy="850232"/>
           </a:xfrm>
           <a:prstGeom prst="line">
@@ -7145,7 +7145,7 @@
         </p:nvCxnSpPr>
         <p:spPr>
           <a:xfrm>
-            <a:off x="4547154" y="1033189"/>
+            <a:off x="4724954" y="2421723"/>
             <a:ext cx="0" cy="850232"/>
           </a:xfrm>
           <a:prstGeom prst="line">
@@ -7180,7 +7180,7 @@
         </p:nvCxnSpPr>
         <p:spPr>
           <a:xfrm>
-            <a:off x="5581868" y="1033189"/>
+            <a:off x="5759668" y="2421723"/>
             <a:ext cx="0" cy="850232"/>
           </a:xfrm>
           <a:prstGeom prst="line">
@@ -7215,7 +7215,7 @@
         </p:nvCxnSpPr>
         <p:spPr>
           <a:xfrm>
-            <a:off x="6576479" y="1033189"/>
+            <a:off x="6754279" y="2421723"/>
             <a:ext cx="0" cy="850232"/>
           </a:xfrm>
           <a:prstGeom prst="line">
@@ -7250,7 +7250,7 @@
         </p:nvCxnSpPr>
         <p:spPr>
           <a:xfrm>
-            <a:off x="7563068" y="1049231"/>
+            <a:off x="7740868" y="2437765"/>
             <a:ext cx="0" cy="850232"/>
           </a:xfrm>
           <a:prstGeom prst="line">
@@ -7285,7 +7285,7 @@
         </p:nvSpPr>
         <p:spPr>
           <a:xfrm>
-            <a:off x="2021283" y="1289681"/>
+            <a:off x="2199083" y="2678215"/>
             <a:ext cx="311304" cy="369332"/>
           </a:xfrm>
           <a:prstGeom prst="rect">
@@ -7320,7 +7320,7 @@
         </p:nvSpPr>
         <p:spPr>
           <a:xfrm>
-            <a:off x="2939245" y="1299841"/>
+            <a:off x="3117045" y="2688375"/>
             <a:ext cx="311304" cy="369332"/>
           </a:xfrm>
           <a:prstGeom prst="rect">
@@ -7355,7 +7355,7 @@
         </p:nvSpPr>
         <p:spPr>
           <a:xfrm>
-            <a:off x="3946333" y="1279521"/>
+            <a:off x="4124133" y="2668055"/>
             <a:ext cx="311304" cy="369332"/>
           </a:xfrm>
           <a:prstGeom prst="rect">
@@ -7390,7 +7390,7 @@
         </p:nvSpPr>
         <p:spPr>
           <a:xfrm>
-            <a:off x="4905117" y="1279521"/>
+            <a:off x="5082917" y="2668055"/>
             <a:ext cx="311304" cy="369332"/>
           </a:xfrm>
           <a:prstGeom prst="rect">
@@ -7425,7 +7425,7 @@
         </p:nvSpPr>
         <p:spPr>
           <a:xfrm>
-            <a:off x="7862431" y="1289681"/>
+            <a:off x="8040231" y="2678215"/>
             <a:ext cx="311304" cy="369332"/>
           </a:xfrm>
           <a:prstGeom prst="rect">
@@ -7460,7 +7460,7 @@
         </p:nvSpPr>
         <p:spPr>
           <a:xfrm>
-            <a:off x="6930472" y="1289681"/>
+            <a:off x="7108272" y="2678215"/>
             <a:ext cx="311304" cy="369332"/>
           </a:xfrm>
           <a:prstGeom prst="rect">
@@ -7495,7 +7495,7 @@
         </p:nvSpPr>
         <p:spPr>
           <a:xfrm>
-            <a:off x="5930784" y="1285938"/>
+            <a:off x="6108584" y="2674472"/>
             <a:ext cx="311304" cy="369332"/>
           </a:xfrm>
           <a:prstGeom prst="rect">
@@ -7530,7 +7530,7 @@
         </p:nvSpPr>
         <p:spPr>
           <a:xfrm>
-            <a:off x="2054404" y="735027"/>
+            <a:off x="2232204" y="2123561"/>
             <a:ext cx="251992" cy="230832"/>
           </a:xfrm>
           <a:prstGeom prst="rect">
@@ -7560,7 +7560,7 @@
         </p:nvSpPr>
         <p:spPr>
           <a:xfrm>
-            <a:off x="2970504" y="735027"/>
+            <a:off x="3148304" y="2123561"/>
             <a:ext cx="251992" cy="230832"/>
           </a:xfrm>
           <a:prstGeom prst="rect">
@@ -7590,7 +7590,7 @@
         </p:nvSpPr>
         <p:spPr>
           <a:xfrm>
-            <a:off x="3977592" y="735027"/>
+            <a:off x="4155392" y="2123561"/>
             <a:ext cx="251992" cy="230832"/>
           </a:xfrm>
           <a:prstGeom prst="rect">
@@ -7620,7 +7620,7 @@
         </p:nvSpPr>
         <p:spPr>
           <a:xfrm>
-            <a:off x="4936376" y="735027"/>
+            <a:off x="5114176" y="2123561"/>
             <a:ext cx="251992" cy="230832"/>
           </a:xfrm>
           <a:prstGeom prst="rect">
@@ -7650,7 +7650,7 @@
         </p:nvSpPr>
         <p:spPr>
           <a:xfrm>
-            <a:off x="5962043" y="735027"/>
+            <a:off x="6139843" y="2123561"/>
             <a:ext cx="251992" cy="230832"/>
           </a:xfrm>
           <a:prstGeom prst="rect">
@@ -7680,7 +7680,7 @@
         </p:nvSpPr>
         <p:spPr>
           <a:xfrm>
-            <a:off x="6961731" y="729635"/>
+            <a:off x="7139531" y="2118169"/>
             <a:ext cx="251992" cy="230832"/>
           </a:xfrm>
           <a:prstGeom prst="rect">
@@ -7710,7 +7710,7 @@
         </p:nvSpPr>
         <p:spPr>
           <a:xfrm>
-            <a:off x="7893690" y="729635"/>
+            <a:off x="8071490" y="2118169"/>
             <a:ext cx="251992" cy="230832"/>
           </a:xfrm>
           <a:prstGeom prst="rect">
@@ -7740,7 +7740,7 @@
         </p:nvSpPr>
         <p:spPr>
           <a:xfrm>
-            <a:off x="1338415" y="737849"/>
+            <a:off x="1516215" y="2126383"/>
             <a:ext cx="588623" cy="215444"/>
           </a:xfrm>
           <a:prstGeom prst="rect">
@@ -7796,6 +7796,425 @@
           <a:chExt cx="0" cy="0"/>
         </a:xfrm>
       </p:grpSpPr>
+      <p:sp>
+        <p:nvSpPr>
+          <p:cNvPr id="2" name="직사각형 1"/>
+          <p:cNvSpPr/>
+          <p:nvPr/>
+        </p:nvSpPr>
+        <p:spPr>
+          <a:xfrm>
+            <a:off x="2301240" y="1861419"/>
+            <a:ext cx="4857010" cy="850232"/>
+          </a:xfrm>
+          <a:prstGeom prst="rect">
+            <a:avLst/>
+          </a:prstGeom>
+          <a:solidFill>
+            <a:schemeClr val="accent1">
+              <a:lumMod val="40000"/>
+              <a:lumOff val="60000"/>
+            </a:schemeClr>
+          </a:solidFill>
+        </p:spPr>
+        <p:style>
+          <a:lnRef idx="2">
+            <a:schemeClr val="accent1">
+              <a:shade val="50000"/>
+            </a:schemeClr>
+          </a:lnRef>
+          <a:fillRef idx="1">
+            <a:schemeClr val="accent1"/>
+          </a:fillRef>
+          <a:effectRef idx="0">
+            <a:schemeClr val="accent1"/>
+          </a:effectRef>
+          <a:fontRef idx="minor">
+            <a:schemeClr val="lt1"/>
+          </a:fontRef>
+        </p:style>
+        <p:txBody>
+          <a:bodyPr rtlCol="0" anchor="ctr"/>
+          <a:lstStyle/>
+          <a:p>
+            <a:pPr algn="ctr"/>
+            <a:endParaRPr lang="en-US" altLang="ko-KR" dirty="0" smtClean="0"/>
+          </a:p>
+        </p:txBody>
+      </p:sp>
+      <p:cxnSp>
+        <p:nvCxnSpPr>
+          <p:cNvPr id="3" name="직선 연결선 2"/>
+          <p:cNvCxnSpPr/>
+          <p:nvPr/>
+        </p:nvCxnSpPr>
+        <p:spPr>
+          <a:xfrm>
+            <a:off x="3183553" y="1845377"/>
+            <a:ext cx="0" cy="850232"/>
+          </a:xfrm>
+          <a:prstGeom prst="line">
+            <a:avLst/>
+          </a:prstGeom>
+          <a:ln>
+            <a:solidFill>
+              <a:schemeClr val="tx1"/>
+            </a:solidFill>
+          </a:ln>
+        </p:spPr>
+        <p:style>
+          <a:lnRef idx="1">
+            <a:schemeClr val="accent1"/>
+          </a:lnRef>
+          <a:fillRef idx="0">
+            <a:schemeClr val="accent1"/>
+          </a:fillRef>
+          <a:effectRef idx="0">
+            <a:schemeClr val="accent1"/>
+          </a:effectRef>
+          <a:fontRef idx="minor">
+            <a:schemeClr val="tx1"/>
+          </a:fontRef>
+        </p:style>
+      </p:cxnSp>
+      <p:cxnSp>
+        <p:nvCxnSpPr>
+          <p:cNvPr id="4" name="직선 연결선 3"/>
+          <p:cNvCxnSpPr/>
+          <p:nvPr/>
+        </p:nvCxnSpPr>
+        <p:spPr>
+          <a:xfrm>
+            <a:off x="4154100" y="1861419"/>
+            <a:ext cx="0" cy="850232"/>
+          </a:xfrm>
+          <a:prstGeom prst="line">
+            <a:avLst/>
+          </a:prstGeom>
+          <a:ln>
+            <a:solidFill>
+              <a:schemeClr val="tx1"/>
+            </a:solidFill>
+          </a:ln>
+        </p:spPr>
+        <p:style>
+          <a:lnRef idx="1">
+            <a:schemeClr val="accent1"/>
+          </a:lnRef>
+          <a:fillRef idx="0">
+            <a:schemeClr val="accent1"/>
+          </a:fillRef>
+          <a:effectRef idx="0">
+            <a:schemeClr val="accent1"/>
+          </a:effectRef>
+          <a:fontRef idx="minor">
+            <a:schemeClr val="tx1"/>
+          </a:fontRef>
+        </p:style>
+      </p:cxnSp>
+      <p:cxnSp>
+        <p:nvCxnSpPr>
+          <p:cNvPr id="5" name="직선 연결선 4"/>
+          <p:cNvCxnSpPr/>
+          <p:nvPr/>
+        </p:nvCxnSpPr>
+        <p:spPr>
+          <a:xfrm>
+            <a:off x="5108605" y="1861419"/>
+            <a:ext cx="0" cy="850232"/>
+          </a:xfrm>
+          <a:prstGeom prst="line">
+            <a:avLst/>
+          </a:prstGeom>
+          <a:ln>
+            <a:solidFill>
+              <a:schemeClr val="tx1"/>
+            </a:solidFill>
+          </a:ln>
+        </p:spPr>
+        <p:style>
+          <a:lnRef idx="1">
+            <a:schemeClr val="accent1"/>
+          </a:lnRef>
+          <a:fillRef idx="0">
+            <a:schemeClr val="accent1"/>
+          </a:fillRef>
+          <a:effectRef idx="0">
+            <a:schemeClr val="accent1"/>
+          </a:effectRef>
+          <a:fontRef idx="minor">
+            <a:schemeClr val="tx1"/>
+          </a:fontRef>
+        </p:style>
+      </p:cxnSp>
+      <p:cxnSp>
+        <p:nvCxnSpPr>
+          <p:cNvPr id="6" name="직선 연결선 5"/>
+          <p:cNvCxnSpPr/>
+          <p:nvPr/>
+        </p:nvCxnSpPr>
+        <p:spPr>
+          <a:xfrm>
+            <a:off x="6143319" y="1861419"/>
+            <a:ext cx="0" cy="850232"/>
+          </a:xfrm>
+          <a:prstGeom prst="line">
+            <a:avLst/>
+          </a:prstGeom>
+          <a:ln>
+            <a:solidFill>
+              <a:schemeClr val="tx1"/>
+            </a:solidFill>
+          </a:ln>
+        </p:spPr>
+        <p:style>
+          <a:lnRef idx="1">
+            <a:schemeClr val="accent1"/>
+          </a:lnRef>
+          <a:fillRef idx="0">
+            <a:schemeClr val="accent1"/>
+          </a:fillRef>
+          <a:effectRef idx="0">
+            <a:schemeClr val="accent1"/>
+          </a:effectRef>
+          <a:fontRef idx="minor">
+            <a:schemeClr val="tx1"/>
+          </a:fontRef>
+        </p:style>
+      </p:cxnSp>
+      <p:sp>
+        <p:nvSpPr>
+          <p:cNvPr id="7" name="TextBox 6"/>
+          <p:cNvSpPr txBox="1"/>
+          <p:nvPr/>
+        </p:nvSpPr>
+        <p:spPr>
+          <a:xfrm>
+            <a:off x="10360578" y="4708711"/>
+            <a:ext cx="437940" cy="369332"/>
+          </a:xfrm>
+          <a:prstGeom prst="rect">
+            <a:avLst/>
+          </a:prstGeom>
+          <a:solidFill>
+            <a:schemeClr val="accent1">
+              <a:lumMod val="40000"/>
+              <a:lumOff val="60000"/>
+            </a:schemeClr>
+          </a:solidFill>
+        </p:spPr>
+        <p:txBody>
+          <a:bodyPr wrap="none" rtlCol="0">
+            <a:spAutoFit/>
+          </a:bodyPr>
+          <a:lstStyle/>
+          <a:p>
+            <a:r>
+              <a:rPr lang="en-US" altLang="ko-KR" dirty="0" smtClean="0"/>
+              <a:t>21</a:t>
+            </a:r>
+            <a:endParaRPr lang="ko-KR" altLang="en-US" dirty="0"/>
+          </a:p>
+        </p:txBody>
+      </p:sp>
+      <p:sp>
+        <p:nvSpPr>
+          <p:cNvPr id="8" name="TextBox 7"/>
+          <p:cNvSpPr txBox="1"/>
+          <p:nvPr/>
+        </p:nvSpPr>
+        <p:spPr>
+          <a:xfrm>
+            <a:off x="2539996" y="2085827"/>
+            <a:ext cx="437940" cy="369332"/>
+          </a:xfrm>
+          <a:prstGeom prst="rect">
+            <a:avLst/>
+          </a:prstGeom>
+          <a:solidFill>
+            <a:schemeClr val="accent1">
+              <a:lumMod val="40000"/>
+              <a:lumOff val="60000"/>
+            </a:schemeClr>
+          </a:solidFill>
+        </p:spPr>
+        <p:txBody>
+          <a:bodyPr wrap="none" rtlCol="0">
+            <a:spAutoFit/>
+          </a:bodyPr>
+          <a:lstStyle/>
+          <a:p>
+            <a:r>
+              <a:rPr lang="en-US" altLang="ko-KR" dirty="0" smtClean="0"/>
+              <a:t>20</a:t>
+            </a:r>
+            <a:endParaRPr lang="ko-KR" altLang="en-US" dirty="0"/>
+          </a:p>
+        </p:txBody>
+      </p:sp>
+      <p:sp>
+        <p:nvSpPr>
+          <p:cNvPr id="9" name="TextBox 8"/>
+          <p:cNvSpPr txBox="1"/>
+          <p:nvPr/>
+        </p:nvSpPr>
+        <p:spPr>
+          <a:xfrm>
+            <a:off x="10798518" y="1929502"/>
+            <a:ext cx="311304" cy="369332"/>
+          </a:xfrm>
+          <a:prstGeom prst="rect">
+            <a:avLst/>
+          </a:prstGeom>
+          <a:solidFill>
+            <a:schemeClr val="accent1">
+              <a:lumMod val="40000"/>
+              <a:lumOff val="60000"/>
+            </a:schemeClr>
+          </a:solidFill>
+        </p:spPr>
+        <p:txBody>
+          <a:bodyPr wrap="none" rtlCol="0">
+            <a:spAutoFit/>
+          </a:bodyPr>
+          <a:lstStyle/>
+          <a:p>
+            <a:r>
+              <a:rPr lang="en-US" altLang="ko-KR" dirty="0" smtClean="0"/>
+              <a:t>1</a:t>
+            </a:r>
+            <a:endParaRPr lang="ko-KR" altLang="en-US" dirty="0"/>
+          </a:p>
+        </p:txBody>
+      </p:sp>
+      <p:sp>
+        <p:nvSpPr>
+          <p:cNvPr id="10" name="TextBox 9"/>
+          <p:cNvSpPr txBox="1"/>
+          <p:nvPr/>
+        </p:nvSpPr>
+        <p:spPr>
+          <a:xfrm>
+            <a:off x="11359368" y="2944968"/>
+            <a:ext cx="311304" cy="369332"/>
+          </a:xfrm>
+          <a:prstGeom prst="rect">
+            <a:avLst/>
+          </a:prstGeom>
+          <a:solidFill>
+            <a:schemeClr val="accent1">
+              <a:lumMod val="40000"/>
+              <a:lumOff val="60000"/>
+            </a:schemeClr>
+          </a:solidFill>
+        </p:spPr>
+        <p:txBody>
+          <a:bodyPr wrap="none" rtlCol="0">
+            <a:spAutoFit/>
+          </a:bodyPr>
+          <a:lstStyle/>
+          <a:p>
+            <a:r>
+              <a:rPr lang="en-US" altLang="ko-KR" dirty="0"/>
+              <a:t>8</a:t>
+            </a:r>
+            <a:endParaRPr lang="ko-KR" altLang="en-US" dirty="0"/>
+          </a:p>
+        </p:txBody>
+      </p:sp>
+      <p:sp>
+        <p:nvSpPr>
+          <p:cNvPr id="11" name="TextBox 10"/>
+          <p:cNvSpPr txBox="1"/>
+          <p:nvPr/>
+        </p:nvSpPr>
+        <p:spPr>
+          <a:xfrm>
+            <a:off x="3471331" y="2083328"/>
+            <a:ext cx="437940" cy="369332"/>
+          </a:xfrm>
+          <a:prstGeom prst="rect">
+            <a:avLst/>
+          </a:prstGeom>
+          <a:solidFill>
+            <a:schemeClr val="accent1">
+              <a:lumMod val="40000"/>
+              <a:lumOff val="60000"/>
+            </a:schemeClr>
+          </a:solidFill>
+        </p:spPr>
+        <p:txBody>
+          <a:bodyPr wrap="none" rtlCol="0">
+            <a:spAutoFit/>
+          </a:bodyPr>
+          <a:lstStyle/>
+          <a:p>
+            <a:r>
+              <a:rPr lang="en-US" altLang="ko-KR" dirty="0" smtClean="0"/>
+              <a:t>30</a:t>
+            </a:r>
+            <a:endParaRPr lang="ko-KR" altLang="en-US" dirty="0"/>
+          </a:p>
+        </p:txBody>
+      </p:sp>
+      <p:sp>
+        <p:nvSpPr>
+          <p:cNvPr id="12" name="TextBox 11"/>
+          <p:cNvSpPr txBox="1"/>
+          <p:nvPr/>
+        </p:nvSpPr>
+        <p:spPr>
+          <a:xfrm>
+            <a:off x="3325489" y="2760302"/>
+            <a:ext cx="729623" cy="369332"/>
+          </a:xfrm>
+          <a:prstGeom prst="rect">
+            <a:avLst/>
+          </a:prstGeom>
+          <a:noFill/>
+        </p:spPr>
+        <p:txBody>
+          <a:bodyPr wrap="none" rtlCol="0">
+            <a:spAutoFit/>
+          </a:bodyPr>
+          <a:lstStyle/>
+          <a:p>
+            <a:r>
+              <a:rPr lang="en-US" altLang="ko-KR" dirty="0" smtClean="0"/>
+              <a:t>Front</a:t>
+            </a:r>
+          </a:p>
+        </p:txBody>
+      </p:sp>
+      <p:sp>
+        <p:nvSpPr>
+          <p:cNvPr id="13" name="TextBox 12"/>
+          <p:cNvSpPr txBox="1"/>
+          <p:nvPr/>
+        </p:nvSpPr>
+        <p:spPr>
+          <a:xfrm>
+            <a:off x="4407669" y="2760302"/>
+            <a:ext cx="644151" cy="369332"/>
+          </a:xfrm>
+          <a:prstGeom prst="rect">
+            <a:avLst/>
+          </a:prstGeom>
+          <a:noFill/>
+        </p:spPr>
+        <p:txBody>
+          <a:bodyPr wrap="none" rtlCol="0">
+            <a:spAutoFit/>
+          </a:bodyPr>
+          <a:lstStyle/>
+          <a:p>
+            <a:r>
+              <a:rPr lang="en-US" altLang="ko-KR" dirty="0" smtClean="0"/>
+              <a:t>Rear</a:t>
+            </a:r>
+          </a:p>
+        </p:txBody>
+      </p:sp>
     </p:spTree>
     <p:extLst>
       <p:ext uri="{BB962C8B-B14F-4D97-AF65-F5344CB8AC3E}">

--- a/Algorithm-이론/알고리즘 이론 학습 자료.pptx
+++ b/Algorithm-이론/알고리즘 이론 학습 자료.pptx
@@ -275,7 +275,7 @@
           <a:p>
             <a:fld id="{F5183EF9-8AE5-4977-9B10-E3C99861EBC1}" type="datetimeFigureOut">
               <a:rPr lang="ko-KR" altLang="en-US" smtClean="0"/>
-              <a:t>2020-02-16</a:t>
+              <a:t>2020-02-24</a:t>
             </a:fld>
             <a:endParaRPr lang="ko-KR" altLang="en-US"/>
           </a:p>
@@ -445,7 +445,7 @@
           <a:p>
             <a:fld id="{F5183EF9-8AE5-4977-9B10-E3C99861EBC1}" type="datetimeFigureOut">
               <a:rPr lang="ko-KR" altLang="en-US" smtClean="0"/>
-              <a:t>2020-02-16</a:t>
+              <a:t>2020-02-24</a:t>
             </a:fld>
             <a:endParaRPr lang="ko-KR" altLang="en-US"/>
           </a:p>
@@ -625,7 +625,7 @@
           <a:p>
             <a:fld id="{F5183EF9-8AE5-4977-9B10-E3C99861EBC1}" type="datetimeFigureOut">
               <a:rPr lang="ko-KR" altLang="en-US" smtClean="0"/>
-              <a:t>2020-02-16</a:t>
+              <a:t>2020-02-24</a:t>
             </a:fld>
             <a:endParaRPr lang="ko-KR" altLang="en-US"/>
           </a:p>
@@ -795,7 +795,7 @@
           <a:p>
             <a:fld id="{F5183EF9-8AE5-4977-9B10-E3C99861EBC1}" type="datetimeFigureOut">
               <a:rPr lang="ko-KR" altLang="en-US" smtClean="0"/>
-              <a:t>2020-02-16</a:t>
+              <a:t>2020-02-24</a:t>
             </a:fld>
             <a:endParaRPr lang="ko-KR" altLang="en-US"/>
           </a:p>
@@ -1041,7 +1041,7 @@
           <a:p>
             <a:fld id="{F5183EF9-8AE5-4977-9B10-E3C99861EBC1}" type="datetimeFigureOut">
               <a:rPr lang="ko-KR" altLang="en-US" smtClean="0"/>
-              <a:t>2020-02-16</a:t>
+              <a:t>2020-02-24</a:t>
             </a:fld>
             <a:endParaRPr lang="ko-KR" altLang="en-US"/>
           </a:p>
@@ -1273,7 +1273,7 @@
           <a:p>
             <a:fld id="{F5183EF9-8AE5-4977-9B10-E3C99861EBC1}" type="datetimeFigureOut">
               <a:rPr lang="ko-KR" altLang="en-US" smtClean="0"/>
-              <a:t>2020-02-16</a:t>
+              <a:t>2020-02-24</a:t>
             </a:fld>
             <a:endParaRPr lang="ko-KR" altLang="en-US"/>
           </a:p>
@@ -1640,7 +1640,7 @@
           <a:p>
             <a:fld id="{F5183EF9-8AE5-4977-9B10-E3C99861EBC1}" type="datetimeFigureOut">
               <a:rPr lang="ko-KR" altLang="en-US" smtClean="0"/>
-              <a:t>2020-02-16</a:t>
+              <a:t>2020-02-24</a:t>
             </a:fld>
             <a:endParaRPr lang="ko-KR" altLang="en-US"/>
           </a:p>
@@ -1758,7 +1758,7 @@
           <a:p>
             <a:fld id="{F5183EF9-8AE5-4977-9B10-E3C99861EBC1}" type="datetimeFigureOut">
               <a:rPr lang="ko-KR" altLang="en-US" smtClean="0"/>
-              <a:t>2020-02-16</a:t>
+              <a:t>2020-02-24</a:t>
             </a:fld>
             <a:endParaRPr lang="ko-KR" altLang="en-US"/>
           </a:p>
@@ -1853,7 +1853,7 @@
           <a:p>
             <a:fld id="{F5183EF9-8AE5-4977-9B10-E3C99861EBC1}" type="datetimeFigureOut">
               <a:rPr lang="ko-KR" altLang="en-US" smtClean="0"/>
-              <a:t>2020-02-16</a:t>
+              <a:t>2020-02-24</a:t>
             </a:fld>
             <a:endParaRPr lang="ko-KR" altLang="en-US"/>
           </a:p>
@@ -2130,7 +2130,7 @@
           <a:p>
             <a:fld id="{F5183EF9-8AE5-4977-9B10-E3C99861EBC1}" type="datetimeFigureOut">
               <a:rPr lang="ko-KR" altLang="en-US" smtClean="0"/>
-              <a:t>2020-02-16</a:t>
+              <a:t>2020-02-24</a:t>
             </a:fld>
             <a:endParaRPr lang="ko-KR" altLang="en-US"/>
           </a:p>
@@ -2383,7 +2383,7 @@
           <a:p>
             <a:fld id="{F5183EF9-8AE5-4977-9B10-E3C99861EBC1}" type="datetimeFigureOut">
               <a:rPr lang="ko-KR" altLang="en-US" smtClean="0"/>
-              <a:t>2020-02-16</a:t>
+              <a:t>2020-02-24</a:t>
             </a:fld>
             <a:endParaRPr lang="ko-KR" altLang="en-US"/>
           </a:p>
@@ -2596,7 +2596,7 @@
           <a:p>
             <a:fld id="{F5183EF9-8AE5-4977-9B10-E3C99861EBC1}" type="datetimeFigureOut">
               <a:rPr lang="ko-KR" altLang="en-US" smtClean="0"/>
-              <a:t>2020-02-16</a:t>
+              <a:t>2020-02-24</a:t>
             </a:fld>
             <a:endParaRPr lang="ko-KR" altLang="en-US"/>
           </a:p>
@@ -7804,7 +7804,7 @@
         </p:nvSpPr>
         <p:spPr>
           <a:xfrm>
-            <a:off x="2301240" y="1861419"/>
+            <a:off x="553720" y="347579"/>
             <a:ext cx="4857010" cy="850232"/>
           </a:xfrm>
           <a:prstGeom prst="rect">
@@ -7850,7 +7850,7 @@
         </p:nvCxnSpPr>
         <p:spPr>
           <a:xfrm>
-            <a:off x="3183553" y="1845377"/>
+            <a:off x="1436033" y="331537"/>
             <a:ext cx="0" cy="850232"/>
           </a:xfrm>
           <a:prstGeom prst="line">
@@ -7885,7 +7885,7 @@
         </p:nvCxnSpPr>
         <p:spPr>
           <a:xfrm>
-            <a:off x="4154100" y="1861419"/>
+            <a:off x="2406580" y="347579"/>
             <a:ext cx="0" cy="850232"/>
           </a:xfrm>
           <a:prstGeom prst="line">
@@ -7920,7 +7920,7 @@
         </p:nvCxnSpPr>
         <p:spPr>
           <a:xfrm>
-            <a:off x="5108605" y="1861419"/>
+            <a:off x="3361085" y="347579"/>
             <a:ext cx="0" cy="850232"/>
           </a:xfrm>
           <a:prstGeom prst="line">
@@ -7955,7 +7955,7 @@
         </p:nvCxnSpPr>
         <p:spPr>
           <a:xfrm>
-            <a:off x="6143319" y="1861419"/>
+            <a:off x="4395799" y="347579"/>
             <a:ext cx="0" cy="850232"/>
           </a:xfrm>
           <a:prstGeom prst="line">
@@ -7990,7 +7990,7 @@
         </p:nvSpPr>
         <p:spPr>
           <a:xfrm>
-            <a:off x="10360578" y="4708711"/>
+            <a:off x="7762340" y="1013145"/>
             <a:ext cx="437940" cy="369332"/>
           </a:xfrm>
           <a:prstGeom prst="rect">
@@ -8025,7 +8025,7 @@
         </p:nvSpPr>
         <p:spPr>
           <a:xfrm>
-            <a:off x="2539996" y="2085827"/>
+            <a:off x="792476" y="571987"/>
             <a:ext cx="437940" cy="369332"/>
           </a:xfrm>
           <a:prstGeom prst="rect">
@@ -8060,7 +8060,7 @@
         </p:nvSpPr>
         <p:spPr>
           <a:xfrm>
-            <a:off x="10798518" y="1929502"/>
+            <a:off x="9050998" y="415662"/>
             <a:ext cx="311304" cy="369332"/>
           </a:xfrm>
           <a:prstGeom prst="rect">
@@ -8095,7 +8095,7 @@
         </p:nvSpPr>
         <p:spPr>
           <a:xfrm>
-            <a:off x="11359368" y="2944968"/>
+            <a:off x="9611848" y="1431128"/>
             <a:ext cx="311304" cy="369332"/>
           </a:xfrm>
           <a:prstGeom prst="rect">
@@ -8130,7 +8130,7 @@
         </p:nvSpPr>
         <p:spPr>
           <a:xfrm>
-            <a:off x="3471331" y="2083328"/>
+            <a:off x="1723811" y="569488"/>
             <a:ext cx="437940" cy="369332"/>
           </a:xfrm>
           <a:prstGeom prst="rect">
@@ -8165,7 +8165,7 @@
         </p:nvSpPr>
         <p:spPr>
           <a:xfrm>
-            <a:off x="3325489" y="2760302"/>
+            <a:off x="1577969" y="1246462"/>
             <a:ext cx="729623" cy="369332"/>
           </a:xfrm>
           <a:prstGeom prst="rect">
@@ -8194,7 +8194,7 @@
         </p:nvSpPr>
         <p:spPr>
           <a:xfrm>
-            <a:off x="4407669" y="2760302"/>
+            <a:off x="2660149" y="1246462"/>
             <a:ext cx="644151" cy="369332"/>
           </a:xfrm>
           <a:prstGeom prst="rect">
@@ -8215,6 +8215,94 @@
           </a:p>
         </p:txBody>
       </p:sp>
+      <p:pic>
+        <p:nvPicPr>
+          <p:cNvPr id="14" name="그림 13"/>
+          <p:cNvPicPr>
+            <a:picLocks noChangeAspect="1"/>
+          </p:cNvPicPr>
+          <p:nvPr/>
+        </p:nvPicPr>
+        <p:blipFill>
+          <a:blip r:embed="rId2"/>
+          <a:stretch>
+            <a:fillRect/>
+          </a:stretch>
+        </p:blipFill>
+        <p:spPr>
+          <a:xfrm>
+            <a:off x="391013" y="3314300"/>
+            <a:ext cx="3383573" cy="3314987"/>
+          </a:xfrm>
+          <a:prstGeom prst="rect">
+            <a:avLst/>
+          </a:prstGeom>
+        </p:spPr>
+      </p:pic>
+      <p:sp>
+        <p:nvSpPr>
+          <p:cNvPr id="15" name="오른쪽 화살표 14"/>
+          <p:cNvSpPr/>
+          <p:nvPr/>
+        </p:nvSpPr>
+        <p:spPr>
+          <a:xfrm>
+            <a:off x="5660422" y="4764360"/>
+            <a:ext cx="533400" cy="414866"/>
+          </a:xfrm>
+          <a:prstGeom prst="rightArrow">
+            <a:avLst/>
+          </a:prstGeom>
+        </p:spPr>
+        <p:style>
+          <a:lnRef idx="2">
+            <a:schemeClr val="accent1">
+              <a:shade val="50000"/>
+            </a:schemeClr>
+          </a:lnRef>
+          <a:fillRef idx="1">
+            <a:schemeClr val="accent1"/>
+          </a:fillRef>
+          <a:effectRef idx="0">
+            <a:schemeClr val="accent1"/>
+          </a:effectRef>
+          <a:fontRef idx="minor">
+            <a:schemeClr val="lt1"/>
+          </a:fontRef>
+        </p:style>
+        <p:txBody>
+          <a:bodyPr rtlCol="0" anchor="ctr"/>
+          <a:lstStyle/>
+          <a:p>
+            <a:pPr algn="ctr"/>
+            <a:endParaRPr lang="ko-KR" altLang="en-US" dirty="0"/>
+          </a:p>
+        </p:txBody>
+      </p:sp>
+      <p:pic>
+        <p:nvPicPr>
+          <p:cNvPr id="16" name="그림 15"/>
+          <p:cNvPicPr>
+            <a:picLocks noChangeAspect="1"/>
+          </p:cNvPicPr>
+          <p:nvPr/>
+        </p:nvPicPr>
+        <p:blipFill>
+          <a:blip r:embed="rId3"/>
+          <a:stretch>
+            <a:fillRect/>
+          </a:stretch>
+        </p:blipFill>
+        <p:spPr>
+          <a:xfrm>
+            <a:off x="7778447" y="4676209"/>
+            <a:ext cx="2144705" cy="591168"/>
+          </a:xfrm>
+          <a:prstGeom prst="rect">
+            <a:avLst/>
+          </a:prstGeom>
+        </p:spPr>
+      </p:pic>
     </p:spTree>
     <p:extLst>
       <p:ext uri="{BB962C8B-B14F-4D97-AF65-F5344CB8AC3E}">
@@ -8245,6 +8333,142 @@
           <a:chExt cx="0" cy="0"/>
         </a:xfrm>
       </p:grpSpPr>
+      <p:pic>
+        <p:nvPicPr>
+          <p:cNvPr id="2" name="그림 1"/>
+          <p:cNvPicPr>
+            <a:picLocks noChangeAspect="1"/>
+          </p:cNvPicPr>
+          <p:nvPr/>
+        </p:nvPicPr>
+        <p:blipFill>
+          <a:blip r:embed="rId2"/>
+          <a:stretch>
+            <a:fillRect/>
+          </a:stretch>
+        </p:blipFill>
+        <p:spPr>
+          <a:xfrm>
+            <a:off x="0" y="65114"/>
+            <a:ext cx="3970364" cy="1188823"/>
+          </a:xfrm>
+          <a:prstGeom prst="rect">
+            <a:avLst/>
+          </a:prstGeom>
+        </p:spPr>
+      </p:pic>
+      <p:sp>
+        <p:nvSpPr>
+          <p:cNvPr id="3" name="오른쪽 화살표 2"/>
+          <p:cNvSpPr/>
+          <p:nvPr/>
+        </p:nvSpPr>
+        <p:spPr>
+          <a:xfrm>
+            <a:off x="8487833" y="1046504"/>
+            <a:ext cx="533400" cy="414866"/>
+          </a:xfrm>
+          <a:prstGeom prst="rightArrow">
+            <a:avLst/>
+          </a:prstGeom>
+        </p:spPr>
+        <p:style>
+          <a:lnRef idx="2">
+            <a:schemeClr val="accent1">
+              <a:shade val="50000"/>
+            </a:schemeClr>
+          </a:lnRef>
+          <a:fillRef idx="1">
+            <a:schemeClr val="accent1"/>
+          </a:fillRef>
+          <a:effectRef idx="0">
+            <a:schemeClr val="accent1"/>
+          </a:effectRef>
+          <a:fontRef idx="minor">
+            <a:schemeClr val="lt1"/>
+          </a:fontRef>
+        </p:style>
+        <p:txBody>
+          <a:bodyPr rtlCol="0" anchor="ctr"/>
+          <a:lstStyle/>
+          <a:p>
+            <a:pPr algn="ctr"/>
+            <a:endParaRPr lang="ko-KR" altLang="en-US"/>
+          </a:p>
+        </p:txBody>
+      </p:sp>
+      <p:pic>
+        <p:nvPicPr>
+          <p:cNvPr id="4" name="그림 3"/>
+          <p:cNvPicPr>
+            <a:picLocks noChangeAspect="1"/>
+          </p:cNvPicPr>
+          <p:nvPr/>
+        </p:nvPicPr>
+        <p:blipFill>
+          <a:blip r:embed="rId3"/>
+          <a:stretch>
+            <a:fillRect/>
+          </a:stretch>
+        </p:blipFill>
+        <p:spPr>
+          <a:xfrm>
+            <a:off x="3970364" y="65114"/>
+            <a:ext cx="3878916" cy="1783235"/>
+          </a:xfrm>
+          <a:prstGeom prst="rect">
+            <a:avLst/>
+          </a:prstGeom>
+        </p:spPr>
+      </p:pic>
+      <p:pic>
+        <p:nvPicPr>
+          <p:cNvPr id="6" name="그림 5"/>
+          <p:cNvPicPr>
+            <a:picLocks noChangeAspect="1"/>
+          </p:cNvPicPr>
+          <p:nvPr/>
+        </p:nvPicPr>
+        <p:blipFill>
+          <a:blip r:embed="rId4"/>
+          <a:stretch>
+            <a:fillRect/>
+          </a:stretch>
+        </p:blipFill>
+        <p:spPr>
+          <a:xfrm>
+            <a:off x="6693167" y="2485212"/>
+            <a:ext cx="3589331" cy="3276884"/>
+          </a:xfrm>
+          <a:prstGeom prst="rect">
+            <a:avLst/>
+          </a:prstGeom>
+        </p:spPr>
+      </p:pic>
+      <p:pic>
+        <p:nvPicPr>
+          <p:cNvPr id="8" name="그림 7"/>
+          <p:cNvPicPr>
+            <a:picLocks noChangeAspect="1"/>
+          </p:cNvPicPr>
+          <p:nvPr/>
+        </p:nvPicPr>
+        <p:blipFill>
+          <a:blip r:embed="rId5"/>
+          <a:stretch>
+            <a:fillRect/>
+          </a:stretch>
+        </p:blipFill>
+        <p:spPr>
+          <a:xfrm>
+            <a:off x="1442982" y="2077507"/>
+            <a:ext cx="3711262" cy="4092295"/>
+          </a:xfrm>
+          <a:prstGeom prst="rect">
+            <a:avLst/>
+          </a:prstGeom>
+        </p:spPr>
+      </p:pic>
     </p:spTree>
     <p:extLst>
       <p:ext uri="{BB962C8B-B14F-4D97-AF65-F5344CB8AC3E}">
@@ -8275,6 +8499,102 @@
           <a:chExt cx="0" cy="0"/>
         </a:xfrm>
       </p:grpSpPr>
+      <p:pic>
+        <p:nvPicPr>
+          <p:cNvPr id="2" name="그림 1"/>
+          <p:cNvPicPr>
+            <a:picLocks noChangeAspect="1"/>
+          </p:cNvPicPr>
+          <p:nvPr/>
+        </p:nvPicPr>
+        <p:blipFill>
+          <a:blip r:embed="rId2"/>
+          <a:stretch>
+            <a:fillRect/>
+          </a:stretch>
+        </p:blipFill>
+        <p:spPr>
+          <a:xfrm>
+            <a:off x="8352762" y="1675046"/>
+            <a:ext cx="647756" cy="1943268"/>
+          </a:xfrm>
+          <a:prstGeom prst="rect">
+            <a:avLst/>
+          </a:prstGeom>
+        </p:spPr>
+      </p:pic>
+      <p:pic>
+        <p:nvPicPr>
+          <p:cNvPr id="3" name="그림 2"/>
+          <p:cNvPicPr>
+            <a:picLocks noChangeAspect="1"/>
+          </p:cNvPicPr>
+          <p:nvPr/>
+        </p:nvPicPr>
+        <p:blipFill>
+          <a:blip r:embed="rId3"/>
+          <a:stretch>
+            <a:fillRect/>
+          </a:stretch>
+        </p:blipFill>
+        <p:spPr>
+          <a:xfrm>
+            <a:off x="1243098" y="1484529"/>
+            <a:ext cx="5357324" cy="2133785"/>
+          </a:xfrm>
+          <a:prstGeom prst="rect">
+            <a:avLst/>
+          </a:prstGeom>
+        </p:spPr>
+      </p:pic>
+      <p:pic>
+        <p:nvPicPr>
+          <p:cNvPr id="4" name="그림 3"/>
+          <p:cNvPicPr>
+            <a:picLocks noChangeAspect="1"/>
+          </p:cNvPicPr>
+          <p:nvPr/>
+        </p:nvPicPr>
+        <p:blipFill>
+          <a:blip r:embed="rId4"/>
+          <a:stretch>
+            <a:fillRect/>
+          </a:stretch>
+        </p:blipFill>
+        <p:spPr>
+          <a:xfrm>
+            <a:off x="1243098" y="3974997"/>
+            <a:ext cx="5608806" cy="2362405"/>
+          </a:xfrm>
+          <a:prstGeom prst="rect">
+            <a:avLst/>
+          </a:prstGeom>
+        </p:spPr>
+      </p:pic>
+      <p:pic>
+        <p:nvPicPr>
+          <p:cNvPr id="5" name="그림 4"/>
+          <p:cNvPicPr>
+            <a:picLocks noChangeAspect="1"/>
+          </p:cNvPicPr>
+          <p:nvPr/>
+        </p:nvPicPr>
+        <p:blipFill>
+          <a:blip r:embed="rId5"/>
+          <a:stretch>
+            <a:fillRect/>
+          </a:stretch>
+        </p:blipFill>
+        <p:spPr>
+          <a:xfrm>
+            <a:off x="8352762" y="4161703"/>
+            <a:ext cx="579170" cy="1988992"/>
+          </a:xfrm>
+          <a:prstGeom prst="rect">
+            <a:avLst/>
+          </a:prstGeom>
+        </p:spPr>
+      </p:pic>
     </p:spTree>
     <p:extLst>
       <p:ext uri="{BB962C8B-B14F-4D97-AF65-F5344CB8AC3E}">

--- a/Algorithm-이론/알고리즘 이론 학습 자료.pptx
+++ b/Algorithm-이론/알고리즘 이론 학습 자료.pptx
@@ -7,37 +7,38 @@
   <p:sldIdLst>
     <p:sldId id="256" r:id="rId2"/>
     <p:sldId id="257" r:id="rId3"/>
-    <p:sldId id="258" r:id="rId4"/>
-    <p:sldId id="259" r:id="rId5"/>
-    <p:sldId id="260" r:id="rId6"/>
-    <p:sldId id="261" r:id="rId7"/>
-    <p:sldId id="262" r:id="rId8"/>
-    <p:sldId id="263" r:id="rId9"/>
-    <p:sldId id="264" r:id="rId10"/>
-    <p:sldId id="265" r:id="rId11"/>
-    <p:sldId id="266" r:id="rId12"/>
-    <p:sldId id="267" r:id="rId13"/>
-    <p:sldId id="268" r:id="rId14"/>
-    <p:sldId id="269" r:id="rId15"/>
-    <p:sldId id="270" r:id="rId16"/>
-    <p:sldId id="271" r:id="rId17"/>
-    <p:sldId id="272" r:id="rId18"/>
-    <p:sldId id="273" r:id="rId19"/>
-    <p:sldId id="274" r:id="rId20"/>
-    <p:sldId id="275" r:id="rId21"/>
-    <p:sldId id="276" r:id="rId22"/>
-    <p:sldId id="277" r:id="rId23"/>
-    <p:sldId id="278" r:id="rId24"/>
-    <p:sldId id="279" r:id="rId25"/>
-    <p:sldId id="280" r:id="rId26"/>
-    <p:sldId id="281" r:id="rId27"/>
-    <p:sldId id="282" r:id="rId28"/>
-    <p:sldId id="283" r:id="rId29"/>
-    <p:sldId id="284" r:id="rId30"/>
-    <p:sldId id="285" r:id="rId31"/>
-    <p:sldId id="286" r:id="rId32"/>
-    <p:sldId id="287" r:id="rId33"/>
-    <p:sldId id="288" r:id="rId34"/>
+    <p:sldId id="289" r:id="rId4"/>
+    <p:sldId id="258" r:id="rId5"/>
+    <p:sldId id="259" r:id="rId6"/>
+    <p:sldId id="260" r:id="rId7"/>
+    <p:sldId id="261" r:id="rId8"/>
+    <p:sldId id="262" r:id="rId9"/>
+    <p:sldId id="263" r:id="rId10"/>
+    <p:sldId id="264" r:id="rId11"/>
+    <p:sldId id="265" r:id="rId12"/>
+    <p:sldId id="266" r:id="rId13"/>
+    <p:sldId id="267" r:id="rId14"/>
+    <p:sldId id="268" r:id="rId15"/>
+    <p:sldId id="269" r:id="rId16"/>
+    <p:sldId id="270" r:id="rId17"/>
+    <p:sldId id="271" r:id="rId18"/>
+    <p:sldId id="272" r:id="rId19"/>
+    <p:sldId id="273" r:id="rId20"/>
+    <p:sldId id="274" r:id="rId21"/>
+    <p:sldId id="275" r:id="rId22"/>
+    <p:sldId id="276" r:id="rId23"/>
+    <p:sldId id="277" r:id="rId24"/>
+    <p:sldId id="278" r:id="rId25"/>
+    <p:sldId id="279" r:id="rId26"/>
+    <p:sldId id="280" r:id="rId27"/>
+    <p:sldId id="281" r:id="rId28"/>
+    <p:sldId id="282" r:id="rId29"/>
+    <p:sldId id="283" r:id="rId30"/>
+    <p:sldId id="284" r:id="rId31"/>
+    <p:sldId id="285" r:id="rId32"/>
+    <p:sldId id="286" r:id="rId33"/>
+    <p:sldId id="287" r:id="rId34"/>
+    <p:sldId id="288" r:id="rId35"/>
   </p:sldIdLst>
   <p:sldSz cx="12192000" cy="6858000"/>
   <p:notesSz cx="6858000" cy="9144000"/>
@@ -275,7 +276,7 @@
           <a:p>
             <a:fld id="{F5183EF9-8AE5-4977-9B10-E3C99861EBC1}" type="datetimeFigureOut">
               <a:rPr lang="ko-KR" altLang="en-US" smtClean="0"/>
-              <a:t>2020-02-24</a:t>
+              <a:t>2020-03-01</a:t>
             </a:fld>
             <a:endParaRPr lang="ko-KR" altLang="en-US"/>
           </a:p>
@@ -445,7 +446,7 @@
           <a:p>
             <a:fld id="{F5183EF9-8AE5-4977-9B10-E3C99861EBC1}" type="datetimeFigureOut">
               <a:rPr lang="ko-KR" altLang="en-US" smtClean="0"/>
-              <a:t>2020-02-24</a:t>
+              <a:t>2020-03-01</a:t>
             </a:fld>
             <a:endParaRPr lang="ko-KR" altLang="en-US"/>
           </a:p>
@@ -625,7 +626,7 @@
           <a:p>
             <a:fld id="{F5183EF9-8AE5-4977-9B10-E3C99861EBC1}" type="datetimeFigureOut">
               <a:rPr lang="ko-KR" altLang="en-US" smtClean="0"/>
-              <a:t>2020-02-24</a:t>
+              <a:t>2020-03-01</a:t>
             </a:fld>
             <a:endParaRPr lang="ko-KR" altLang="en-US"/>
           </a:p>
@@ -795,7 +796,7 @@
           <a:p>
             <a:fld id="{F5183EF9-8AE5-4977-9B10-E3C99861EBC1}" type="datetimeFigureOut">
               <a:rPr lang="ko-KR" altLang="en-US" smtClean="0"/>
-              <a:t>2020-02-24</a:t>
+              <a:t>2020-03-01</a:t>
             </a:fld>
             <a:endParaRPr lang="ko-KR" altLang="en-US"/>
           </a:p>
@@ -1041,7 +1042,7 @@
           <a:p>
             <a:fld id="{F5183EF9-8AE5-4977-9B10-E3C99861EBC1}" type="datetimeFigureOut">
               <a:rPr lang="ko-KR" altLang="en-US" smtClean="0"/>
-              <a:t>2020-02-24</a:t>
+              <a:t>2020-03-01</a:t>
             </a:fld>
             <a:endParaRPr lang="ko-KR" altLang="en-US"/>
           </a:p>
@@ -1273,7 +1274,7 @@
           <a:p>
             <a:fld id="{F5183EF9-8AE5-4977-9B10-E3C99861EBC1}" type="datetimeFigureOut">
               <a:rPr lang="ko-KR" altLang="en-US" smtClean="0"/>
-              <a:t>2020-02-24</a:t>
+              <a:t>2020-03-01</a:t>
             </a:fld>
             <a:endParaRPr lang="ko-KR" altLang="en-US"/>
           </a:p>
@@ -1640,7 +1641,7 @@
           <a:p>
             <a:fld id="{F5183EF9-8AE5-4977-9B10-E3C99861EBC1}" type="datetimeFigureOut">
               <a:rPr lang="ko-KR" altLang="en-US" smtClean="0"/>
-              <a:t>2020-02-24</a:t>
+              <a:t>2020-03-01</a:t>
             </a:fld>
             <a:endParaRPr lang="ko-KR" altLang="en-US"/>
           </a:p>
@@ -1758,7 +1759,7 @@
           <a:p>
             <a:fld id="{F5183EF9-8AE5-4977-9B10-E3C99861EBC1}" type="datetimeFigureOut">
               <a:rPr lang="ko-KR" altLang="en-US" smtClean="0"/>
-              <a:t>2020-02-24</a:t>
+              <a:t>2020-03-01</a:t>
             </a:fld>
             <a:endParaRPr lang="ko-KR" altLang="en-US"/>
           </a:p>
@@ -1853,7 +1854,7 @@
           <a:p>
             <a:fld id="{F5183EF9-8AE5-4977-9B10-E3C99861EBC1}" type="datetimeFigureOut">
               <a:rPr lang="ko-KR" altLang="en-US" smtClean="0"/>
-              <a:t>2020-02-24</a:t>
+              <a:t>2020-03-01</a:t>
             </a:fld>
             <a:endParaRPr lang="ko-KR" altLang="en-US"/>
           </a:p>
@@ -2130,7 +2131,7 @@
           <a:p>
             <a:fld id="{F5183EF9-8AE5-4977-9B10-E3C99861EBC1}" type="datetimeFigureOut">
               <a:rPr lang="ko-KR" altLang="en-US" smtClean="0"/>
-              <a:t>2020-02-24</a:t>
+              <a:t>2020-03-01</a:t>
             </a:fld>
             <a:endParaRPr lang="ko-KR" altLang="en-US"/>
           </a:p>
@@ -2383,7 +2384,7 @@
           <a:p>
             <a:fld id="{F5183EF9-8AE5-4977-9B10-E3C99861EBC1}" type="datetimeFigureOut">
               <a:rPr lang="ko-KR" altLang="en-US" smtClean="0"/>
-              <a:t>2020-02-24</a:t>
+              <a:t>2020-03-01</a:t>
             </a:fld>
             <a:endParaRPr lang="ko-KR" altLang="en-US"/>
           </a:p>
@@ -2596,7 +2597,7 @@
           <a:p>
             <a:fld id="{F5183EF9-8AE5-4977-9B10-E3C99861EBC1}" type="datetimeFigureOut">
               <a:rPr lang="ko-KR" altLang="en-US" smtClean="0"/>
-              <a:t>2020-02-24</a:t>
+              <a:t>2020-03-01</a:t>
             </a:fld>
             <a:endParaRPr lang="ko-KR" altLang="en-US"/>
           </a:p>
@@ -5865,7 +5866,7 @@
     </p:spTree>
     <p:extLst>
       <p:ext uri="{BB962C8B-B14F-4D97-AF65-F5344CB8AC3E}">
-        <p14:creationId xmlns:p14="http://schemas.microsoft.com/office/powerpoint/2010/main" val="1667365703"/>
+        <p14:creationId xmlns:p14="http://schemas.microsoft.com/office/powerpoint/2010/main" val="2890894902"/>
       </p:ext>
     </p:extLst>
   </p:cSld>
@@ -5895,7 +5896,7 @@
     </p:spTree>
     <p:extLst>
       <p:ext uri="{BB962C8B-B14F-4D97-AF65-F5344CB8AC3E}">
-        <p14:creationId xmlns:p14="http://schemas.microsoft.com/office/powerpoint/2010/main" val="3455859020"/>
+        <p14:creationId xmlns:p14="http://schemas.microsoft.com/office/powerpoint/2010/main" val="1667365703"/>
       </p:ext>
     </p:extLst>
   </p:cSld>
@@ -5925,7 +5926,7 @@
     </p:spTree>
     <p:extLst>
       <p:ext uri="{BB962C8B-B14F-4D97-AF65-F5344CB8AC3E}">
-        <p14:creationId xmlns:p14="http://schemas.microsoft.com/office/powerpoint/2010/main" val="2298498725"/>
+        <p14:creationId xmlns:p14="http://schemas.microsoft.com/office/powerpoint/2010/main" val="3455859020"/>
       </p:ext>
     </p:extLst>
   </p:cSld>
@@ -5955,7 +5956,7 @@
     </p:spTree>
     <p:extLst>
       <p:ext uri="{BB962C8B-B14F-4D97-AF65-F5344CB8AC3E}">
-        <p14:creationId xmlns:p14="http://schemas.microsoft.com/office/powerpoint/2010/main" val="1505063685"/>
+        <p14:creationId xmlns:p14="http://schemas.microsoft.com/office/powerpoint/2010/main" val="2298498725"/>
       </p:ext>
     </p:extLst>
   </p:cSld>
@@ -5985,7 +5986,7 @@
     </p:spTree>
     <p:extLst>
       <p:ext uri="{BB962C8B-B14F-4D97-AF65-F5344CB8AC3E}">
-        <p14:creationId xmlns:p14="http://schemas.microsoft.com/office/powerpoint/2010/main" val="3570222156"/>
+        <p14:creationId xmlns:p14="http://schemas.microsoft.com/office/powerpoint/2010/main" val="1505063685"/>
       </p:ext>
     </p:extLst>
   </p:cSld>
@@ -6015,7 +6016,7 @@
     </p:spTree>
     <p:extLst>
       <p:ext uri="{BB962C8B-B14F-4D97-AF65-F5344CB8AC3E}">
-        <p14:creationId xmlns:p14="http://schemas.microsoft.com/office/powerpoint/2010/main" val="997413835"/>
+        <p14:creationId xmlns:p14="http://schemas.microsoft.com/office/powerpoint/2010/main" val="3570222156"/>
       </p:ext>
     </p:extLst>
   </p:cSld>
@@ -6045,7 +6046,7 @@
     </p:spTree>
     <p:extLst>
       <p:ext uri="{BB962C8B-B14F-4D97-AF65-F5344CB8AC3E}">
-        <p14:creationId xmlns:p14="http://schemas.microsoft.com/office/powerpoint/2010/main" val="1530367921"/>
+        <p14:creationId xmlns:p14="http://schemas.microsoft.com/office/powerpoint/2010/main" val="997413835"/>
       </p:ext>
     </p:extLst>
   </p:cSld>
@@ -6075,7 +6076,7 @@
     </p:spTree>
     <p:extLst>
       <p:ext uri="{BB962C8B-B14F-4D97-AF65-F5344CB8AC3E}">
-        <p14:creationId xmlns:p14="http://schemas.microsoft.com/office/powerpoint/2010/main" val="2667751751"/>
+        <p14:creationId xmlns:p14="http://schemas.microsoft.com/office/powerpoint/2010/main" val="1530367921"/>
       </p:ext>
     </p:extLst>
   </p:cSld>
@@ -6105,7 +6106,7 @@
     </p:spTree>
     <p:extLst>
       <p:ext uri="{BB962C8B-B14F-4D97-AF65-F5344CB8AC3E}">
-        <p14:creationId xmlns:p14="http://schemas.microsoft.com/office/powerpoint/2010/main" val="70874143"/>
+        <p14:creationId xmlns:p14="http://schemas.microsoft.com/office/powerpoint/2010/main" val="2667751751"/>
       </p:ext>
     </p:extLst>
   </p:cSld>
@@ -6135,7 +6136,7 @@
     </p:spTree>
     <p:extLst>
       <p:ext uri="{BB962C8B-B14F-4D97-AF65-F5344CB8AC3E}">
-        <p14:creationId xmlns:p14="http://schemas.microsoft.com/office/powerpoint/2010/main" val="3784138934"/>
+        <p14:creationId xmlns:p14="http://schemas.microsoft.com/office/powerpoint/2010/main" val="70874143"/>
       </p:ext>
     </p:extLst>
   </p:cSld>
@@ -6170,12 +6171,18 @@
         </p:nvSpPr>
         <p:spPr>
           <a:xfrm>
-            <a:off x="4693920" y="619760"/>
-            <a:ext cx="1005840" cy="914400"/>
+            <a:off x="2589965" y="333389"/>
+            <a:ext cx="367028" cy="384174"/>
           </a:xfrm>
           <a:prstGeom prst="ellipse">
             <a:avLst/>
           </a:prstGeom>
+          <a:solidFill>
+            <a:schemeClr val="accent3">
+              <a:lumMod val="60000"/>
+              <a:lumOff val="40000"/>
+            </a:schemeClr>
+          </a:solidFill>
         </p:spPr>
         <p:style>
           <a:lnRef idx="2">
@@ -6198,7 +6205,7 @@
           <a:lstStyle/>
           <a:p>
             <a:pPr algn="ctr"/>
-            <a:endParaRPr lang="ko-KR" altLang="en-US"/>
+            <a:endParaRPr lang="ko-KR" altLang="en-US" dirty="0"/>
           </a:p>
         </p:txBody>
       </p:sp>
@@ -6210,12 +6217,18 @@
         </p:nvSpPr>
         <p:spPr>
           <a:xfrm>
-            <a:off x="3566160" y="1889760"/>
-            <a:ext cx="1005840" cy="914400"/>
+            <a:off x="1741924" y="1026492"/>
+            <a:ext cx="367028" cy="384174"/>
           </a:xfrm>
           <a:prstGeom prst="ellipse">
             <a:avLst/>
           </a:prstGeom>
+          <a:solidFill>
+            <a:schemeClr val="accent3">
+              <a:lumMod val="60000"/>
+              <a:lumOff val="40000"/>
+            </a:schemeClr>
+          </a:solidFill>
         </p:spPr>
         <p:style>
           <a:lnRef idx="2">
@@ -6250,12 +6263,18 @@
         </p:nvSpPr>
         <p:spPr>
           <a:xfrm>
-            <a:off x="5923280" y="1879600"/>
-            <a:ext cx="1005840" cy="914400"/>
+            <a:off x="3287830" y="969342"/>
+            <a:ext cx="367028" cy="384174"/>
           </a:xfrm>
           <a:prstGeom prst="ellipse">
             <a:avLst/>
           </a:prstGeom>
+          <a:solidFill>
+            <a:schemeClr val="accent3">
+              <a:lumMod val="60000"/>
+              <a:lumOff val="40000"/>
+            </a:schemeClr>
+          </a:solidFill>
         </p:spPr>
         <p:style>
           <a:lnRef idx="2">
@@ -6290,12 +6309,18 @@
         </p:nvSpPr>
         <p:spPr>
           <a:xfrm>
-            <a:off x="3566160" y="5374640"/>
-            <a:ext cx="1005840" cy="914400"/>
+            <a:off x="1558410" y="2377136"/>
+            <a:ext cx="367028" cy="384174"/>
           </a:xfrm>
           <a:prstGeom prst="ellipse">
             <a:avLst/>
           </a:prstGeom>
+          <a:solidFill>
+            <a:schemeClr val="accent3">
+              <a:lumMod val="60000"/>
+              <a:lumOff val="40000"/>
+            </a:schemeClr>
+          </a:solidFill>
         </p:spPr>
         <p:style>
           <a:lnRef idx="2">
@@ -6330,12 +6355,18 @@
         </p:nvSpPr>
         <p:spPr>
           <a:xfrm>
-            <a:off x="1117600" y="5364480"/>
-            <a:ext cx="1005840" cy="914400"/>
+            <a:off x="196328" y="2395234"/>
+            <a:ext cx="367028" cy="384174"/>
           </a:xfrm>
           <a:prstGeom prst="ellipse">
             <a:avLst/>
           </a:prstGeom>
+          <a:solidFill>
+            <a:schemeClr val="accent3">
+              <a:lumMod val="60000"/>
+              <a:lumOff val="40000"/>
+            </a:schemeClr>
+          </a:solidFill>
         </p:spPr>
         <p:style>
           <a:lnRef idx="2">
@@ -6370,12 +6401,18 @@
         </p:nvSpPr>
         <p:spPr>
           <a:xfrm>
-            <a:off x="7467600" y="3749040"/>
-            <a:ext cx="1005840" cy="914400"/>
+            <a:off x="4586085" y="2331892"/>
+            <a:ext cx="367028" cy="384174"/>
           </a:xfrm>
           <a:prstGeom prst="ellipse">
             <a:avLst/>
           </a:prstGeom>
+          <a:solidFill>
+            <a:schemeClr val="accent3">
+              <a:lumMod val="60000"/>
+              <a:lumOff val="40000"/>
+            </a:schemeClr>
+          </a:solidFill>
         </p:spPr>
         <p:style>
           <a:lnRef idx="2">
@@ -6410,12 +6447,18 @@
         </p:nvSpPr>
         <p:spPr>
           <a:xfrm>
-            <a:off x="4846320" y="3749040"/>
-            <a:ext cx="1005840" cy="914400"/>
+            <a:off x="2406451" y="1719595"/>
+            <a:ext cx="367028" cy="384174"/>
           </a:xfrm>
           <a:prstGeom prst="ellipse">
             <a:avLst/>
           </a:prstGeom>
+          <a:solidFill>
+            <a:schemeClr val="accent3">
+              <a:lumMod val="60000"/>
+              <a:lumOff val="40000"/>
+            </a:schemeClr>
+          </a:solidFill>
         </p:spPr>
         <p:style>
           <a:lnRef idx="2">
@@ -6450,12 +6493,2200 @@
         </p:nvSpPr>
         <p:spPr>
           <a:xfrm>
-            <a:off x="2468880" y="3759200"/>
-            <a:ext cx="1005840" cy="914400"/>
+            <a:off x="966901" y="1696417"/>
+            <a:ext cx="367028" cy="384174"/>
           </a:xfrm>
           <a:prstGeom prst="ellipse">
             <a:avLst/>
           </a:prstGeom>
+          <a:solidFill>
+            <a:schemeClr val="accent3">
+              <a:lumMod val="60000"/>
+              <a:lumOff val="40000"/>
+            </a:schemeClr>
+          </a:solidFill>
+        </p:spPr>
+        <p:style>
+          <a:lnRef idx="2">
+            <a:schemeClr val="accent1">
+              <a:shade val="50000"/>
+            </a:schemeClr>
+          </a:lnRef>
+          <a:fillRef idx="1">
+            <a:schemeClr val="accent1"/>
+          </a:fillRef>
+          <a:effectRef idx="0">
+            <a:schemeClr val="accent1"/>
+          </a:effectRef>
+          <a:fontRef idx="minor">
+            <a:schemeClr val="lt1"/>
+          </a:fontRef>
+        </p:style>
+        <p:txBody>
+          <a:bodyPr rtlCol="0" anchor="ctr"/>
+          <a:lstStyle/>
+          <a:p>
+            <a:pPr algn="ctr"/>
+            <a:endParaRPr lang="ko-KR" altLang="en-US"/>
+          </a:p>
+        </p:txBody>
+      </p:sp>
+      <p:sp>
+        <p:nvSpPr>
+          <p:cNvPr id="10" name="타원 9"/>
+          <p:cNvSpPr/>
+          <p:nvPr/>
+        </p:nvSpPr>
+        <p:spPr>
+          <a:xfrm>
+            <a:off x="3893296" y="1696417"/>
+            <a:ext cx="367028" cy="384174"/>
+          </a:xfrm>
+          <a:prstGeom prst="ellipse">
+            <a:avLst/>
+          </a:prstGeom>
+          <a:solidFill>
+            <a:schemeClr val="accent3">
+              <a:lumMod val="60000"/>
+              <a:lumOff val="40000"/>
+            </a:schemeClr>
+          </a:solidFill>
+        </p:spPr>
+        <p:style>
+          <a:lnRef idx="2">
+            <a:schemeClr val="accent1">
+              <a:shade val="50000"/>
+            </a:schemeClr>
+          </a:lnRef>
+          <a:fillRef idx="1">
+            <a:schemeClr val="accent1"/>
+          </a:fillRef>
+          <a:effectRef idx="0">
+            <a:schemeClr val="accent1"/>
+          </a:effectRef>
+          <a:fontRef idx="minor">
+            <a:schemeClr val="lt1"/>
+          </a:fontRef>
+        </p:style>
+        <p:txBody>
+          <a:bodyPr rtlCol="0" anchor="ctr"/>
+          <a:lstStyle/>
+          <a:p>
+            <a:pPr algn="ctr"/>
+            <a:endParaRPr lang="ko-KR" altLang="en-US"/>
+          </a:p>
+        </p:txBody>
+      </p:sp>
+      <p:cxnSp>
+        <p:nvCxnSpPr>
+          <p:cNvPr id="4" name="직선 연결선 3"/>
+          <p:cNvCxnSpPr/>
+          <p:nvPr/>
+        </p:nvCxnSpPr>
+        <p:spPr>
+          <a:xfrm flipH="1">
+            <a:off x="2148314" y="717563"/>
+            <a:ext cx="330837" cy="308929"/>
+          </a:xfrm>
+          <a:prstGeom prst="line">
+            <a:avLst/>
+          </a:prstGeom>
+        </p:spPr>
+        <p:style>
+          <a:lnRef idx="1">
+            <a:schemeClr val="accent1"/>
+          </a:lnRef>
+          <a:fillRef idx="0">
+            <a:schemeClr val="accent1"/>
+          </a:fillRef>
+          <a:effectRef idx="0">
+            <a:schemeClr val="accent1"/>
+          </a:effectRef>
+          <a:fontRef idx="minor">
+            <a:schemeClr val="tx1"/>
+          </a:fontRef>
+        </p:style>
+      </p:cxnSp>
+      <p:cxnSp>
+        <p:nvCxnSpPr>
+          <p:cNvPr id="14" name="직선 연결선 13"/>
+          <p:cNvCxnSpPr/>
+          <p:nvPr/>
+        </p:nvCxnSpPr>
+        <p:spPr>
+          <a:xfrm flipH="1">
+            <a:off x="1369805" y="1410666"/>
+            <a:ext cx="330837" cy="308929"/>
+          </a:xfrm>
+          <a:prstGeom prst="line">
+            <a:avLst/>
+          </a:prstGeom>
+        </p:spPr>
+        <p:style>
+          <a:lnRef idx="1">
+            <a:schemeClr val="accent1"/>
+          </a:lnRef>
+          <a:fillRef idx="0">
+            <a:schemeClr val="accent1"/>
+          </a:fillRef>
+          <a:effectRef idx="0">
+            <a:schemeClr val="accent1"/>
+          </a:effectRef>
+          <a:fontRef idx="minor">
+            <a:schemeClr val="tx1"/>
+          </a:fontRef>
+        </p:style>
+      </p:cxnSp>
+      <p:cxnSp>
+        <p:nvCxnSpPr>
+          <p:cNvPr id="15" name="직선 연결선 14"/>
+          <p:cNvCxnSpPr/>
+          <p:nvPr/>
+        </p:nvCxnSpPr>
+        <p:spPr>
+          <a:xfrm flipH="1">
+            <a:off x="563356" y="2080591"/>
+            <a:ext cx="330837" cy="308929"/>
+          </a:xfrm>
+          <a:prstGeom prst="line">
+            <a:avLst/>
+          </a:prstGeom>
+        </p:spPr>
+        <p:style>
+          <a:lnRef idx="1">
+            <a:schemeClr val="accent1"/>
+          </a:lnRef>
+          <a:fillRef idx="0">
+            <a:schemeClr val="accent1"/>
+          </a:fillRef>
+          <a:effectRef idx="0">
+            <a:schemeClr val="accent1"/>
+          </a:effectRef>
+          <a:fontRef idx="minor">
+            <a:schemeClr val="tx1"/>
+          </a:fontRef>
+        </p:style>
+      </p:cxnSp>
+      <p:cxnSp>
+        <p:nvCxnSpPr>
+          <p:cNvPr id="16" name="직선 연결선 15"/>
+          <p:cNvCxnSpPr/>
+          <p:nvPr/>
+        </p:nvCxnSpPr>
+        <p:spPr>
+          <a:xfrm flipH="1">
+            <a:off x="2845231" y="1410666"/>
+            <a:ext cx="330837" cy="308929"/>
+          </a:xfrm>
+          <a:prstGeom prst="line">
+            <a:avLst/>
+          </a:prstGeom>
+        </p:spPr>
+        <p:style>
+          <a:lnRef idx="1">
+            <a:schemeClr val="accent1"/>
+          </a:lnRef>
+          <a:fillRef idx="0">
+            <a:schemeClr val="accent1"/>
+          </a:fillRef>
+          <a:effectRef idx="0">
+            <a:schemeClr val="accent1"/>
+          </a:effectRef>
+          <a:fontRef idx="minor">
+            <a:schemeClr val="tx1"/>
+          </a:fontRef>
+        </p:style>
+      </p:cxnSp>
+      <p:cxnSp>
+        <p:nvCxnSpPr>
+          <p:cNvPr id="6" name="직선 연결선 5"/>
+          <p:cNvCxnSpPr/>
+          <p:nvPr/>
+        </p:nvCxnSpPr>
+        <p:spPr>
+          <a:xfrm>
+            <a:off x="1369805" y="2080591"/>
+            <a:ext cx="255278" cy="251301"/>
+          </a:xfrm>
+          <a:prstGeom prst="line">
+            <a:avLst/>
+          </a:prstGeom>
+        </p:spPr>
+        <p:style>
+          <a:lnRef idx="1">
+            <a:schemeClr val="accent1"/>
+          </a:lnRef>
+          <a:fillRef idx="0">
+            <a:schemeClr val="accent1"/>
+          </a:fillRef>
+          <a:effectRef idx="0">
+            <a:schemeClr val="accent1"/>
+          </a:effectRef>
+          <a:fontRef idx="minor">
+            <a:schemeClr val="tx1"/>
+          </a:fontRef>
+        </p:style>
+      </p:cxnSp>
+      <p:cxnSp>
+        <p:nvCxnSpPr>
+          <p:cNvPr id="19" name="직선 연결선 18"/>
+          <p:cNvCxnSpPr/>
+          <p:nvPr/>
+        </p:nvCxnSpPr>
+        <p:spPr>
+          <a:xfrm>
+            <a:off x="2190527" y="1390504"/>
+            <a:ext cx="255278" cy="251301"/>
+          </a:xfrm>
+          <a:prstGeom prst="line">
+            <a:avLst/>
+          </a:prstGeom>
+        </p:spPr>
+        <p:style>
+          <a:lnRef idx="1">
+            <a:schemeClr val="accent1"/>
+          </a:lnRef>
+          <a:fillRef idx="0">
+            <a:schemeClr val="accent1"/>
+          </a:fillRef>
+          <a:effectRef idx="0">
+            <a:schemeClr val="accent1"/>
+          </a:effectRef>
+          <a:fontRef idx="minor">
+            <a:schemeClr val="tx1"/>
+          </a:fontRef>
+        </p:style>
+      </p:cxnSp>
+      <p:cxnSp>
+        <p:nvCxnSpPr>
+          <p:cNvPr id="20" name="직선 연결선 19"/>
+          <p:cNvCxnSpPr/>
+          <p:nvPr/>
+        </p:nvCxnSpPr>
+        <p:spPr>
+          <a:xfrm>
+            <a:off x="2956993" y="718041"/>
+            <a:ext cx="255278" cy="251301"/>
+          </a:xfrm>
+          <a:prstGeom prst="line">
+            <a:avLst/>
+          </a:prstGeom>
+        </p:spPr>
+        <p:style>
+          <a:lnRef idx="1">
+            <a:schemeClr val="accent1"/>
+          </a:lnRef>
+          <a:fillRef idx="0">
+            <a:schemeClr val="accent1"/>
+          </a:fillRef>
+          <a:effectRef idx="0">
+            <a:schemeClr val="accent1"/>
+          </a:effectRef>
+          <a:fontRef idx="minor">
+            <a:schemeClr val="tx1"/>
+          </a:fontRef>
+        </p:style>
+      </p:cxnSp>
+      <p:cxnSp>
+        <p:nvCxnSpPr>
+          <p:cNvPr id="21" name="직선 연결선 20"/>
+          <p:cNvCxnSpPr/>
+          <p:nvPr/>
+        </p:nvCxnSpPr>
+        <p:spPr>
+          <a:xfrm>
+            <a:off x="3652634" y="1410666"/>
+            <a:ext cx="255278" cy="251301"/>
+          </a:xfrm>
+          <a:prstGeom prst="line">
+            <a:avLst/>
+          </a:prstGeom>
+        </p:spPr>
+        <p:style>
+          <a:lnRef idx="1">
+            <a:schemeClr val="accent1"/>
+          </a:lnRef>
+          <a:fillRef idx="0">
+            <a:schemeClr val="accent1"/>
+          </a:fillRef>
+          <a:effectRef idx="0">
+            <a:schemeClr val="accent1"/>
+          </a:effectRef>
+          <a:fontRef idx="minor">
+            <a:schemeClr val="tx1"/>
+          </a:fontRef>
+        </p:style>
+      </p:cxnSp>
+      <p:cxnSp>
+        <p:nvCxnSpPr>
+          <p:cNvPr id="22" name="직선 연결선 21"/>
+          <p:cNvCxnSpPr/>
+          <p:nvPr/>
+        </p:nvCxnSpPr>
+        <p:spPr>
+          <a:xfrm>
+            <a:off x="4267931" y="2115041"/>
+            <a:ext cx="255278" cy="251301"/>
+          </a:xfrm>
+          <a:prstGeom prst="line">
+            <a:avLst/>
+          </a:prstGeom>
+        </p:spPr>
+        <p:style>
+          <a:lnRef idx="1">
+            <a:schemeClr val="accent1"/>
+          </a:lnRef>
+          <a:fillRef idx="0">
+            <a:schemeClr val="accent1"/>
+          </a:fillRef>
+          <a:effectRef idx="0">
+            <a:schemeClr val="accent1"/>
+          </a:effectRef>
+          <a:fontRef idx="minor">
+            <a:schemeClr val="tx1"/>
+          </a:fontRef>
+        </p:style>
+      </p:cxnSp>
+      <p:sp>
+        <p:nvSpPr>
+          <p:cNvPr id="81" name="TextBox 80"/>
+          <p:cNvSpPr txBox="1"/>
+          <p:nvPr/>
+        </p:nvSpPr>
+        <p:spPr>
+          <a:xfrm>
+            <a:off x="2620734" y="340021"/>
+            <a:ext cx="311304" cy="369332"/>
+          </a:xfrm>
+          <a:prstGeom prst="rect">
+            <a:avLst/>
+          </a:prstGeom>
+          <a:noFill/>
+        </p:spPr>
+        <p:txBody>
+          <a:bodyPr wrap="none" rtlCol="0">
+            <a:spAutoFit/>
+          </a:bodyPr>
+          <a:lstStyle/>
+          <a:p>
+            <a:r>
+              <a:rPr lang="en-US" altLang="ko-KR" dirty="0" smtClean="0">
+                <a:solidFill>
+                  <a:srgbClr val="FF0000"/>
+                </a:solidFill>
+              </a:rPr>
+              <a:t>1</a:t>
+            </a:r>
+            <a:endParaRPr lang="ko-KR" altLang="en-US" dirty="0">
+              <a:solidFill>
+                <a:srgbClr val="FF0000"/>
+              </a:solidFill>
+            </a:endParaRPr>
+          </a:p>
+        </p:txBody>
+      </p:sp>
+      <p:sp>
+        <p:nvSpPr>
+          <p:cNvPr id="83" name="TextBox 82"/>
+          <p:cNvSpPr txBox="1"/>
+          <p:nvPr/>
+        </p:nvSpPr>
+        <p:spPr>
+          <a:xfrm>
+            <a:off x="1769786" y="1043890"/>
+            <a:ext cx="311304" cy="369332"/>
+          </a:xfrm>
+          <a:prstGeom prst="rect">
+            <a:avLst/>
+          </a:prstGeom>
+          <a:noFill/>
+        </p:spPr>
+        <p:txBody>
+          <a:bodyPr wrap="none" rtlCol="0">
+            <a:spAutoFit/>
+          </a:bodyPr>
+          <a:lstStyle/>
+          <a:p>
+            <a:r>
+              <a:rPr lang="en-US" altLang="ko-KR" dirty="0">
+                <a:solidFill>
+                  <a:srgbClr val="FF0000"/>
+                </a:solidFill>
+              </a:rPr>
+              <a:t>2</a:t>
+            </a:r>
+            <a:endParaRPr lang="ko-KR" altLang="en-US" dirty="0">
+              <a:solidFill>
+                <a:srgbClr val="FF0000"/>
+              </a:solidFill>
+            </a:endParaRPr>
+          </a:p>
+        </p:txBody>
+      </p:sp>
+      <p:sp>
+        <p:nvSpPr>
+          <p:cNvPr id="84" name="TextBox 83"/>
+          <p:cNvSpPr txBox="1"/>
+          <p:nvPr/>
+        </p:nvSpPr>
+        <p:spPr>
+          <a:xfrm>
+            <a:off x="990392" y="1703838"/>
+            <a:ext cx="311304" cy="369332"/>
+          </a:xfrm>
+          <a:prstGeom prst="rect">
+            <a:avLst/>
+          </a:prstGeom>
+          <a:noFill/>
+        </p:spPr>
+        <p:txBody>
+          <a:bodyPr wrap="none" rtlCol="0">
+            <a:spAutoFit/>
+          </a:bodyPr>
+          <a:lstStyle/>
+          <a:p>
+            <a:r>
+              <a:rPr lang="en-US" altLang="ko-KR" dirty="0">
+                <a:solidFill>
+                  <a:srgbClr val="FF0000"/>
+                </a:solidFill>
+              </a:rPr>
+              <a:t>3</a:t>
+            </a:r>
+            <a:endParaRPr lang="ko-KR" altLang="en-US" dirty="0">
+              <a:solidFill>
+                <a:srgbClr val="FF0000"/>
+              </a:solidFill>
+            </a:endParaRPr>
+          </a:p>
+        </p:txBody>
+      </p:sp>
+      <p:sp>
+        <p:nvSpPr>
+          <p:cNvPr id="85" name="TextBox 84"/>
+          <p:cNvSpPr txBox="1"/>
+          <p:nvPr/>
+        </p:nvSpPr>
+        <p:spPr>
+          <a:xfrm>
+            <a:off x="1582375" y="2384557"/>
+            <a:ext cx="311304" cy="369332"/>
+          </a:xfrm>
+          <a:prstGeom prst="rect">
+            <a:avLst/>
+          </a:prstGeom>
+          <a:noFill/>
+        </p:spPr>
+        <p:txBody>
+          <a:bodyPr wrap="none" rtlCol="0">
+            <a:spAutoFit/>
+          </a:bodyPr>
+          <a:lstStyle/>
+          <a:p>
+            <a:r>
+              <a:rPr lang="en-US" altLang="ko-KR" dirty="0">
+                <a:solidFill>
+                  <a:srgbClr val="FF0000"/>
+                </a:solidFill>
+              </a:rPr>
+              <a:t>5</a:t>
+            </a:r>
+            <a:endParaRPr lang="ko-KR" altLang="en-US" dirty="0">
+              <a:solidFill>
+                <a:srgbClr val="FF0000"/>
+              </a:solidFill>
+            </a:endParaRPr>
+          </a:p>
+        </p:txBody>
+      </p:sp>
+      <p:sp>
+        <p:nvSpPr>
+          <p:cNvPr id="86" name="TextBox 85"/>
+          <p:cNvSpPr txBox="1"/>
+          <p:nvPr/>
+        </p:nvSpPr>
+        <p:spPr>
+          <a:xfrm>
+            <a:off x="2445604" y="1734437"/>
+            <a:ext cx="311304" cy="369332"/>
+          </a:xfrm>
+          <a:prstGeom prst="rect">
+            <a:avLst/>
+          </a:prstGeom>
+          <a:noFill/>
+        </p:spPr>
+        <p:txBody>
+          <a:bodyPr wrap="none" rtlCol="0">
+            <a:spAutoFit/>
+          </a:bodyPr>
+          <a:lstStyle/>
+          <a:p>
+            <a:r>
+              <a:rPr lang="en-US" altLang="ko-KR" dirty="0">
+                <a:solidFill>
+                  <a:srgbClr val="FF0000"/>
+                </a:solidFill>
+              </a:rPr>
+              <a:t>4</a:t>
+            </a:r>
+            <a:endParaRPr lang="ko-KR" altLang="en-US" dirty="0">
+              <a:solidFill>
+                <a:srgbClr val="FF0000"/>
+              </a:solidFill>
+            </a:endParaRPr>
+          </a:p>
+        </p:txBody>
+      </p:sp>
+      <p:sp>
+        <p:nvSpPr>
+          <p:cNvPr id="87" name="TextBox 86"/>
+          <p:cNvSpPr txBox="1"/>
+          <p:nvPr/>
+        </p:nvSpPr>
+        <p:spPr>
+          <a:xfrm>
+            <a:off x="3921158" y="1696417"/>
+            <a:ext cx="311304" cy="369332"/>
+          </a:xfrm>
+          <a:prstGeom prst="rect">
+            <a:avLst/>
+          </a:prstGeom>
+          <a:noFill/>
+        </p:spPr>
+        <p:txBody>
+          <a:bodyPr wrap="none" rtlCol="0">
+            <a:spAutoFit/>
+          </a:bodyPr>
+          <a:lstStyle/>
+          <a:p>
+            <a:r>
+              <a:rPr lang="en-US" altLang="ko-KR" dirty="0">
+                <a:solidFill>
+                  <a:srgbClr val="FF0000"/>
+                </a:solidFill>
+              </a:rPr>
+              <a:t>7</a:t>
+            </a:r>
+            <a:endParaRPr lang="ko-KR" altLang="en-US" dirty="0">
+              <a:solidFill>
+                <a:srgbClr val="FF0000"/>
+              </a:solidFill>
+            </a:endParaRPr>
+          </a:p>
+        </p:txBody>
+      </p:sp>
+      <p:sp>
+        <p:nvSpPr>
+          <p:cNvPr id="88" name="TextBox 87"/>
+          <p:cNvSpPr txBox="1"/>
+          <p:nvPr/>
+        </p:nvSpPr>
+        <p:spPr>
+          <a:xfrm>
+            <a:off x="3315692" y="969342"/>
+            <a:ext cx="311304" cy="369332"/>
+          </a:xfrm>
+          <a:prstGeom prst="rect">
+            <a:avLst/>
+          </a:prstGeom>
+          <a:noFill/>
+        </p:spPr>
+        <p:txBody>
+          <a:bodyPr wrap="none" rtlCol="0">
+            <a:spAutoFit/>
+          </a:bodyPr>
+          <a:lstStyle/>
+          <a:p>
+            <a:r>
+              <a:rPr lang="en-US" altLang="ko-KR" dirty="0" smtClean="0">
+                <a:solidFill>
+                  <a:srgbClr val="FF0000"/>
+                </a:solidFill>
+              </a:rPr>
+              <a:t>6</a:t>
+            </a:r>
+            <a:endParaRPr lang="ko-KR" altLang="en-US" dirty="0">
+              <a:solidFill>
+                <a:srgbClr val="FF0000"/>
+              </a:solidFill>
+            </a:endParaRPr>
+          </a:p>
+        </p:txBody>
+      </p:sp>
+      <p:sp>
+        <p:nvSpPr>
+          <p:cNvPr id="90" name="TextBox 89"/>
+          <p:cNvSpPr txBox="1"/>
+          <p:nvPr/>
+        </p:nvSpPr>
+        <p:spPr>
+          <a:xfrm>
+            <a:off x="4613947" y="2329150"/>
+            <a:ext cx="311304" cy="369332"/>
+          </a:xfrm>
+          <a:prstGeom prst="rect">
+            <a:avLst/>
+          </a:prstGeom>
+          <a:noFill/>
+        </p:spPr>
+        <p:txBody>
+          <a:bodyPr wrap="none" rtlCol="0">
+            <a:spAutoFit/>
+          </a:bodyPr>
+          <a:lstStyle/>
+          <a:p>
+            <a:r>
+              <a:rPr lang="en-US" altLang="ko-KR" dirty="0">
+                <a:solidFill>
+                  <a:srgbClr val="FF0000"/>
+                </a:solidFill>
+              </a:rPr>
+              <a:t>8</a:t>
+            </a:r>
+            <a:endParaRPr lang="ko-KR" altLang="en-US" dirty="0">
+              <a:solidFill>
+                <a:srgbClr val="FF0000"/>
+              </a:solidFill>
+            </a:endParaRPr>
+          </a:p>
+        </p:txBody>
+      </p:sp>
+      <p:sp>
+        <p:nvSpPr>
+          <p:cNvPr id="91" name="TextBox 90"/>
+          <p:cNvSpPr txBox="1"/>
+          <p:nvPr/>
+        </p:nvSpPr>
+        <p:spPr>
+          <a:xfrm>
+            <a:off x="220614" y="2391978"/>
+            <a:ext cx="311304" cy="369332"/>
+          </a:xfrm>
+          <a:prstGeom prst="rect">
+            <a:avLst/>
+          </a:prstGeom>
+          <a:noFill/>
+        </p:spPr>
+        <p:txBody>
+          <a:bodyPr wrap="none" rtlCol="0">
+            <a:spAutoFit/>
+          </a:bodyPr>
+          <a:lstStyle/>
+          <a:p>
+            <a:r>
+              <a:rPr lang="en-US" altLang="ko-KR" dirty="0">
+                <a:solidFill>
+                  <a:srgbClr val="FF0000"/>
+                </a:solidFill>
+              </a:rPr>
+              <a:t>4</a:t>
+            </a:r>
+            <a:endParaRPr lang="ko-KR" altLang="en-US" dirty="0">
+              <a:solidFill>
+                <a:srgbClr val="FF0000"/>
+              </a:solidFill>
+            </a:endParaRPr>
+          </a:p>
+        </p:txBody>
+      </p:sp>
+      <p:sp>
+        <p:nvSpPr>
+          <p:cNvPr id="92" name="타원 91"/>
+          <p:cNvSpPr/>
+          <p:nvPr/>
+        </p:nvSpPr>
+        <p:spPr>
+          <a:xfrm>
+            <a:off x="8681280" y="341599"/>
+            <a:ext cx="367028" cy="384174"/>
+          </a:xfrm>
+          <a:prstGeom prst="ellipse">
+            <a:avLst/>
+          </a:prstGeom>
+          <a:solidFill>
+            <a:schemeClr val="accent3">
+              <a:lumMod val="60000"/>
+              <a:lumOff val="40000"/>
+            </a:schemeClr>
+          </a:solidFill>
+        </p:spPr>
+        <p:style>
+          <a:lnRef idx="2">
+            <a:schemeClr val="accent1">
+              <a:shade val="50000"/>
+            </a:schemeClr>
+          </a:lnRef>
+          <a:fillRef idx="1">
+            <a:schemeClr val="accent1"/>
+          </a:fillRef>
+          <a:effectRef idx="0">
+            <a:schemeClr val="accent1"/>
+          </a:effectRef>
+          <a:fontRef idx="minor">
+            <a:schemeClr val="lt1"/>
+          </a:fontRef>
+        </p:style>
+        <p:txBody>
+          <a:bodyPr rtlCol="0" anchor="ctr"/>
+          <a:lstStyle/>
+          <a:p>
+            <a:pPr algn="ctr"/>
+            <a:endParaRPr lang="ko-KR" altLang="en-US" dirty="0"/>
+          </a:p>
+        </p:txBody>
+      </p:sp>
+      <p:sp>
+        <p:nvSpPr>
+          <p:cNvPr id="93" name="타원 92"/>
+          <p:cNvSpPr/>
+          <p:nvPr/>
+        </p:nvSpPr>
+        <p:spPr>
+          <a:xfrm>
+            <a:off x="7833239" y="1034702"/>
+            <a:ext cx="367028" cy="384174"/>
+          </a:xfrm>
+          <a:prstGeom prst="ellipse">
+            <a:avLst/>
+          </a:prstGeom>
+          <a:solidFill>
+            <a:schemeClr val="accent3">
+              <a:lumMod val="60000"/>
+              <a:lumOff val="40000"/>
+            </a:schemeClr>
+          </a:solidFill>
+        </p:spPr>
+        <p:style>
+          <a:lnRef idx="2">
+            <a:schemeClr val="accent1">
+              <a:shade val="50000"/>
+            </a:schemeClr>
+          </a:lnRef>
+          <a:fillRef idx="1">
+            <a:schemeClr val="accent1"/>
+          </a:fillRef>
+          <a:effectRef idx="0">
+            <a:schemeClr val="accent1"/>
+          </a:effectRef>
+          <a:fontRef idx="minor">
+            <a:schemeClr val="lt1"/>
+          </a:fontRef>
+        </p:style>
+        <p:txBody>
+          <a:bodyPr rtlCol="0" anchor="ctr"/>
+          <a:lstStyle/>
+          <a:p>
+            <a:pPr algn="ctr"/>
+            <a:endParaRPr lang="ko-KR" altLang="en-US"/>
+          </a:p>
+        </p:txBody>
+      </p:sp>
+      <p:sp>
+        <p:nvSpPr>
+          <p:cNvPr id="94" name="타원 93"/>
+          <p:cNvSpPr/>
+          <p:nvPr/>
+        </p:nvSpPr>
+        <p:spPr>
+          <a:xfrm>
+            <a:off x="9379145" y="977552"/>
+            <a:ext cx="367028" cy="384174"/>
+          </a:xfrm>
+          <a:prstGeom prst="ellipse">
+            <a:avLst/>
+          </a:prstGeom>
+          <a:solidFill>
+            <a:schemeClr val="accent3">
+              <a:lumMod val="60000"/>
+              <a:lumOff val="40000"/>
+            </a:schemeClr>
+          </a:solidFill>
+        </p:spPr>
+        <p:style>
+          <a:lnRef idx="2">
+            <a:schemeClr val="accent1">
+              <a:shade val="50000"/>
+            </a:schemeClr>
+          </a:lnRef>
+          <a:fillRef idx="1">
+            <a:schemeClr val="accent1"/>
+          </a:fillRef>
+          <a:effectRef idx="0">
+            <a:schemeClr val="accent1"/>
+          </a:effectRef>
+          <a:fontRef idx="minor">
+            <a:schemeClr val="lt1"/>
+          </a:fontRef>
+        </p:style>
+        <p:txBody>
+          <a:bodyPr rtlCol="0" anchor="ctr"/>
+          <a:lstStyle/>
+          <a:p>
+            <a:pPr algn="ctr"/>
+            <a:endParaRPr lang="ko-KR" altLang="en-US"/>
+          </a:p>
+        </p:txBody>
+      </p:sp>
+      <p:sp>
+        <p:nvSpPr>
+          <p:cNvPr id="95" name="타원 94"/>
+          <p:cNvSpPr/>
+          <p:nvPr/>
+        </p:nvSpPr>
+        <p:spPr>
+          <a:xfrm>
+            <a:off x="7649725" y="2385346"/>
+            <a:ext cx="367028" cy="384174"/>
+          </a:xfrm>
+          <a:prstGeom prst="ellipse">
+            <a:avLst/>
+          </a:prstGeom>
+          <a:solidFill>
+            <a:schemeClr val="accent3">
+              <a:lumMod val="60000"/>
+              <a:lumOff val="40000"/>
+            </a:schemeClr>
+          </a:solidFill>
+        </p:spPr>
+        <p:style>
+          <a:lnRef idx="2">
+            <a:schemeClr val="accent1">
+              <a:shade val="50000"/>
+            </a:schemeClr>
+          </a:lnRef>
+          <a:fillRef idx="1">
+            <a:schemeClr val="accent1"/>
+          </a:fillRef>
+          <a:effectRef idx="0">
+            <a:schemeClr val="accent1"/>
+          </a:effectRef>
+          <a:fontRef idx="minor">
+            <a:schemeClr val="lt1"/>
+          </a:fontRef>
+        </p:style>
+        <p:txBody>
+          <a:bodyPr rtlCol="0" anchor="ctr"/>
+          <a:lstStyle/>
+          <a:p>
+            <a:pPr algn="ctr"/>
+            <a:endParaRPr lang="ko-KR" altLang="en-US"/>
+          </a:p>
+        </p:txBody>
+      </p:sp>
+      <p:sp>
+        <p:nvSpPr>
+          <p:cNvPr id="96" name="타원 95"/>
+          <p:cNvSpPr/>
+          <p:nvPr/>
+        </p:nvSpPr>
+        <p:spPr>
+          <a:xfrm>
+            <a:off x="6287643" y="2403444"/>
+            <a:ext cx="367028" cy="384174"/>
+          </a:xfrm>
+          <a:prstGeom prst="ellipse">
+            <a:avLst/>
+          </a:prstGeom>
+          <a:solidFill>
+            <a:schemeClr val="accent3">
+              <a:lumMod val="60000"/>
+              <a:lumOff val="40000"/>
+            </a:schemeClr>
+          </a:solidFill>
+        </p:spPr>
+        <p:style>
+          <a:lnRef idx="2">
+            <a:schemeClr val="accent1">
+              <a:shade val="50000"/>
+            </a:schemeClr>
+          </a:lnRef>
+          <a:fillRef idx="1">
+            <a:schemeClr val="accent1"/>
+          </a:fillRef>
+          <a:effectRef idx="0">
+            <a:schemeClr val="accent1"/>
+          </a:effectRef>
+          <a:fontRef idx="minor">
+            <a:schemeClr val="lt1"/>
+          </a:fontRef>
+        </p:style>
+        <p:txBody>
+          <a:bodyPr rtlCol="0" anchor="ctr"/>
+          <a:lstStyle/>
+          <a:p>
+            <a:pPr algn="ctr"/>
+            <a:endParaRPr lang="ko-KR" altLang="en-US"/>
+          </a:p>
+        </p:txBody>
+      </p:sp>
+      <p:sp>
+        <p:nvSpPr>
+          <p:cNvPr id="97" name="타원 96"/>
+          <p:cNvSpPr/>
+          <p:nvPr/>
+        </p:nvSpPr>
+        <p:spPr>
+          <a:xfrm>
+            <a:off x="10677400" y="2340102"/>
+            <a:ext cx="367028" cy="384174"/>
+          </a:xfrm>
+          <a:prstGeom prst="ellipse">
+            <a:avLst/>
+          </a:prstGeom>
+          <a:solidFill>
+            <a:schemeClr val="accent3">
+              <a:lumMod val="60000"/>
+              <a:lumOff val="40000"/>
+            </a:schemeClr>
+          </a:solidFill>
+        </p:spPr>
+        <p:style>
+          <a:lnRef idx="2">
+            <a:schemeClr val="accent1">
+              <a:shade val="50000"/>
+            </a:schemeClr>
+          </a:lnRef>
+          <a:fillRef idx="1">
+            <a:schemeClr val="accent1"/>
+          </a:fillRef>
+          <a:effectRef idx="0">
+            <a:schemeClr val="accent1"/>
+          </a:effectRef>
+          <a:fontRef idx="minor">
+            <a:schemeClr val="lt1"/>
+          </a:fontRef>
+        </p:style>
+        <p:txBody>
+          <a:bodyPr rtlCol="0" anchor="ctr"/>
+          <a:lstStyle/>
+          <a:p>
+            <a:pPr algn="ctr"/>
+            <a:endParaRPr lang="ko-KR" altLang="en-US"/>
+          </a:p>
+        </p:txBody>
+      </p:sp>
+      <p:sp>
+        <p:nvSpPr>
+          <p:cNvPr id="98" name="타원 97"/>
+          <p:cNvSpPr/>
+          <p:nvPr/>
+        </p:nvSpPr>
+        <p:spPr>
+          <a:xfrm>
+            <a:off x="8497766" y="1727805"/>
+            <a:ext cx="367028" cy="384174"/>
+          </a:xfrm>
+          <a:prstGeom prst="ellipse">
+            <a:avLst/>
+          </a:prstGeom>
+          <a:solidFill>
+            <a:schemeClr val="accent3">
+              <a:lumMod val="60000"/>
+              <a:lumOff val="40000"/>
+            </a:schemeClr>
+          </a:solidFill>
+        </p:spPr>
+        <p:style>
+          <a:lnRef idx="2">
+            <a:schemeClr val="accent1">
+              <a:shade val="50000"/>
+            </a:schemeClr>
+          </a:lnRef>
+          <a:fillRef idx="1">
+            <a:schemeClr val="accent1"/>
+          </a:fillRef>
+          <a:effectRef idx="0">
+            <a:schemeClr val="accent1"/>
+          </a:effectRef>
+          <a:fontRef idx="minor">
+            <a:schemeClr val="lt1"/>
+          </a:fontRef>
+        </p:style>
+        <p:txBody>
+          <a:bodyPr rtlCol="0" anchor="ctr"/>
+          <a:lstStyle/>
+          <a:p>
+            <a:pPr algn="ctr"/>
+            <a:endParaRPr lang="ko-KR" altLang="en-US"/>
+          </a:p>
+        </p:txBody>
+      </p:sp>
+      <p:sp>
+        <p:nvSpPr>
+          <p:cNvPr id="99" name="타원 98"/>
+          <p:cNvSpPr/>
+          <p:nvPr/>
+        </p:nvSpPr>
+        <p:spPr>
+          <a:xfrm>
+            <a:off x="7058216" y="1704627"/>
+            <a:ext cx="367028" cy="384174"/>
+          </a:xfrm>
+          <a:prstGeom prst="ellipse">
+            <a:avLst/>
+          </a:prstGeom>
+          <a:solidFill>
+            <a:schemeClr val="accent3">
+              <a:lumMod val="60000"/>
+              <a:lumOff val="40000"/>
+            </a:schemeClr>
+          </a:solidFill>
+        </p:spPr>
+        <p:style>
+          <a:lnRef idx="2">
+            <a:schemeClr val="accent1">
+              <a:shade val="50000"/>
+            </a:schemeClr>
+          </a:lnRef>
+          <a:fillRef idx="1">
+            <a:schemeClr val="accent1"/>
+          </a:fillRef>
+          <a:effectRef idx="0">
+            <a:schemeClr val="accent1"/>
+          </a:effectRef>
+          <a:fontRef idx="minor">
+            <a:schemeClr val="lt1"/>
+          </a:fontRef>
+        </p:style>
+        <p:txBody>
+          <a:bodyPr rtlCol="0" anchor="ctr"/>
+          <a:lstStyle/>
+          <a:p>
+            <a:pPr algn="ctr"/>
+            <a:endParaRPr lang="ko-KR" altLang="en-US"/>
+          </a:p>
+        </p:txBody>
+      </p:sp>
+      <p:sp>
+        <p:nvSpPr>
+          <p:cNvPr id="100" name="타원 99"/>
+          <p:cNvSpPr/>
+          <p:nvPr/>
+        </p:nvSpPr>
+        <p:spPr>
+          <a:xfrm>
+            <a:off x="9984611" y="1704627"/>
+            <a:ext cx="367028" cy="384174"/>
+          </a:xfrm>
+          <a:prstGeom prst="ellipse">
+            <a:avLst/>
+          </a:prstGeom>
+          <a:solidFill>
+            <a:schemeClr val="accent3">
+              <a:lumMod val="60000"/>
+              <a:lumOff val="40000"/>
+            </a:schemeClr>
+          </a:solidFill>
+        </p:spPr>
+        <p:style>
+          <a:lnRef idx="2">
+            <a:schemeClr val="accent1">
+              <a:shade val="50000"/>
+            </a:schemeClr>
+          </a:lnRef>
+          <a:fillRef idx="1">
+            <a:schemeClr val="accent1"/>
+          </a:fillRef>
+          <a:effectRef idx="0">
+            <a:schemeClr val="accent1"/>
+          </a:effectRef>
+          <a:fontRef idx="minor">
+            <a:schemeClr val="lt1"/>
+          </a:fontRef>
+        </p:style>
+        <p:txBody>
+          <a:bodyPr rtlCol="0" anchor="ctr"/>
+          <a:lstStyle/>
+          <a:p>
+            <a:pPr algn="ctr"/>
+            <a:endParaRPr lang="ko-KR" altLang="en-US"/>
+          </a:p>
+        </p:txBody>
+      </p:sp>
+      <p:cxnSp>
+        <p:nvCxnSpPr>
+          <p:cNvPr id="101" name="직선 연결선 100"/>
+          <p:cNvCxnSpPr/>
+          <p:nvPr/>
+        </p:nvCxnSpPr>
+        <p:spPr>
+          <a:xfrm flipH="1">
+            <a:off x="8239629" y="725773"/>
+            <a:ext cx="330837" cy="308929"/>
+          </a:xfrm>
+          <a:prstGeom prst="line">
+            <a:avLst/>
+          </a:prstGeom>
+        </p:spPr>
+        <p:style>
+          <a:lnRef idx="1">
+            <a:schemeClr val="accent1"/>
+          </a:lnRef>
+          <a:fillRef idx="0">
+            <a:schemeClr val="accent1"/>
+          </a:fillRef>
+          <a:effectRef idx="0">
+            <a:schemeClr val="accent1"/>
+          </a:effectRef>
+          <a:fontRef idx="minor">
+            <a:schemeClr val="tx1"/>
+          </a:fontRef>
+        </p:style>
+      </p:cxnSp>
+      <p:cxnSp>
+        <p:nvCxnSpPr>
+          <p:cNvPr id="102" name="직선 연결선 101"/>
+          <p:cNvCxnSpPr/>
+          <p:nvPr/>
+        </p:nvCxnSpPr>
+        <p:spPr>
+          <a:xfrm flipH="1">
+            <a:off x="7461120" y="1418876"/>
+            <a:ext cx="330837" cy="308929"/>
+          </a:xfrm>
+          <a:prstGeom prst="line">
+            <a:avLst/>
+          </a:prstGeom>
+        </p:spPr>
+        <p:style>
+          <a:lnRef idx="1">
+            <a:schemeClr val="accent1"/>
+          </a:lnRef>
+          <a:fillRef idx="0">
+            <a:schemeClr val="accent1"/>
+          </a:fillRef>
+          <a:effectRef idx="0">
+            <a:schemeClr val="accent1"/>
+          </a:effectRef>
+          <a:fontRef idx="minor">
+            <a:schemeClr val="tx1"/>
+          </a:fontRef>
+        </p:style>
+      </p:cxnSp>
+      <p:cxnSp>
+        <p:nvCxnSpPr>
+          <p:cNvPr id="103" name="직선 연결선 102"/>
+          <p:cNvCxnSpPr/>
+          <p:nvPr/>
+        </p:nvCxnSpPr>
+        <p:spPr>
+          <a:xfrm flipH="1">
+            <a:off x="6654671" y="2088801"/>
+            <a:ext cx="330837" cy="308929"/>
+          </a:xfrm>
+          <a:prstGeom prst="line">
+            <a:avLst/>
+          </a:prstGeom>
+        </p:spPr>
+        <p:style>
+          <a:lnRef idx="1">
+            <a:schemeClr val="accent1"/>
+          </a:lnRef>
+          <a:fillRef idx="0">
+            <a:schemeClr val="accent1"/>
+          </a:fillRef>
+          <a:effectRef idx="0">
+            <a:schemeClr val="accent1"/>
+          </a:effectRef>
+          <a:fontRef idx="minor">
+            <a:schemeClr val="tx1"/>
+          </a:fontRef>
+        </p:style>
+      </p:cxnSp>
+      <p:cxnSp>
+        <p:nvCxnSpPr>
+          <p:cNvPr id="104" name="직선 연결선 103"/>
+          <p:cNvCxnSpPr/>
+          <p:nvPr/>
+        </p:nvCxnSpPr>
+        <p:spPr>
+          <a:xfrm flipH="1">
+            <a:off x="8936546" y="1418876"/>
+            <a:ext cx="330837" cy="308929"/>
+          </a:xfrm>
+          <a:prstGeom prst="line">
+            <a:avLst/>
+          </a:prstGeom>
+        </p:spPr>
+        <p:style>
+          <a:lnRef idx="1">
+            <a:schemeClr val="accent1"/>
+          </a:lnRef>
+          <a:fillRef idx="0">
+            <a:schemeClr val="accent1"/>
+          </a:fillRef>
+          <a:effectRef idx="0">
+            <a:schemeClr val="accent1"/>
+          </a:effectRef>
+          <a:fontRef idx="minor">
+            <a:schemeClr val="tx1"/>
+          </a:fontRef>
+        </p:style>
+      </p:cxnSp>
+      <p:cxnSp>
+        <p:nvCxnSpPr>
+          <p:cNvPr id="105" name="직선 연결선 104"/>
+          <p:cNvCxnSpPr/>
+          <p:nvPr/>
+        </p:nvCxnSpPr>
+        <p:spPr>
+          <a:xfrm>
+            <a:off x="7461120" y="2088801"/>
+            <a:ext cx="255278" cy="251301"/>
+          </a:xfrm>
+          <a:prstGeom prst="line">
+            <a:avLst/>
+          </a:prstGeom>
+        </p:spPr>
+        <p:style>
+          <a:lnRef idx="1">
+            <a:schemeClr val="accent1"/>
+          </a:lnRef>
+          <a:fillRef idx="0">
+            <a:schemeClr val="accent1"/>
+          </a:fillRef>
+          <a:effectRef idx="0">
+            <a:schemeClr val="accent1"/>
+          </a:effectRef>
+          <a:fontRef idx="minor">
+            <a:schemeClr val="tx1"/>
+          </a:fontRef>
+        </p:style>
+      </p:cxnSp>
+      <p:cxnSp>
+        <p:nvCxnSpPr>
+          <p:cNvPr id="106" name="직선 연결선 105"/>
+          <p:cNvCxnSpPr/>
+          <p:nvPr/>
+        </p:nvCxnSpPr>
+        <p:spPr>
+          <a:xfrm>
+            <a:off x="8281842" y="1398714"/>
+            <a:ext cx="255278" cy="251301"/>
+          </a:xfrm>
+          <a:prstGeom prst="line">
+            <a:avLst/>
+          </a:prstGeom>
+        </p:spPr>
+        <p:style>
+          <a:lnRef idx="1">
+            <a:schemeClr val="accent1"/>
+          </a:lnRef>
+          <a:fillRef idx="0">
+            <a:schemeClr val="accent1"/>
+          </a:fillRef>
+          <a:effectRef idx="0">
+            <a:schemeClr val="accent1"/>
+          </a:effectRef>
+          <a:fontRef idx="minor">
+            <a:schemeClr val="tx1"/>
+          </a:fontRef>
+        </p:style>
+      </p:cxnSp>
+      <p:cxnSp>
+        <p:nvCxnSpPr>
+          <p:cNvPr id="107" name="직선 연결선 106"/>
+          <p:cNvCxnSpPr/>
+          <p:nvPr/>
+        </p:nvCxnSpPr>
+        <p:spPr>
+          <a:xfrm>
+            <a:off x="9048308" y="726251"/>
+            <a:ext cx="255278" cy="251301"/>
+          </a:xfrm>
+          <a:prstGeom prst="line">
+            <a:avLst/>
+          </a:prstGeom>
+        </p:spPr>
+        <p:style>
+          <a:lnRef idx="1">
+            <a:schemeClr val="accent1"/>
+          </a:lnRef>
+          <a:fillRef idx="0">
+            <a:schemeClr val="accent1"/>
+          </a:fillRef>
+          <a:effectRef idx="0">
+            <a:schemeClr val="accent1"/>
+          </a:effectRef>
+          <a:fontRef idx="minor">
+            <a:schemeClr val="tx1"/>
+          </a:fontRef>
+        </p:style>
+      </p:cxnSp>
+      <p:cxnSp>
+        <p:nvCxnSpPr>
+          <p:cNvPr id="108" name="직선 연결선 107"/>
+          <p:cNvCxnSpPr/>
+          <p:nvPr/>
+        </p:nvCxnSpPr>
+        <p:spPr>
+          <a:xfrm>
+            <a:off x="9743949" y="1418876"/>
+            <a:ext cx="255278" cy="251301"/>
+          </a:xfrm>
+          <a:prstGeom prst="line">
+            <a:avLst/>
+          </a:prstGeom>
+        </p:spPr>
+        <p:style>
+          <a:lnRef idx="1">
+            <a:schemeClr val="accent1"/>
+          </a:lnRef>
+          <a:fillRef idx="0">
+            <a:schemeClr val="accent1"/>
+          </a:fillRef>
+          <a:effectRef idx="0">
+            <a:schemeClr val="accent1"/>
+          </a:effectRef>
+          <a:fontRef idx="minor">
+            <a:schemeClr val="tx1"/>
+          </a:fontRef>
+        </p:style>
+      </p:cxnSp>
+      <p:cxnSp>
+        <p:nvCxnSpPr>
+          <p:cNvPr id="109" name="직선 연결선 108"/>
+          <p:cNvCxnSpPr/>
+          <p:nvPr/>
+        </p:nvCxnSpPr>
+        <p:spPr>
+          <a:xfrm>
+            <a:off x="10359246" y="2123251"/>
+            <a:ext cx="255278" cy="251301"/>
+          </a:xfrm>
+          <a:prstGeom prst="line">
+            <a:avLst/>
+          </a:prstGeom>
+        </p:spPr>
+        <p:style>
+          <a:lnRef idx="1">
+            <a:schemeClr val="accent1"/>
+          </a:lnRef>
+          <a:fillRef idx="0">
+            <a:schemeClr val="accent1"/>
+          </a:fillRef>
+          <a:effectRef idx="0">
+            <a:schemeClr val="accent1"/>
+          </a:effectRef>
+          <a:fontRef idx="minor">
+            <a:schemeClr val="tx1"/>
+          </a:fontRef>
+        </p:style>
+      </p:cxnSp>
+      <p:sp>
+        <p:nvSpPr>
+          <p:cNvPr id="110" name="TextBox 109"/>
+          <p:cNvSpPr txBox="1"/>
+          <p:nvPr/>
+        </p:nvSpPr>
+        <p:spPr>
+          <a:xfrm>
+            <a:off x="8712049" y="348231"/>
+            <a:ext cx="311304" cy="369332"/>
+          </a:xfrm>
+          <a:prstGeom prst="rect">
+            <a:avLst/>
+          </a:prstGeom>
+          <a:noFill/>
+        </p:spPr>
+        <p:txBody>
+          <a:bodyPr wrap="none" rtlCol="0">
+            <a:spAutoFit/>
+          </a:bodyPr>
+          <a:lstStyle/>
+          <a:p>
+            <a:r>
+              <a:rPr lang="en-US" altLang="ko-KR" dirty="0" smtClean="0">
+                <a:solidFill>
+                  <a:srgbClr val="FF0000"/>
+                </a:solidFill>
+              </a:rPr>
+              <a:t>1</a:t>
+            </a:r>
+            <a:endParaRPr lang="ko-KR" altLang="en-US" dirty="0">
+              <a:solidFill>
+                <a:srgbClr val="FF0000"/>
+              </a:solidFill>
+            </a:endParaRPr>
+          </a:p>
+        </p:txBody>
+      </p:sp>
+      <p:sp>
+        <p:nvSpPr>
+          <p:cNvPr id="111" name="TextBox 110"/>
+          <p:cNvSpPr txBox="1"/>
+          <p:nvPr/>
+        </p:nvSpPr>
+        <p:spPr>
+          <a:xfrm>
+            <a:off x="7861101" y="1052100"/>
+            <a:ext cx="311304" cy="369332"/>
+          </a:xfrm>
+          <a:prstGeom prst="rect">
+            <a:avLst/>
+          </a:prstGeom>
+          <a:noFill/>
+        </p:spPr>
+        <p:txBody>
+          <a:bodyPr wrap="none" rtlCol="0">
+            <a:spAutoFit/>
+          </a:bodyPr>
+          <a:lstStyle/>
+          <a:p>
+            <a:r>
+              <a:rPr lang="en-US" altLang="ko-KR" dirty="0">
+                <a:solidFill>
+                  <a:srgbClr val="FF0000"/>
+                </a:solidFill>
+              </a:rPr>
+              <a:t>2</a:t>
+            </a:r>
+            <a:endParaRPr lang="ko-KR" altLang="en-US" dirty="0">
+              <a:solidFill>
+                <a:srgbClr val="FF0000"/>
+              </a:solidFill>
+            </a:endParaRPr>
+          </a:p>
+        </p:txBody>
+      </p:sp>
+      <p:sp>
+        <p:nvSpPr>
+          <p:cNvPr id="112" name="TextBox 111"/>
+          <p:cNvSpPr txBox="1"/>
+          <p:nvPr/>
+        </p:nvSpPr>
+        <p:spPr>
+          <a:xfrm>
+            <a:off x="7081707" y="1712048"/>
+            <a:ext cx="311304" cy="369332"/>
+          </a:xfrm>
+          <a:prstGeom prst="rect">
+            <a:avLst/>
+          </a:prstGeom>
+          <a:noFill/>
+        </p:spPr>
+        <p:txBody>
+          <a:bodyPr wrap="none" rtlCol="0">
+            <a:spAutoFit/>
+          </a:bodyPr>
+          <a:lstStyle/>
+          <a:p>
+            <a:r>
+              <a:rPr lang="en-US" altLang="ko-KR" dirty="0" smtClean="0">
+                <a:solidFill>
+                  <a:srgbClr val="FF0000"/>
+                </a:solidFill>
+              </a:rPr>
+              <a:t>4</a:t>
+            </a:r>
+            <a:endParaRPr lang="ko-KR" altLang="en-US" dirty="0">
+              <a:solidFill>
+                <a:srgbClr val="FF0000"/>
+              </a:solidFill>
+            </a:endParaRPr>
+          </a:p>
+        </p:txBody>
+      </p:sp>
+      <p:sp>
+        <p:nvSpPr>
+          <p:cNvPr id="113" name="TextBox 112"/>
+          <p:cNvSpPr txBox="1"/>
+          <p:nvPr/>
+        </p:nvSpPr>
+        <p:spPr>
+          <a:xfrm>
+            <a:off x="7673690" y="2392767"/>
+            <a:ext cx="311304" cy="369332"/>
+          </a:xfrm>
+          <a:prstGeom prst="rect">
+            <a:avLst/>
+          </a:prstGeom>
+          <a:noFill/>
+        </p:spPr>
+        <p:txBody>
+          <a:bodyPr wrap="none" rtlCol="0">
+            <a:spAutoFit/>
+          </a:bodyPr>
+          <a:lstStyle/>
+          <a:p>
+            <a:r>
+              <a:rPr lang="en-US" altLang="ko-KR" dirty="0" smtClean="0">
+                <a:solidFill>
+                  <a:srgbClr val="FF0000"/>
+                </a:solidFill>
+              </a:rPr>
+              <a:t>8</a:t>
+            </a:r>
+            <a:endParaRPr lang="ko-KR" altLang="en-US" dirty="0">
+              <a:solidFill>
+                <a:srgbClr val="FF0000"/>
+              </a:solidFill>
+            </a:endParaRPr>
+          </a:p>
+        </p:txBody>
+      </p:sp>
+      <p:sp>
+        <p:nvSpPr>
+          <p:cNvPr id="114" name="TextBox 113"/>
+          <p:cNvSpPr txBox="1"/>
+          <p:nvPr/>
+        </p:nvSpPr>
+        <p:spPr>
+          <a:xfrm>
+            <a:off x="8536919" y="1742647"/>
+            <a:ext cx="311304" cy="369332"/>
+          </a:xfrm>
+          <a:prstGeom prst="rect">
+            <a:avLst/>
+          </a:prstGeom>
+          <a:noFill/>
+        </p:spPr>
+        <p:txBody>
+          <a:bodyPr wrap="none" rtlCol="0">
+            <a:spAutoFit/>
+          </a:bodyPr>
+          <a:lstStyle/>
+          <a:p>
+            <a:r>
+              <a:rPr lang="en-US" altLang="ko-KR" dirty="0" smtClean="0">
+                <a:solidFill>
+                  <a:srgbClr val="FF0000"/>
+                </a:solidFill>
+              </a:rPr>
+              <a:t>5</a:t>
+            </a:r>
+            <a:endParaRPr lang="ko-KR" altLang="en-US" dirty="0">
+              <a:solidFill>
+                <a:srgbClr val="FF0000"/>
+              </a:solidFill>
+            </a:endParaRPr>
+          </a:p>
+        </p:txBody>
+      </p:sp>
+      <p:sp>
+        <p:nvSpPr>
+          <p:cNvPr id="115" name="TextBox 114"/>
+          <p:cNvSpPr txBox="1"/>
+          <p:nvPr/>
+        </p:nvSpPr>
+        <p:spPr>
+          <a:xfrm>
+            <a:off x="10012473" y="1704627"/>
+            <a:ext cx="311304" cy="369332"/>
+          </a:xfrm>
+          <a:prstGeom prst="rect">
+            <a:avLst/>
+          </a:prstGeom>
+          <a:noFill/>
+        </p:spPr>
+        <p:txBody>
+          <a:bodyPr wrap="none" rtlCol="0">
+            <a:spAutoFit/>
+          </a:bodyPr>
+          <a:lstStyle/>
+          <a:p>
+            <a:r>
+              <a:rPr lang="en-US" altLang="ko-KR" dirty="0" smtClean="0">
+                <a:solidFill>
+                  <a:srgbClr val="FF0000"/>
+                </a:solidFill>
+              </a:rPr>
+              <a:t>6</a:t>
+            </a:r>
+            <a:endParaRPr lang="ko-KR" altLang="en-US" dirty="0">
+              <a:solidFill>
+                <a:srgbClr val="FF0000"/>
+              </a:solidFill>
+            </a:endParaRPr>
+          </a:p>
+        </p:txBody>
+      </p:sp>
+      <p:sp>
+        <p:nvSpPr>
+          <p:cNvPr id="116" name="TextBox 115"/>
+          <p:cNvSpPr txBox="1"/>
+          <p:nvPr/>
+        </p:nvSpPr>
+        <p:spPr>
+          <a:xfrm>
+            <a:off x="9407007" y="977552"/>
+            <a:ext cx="311304" cy="369332"/>
+          </a:xfrm>
+          <a:prstGeom prst="rect">
+            <a:avLst/>
+          </a:prstGeom>
+          <a:noFill/>
+        </p:spPr>
+        <p:txBody>
+          <a:bodyPr wrap="none" rtlCol="0">
+            <a:spAutoFit/>
+          </a:bodyPr>
+          <a:lstStyle/>
+          <a:p>
+            <a:r>
+              <a:rPr lang="en-US" altLang="ko-KR" dirty="0">
+                <a:solidFill>
+                  <a:srgbClr val="FF0000"/>
+                </a:solidFill>
+              </a:rPr>
+              <a:t>3</a:t>
+            </a:r>
+            <a:endParaRPr lang="ko-KR" altLang="en-US" dirty="0">
+              <a:solidFill>
+                <a:srgbClr val="FF0000"/>
+              </a:solidFill>
+            </a:endParaRPr>
+          </a:p>
+        </p:txBody>
+      </p:sp>
+      <p:sp>
+        <p:nvSpPr>
+          <p:cNvPr id="117" name="TextBox 116"/>
+          <p:cNvSpPr txBox="1"/>
+          <p:nvPr/>
+        </p:nvSpPr>
+        <p:spPr>
+          <a:xfrm>
+            <a:off x="10705262" y="2337360"/>
+            <a:ext cx="311304" cy="369332"/>
+          </a:xfrm>
+          <a:prstGeom prst="rect">
+            <a:avLst/>
+          </a:prstGeom>
+          <a:noFill/>
+        </p:spPr>
+        <p:txBody>
+          <a:bodyPr wrap="none" rtlCol="0">
+            <a:spAutoFit/>
+          </a:bodyPr>
+          <a:lstStyle/>
+          <a:p>
+            <a:r>
+              <a:rPr lang="en-US" altLang="ko-KR" dirty="0" smtClean="0">
+                <a:solidFill>
+                  <a:srgbClr val="FF0000"/>
+                </a:solidFill>
+              </a:rPr>
+              <a:t>9</a:t>
+            </a:r>
+            <a:endParaRPr lang="ko-KR" altLang="en-US" dirty="0">
+              <a:solidFill>
+                <a:srgbClr val="FF0000"/>
+              </a:solidFill>
+            </a:endParaRPr>
+          </a:p>
+        </p:txBody>
+      </p:sp>
+      <p:sp>
+        <p:nvSpPr>
+          <p:cNvPr id="118" name="TextBox 117"/>
+          <p:cNvSpPr txBox="1"/>
+          <p:nvPr/>
+        </p:nvSpPr>
+        <p:spPr>
+          <a:xfrm>
+            <a:off x="6311929" y="2400188"/>
+            <a:ext cx="311304" cy="369332"/>
+          </a:xfrm>
+          <a:prstGeom prst="rect">
+            <a:avLst/>
+          </a:prstGeom>
+          <a:noFill/>
+        </p:spPr>
+        <p:txBody>
+          <a:bodyPr wrap="none" rtlCol="0">
+            <a:spAutoFit/>
+          </a:bodyPr>
+          <a:lstStyle/>
+          <a:p>
+            <a:r>
+              <a:rPr lang="en-US" altLang="ko-KR" dirty="0" smtClean="0">
+                <a:solidFill>
+                  <a:srgbClr val="FF0000"/>
+                </a:solidFill>
+              </a:rPr>
+              <a:t>7</a:t>
+            </a:r>
+            <a:endParaRPr lang="ko-KR" altLang="en-US" dirty="0">
+              <a:solidFill>
+                <a:srgbClr val="FF0000"/>
+              </a:solidFill>
+            </a:endParaRPr>
+          </a:p>
+        </p:txBody>
+      </p:sp>
+      <p:sp>
+        <p:nvSpPr>
+          <p:cNvPr id="128" name="TextBox 127"/>
+          <p:cNvSpPr txBox="1"/>
+          <p:nvPr/>
+        </p:nvSpPr>
+        <p:spPr>
+          <a:xfrm>
+            <a:off x="8759984" y="3123536"/>
+            <a:ext cx="556499" cy="369332"/>
+          </a:xfrm>
+          <a:prstGeom prst="rect">
+            <a:avLst/>
+          </a:prstGeom>
+          <a:noFill/>
+        </p:spPr>
+        <p:txBody>
+          <a:bodyPr wrap="none" rtlCol="0">
+            <a:spAutoFit/>
+          </a:bodyPr>
+          <a:lstStyle/>
+          <a:p>
+            <a:r>
+              <a:rPr lang="en-US" altLang="ko-KR" dirty="0" smtClean="0"/>
+              <a:t>BFS</a:t>
+            </a:r>
+            <a:endParaRPr lang="ko-KR" altLang="en-US" dirty="0"/>
+          </a:p>
+        </p:txBody>
+      </p:sp>
+      <p:sp>
+        <p:nvSpPr>
+          <p:cNvPr id="129" name="TextBox 128"/>
+          <p:cNvSpPr txBox="1"/>
+          <p:nvPr/>
+        </p:nvSpPr>
+        <p:spPr>
+          <a:xfrm>
+            <a:off x="2370037" y="3053834"/>
+            <a:ext cx="586956" cy="369332"/>
+          </a:xfrm>
+          <a:prstGeom prst="rect">
+            <a:avLst/>
+          </a:prstGeom>
+          <a:noFill/>
+        </p:spPr>
+        <p:txBody>
+          <a:bodyPr wrap="none" rtlCol="0">
+            <a:spAutoFit/>
+          </a:bodyPr>
+          <a:lstStyle/>
+          <a:p>
+            <a:r>
+              <a:rPr lang="en-US" altLang="ko-KR" dirty="0" smtClean="0"/>
+              <a:t>DFS</a:t>
+            </a:r>
+            <a:endParaRPr lang="ko-KR" altLang="en-US" dirty="0"/>
+          </a:p>
+        </p:txBody>
+      </p:sp>
+      <p:sp>
+        <p:nvSpPr>
+          <p:cNvPr id="130" name="자유형 129"/>
+          <p:cNvSpPr/>
+          <p:nvPr/>
+        </p:nvSpPr>
+        <p:spPr>
+          <a:xfrm>
+            <a:off x="14089" y="361950"/>
+            <a:ext cx="4596011" cy="2787706"/>
+          </a:xfrm>
+          <a:custGeom>
+            <a:avLst/>
+            <a:gdLst>
+              <a:gd name="connsiteX0" fmla="*/ 2224286 w 4596011"/>
+              <a:gd name="connsiteY0" fmla="*/ 0 h 2787706"/>
+              <a:gd name="connsiteX1" fmla="*/ 443111 w 4596011"/>
+              <a:gd name="connsiteY1" fmla="*/ 1409700 h 2787706"/>
+              <a:gd name="connsiteX2" fmla="*/ 90686 w 4596011"/>
+              <a:gd name="connsiteY2" fmla="*/ 1895475 h 2787706"/>
+              <a:gd name="connsiteX3" fmla="*/ 24011 w 4596011"/>
+              <a:gd name="connsiteY3" fmla="*/ 2667000 h 2787706"/>
+              <a:gd name="connsiteX4" fmla="*/ 433586 w 4596011"/>
+              <a:gd name="connsiteY4" fmla="*/ 2771775 h 2787706"/>
+              <a:gd name="connsiteX5" fmla="*/ 824111 w 4596011"/>
+              <a:gd name="connsiteY5" fmla="*/ 2524125 h 2787706"/>
+              <a:gd name="connsiteX6" fmla="*/ 1195586 w 4596011"/>
+              <a:gd name="connsiteY6" fmla="*/ 2171700 h 2787706"/>
+              <a:gd name="connsiteX7" fmla="*/ 1471811 w 4596011"/>
+              <a:gd name="connsiteY7" fmla="*/ 1905000 h 2787706"/>
+              <a:gd name="connsiteX8" fmla="*/ 1929011 w 4596011"/>
+              <a:gd name="connsiteY8" fmla="*/ 1590675 h 2787706"/>
+              <a:gd name="connsiteX9" fmla="*/ 2424311 w 4596011"/>
+              <a:gd name="connsiteY9" fmla="*/ 971550 h 2787706"/>
+              <a:gd name="connsiteX10" fmla="*/ 2738636 w 4596011"/>
+              <a:gd name="connsiteY10" fmla="*/ 923925 h 2787706"/>
+              <a:gd name="connsiteX11" fmla="*/ 3091061 w 4596011"/>
+              <a:gd name="connsiteY11" fmla="*/ 1228725 h 2787706"/>
+              <a:gd name="connsiteX12" fmla="*/ 2748161 w 4596011"/>
+              <a:gd name="connsiteY12" fmla="*/ 2009775 h 2787706"/>
+              <a:gd name="connsiteX13" fmla="*/ 2462411 w 4596011"/>
+              <a:gd name="connsiteY13" fmla="*/ 2286000 h 2787706"/>
+              <a:gd name="connsiteX14" fmla="*/ 2338586 w 4596011"/>
+              <a:gd name="connsiteY14" fmla="*/ 2581275 h 2787706"/>
+              <a:gd name="connsiteX15" fmla="*/ 3091061 w 4596011"/>
+              <a:gd name="connsiteY15" fmla="*/ 2381250 h 2787706"/>
+              <a:gd name="connsiteX16" fmla="*/ 3481586 w 4596011"/>
+              <a:gd name="connsiteY16" fmla="*/ 1704975 h 2787706"/>
+              <a:gd name="connsiteX17" fmla="*/ 4281686 w 4596011"/>
+              <a:gd name="connsiteY17" fmla="*/ 2476500 h 2787706"/>
+              <a:gd name="connsiteX18" fmla="*/ 4596011 w 4596011"/>
+              <a:gd name="connsiteY18" fmla="*/ 2686050 h 2787706"/>
+            </a:gdLst>
+            <a:ahLst/>
+            <a:cxnLst>
+              <a:cxn ang="0">
+                <a:pos x="connsiteX0" y="connsiteY0"/>
+              </a:cxn>
+              <a:cxn ang="0">
+                <a:pos x="connsiteX1" y="connsiteY1"/>
+              </a:cxn>
+              <a:cxn ang="0">
+                <a:pos x="connsiteX2" y="connsiteY2"/>
+              </a:cxn>
+              <a:cxn ang="0">
+                <a:pos x="connsiteX3" y="connsiteY3"/>
+              </a:cxn>
+              <a:cxn ang="0">
+                <a:pos x="connsiteX4" y="connsiteY4"/>
+              </a:cxn>
+              <a:cxn ang="0">
+                <a:pos x="connsiteX5" y="connsiteY5"/>
+              </a:cxn>
+              <a:cxn ang="0">
+                <a:pos x="connsiteX6" y="connsiteY6"/>
+              </a:cxn>
+              <a:cxn ang="0">
+                <a:pos x="connsiteX7" y="connsiteY7"/>
+              </a:cxn>
+              <a:cxn ang="0">
+                <a:pos x="connsiteX8" y="connsiteY8"/>
+              </a:cxn>
+              <a:cxn ang="0">
+                <a:pos x="connsiteX9" y="connsiteY9"/>
+              </a:cxn>
+              <a:cxn ang="0">
+                <a:pos x="connsiteX10" y="connsiteY10"/>
+              </a:cxn>
+              <a:cxn ang="0">
+                <a:pos x="connsiteX11" y="connsiteY11"/>
+              </a:cxn>
+              <a:cxn ang="0">
+                <a:pos x="connsiteX12" y="connsiteY12"/>
+              </a:cxn>
+              <a:cxn ang="0">
+                <a:pos x="connsiteX13" y="connsiteY13"/>
+              </a:cxn>
+              <a:cxn ang="0">
+                <a:pos x="connsiteX14" y="connsiteY14"/>
+              </a:cxn>
+              <a:cxn ang="0">
+                <a:pos x="connsiteX15" y="connsiteY15"/>
+              </a:cxn>
+              <a:cxn ang="0">
+                <a:pos x="connsiteX16" y="connsiteY16"/>
+              </a:cxn>
+              <a:cxn ang="0">
+                <a:pos x="connsiteX17" y="connsiteY17"/>
+              </a:cxn>
+              <a:cxn ang="0">
+                <a:pos x="connsiteX18" y="connsiteY18"/>
+              </a:cxn>
+            </a:cxnLst>
+            <a:rect l="l" t="t" r="r" b="b"/>
+            <a:pathLst>
+              <a:path w="4596011" h="2787706">
+                <a:moveTo>
+                  <a:pt x="2224286" y="0"/>
+                </a:moveTo>
+                <a:cubicBezTo>
+                  <a:pt x="1511498" y="546894"/>
+                  <a:pt x="798711" y="1093788"/>
+                  <a:pt x="443111" y="1409700"/>
+                </a:cubicBezTo>
+                <a:cubicBezTo>
+                  <a:pt x="87511" y="1725612"/>
+                  <a:pt x="160536" y="1685925"/>
+                  <a:pt x="90686" y="1895475"/>
+                </a:cubicBezTo>
+                <a:cubicBezTo>
+                  <a:pt x="20836" y="2105025"/>
+                  <a:pt x="-33139" y="2520950"/>
+                  <a:pt x="24011" y="2667000"/>
+                </a:cubicBezTo>
+                <a:cubicBezTo>
+                  <a:pt x="81161" y="2813050"/>
+                  <a:pt x="300236" y="2795588"/>
+                  <a:pt x="433586" y="2771775"/>
+                </a:cubicBezTo>
+                <a:cubicBezTo>
+                  <a:pt x="566936" y="2747963"/>
+                  <a:pt x="697111" y="2624137"/>
+                  <a:pt x="824111" y="2524125"/>
+                </a:cubicBezTo>
+                <a:cubicBezTo>
+                  <a:pt x="951111" y="2424113"/>
+                  <a:pt x="1195586" y="2171700"/>
+                  <a:pt x="1195586" y="2171700"/>
+                </a:cubicBezTo>
+                <a:cubicBezTo>
+                  <a:pt x="1303536" y="2068513"/>
+                  <a:pt x="1349574" y="2001837"/>
+                  <a:pt x="1471811" y="1905000"/>
+                </a:cubicBezTo>
+                <a:cubicBezTo>
+                  <a:pt x="1594048" y="1808163"/>
+                  <a:pt x="1770261" y="1746250"/>
+                  <a:pt x="1929011" y="1590675"/>
+                </a:cubicBezTo>
+                <a:cubicBezTo>
+                  <a:pt x="2087761" y="1435100"/>
+                  <a:pt x="2289374" y="1082675"/>
+                  <a:pt x="2424311" y="971550"/>
+                </a:cubicBezTo>
+                <a:cubicBezTo>
+                  <a:pt x="2559249" y="860425"/>
+                  <a:pt x="2627511" y="881063"/>
+                  <a:pt x="2738636" y="923925"/>
+                </a:cubicBezTo>
+                <a:cubicBezTo>
+                  <a:pt x="2849761" y="966788"/>
+                  <a:pt x="3089473" y="1047750"/>
+                  <a:pt x="3091061" y="1228725"/>
+                </a:cubicBezTo>
+                <a:cubicBezTo>
+                  <a:pt x="3092649" y="1409700"/>
+                  <a:pt x="2852936" y="1833563"/>
+                  <a:pt x="2748161" y="2009775"/>
+                </a:cubicBezTo>
+                <a:cubicBezTo>
+                  <a:pt x="2643386" y="2185987"/>
+                  <a:pt x="2530674" y="2190750"/>
+                  <a:pt x="2462411" y="2286000"/>
+                </a:cubicBezTo>
+                <a:cubicBezTo>
+                  <a:pt x="2394148" y="2381250"/>
+                  <a:pt x="2233811" y="2565400"/>
+                  <a:pt x="2338586" y="2581275"/>
+                </a:cubicBezTo>
+                <a:cubicBezTo>
+                  <a:pt x="2443361" y="2597150"/>
+                  <a:pt x="2900561" y="2527300"/>
+                  <a:pt x="3091061" y="2381250"/>
+                </a:cubicBezTo>
+                <a:cubicBezTo>
+                  <a:pt x="3281561" y="2235200"/>
+                  <a:pt x="3283148" y="1689100"/>
+                  <a:pt x="3481586" y="1704975"/>
+                </a:cubicBezTo>
+                <a:cubicBezTo>
+                  <a:pt x="3680024" y="1720850"/>
+                  <a:pt x="4095949" y="2312988"/>
+                  <a:pt x="4281686" y="2476500"/>
+                </a:cubicBezTo>
+                <a:cubicBezTo>
+                  <a:pt x="4467423" y="2640012"/>
+                  <a:pt x="4429324" y="2681288"/>
+                  <a:pt x="4596011" y="2686050"/>
+                </a:cubicBezTo>
+              </a:path>
+            </a:pathLst>
+          </a:custGeom>
+          <a:noFill/>
+        </p:spPr>
+        <p:style>
+          <a:lnRef idx="2">
+            <a:schemeClr val="accent1">
+              <a:shade val="50000"/>
+            </a:schemeClr>
+          </a:lnRef>
+          <a:fillRef idx="1">
+            <a:schemeClr val="accent1"/>
+          </a:fillRef>
+          <a:effectRef idx="0">
+            <a:schemeClr val="accent1"/>
+          </a:effectRef>
+          <a:fontRef idx="minor">
+            <a:schemeClr val="lt1"/>
+          </a:fontRef>
+        </p:style>
+        <p:txBody>
+          <a:bodyPr rtlCol="0" anchor="ctr"/>
+          <a:lstStyle/>
+          <a:p>
+            <a:pPr algn="ctr"/>
+            <a:endParaRPr lang="ko-KR" altLang="en-US"/>
+          </a:p>
+        </p:txBody>
+      </p:sp>
+      <p:sp>
+        <p:nvSpPr>
+          <p:cNvPr id="131" name="자유형 130"/>
+          <p:cNvSpPr/>
+          <p:nvPr/>
+        </p:nvSpPr>
+        <p:spPr>
+          <a:xfrm>
+            <a:off x="6453909" y="754477"/>
+            <a:ext cx="4328391" cy="1576213"/>
+          </a:xfrm>
+          <a:custGeom>
+            <a:avLst/>
+            <a:gdLst>
+              <a:gd name="connsiteX0" fmla="*/ 1747116 w 4328391"/>
+              <a:gd name="connsiteY0" fmla="*/ 74198 h 1576213"/>
+              <a:gd name="connsiteX1" fmla="*/ 2899641 w 4328391"/>
+              <a:gd name="connsiteY1" fmla="*/ 17048 h 1576213"/>
+              <a:gd name="connsiteX2" fmla="*/ 889866 w 4328391"/>
+              <a:gd name="connsiteY2" fmla="*/ 340898 h 1576213"/>
+              <a:gd name="connsiteX3" fmla="*/ 1118466 w 4328391"/>
+              <a:gd name="connsiteY3" fmla="*/ 836198 h 1576213"/>
+              <a:gd name="connsiteX4" fmla="*/ 2128116 w 4328391"/>
+              <a:gd name="connsiteY4" fmla="*/ 874298 h 1576213"/>
+              <a:gd name="connsiteX5" fmla="*/ 3185391 w 4328391"/>
+              <a:gd name="connsiteY5" fmla="*/ 826673 h 1576213"/>
+              <a:gd name="connsiteX6" fmla="*/ 3404466 w 4328391"/>
+              <a:gd name="connsiteY6" fmla="*/ 845723 h 1576213"/>
+              <a:gd name="connsiteX7" fmla="*/ 1956666 w 4328391"/>
+              <a:gd name="connsiteY7" fmla="*/ 912398 h 1576213"/>
+              <a:gd name="connsiteX8" fmla="*/ 1413741 w 4328391"/>
+              <a:gd name="connsiteY8" fmla="*/ 969548 h 1576213"/>
+              <a:gd name="connsiteX9" fmla="*/ 404091 w 4328391"/>
+              <a:gd name="connsiteY9" fmla="*/ 836198 h 1576213"/>
+              <a:gd name="connsiteX10" fmla="*/ 51666 w 4328391"/>
+              <a:gd name="connsiteY10" fmla="*/ 1312448 h 1576213"/>
+              <a:gd name="connsiteX11" fmla="*/ 1442316 w 4328391"/>
+              <a:gd name="connsiteY11" fmla="*/ 1541048 h 1576213"/>
+              <a:gd name="connsiteX12" fmla="*/ 2461491 w 4328391"/>
+              <a:gd name="connsiteY12" fmla="*/ 1560098 h 1576213"/>
+              <a:gd name="connsiteX13" fmla="*/ 3575916 w 4328391"/>
+              <a:gd name="connsiteY13" fmla="*/ 1569623 h 1576213"/>
+              <a:gd name="connsiteX14" fmla="*/ 4328391 w 4328391"/>
+              <a:gd name="connsiteY14" fmla="*/ 1455323 h 1576213"/>
+            </a:gdLst>
+            <a:ahLst/>
+            <a:cxnLst>
+              <a:cxn ang="0">
+                <a:pos x="connsiteX0" y="connsiteY0"/>
+              </a:cxn>
+              <a:cxn ang="0">
+                <a:pos x="connsiteX1" y="connsiteY1"/>
+              </a:cxn>
+              <a:cxn ang="0">
+                <a:pos x="connsiteX2" y="connsiteY2"/>
+              </a:cxn>
+              <a:cxn ang="0">
+                <a:pos x="connsiteX3" y="connsiteY3"/>
+              </a:cxn>
+              <a:cxn ang="0">
+                <a:pos x="connsiteX4" y="connsiteY4"/>
+              </a:cxn>
+              <a:cxn ang="0">
+                <a:pos x="connsiteX5" y="connsiteY5"/>
+              </a:cxn>
+              <a:cxn ang="0">
+                <a:pos x="connsiteX6" y="connsiteY6"/>
+              </a:cxn>
+              <a:cxn ang="0">
+                <a:pos x="connsiteX7" y="connsiteY7"/>
+              </a:cxn>
+              <a:cxn ang="0">
+                <a:pos x="connsiteX8" y="connsiteY8"/>
+              </a:cxn>
+              <a:cxn ang="0">
+                <a:pos x="connsiteX9" y="connsiteY9"/>
+              </a:cxn>
+              <a:cxn ang="0">
+                <a:pos x="connsiteX10" y="connsiteY10"/>
+              </a:cxn>
+              <a:cxn ang="0">
+                <a:pos x="connsiteX11" y="connsiteY11"/>
+              </a:cxn>
+              <a:cxn ang="0">
+                <a:pos x="connsiteX12" y="connsiteY12"/>
+              </a:cxn>
+              <a:cxn ang="0">
+                <a:pos x="connsiteX13" y="connsiteY13"/>
+              </a:cxn>
+              <a:cxn ang="0">
+                <a:pos x="connsiteX14" y="connsiteY14"/>
+              </a:cxn>
+            </a:cxnLst>
+            <a:rect l="l" t="t" r="r" b="b"/>
+            <a:pathLst>
+              <a:path w="4328391" h="1576213">
+                <a:moveTo>
+                  <a:pt x="1747116" y="74198"/>
+                </a:moveTo>
+                <a:cubicBezTo>
+                  <a:pt x="2394816" y="23398"/>
+                  <a:pt x="3042516" y="-27402"/>
+                  <a:pt x="2899641" y="17048"/>
+                </a:cubicBezTo>
+                <a:cubicBezTo>
+                  <a:pt x="2756766" y="61498"/>
+                  <a:pt x="1186728" y="204373"/>
+                  <a:pt x="889866" y="340898"/>
+                </a:cubicBezTo>
+                <a:cubicBezTo>
+                  <a:pt x="593003" y="477423"/>
+                  <a:pt x="912091" y="747298"/>
+                  <a:pt x="1118466" y="836198"/>
+                </a:cubicBezTo>
+                <a:cubicBezTo>
+                  <a:pt x="1324841" y="925098"/>
+                  <a:pt x="1783629" y="875885"/>
+                  <a:pt x="2128116" y="874298"/>
+                </a:cubicBezTo>
+                <a:cubicBezTo>
+                  <a:pt x="2472603" y="872711"/>
+                  <a:pt x="2972666" y="831436"/>
+                  <a:pt x="3185391" y="826673"/>
+                </a:cubicBezTo>
+                <a:cubicBezTo>
+                  <a:pt x="3398116" y="821910"/>
+                  <a:pt x="3609253" y="831436"/>
+                  <a:pt x="3404466" y="845723"/>
+                </a:cubicBezTo>
+                <a:cubicBezTo>
+                  <a:pt x="3199679" y="860010"/>
+                  <a:pt x="2288453" y="891761"/>
+                  <a:pt x="1956666" y="912398"/>
+                </a:cubicBezTo>
+                <a:cubicBezTo>
+                  <a:pt x="1624879" y="933035"/>
+                  <a:pt x="1672503" y="982248"/>
+                  <a:pt x="1413741" y="969548"/>
+                </a:cubicBezTo>
+                <a:cubicBezTo>
+                  <a:pt x="1154979" y="956848"/>
+                  <a:pt x="631103" y="779048"/>
+                  <a:pt x="404091" y="836198"/>
+                </a:cubicBezTo>
+                <a:cubicBezTo>
+                  <a:pt x="177078" y="893348"/>
+                  <a:pt x="-121372" y="1194973"/>
+                  <a:pt x="51666" y="1312448"/>
+                </a:cubicBezTo>
+                <a:cubicBezTo>
+                  <a:pt x="224703" y="1429923"/>
+                  <a:pt x="1040679" y="1499773"/>
+                  <a:pt x="1442316" y="1541048"/>
+                </a:cubicBezTo>
+                <a:cubicBezTo>
+                  <a:pt x="1843953" y="1582323"/>
+                  <a:pt x="2461491" y="1560098"/>
+                  <a:pt x="2461491" y="1560098"/>
+                </a:cubicBezTo>
+                <a:cubicBezTo>
+                  <a:pt x="2817091" y="1564860"/>
+                  <a:pt x="3264766" y="1587085"/>
+                  <a:pt x="3575916" y="1569623"/>
+                </a:cubicBezTo>
+                <a:cubicBezTo>
+                  <a:pt x="3887066" y="1552161"/>
+                  <a:pt x="4199804" y="1441036"/>
+                  <a:pt x="4328391" y="1455323"/>
+                </a:cubicBezTo>
+              </a:path>
+            </a:pathLst>
+          </a:custGeom>
+          <a:noFill/>
         </p:spPr>
         <p:style>
           <a:lnRef idx="2">
@@ -6515,7 +8746,7 @@
     </p:spTree>
     <p:extLst>
       <p:ext uri="{BB962C8B-B14F-4D97-AF65-F5344CB8AC3E}">
-        <p14:creationId xmlns:p14="http://schemas.microsoft.com/office/powerpoint/2010/main" val="1659899476"/>
+        <p14:creationId xmlns:p14="http://schemas.microsoft.com/office/powerpoint/2010/main" val="3784138934"/>
       </p:ext>
     </p:extLst>
   </p:cSld>
@@ -6545,7 +8776,7 @@
     </p:spTree>
     <p:extLst>
       <p:ext uri="{BB962C8B-B14F-4D97-AF65-F5344CB8AC3E}">
-        <p14:creationId xmlns:p14="http://schemas.microsoft.com/office/powerpoint/2010/main" val="3947901818"/>
+        <p14:creationId xmlns:p14="http://schemas.microsoft.com/office/powerpoint/2010/main" val="1659899476"/>
       </p:ext>
     </p:extLst>
   </p:cSld>
@@ -6575,7 +8806,7 @@
     </p:spTree>
     <p:extLst>
       <p:ext uri="{BB962C8B-B14F-4D97-AF65-F5344CB8AC3E}">
-        <p14:creationId xmlns:p14="http://schemas.microsoft.com/office/powerpoint/2010/main" val="2310133737"/>
+        <p14:creationId xmlns:p14="http://schemas.microsoft.com/office/powerpoint/2010/main" val="3947901818"/>
       </p:ext>
     </p:extLst>
   </p:cSld>
@@ -6605,7 +8836,7 @@
     </p:spTree>
     <p:extLst>
       <p:ext uri="{BB962C8B-B14F-4D97-AF65-F5344CB8AC3E}">
-        <p14:creationId xmlns:p14="http://schemas.microsoft.com/office/powerpoint/2010/main" val="812068046"/>
+        <p14:creationId xmlns:p14="http://schemas.microsoft.com/office/powerpoint/2010/main" val="2310133737"/>
       </p:ext>
     </p:extLst>
   </p:cSld>
@@ -6635,7 +8866,7 @@
     </p:spTree>
     <p:extLst>
       <p:ext uri="{BB962C8B-B14F-4D97-AF65-F5344CB8AC3E}">
-        <p14:creationId xmlns:p14="http://schemas.microsoft.com/office/powerpoint/2010/main" val="1286558665"/>
+        <p14:creationId xmlns:p14="http://schemas.microsoft.com/office/powerpoint/2010/main" val="812068046"/>
       </p:ext>
     </p:extLst>
   </p:cSld>
@@ -6665,7 +8896,7 @@
     </p:spTree>
     <p:extLst>
       <p:ext uri="{BB962C8B-B14F-4D97-AF65-F5344CB8AC3E}">
-        <p14:creationId xmlns:p14="http://schemas.microsoft.com/office/powerpoint/2010/main" val="898464546"/>
+        <p14:creationId xmlns:p14="http://schemas.microsoft.com/office/powerpoint/2010/main" val="1286558665"/>
       </p:ext>
     </p:extLst>
   </p:cSld>
@@ -6695,7 +8926,7 @@
     </p:spTree>
     <p:extLst>
       <p:ext uri="{BB962C8B-B14F-4D97-AF65-F5344CB8AC3E}">
-        <p14:creationId xmlns:p14="http://schemas.microsoft.com/office/powerpoint/2010/main" val="4254125940"/>
+        <p14:creationId xmlns:p14="http://schemas.microsoft.com/office/powerpoint/2010/main" val="898464546"/>
       </p:ext>
     </p:extLst>
   </p:cSld>
@@ -6725,7 +8956,7 @@
     </p:spTree>
     <p:extLst>
       <p:ext uri="{BB962C8B-B14F-4D97-AF65-F5344CB8AC3E}">
-        <p14:creationId xmlns:p14="http://schemas.microsoft.com/office/powerpoint/2010/main" val="3818314366"/>
+        <p14:creationId xmlns:p14="http://schemas.microsoft.com/office/powerpoint/2010/main" val="4254125940"/>
       </p:ext>
     </p:extLst>
   </p:cSld>
@@ -6755,7 +8986,7 @@
     </p:spTree>
     <p:extLst>
       <p:ext uri="{BB962C8B-B14F-4D97-AF65-F5344CB8AC3E}">
-        <p14:creationId xmlns:p14="http://schemas.microsoft.com/office/powerpoint/2010/main" val="3803057564"/>
+        <p14:creationId xmlns:p14="http://schemas.microsoft.com/office/powerpoint/2010/main" val="3818314366"/>
       </p:ext>
     </p:extLst>
   </p:cSld>
@@ -6785,7 +9016,7 @@
     </p:spTree>
     <p:extLst>
       <p:ext uri="{BB962C8B-B14F-4D97-AF65-F5344CB8AC3E}">
-        <p14:creationId xmlns:p14="http://schemas.microsoft.com/office/powerpoint/2010/main" val="1077271495"/>
+        <p14:creationId xmlns:p14="http://schemas.microsoft.com/office/powerpoint/2010/main" val="3803057564"/>
       </p:ext>
     </p:extLst>
   </p:cSld>
@@ -6812,49 +9043,779 @@
           <a:chExt cx="0" cy="0"/>
         </a:xfrm>
       </p:grpSpPr>
-      <p:pic>
-        <p:nvPicPr>
-          <p:cNvPr id="2" name="그림 1"/>
-          <p:cNvPicPr>
-            <a:picLocks noChangeAspect="1"/>
-          </p:cNvPicPr>
-          <p:nvPr/>
-        </p:nvPicPr>
-        <p:blipFill>
-          <a:blip r:embed="rId2"/>
-          <a:stretch>
-            <a:fillRect/>
-          </a:stretch>
-        </p:blipFill>
-        <p:spPr>
-          <a:xfrm>
-            <a:off x="1232907" y="1714412"/>
-            <a:ext cx="8316486" cy="1257475"/>
+      <p:sp>
+        <p:nvSpPr>
+          <p:cNvPr id="3" name="타원 2"/>
+          <p:cNvSpPr/>
+          <p:nvPr/>
+        </p:nvSpPr>
+        <p:spPr>
+          <a:xfrm>
+            <a:off x="2035403" y="913071"/>
+            <a:ext cx="367028" cy="384174"/>
+          </a:xfrm>
+          <a:prstGeom prst="ellipse">
+            <a:avLst/>
+          </a:prstGeom>
+          <a:solidFill>
+            <a:schemeClr val="accent3">
+              <a:lumMod val="60000"/>
+              <a:lumOff val="40000"/>
+            </a:schemeClr>
+          </a:solidFill>
+        </p:spPr>
+        <p:style>
+          <a:lnRef idx="2">
+            <a:schemeClr val="accent1">
+              <a:shade val="50000"/>
+            </a:schemeClr>
+          </a:lnRef>
+          <a:fillRef idx="1">
+            <a:schemeClr val="accent1"/>
+          </a:fillRef>
+          <a:effectRef idx="0">
+            <a:schemeClr val="accent1"/>
+          </a:effectRef>
+          <a:fontRef idx="minor">
+            <a:schemeClr val="lt1"/>
+          </a:fontRef>
+        </p:style>
+        <p:txBody>
+          <a:bodyPr rtlCol="0" anchor="ctr"/>
+          <a:lstStyle/>
+          <a:p>
+            <a:pPr algn="ctr"/>
+            <a:endParaRPr lang="ko-KR" altLang="en-US" dirty="0"/>
+          </a:p>
+        </p:txBody>
+      </p:sp>
+      <p:sp>
+        <p:nvSpPr>
+          <p:cNvPr id="48" name="타원 47"/>
+          <p:cNvSpPr/>
+          <p:nvPr/>
+        </p:nvSpPr>
+        <p:spPr>
+          <a:xfrm>
+            <a:off x="1439181" y="1680705"/>
+            <a:ext cx="367028" cy="384174"/>
+          </a:xfrm>
+          <a:prstGeom prst="ellipse">
+            <a:avLst/>
+          </a:prstGeom>
+          <a:solidFill>
+            <a:schemeClr val="accent3">
+              <a:lumMod val="60000"/>
+              <a:lumOff val="40000"/>
+            </a:schemeClr>
+          </a:solidFill>
+        </p:spPr>
+        <p:style>
+          <a:lnRef idx="2">
+            <a:schemeClr val="accent1">
+              <a:shade val="50000"/>
+            </a:schemeClr>
+          </a:lnRef>
+          <a:fillRef idx="1">
+            <a:schemeClr val="accent1"/>
+          </a:fillRef>
+          <a:effectRef idx="0">
+            <a:schemeClr val="accent1"/>
+          </a:effectRef>
+          <a:fontRef idx="minor">
+            <a:schemeClr val="lt1"/>
+          </a:fontRef>
+        </p:style>
+        <p:txBody>
+          <a:bodyPr rtlCol="0" anchor="ctr"/>
+          <a:lstStyle/>
+          <a:p>
+            <a:pPr algn="ctr"/>
+            <a:endParaRPr lang="ko-KR" altLang="en-US"/>
+          </a:p>
+        </p:txBody>
+      </p:sp>
+      <p:sp>
+        <p:nvSpPr>
+          <p:cNvPr id="49" name="타원 48"/>
+          <p:cNvSpPr/>
+          <p:nvPr/>
+        </p:nvSpPr>
+        <p:spPr>
+          <a:xfrm>
+            <a:off x="4316530" y="1671020"/>
+            <a:ext cx="367028" cy="384174"/>
+          </a:xfrm>
+          <a:prstGeom prst="ellipse">
+            <a:avLst/>
+          </a:prstGeom>
+          <a:solidFill>
+            <a:schemeClr val="accent3">
+              <a:lumMod val="60000"/>
+              <a:lumOff val="40000"/>
+            </a:schemeClr>
+          </a:solidFill>
+        </p:spPr>
+        <p:style>
+          <a:lnRef idx="2">
+            <a:schemeClr val="accent1">
+              <a:shade val="50000"/>
+            </a:schemeClr>
+          </a:lnRef>
+          <a:fillRef idx="1">
+            <a:schemeClr val="accent1"/>
+          </a:fillRef>
+          <a:effectRef idx="0">
+            <a:schemeClr val="accent1"/>
+          </a:effectRef>
+          <a:fontRef idx="minor">
+            <a:schemeClr val="lt1"/>
+          </a:fontRef>
+        </p:style>
+        <p:txBody>
+          <a:bodyPr rtlCol="0" anchor="ctr"/>
+          <a:lstStyle/>
+          <a:p>
+            <a:pPr algn="ctr"/>
+            <a:endParaRPr lang="ko-KR" altLang="en-US"/>
+          </a:p>
+        </p:txBody>
+      </p:sp>
+      <p:sp>
+        <p:nvSpPr>
+          <p:cNvPr id="50" name="타원 49"/>
+          <p:cNvSpPr/>
+          <p:nvPr/>
+        </p:nvSpPr>
+        <p:spPr>
+          <a:xfrm>
+            <a:off x="2651078" y="2736120"/>
+            <a:ext cx="367028" cy="384174"/>
+          </a:xfrm>
+          <a:prstGeom prst="ellipse">
+            <a:avLst/>
+          </a:prstGeom>
+          <a:solidFill>
+            <a:schemeClr val="accent3">
+              <a:lumMod val="60000"/>
+              <a:lumOff val="40000"/>
+            </a:schemeClr>
+          </a:solidFill>
+        </p:spPr>
+        <p:style>
+          <a:lnRef idx="2">
+            <a:schemeClr val="accent1">
+              <a:shade val="50000"/>
+            </a:schemeClr>
+          </a:lnRef>
+          <a:fillRef idx="1">
+            <a:schemeClr val="accent1"/>
+          </a:fillRef>
+          <a:effectRef idx="0">
+            <a:schemeClr val="accent1"/>
+          </a:effectRef>
+          <a:fontRef idx="minor">
+            <a:schemeClr val="lt1"/>
+          </a:fontRef>
+        </p:style>
+        <p:txBody>
+          <a:bodyPr rtlCol="0" anchor="ctr"/>
+          <a:lstStyle/>
+          <a:p>
+            <a:pPr algn="ctr"/>
+            <a:endParaRPr lang="ko-KR" altLang="en-US"/>
+          </a:p>
+        </p:txBody>
+      </p:sp>
+      <p:sp>
+        <p:nvSpPr>
+          <p:cNvPr id="51" name="타원 50"/>
+          <p:cNvSpPr/>
+          <p:nvPr/>
+        </p:nvSpPr>
+        <p:spPr>
+          <a:xfrm>
+            <a:off x="1414895" y="2722423"/>
+            <a:ext cx="367028" cy="384174"/>
+          </a:xfrm>
+          <a:prstGeom prst="ellipse">
+            <a:avLst/>
+          </a:prstGeom>
+          <a:solidFill>
+            <a:schemeClr val="accent3">
+              <a:lumMod val="60000"/>
+              <a:lumOff val="40000"/>
+            </a:schemeClr>
+          </a:solidFill>
+        </p:spPr>
+        <p:style>
+          <a:lnRef idx="2">
+            <a:schemeClr val="accent1">
+              <a:shade val="50000"/>
+            </a:schemeClr>
+          </a:lnRef>
+          <a:fillRef idx="1">
+            <a:schemeClr val="accent1"/>
+          </a:fillRef>
+          <a:effectRef idx="0">
+            <a:schemeClr val="accent1"/>
+          </a:effectRef>
+          <a:fontRef idx="minor">
+            <a:schemeClr val="lt1"/>
+          </a:fontRef>
+        </p:style>
+        <p:txBody>
+          <a:bodyPr rtlCol="0" anchor="ctr"/>
+          <a:lstStyle/>
+          <a:p>
+            <a:pPr algn="ctr"/>
+            <a:endParaRPr lang="ko-KR" altLang="en-US"/>
+          </a:p>
+        </p:txBody>
+      </p:sp>
+      <p:sp>
+        <p:nvSpPr>
+          <p:cNvPr id="54" name="타원 53"/>
+          <p:cNvSpPr/>
+          <p:nvPr/>
+        </p:nvSpPr>
+        <p:spPr>
+          <a:xfrm>
+            <a:off x="5414760" y="2664034"/>
+            <a:ext cx="367028" cy="384174"/>
+          </a:xfrm>
+          <a:prstGeom prst="ellipse">
+            <a:avLst/>
+          </a:prstGeom>
+          <a:solidFill>
+            <a:schemeClr val="accent3">
+              <a:lumMod val="60000"/>
+              <a:lumOff val="40000"/>
+            </a:schemeClr>
+          </a:solidFill>
+        </p:spPr>
+        <p:style>
+          <a:lnRef idx="2">
+            <a:schemeClr val="accent1">
+              <a:shade val="50000"/>
+            </a:schemeClr>
+          </a:lnRef>
+          <a:fillRef idx="1">
+            <a:schemeClr val="accent1"/>
+          </a:fillRef>
+          <a:effectRef idx="0">
+            <a:schemeClr val="accent1"/>
+          </a:effectRef>
+          <a:fontRef idx="minor">
+            <a:schemeClr val="lt1"/>
+          </a:fontRef>
+        </p:style>
+        <p:txBody>
+          <a:bodyPr rtlCol="0" anchor="ctr"/>
+          <a:lstStyle/>
+          <a:p>
+            <a:pPr algn="ctr"/>
+            <a:endParaRPr lang="ko-KR" altLang="en-US"/>
+          </a:p>
+        </p:txBody>
+      </p:sp>
+      <p:sp>
+        <p:nvSpPr>
+          <p:cNvPr id="55" name="타원 54"/>
+          <p:cNvSpPr/>
+          <p:nvPr/>
+        </p:nvSpPr>
+        <p:spPr>
+          <a:xfrm>
+            <a:off x="3438935" y="2177189"/>
+            <a:ext cx="367028" cy="384174"/>
+          </a:xfrm>
+          <a:prstGeom prst="ellipse">
+            <a:avLst/>
+          </a:prstGeom>
+          <a:solidFill>
+            <a:schemeClr val="accent3">
+              <a:lumMod val="60000"/>
+              <a:lumOff val="40000"/>
+            </a:schemeClr>
+          </a:solidFill>
+        </p:spPr>
+        <p:style>
+          <a:lnRef idx="2">
+            <a:schemeClr val="accent1">
+              <a:shade val="50000"/>
+            </a:schemeClr>
+          </a:lnRef>
+          <a:fillRef idx="1">
+            <a:schemeClr val="accent1"/>
+          </a:fillRef>
+          <a:effectRef idx="0">
+            <a:schemeClr val="accent1"/>
+          </a:effectRef>
+          <a:fontRef idx="minor">
+            <a:schemeClr val="lt1"/>
+          </a:fontRef>
+        </p:style>
+        <p:txBody>
+          <a:bodyPr rtlCol="0" anchor="ctr"/>
+          <a:lstStyle/>
+          <a:p>
+            <a:pPr algn="ctr"/>
+            <a:endParaRPr lang="ko-KR" altLang="en-US"/>
+          </a:p>
+        </p:txBody>
+      </p:sp>
+      <p:sp>
+        <p:nvSpPr>
+          <p:cNvPr id="56" name="타원 55"/>
+          <p:cNvSpPr/>
+          <p:nvPr/>
+        </p:nvSpPr>
+        <p:spPr>
+          <a:xfrm>
+            <a:off x="2651552" y="1683261"/>
+            <a:ext cx="367028" cy="384174"/>
+          </a:xfrm>
+          <a:prstGeom prst="ellipse">
+            <a:avLst/>
+          </a:prstGeom>
+          <a:solidFill>
+            <a:schemeClr val="accent3">
+              <a:lumMod val="60000"/>
+              <a:lumOff val="40000"/>
+            </a:schemeClr>
+          </a:solidFill>
+        </p:spPr>
+        <p:style>
+          <a:lnRef idx="2">
+            <a:schemeClr val="accent1">
+              <a:shade val="50000"/>
+            </a:schemeClr>
+          </a:lnRef>
+          <a:fillRef idx="1">
+            <a:schemeClr val="accent1"/>
+          </a:fillRef>
+          <a:effectRef idx="0">
+            <a:schemeClr val="accent1"/>
+          </a:effectRef>
+          <a:fontRef idx="minor">
+            <a:schemeClr val="lt1"/>
+          </a:fontRef>
+        </p:style>
+        <p:txBody>
+          <a:bodyPr rtlCol="0" anchor="ctr"/>
+          <a:lstStyle/>
+          <a:p>
+            <a:pPr algn="ctr"/>
+            <a:endParaRPr lang="ko-KR" altLang="en-US"/>
+          </a:p>
+        </p:txBody>
+      </p:sp>
+      <p:sp>
+        <p:nvSpPr>
+          <p:cNvPr id="10" name="타원 9"/>
+          <p:cNvSpPr/>
+          <p:nvPr/>
+        </p:nvSpPr>
+        <p:spPr>
+          <a:xfrm>
+            <a:off x="4316530" y="2656613"/>
+            <a:ext cx="367028" cy="384174"/>
+          </a:xfrm>
+          <a:prstGeom prst="ellipse">
+            <a:avLst/>
+          </a:prstGeom>
+          <a:solidFill>
+            <a:schemeClr val="accent3">
+              <a:lumMod val="60000"/>
+              <a:lumOff val="40000"/>
+            </a:schemeClr>
+          </a:solidFill>
+        </p:spPr>
+        <p:style>
+          <a:lnRef idx="2">
+            <a:schemeClr val="accent1">
+              <a:shade val="50000"/>
+            </a:schemeClr>
+          </a:lnRef>
+          <a:fillRef idx="1">
+            <a:schemeClr val="accent1"/>
+          </a:fillRef>
+          <a:effectRef idx="0">
+            <a:schemeClr val="accent1"/>
+          </a:effectRef>
+          <a:fontRef idx="minor">
+            <a:schemeClr val="lt1"/>
+          </a:fontRef>
+        </p:style>
+        <p:txBody>
+          <a:bodyPr rtlCol="0" anchor="ctr"/>
+          <a:lstStyle/>
+          <a:p>
+            <a:pPr algn="ctr"/>
+            <a:endParaRPr lang="ko-KR" altLang="en-US"/>
+          </a:p>
+        </p:txBody>
+      </p:sp>
+      <p:sp>
+        <p:nvSpPr>
+          <p:cNvPr id="81" name="TextBox 80"/>
+          <p:cNvSpPr txBox="1"/>
+          <p:nvPr/>
+        </p:nvSpPr>
+        <p:spPr>
+          <a:xfrm>
+            <a:off x="2066172" y="919703"/>
+            <a:ext cx="311304" cy="369332"/>
           </a:xfrm>
           <a:prstGeom prst="rect">
             <a:avLst/>
           </a:prstGeom>
-        </p:spPr>
-      </p:pic>
+          <a:noFill/>
+        </p:spPr>
+        <p:txBody>
+          <a:bodyPr wrap="none" rtlCol="0">
+            <a:spAutoFit/>
+          </a:bodyPr>
+          <a:lstStyle/>
+          <a:p>
+            <a:r>
+              <a:rPr lang="en-US" altLang="ko-KR" dirty="0" smtClean="0">
+                <a:solidFill>
+                  <a:srgbClr val="FF0000"/>
+                </a:solidFill>
+              </a:rPr>
+              <a:t>0</a:t>
+            </a:r>
+            <a:endParaRPr lang="ko-KR" altLang="en-US" dirty="0">
+              <a:solidFill>
+                <a:srgbClr val="FF0000"/>
+              </a:solidFill>
+            </a:endParaRPr>
+          </a:p>
+        </p:txBody>
+      </p:sp>
+      <p:sp>
+        <p:nvSpPr>
+          <p:cNvPr id="83" name="TextBox 82"/>
+          <p:cNvSpPr txBox="1"/>
+          <p:nvPr/>
+        </p:nvSpPr>
+        <p:spPr>
+          <a:xfrm>
+            <a:off x="1467043" y="1698103"/>
+            <a:ext cx="311304" cy="369332"/>
+          </a:xfrm>
+          <a:prstGeom prst="rect">
+            <a:avLst/>
+          </a:prstGeom>
+          <a:noFill/>
+        </p:spPr>
+        <p:txBody>
+          <a:bodyPr wrap="none" rtlCol="0">
+            <a:spAutoFit/>
+          </a:bodyPr>
+          <a:lstStyle/>
+          <a:p>
+            <a:r>
+              <a:rPr lang="en-US" altLang="ko-KR" dirty="0" smtClean="0">
+                <a:solidFill>
+                  <a:srgbClr val="FF0000"/>
+                </a:solidFill>
+              </a:rPr>
+              <a:t>1</a:t>
+            </a:r>
+            <a:endParaRPr lang="ko-KR" altLang="en-US" dirty="0">
+              <a:solidFill>
+                <a:srgbClr val="FF0000"/>
+              </a:solidFill>
+            </a:endParaRPr>
+          </a:p>
+        </p:txBody>
+      </p:sp>
+      <p:sp>
+        <p:nvSpPr>
+          <p:cNvPr id="84" name="TextBox 83"/>
+          <p:cNvSpPr txBox="1"/>
+          <p:nvPr/>
+        </p:nvSpPr>
+        <p:spPr>
+          <a:xfrm>
+            <a:off x="2675043" y="1690682"/>
+            <a:ext cx="311304" cy="369332"/>
+          </a:xfrm>
+          <a:prstGeom prst="rect">
+            <a:avLst/>
+          </a:prstGeom>
+          <a:noFill/>
+        </p:spPr>
+        <p:txBody>
+          <a:bodyPr wrap="none" rtlCol="0">
+            <a:spAutoFit/>
+          </a:bodyPr>
+          <a:lstStyle/>
+          <a:p>
+            <a:r>
+              <a:rPr lang="en-US" altLang="ko-KR" dirty="0">
+                <a:solidFill>
+                  <a:srgbClr val="FF0000"/>
+                </a:solidFill>
+              </a:rPr>
+              <a:t>3</a:t>
+            </a:r>
+            <a:endParaRPr lang="ko-KR" altLang="en-US" dirty="0">
+              <a:solidFill>
+                <a:srgbClr val="FF0000"/>
+              </a:solidFill>
+            </a:endParaRPr>
+          </a:p>
+        </p:txBody>
+      </p:sp>
+      <p:sp>
+        <p:nvSpPr>
+          <p:cNvPr id="85" name="TextBox 84"/>
+          <p:cNvSpPr txBox="1"/>
+          <p:nvPr/>
+        </p:nvSpPr>
+        <p:spPr>
+          <a:xfrm>
+            <a:off x="2675043" y="2743541"/>
+            <a:ext cx="311304" cy="369332"/>
+          </a:xfrm>
+          <a:prstGeom prst="rect">
+            <a:avLst/>
+          </a:prstGeom>
+          <a:noFill/>
+        </p:spPr>
+        <p:txBody>
+          <a:bodyPr wrap="none" rtlCol="0">
+            <a:spAutoFit/>
+          </a:bodyPr>
+          <a:lstStyle/>
+          <a:p>
+            <a:r>
+              <a:rPr lang="en-US" altLang="ko-KR" dirty="0" smtClean="0">
+                <a:solidFill>
+                  <a:srgbClr val="FF0000"/>
+                </a:solidFill>
+              </a:rPr>
+              <a:t>4</a:t>
+            </a:r>
+            <a:endParaRPr lang="ko-KR" altLang="en-US" dirty="0">
+              <a:solidFill>
+                <a:srgbClr val="FF0000"/>
+              </a:solidFill>
+            </a:endParaRPr>
+          </a:p>
+        </p:txBody>
+      </p:sp>
+      <p:sp>
+        <p:nvSpPr>
+          <p:cNvPr id="86" name="TextBox 85"/>
+          <p:cNvSpPr txBox="1"/>
+          <p:nvPr/>
+        </p:nvSpPr>
+        <p:spPr>
+          <a:xfrm>
+            <a:off x="3478088" y="2192031"/>
+            <a:ext cx="311304" cy="369332"/>
+          </a:xfrm>
+          <a:prstGeom prst="rect">
+            <a:avLst/>
+          </a:prstGeom>
+          <a:noFill/>
+        </p:spPr>
+        <p:txBody>
+          <a:bodyPr wrap="none" rtlCol="0">
+            <a:spAutoFit/>
+          </a:bodyPr>
+          <a:lstStyle/>
+          <a:p>
+            <a:r>
+              <a:rPr lang="en-US" altLang="ko-KR" dirty="0" smtClean="0">
+                <a:solidFill>
+                  <a:srgbClr val="FF0000"/>
+                </a:solidFill>
+              </a:rPr>
+              <a:t>5</a:t>
+            </a:r>
+            <a:endParaRPr lang="ko-KR" altLang="en-US" dirty="0">
+              <a:solidFill>
+                <a:srgbClr val="FF0000"/>
+              </a:solidFill>
+            </a:endParaRPr>
+          </a:p>
+        </p:txBody>
+      </p:sp>
+      <p:sp>
+        <p:nvSpPr>
+          <p:cNvPr id="87" name="TextBox 86"/>
+          <p:cNvSpPr txBox="1"/>
+          <p:nvPr/>
+        </p:nvSpPr>
+        <p:spPr>
+          <a:xfrm>
+            <a:off x="4344392" y="2656613"/>
+            <a:ext cx="311304" cy="369332"/>
+          </a:xfrm>
+          <a:prstGeom prst="rect">
+            <a:avLst/>
+          </a:prstGeom>
+          <a:noFill/>
+        </p:spPr>
+        <p:txBody>
+          <a:bodyPr wrap="none" rtlCol="0">
+            <a:spAutoFit/>
+          </a:bodyPr>
+          <a:lstStyle/>
+          <a:p>
+            <a:r>
+              <a:rPr lang="en-US" altLang="ko-KR" dirty="0" smtClean="0">
+                <a:solidFill>
+                  <a:srgbClr val="FF0000"/>
+                </a:solidFill>
+              </a:rPr>
+              <a:t>6</a:t>
+            </a:r>
+            <a:endParaRPr lang="ko-KR" altLang="en-US" dirty="0">
+              <a:solidFill>
+                <a:srgbClr val="FF0000"/>
+              </a:solidFill>
+            </a:endParaRPr>
+          </a:p>
+        </p:txBody>
+      </p:sp>
+      <p:sp>
+        <p:nvSpPr>
+          <p:cNvPr id="88" name="TextBox 87"/>
+          <p:cNvSpPr txBox="1"/>
+          <p:nvPr/>
+        </p:nvSpPr>
+        <p:spPr>
+          <a:xfrm>
+            <a:off x="4344392" y="1671020"/>
+            <a:ext cx="311304" cy="369332"/>
+          </a:xfrm>
+          <a:prstGeom prst="rect">
+            <a:avLst/>
+          </a:prstGeom>
+          <a:noFill/>
+        </p:spPr>
+        <p:txBody>
+          <a:bodyPr wrap="none" rtlCol="0">
+            <a:spAutoFit/>
+          </a:bodyPr>
+          <a:lstStyle/>
+          <a:p>
+            <a:r>
+              <a:rPr lang="en-US" altLang="ko-KR" dirty="0" smtClean="0">
+                <a:solidFill>
+                  <a:srgbClr val="FF0000"/>
+                </a:solidFill>
+              </a:rPr>
+              <a:t>7</a:t>
+            </a:r>
+            <a:endParaRPr lang="ko-KR" altLang="en-US" dirty="0">
+              <a:solidFill>
+                <a:srgbClr val="FF0000"/>
+              </a:solidFill>
+            </a:endParaRPr>
+          </a:p>
+        </p:txBody>
+      </p:sp>
+      <p:sp>
+        <p:nvSpPr>
+          <p:cNvPr id="90" name="TextBox 89"/>
+          <p:cNvSpPr txBox="1"/>
+          <p:nvPr/>
+        </p:nvSpPr>
+        <p:spPr>
+          <a:xfrm>
+            <a:off x="5442622" y="2661292"/>
+            <a:ext cx="311304" cy="369332"/>
+          </a:xfrm>
+          <a:prstGeom prst="rect">
+            <a:avLst/>
+          </a:prstGeom>
+          <a:noFill/>
+        </p:spPr>
+        <p:txBody>
+          <a:bodyPr wrap="none" rtlCol="0">
+            <a:spAutoFit/>
+          </a:bodyPr>
+          <a:lstStyle/>
+          <a:p>
+            <a:r>
+              <a:rPr lang="en-US" altLang="ko-KR" dirty="0">
+                <a:solidFill>
+                  <a:srgbClr val="FF0000"/>
+                </a:solidFill>
+              </a:rPr>
+              <a:t>8</a:t>
+            </a:r>
+            <a:endParaRPr lang="ko-KR" altLang="en-US" dirty="0">
+              <a:solidFill>
+                <a:srgbClr val="FF0000"/>
+              </a:solidFill>
+            </a:endParaRPr>
+          </a:p>
+        </p:txBody>
+      </p:sp>
+      <p:sp>
+        <p:nvSpPr>
+          <p:cNvPr id="91" name="TextBox 90"/>
+          <p:cNvSpPr txBox="1"/>
+          <p:nvPr/>
+        </p:nvSpPr>
+        <p:spPr>
+          <a:xfrm>
+            <a:off x="1467043" y="2719867"/>
+            <a:ext cx="311304" cy="369332"/>
+          </a:xfrm>
+          <a:prstGeom prst="rect">
+            <a:avLst/>
+          </a:prstGeom>
+          <a:noFill/>
+        </p:spPr>
+        <p:txBody>
+          <a:bodyPr wrap="none" rtlCol="0">
+            <a:spAutoFit/>
+          </a:bodyPr>
+          <a:lstStyle/>
+          <a:p>
+            <a:r>
+              <a:rPr lang="en-US" altLang="ko-KR" dirty="0" smtClean="0">
+                <a:solidFill>
+                  <a:srgbClr val="FF0000"/>
+                </a:solidFill>
+              </a:rPr>
+              <a:t>2</a:t>
+            </a:r>
+            <a:endParaRPr lang="ko-KR" altLang="en-US" dirty="0">
+              <a:solidFill>
+                <a:srgbClr val="FF0000"/>
+              </a:solidFill>
+            </a:endParaRPr>
+          </a:p>
+        </p:txBody>
+      </p:sp>
       <p:cxnSp>
         <p:nvCxnSpPr>
-          <p:cNvPr id="4" name="직선 연결선 3"/>
-          <p:cNvCxnSpPr/>
+          <p:cNvPr id="23" name="직선 연결선 22"/>
+          <p:cNvCxnSpPr>
+            <a:stCxn id="3" idx="3"/>
+            <a:endCxn id="83" idx="0"/>
+          </p:cNvCxnSpPr>
           <p:nvPr/>
         </p:nvCxnSpPr>
         <p:spPr>
-          <a:xfrm>
-            <a:off x="5227455" y="2702740"/>
-            <a:ext cx="3390563" cy="0"/>
+          <a:xfrm flipH="1">
+            <a:off x="1622695" y="1240984"/>
+            <a:ext cx="466458" cy="457119"/>
           </a:xfrm>
           <a:prstGeom prst="line">
             <a:avLst/>
           </a:prstGeom>
-          <a:ln w="19050">
-            <a:solidFill>
-              <a:srgbClr val="FF0000"/>
-            </a:solidFill>
-          </a:ln>
         </p:spPr>
         <p:style>
           <a:lnRef idx="1">
@@ -6871,10 +9832,1197 @@
           </a:fontRef>
         </p:style>
       </p:cxnSp>
+      <p:cxnSp>
+        <p:nvCxnSpPr>
+          <p:cNvPr id="73" name="직선 연결선 72"/>
+          <p:cNvCxnSpPr>
+            <a:stCxn id="48" idx="4"/>
+            <a:endCxn id="91" idx="0"/>
+          </p:cNvCxnSpPr>
+          <p:nvPr/>
+        </p:nvCxnSpPr>
+        <p:spPr>
+          <a:xfrm>
+            <a:off x="1622695" y="2064879"/>
+            <a:ext cx="0" cy="654988"/>
+          </a:xfrm>
+          <a:prstGeom prst="line">
+            <a:avLst/>
+          </a:prstGeom>
+        </p:spPr>
+        <p:style>
+          <a:lnRef idx="1">
+            <a:schemeClr val="accent1"/>
+          </a:lnRef>
+          <a:fillRef idx="0">
+            <a:schemeClr val="accent1"/>
+          </a:fillRef>
+          <a:effectRef idx="0">
+            <a:schemeClr val="accent1"/>
+          </a:effectRef>
+          <a:fontRef idx="minor">
+            <a:schemeClr val="tx1"/>
+          </a:fontRef>
+        </p:style>
+      </p:cxnSp>
+      <p:cxnSp>
+        <p:nvCxnSpPr>
+          <p:cNvPr id="77" name="직선 연결선 76"/>
+          <p:cNvCxnSpPr>
+            <a:stCxn id="56" idx="4"/>
+            <a:endCxn id="50" idx="0"/>
+          </p:cNvCxnSpPr>
+          <p:nvPr/>
+        </p:nvCxnSpPr>
+        <p:spPr>
+          <a:xfrm flipH="1">
+            <a:off x="2834592" y="2067435"/>
+            <a:ext cx="474" cy="668685"/>
+          </a:xfrm>
+          <a:prstGeom prst="line">
+            <a:avLst/>
+          </a:prstGeom>
+        </p:spPr>
+        <p:style>
+          <a:lnRef idx="1">
+            <a:schemeClr val="accent1"/>
+          </a:lnRef>
+          <a:fillRef idx="0">
+            <a:schemeClr val="accent1"/>
+          </a:fillRef>
+          <a:effectRef idx="0">
+            <a:schemeClr val="accent1"/>
+          </a:effectRef>
+          <a:fontRef idx="minor">
+            <a:schemeClr val="tx1"/>
+          </a:fontRef>
+        </p:style>
+      </p:cxnSp>
+      <p:cxnSp>
+        <p:nvCxnSpPr>
+          <p:cNvPr id="82" name="직선 연결선 81"/>
+          <p:cNvCxnSpPr>
+            <a:stCxn id="56" idx="2"/>
+            <a:endCxn id="48" idx="6"/>
+          </p:cNvCxnSpPr>
+          <p:nvPr/>
+        </p:nvCxnSpPr>
+        <p:spPr>
+          <a:xfrm flipH="1" flipV="1">
+            <a:off x="1806209" y="1872792"/>
+            <a:ext cx="845343" cy="2556"/>
+          </a:xfrm>
+          <a:prstGeom prst="line">
+            <a:avLst/>
+          </a:prstGeom>
+        </p:spPr>
+        <p:style>
+          <a:lnRef idx="1">
+            <a:schemeClr val="accent1"/>
+          </a:lnRef>
+          <a:fillRef idx="0">
+            <a:schemeClr val="accent1"/>
+          </a:fillRef>
+          <a:effectRef idx="0">
+            <a:schemeClr val="accent1"/>
+          </a:effectRef>
+          <a:fontRef idx="minor">
+            <a:schemeClr val="tx1"/>
+          </a:fontRef>
+        </p:style>
+      </p:cxnSp>
+      <p:cxnSp>
+        <p:nvCxnSpPr>
+          <p:cNvPr id="89" name="직선 연결선 88"/>
+          <p:cNvCxnSpPr>
+            <a:stCxn id="50" idx="2"/>
+            <a:endCxn id="51" idx="6"/>
+          </p:cNvCxnSpPr>
+          <p:nvPr/>
+        </p:nvCxnSpPr>
+        <p:spPr>
+          <a:xfrm flipH="1" flipV="1">
+            <a:off x="1781923" y="2914510"/>
+            <a:ext cx="869155" cy="13697"/>
+          </a:xfrm>
+          <a:prstGeom prst="line">
+            <a:avLst/>
+          </a:prstGeom>
+        </p:spPr>
+        <p:style>
+          <a:lnRef idx="1">
+            <a:schemeClr val="accent1"/>
+          </a:lnRef>
+          <a:fillRef idx="0">
+            <a:schemeClr val="accent1"/>
+          </a:fillRef>
+          <a:effectRef idx="0">
+            <a:schemeClr val="accent1"/>
+          </a:effectRef>
+          <a:fontRef idx="minor">
+            <a:schemeClr val="tx1"/>
+          </a:fontRef>
+        </p:style>
+      </p:cxnSp>
+      <p:cxnSp>
+        <p:nvCxnSpPr>
+          <p:cNvPr id="119" name="직선 연결선 118"/>
+          <p:cNvCxnSpPr>
+            <a:stCxn id="50" idx="1"/>
+            <a:endCxn id="48" idx="5"/>
+          </p:cNvCxnSpPr>
+          <p:nvPr/>
+        </p:nvCxnSpPr>
+        <p:spPr>
+          <a:xfrm flipH="1" flipV="1">
+            <a:off x="1752459" y="2008618"/>
+            <a:ext cx="952369" cy="783763"/>
+          </a:xfrm>
+          <a:prstGeom prst="line">
+            <a:avLst/>
+          </a:prstGeom>
+        </p:spPr>
+        <p:style>
+          <a:lnRef idx="1">
+            <a:schemeClr val="accent1"/>
+          </a:lnRef>
+          <a:fillRef idx="0">
+            <a:schemeClr val="accent1"/>
+          </a:fillRef>
+          <a:effectRef idx="0">
+            <a:schemeClr val="accent1"/>
+          </a:effectRef>
+          <a:fontRef idx="minor">
+            <a:schemeClr val="tx1"/>
+          </a:fontRef>
+        </p:style>
+      </p:cxnSp>
+      <p:cxnSp>
+        <p:nvCxnSpPr>
+          <p:cNvPr id="43" name="직선 연결선 42"/>
+          <p:cNvCxnSpPr>
+            <a:stCxn id="55" idx="2"/>
+            <a:endCxn id="56" idx="5"/>
+          </p:cNvCxnSpPr>
+          <p:nvPr/>
+        </p:nvCxnSpPr>
+        <p:spPr>
+          <a:xfrm flipH="1" flipV="1">
+            <a:off x="2964830" y="2011174"/>
+            <a:ext cx="474105" cy="358102"/>
+          </a:xfrm>
+          <a:prstGeom prst="line">
+            <a:avLst/>
+          </a:prstGeom>
+        </p:spPr>
+        <p:style>
+          <a:lnRef idx="1">
+            <a:schemeClr val="accent1"/>
+          </a:lnRef>
+          <a:fillRef idx="0">
+            <a:schemeClr val="accent1"/>
+          </a:fillRef>
+          <a:effectRef idx="0">
+            <a:schemeClr val="accent1"/>
+          </a:effectRef>
+          <a:fontRef idx="minor">
+            <a:schemeClr val="tx1"/>
+          </a:fontRef>
+        </p:style>
+      </p:cxnSp>
+      <p:cxnSp>
+        <p:nvCxnSpPr>
+          <p:cNvPr id="121" name="직선 연결선 120"/>
+          <p:cNvCxnSpPr>
+            <a:stCxn id="49" idx="3"/>
+          </p:cNvCxnSpPr>
+          <p:nvPr/>
+        </p:nvCxnSpPr>
+        <p:spPr>
+          <a:xfrm flipH="1">
+            <a:off x="3779088" y="1998933"/>
+            <a:ext cx="591192" cy="245242"/>
+          </a:xfrm>
+          <a:prstGeom prst="line">
+            <a:avLst/>
+          </a:prstGeom>
+        </p:spPr>
+        <p:style>
+          <a:lnRef idx="1">
+            <a:schemeClr val="accent1"/>
+          </a:lnRef>
+          <a:fillRef idx="0">
+            <a:schemeClr val="accent1"/>
+          </a:fillRef>
+          <a:effectRef idx="0">
+            <a:schemeClr val="accent1"/>
+          </a:effectRef>
+          <a:fontRef idx="minor">
+            <a:schemeClr val="tx1"/>
+          </a:fontRef>
+        </p:style>
+      </p:cxnSp>
+      <p:cxnSp>
+        <p:nvCxnSpPr>
+          <p:cNvPr id="122" name="직선 연결선 121"/>
+          <p:cNvCxnSpPr>
+            <a:stCxn id="10" idx="2"/>
+            <a:endCxn id="55" idx="5"/>
+          </p:cNvCxnSpPr>
+          <p:nvPr/>
+        </p:nvCxnSpPr>
+        <p:spPr>
+          <a:xfrm flipH="1" flipV="1">
+            <a:off x="3752213" y="2505102"/>
+            <a:ext cx="564317" cy="343598"/>
+          </a:xfrm>
+          <a:prstGeom prst="line">
+            <a:avLst/>
+          </a:prstGeom>
+        </p:spPr>
+        <p:style>
+          <a:lnRef idx="1">
+            <a:schemeClr val="accent1"/>
+          </a:lnRef>
+          <a:fillRef idx="0">
+            <a:schemeClr val="accent1"/>
+          </a:fillRef>
+          <a:effectRef idx="0">
+            <a:schemeClr val="accent1"/>
+          </a:effectRef>
+          <a:fontRef idx="minor">
+            <a:schemeClr val="tx1"/>
+          </a:fontRef>
+        </p:style>
+      </p:cxnSp>
+      <p:cxnSp>
+        <p:nvCxnSpPr>
+          <p:cNvPr id="123" name="직선 연결선 122"/>
+          <p:cNvCxnSpPr>
+            <a:stCxn id="54" idx="2"/>
+            <a:endCxn id="10" idx="6"/>
+          </p:cNvCxnSpPr>
+          <p:nvPr/>
+        </p:nvCxnSpPr>
+        <p:spPr>
+          <a:xfrm flipH="1" flipV="1">
+            <a:off x="4683558" y="2848700"/>
+            <a:ext cx="731202" cy="7421"/>
+          </a:xfrm>
+          <a:prstGeom prst="line">
+            <a:avLst/>
+          </a:prstGeom>
+        </p:spPr>
+        <p:style>
+          <a:lnRef idx="1">
+            <a:schemeClr val="accent1"/>
+          </a:lnRef>
+          <a:fillRef idx="0">
+            <a:schemeClr val="accent1"/>
+          </a:fillRef>
+          <a:effectRef idx="0">
+            <a:schemeClr val="accent1"/>
+          </a:effectRef>
+          <a:fontRef idx="minor">
+            <a:schemeClr val="tx1"/>
+          </a:fontRef>
+        </p:style>
+      </p:cxnSp>
+      <p:cxnSp>
+        <p:nvCxnSpPr>
+          <p:cNvPr id="65" name="직선 연결선 64"/>
+          <p:cNvCxnSpPr/>
+          <p:nvPr/>
+        </p:nvCxnSpPr>
+        <p:spPr>
+          <a:xfrm>
+            <a:off x="6557154" y="1463848"/>
+            <a:ext cx="29470" cy="1810856"/>
+          </a:xfrm>
+          <a:prstGeom prst="line">
+            <a:avLst/>
+          </a:prstGeom>
+          <a:ln w="38100">
+            <a:solidFill>
+              <a:schemeClr val="tx1"/>
+            </a:solidFill>
+          </a:ln>
+        </p:spPr>
+        <p:style>
+          <a:lnRef idx="1">
+            <a:schemeClr val="accent1"/>
+          </a:lnRef>
+          <a:fillRef idx="0">
+            <a:schemeClr val="accent1"/>
+          </a:fillRef>
+          <a:effectRef idx="0">
+            <a:schemeClr val="accent1"/>
+          </a:effectRef>
+          <a:fontRef idx="minor">
+            <a:schemeClr val="tx1"/>
+          </a:fontRef>
+        </p:style>
+      </p:cxnSp>
+      <p:cxnSp>
+        <p:nvCxnSpPr>
+          <p:cNvPr id="184" name="직선 연결선 183"/>
+          <p:cNvCxnSpPr/>
+          <p:nvPr/>
+        </p:nvCxnSpPr>
+        <p:spPr>
+          <a:xfrm>
+            <a:off x="7337209" y="1602025"/>
+            <a:ext cx="47272" cy="1806154"/>
+          </a:xfrm>
+          <a:prstGeom prst="line">
+            <a:avLst/>
+          </a:prstGeom>
+          <a:ln w="38100">
+            <a:solidFill>
+              <a:schemeClr val="tx1"/>
+            </a:solidFill>
+          </a:ln>
+        </p:spPr>
+        <p:style>
+          <a:lnRef idx="1">
+            <a:schemeClr val="accent1"/>
+          </a:lnRef>
+          <a:fillRef idx="0">
+            <a:schemeClr val="accent1"/>
+          </a:fillRef>
+          <a:effectRef idx="0">
+            <a:schemeClr val="accent1"/>
+          </a:effectRef>
+          <a:fontRef idx="minor">
+            <a:schemeClr val="tx1"/>
+          </a:fontRef>
+        </p:style>
+      </p:cxnSp>
+      <p:sp>
+        <p:nvSpPr>
+          <p:cNvPr id="185" name="타원 184"/>
+          <p:cNvSpPr/>
+          <p:nvPr/>
+        </p:nvSpPr>
+        <p:spPr>
+          <a:xfrm>
+            <a:off x="1715394" y="3658177"/>
+            <a:ext cx="367028" cy="384174"/>
+          </a:xfrm>
+          <a:prstGeom prst="ellipse">
+            <a:avLst/>
+          </a:prstGeom>
+          <a:solidFill>
+            <a:schemeClr val="accent3">
+              <a:lumMod val="60000"/>
+              <a:lumOff val="40000"/>
+            </a:schemeClr>
+          </a:solidFill>
+        </p:spPr>
+        <p:style>
+          <a:lnRef idx="2">
+            <a:schemeClr val="accent1">
+              <a:shade val="50000"/>
+            </a:schemeClr>
+          </a:lnRef>
+          <a:fillRef idx="1">
+            <a:schemeClr val="accent1"/>
+          </a:fillRef>
+          <a:effectRef idx="0">
+            <a:schemeClr val="accent1"/>
+          </a:effectRef>
+          <a:fontRef idx="minor">
+            <a:schemeClr val="lt1"/>
+          </a:fontRef>
+        </p:style>
+        <p:txBody>
+          <a:bodyPr rtlCol="0" anchor="ctr"/>
+          <a:lstStyle/>
+          <a:p>
+            <a:pPr algn="ctr"/>
+            <a:endParaRPr lang="ko-KR" altLang="en-US" dirty="0"/>
+          </a:p>
+        </p:txBody>
+      </p:sp>
+      <p:sp>
+        <p:nvSpPr>
+          <p:cNvPr id="186" name="TextBox 185"/>
+          <p:cNvSpPr txBox="1"/>
+          <p:nvPr/>
+        </p:nvSpPr>
+        <p:spPr>
+          <a:xfrm>
+            <a:off x="1746163" y="3664809"/>
+            <a:ext cx="311304" cy="369332"/>
+          </a:xfrm>
+          <a:prstGeom prst="rect">
+            <a:avLst/>
+          </a:prstGeom>
+          <a:noFill/>
+        </p:spPr>
+        <p:txBody>
+          <a:bodyPr wrap="none" rtlCol="0">
+            <a:spAutoFit/>
+          </a:bodyPr>
+          <a:lstStyle/>
+          <a:p>
+            <a:r>
+              <a:rPr lang="en-US" altLang="ko-KR" dirty="0" smtClean="0">
+                <a:solidFill>
+                  <a:srgbClr val="FF0000"/>
+                </a:solidFill>
+              </a:rPr>
+              <a:t>0</a:t>
+            </a:r>
+            <a:endParaRPr lang="ko-KR" altLang="en-US" dirty="0">
+              <a:solidFill>
+                <a:srgbClr val="FF0000"/>
+              </a:solidFill>
+            </a:endParaRPr>
+          </a:p>
+        </p:txBody>
+      </p:sp>
+      <p:sp>
+        <p:nvSpPr>
+          <p:cNvPr id="188" name="타원 187"/>
+          <p:cNvSpPr/>
+          <p:nvPr/>
+        </p:nvSpPr>
+        <p:spPr>
+          <a:xfrm>
+            <a:off x="2159448" y="3661938"/>
+            <a:ext cx="367028" cy="384174"/>
+          </a:xfrm>
+          <a:prstGeom prst="ellipse">
+            <a:avLst/>
+          </a:prstGeom>
+          <a:solidFill>
+            <a:schemeClr val="accent3">
+              <a:lumMod val="60000"/>
+              <a:lumOff val="40000"/>
+            </a:schemeClr>
+          </a:solidFill>
+        </p:spPr>
+        <p:style>
+          <a:lnRef idx="2">
+            <a:schemeClr val="accent1">
+              <a:shade val="50000"/>
+            </a:schemeClr>
+          </a:lnRef>
+          <a:fillRef idx="1">
+            <a:schemeClr val="accent1"/>
+          </a:fillRef>
+          <a:effectRef idx="0">
+            <a:schemeClr val="accent1"/>
+          </a:effectRef>
+          <a:fontRef idx="minor">
+            <a:schemeClr val="lt1"/>
+          </a:fontRef>
+        </p:style>
+        <p:txBody>
+          <a:bodyPr rtlCol="0" anchor="ctr"/>
+          <a:lstStyle/>
+          <a:p>
+            <a:pPr algn="ctr"/>
+            <a:endParaRPr lang="ko-KR" altLang="en-US"/>
+          </a:p>
+        </p:txBody>
+      </p:sp>
+      <p:sp>
+        <p:nvSpPr>
+          <p:cNvPr id="189" name="TextBox 188"/>
+          <p:cNvSpPr txBox="1"/>
+          <p:nvPr/>
+        </p:nvSpPr>
+        <p:spPr>
+          <a:xfrm>
+            <a:off x="2187310" y="3679336"/>
+            <a:ext cx="311304" cy="369332"/>
+          </a:xfrm>
+          <a:prstGeom prst="rect">
+            <a:avLst/>
+          </a:prstGeom>
+          <a:noFill/>
+        </p:spPr>
+        <p:txBody>
+          <a:bodyPr wrap="none" rtlCol="0">
+            <a:spAutoFit/>
+          </a:bodyPr>
+          <a:lstStyle/>
+          <a:p>
+            <a:r>
+              <a:rPr lang="en-US" altLang="ko-KR" dirty="0" smtClean="0">
+                <a:solidFill>
+                  <a:srgbClr val="FF0000"/>
+                </a:solidFill>
+              </a:rPr>
+              <a:t>1</a:t>
+            </a:r>
+            <a:endParaRPr lang="ko-KR" altLang="en-US" dirty="0">
+              <a:solidFill>
+                <a:srgbClr val="FF0000"/>
+              </a:solidFill>
+            </a:endParaRPr>
+          </a:p>
+        </p:txBody>
+      </p:sp>
+      <p:sp>
+        <p:nvSpPr>
+          <p:cNvPr id="190" name="타원 189"/>
+          <p:cNvSpPr/>
+          <p:nvPr/>
+        </p:nvSpPr>
+        <p:spPr>
+          <a:xfrm>
+            <a:off x="2598930" y="3665686"/>
+            <a:ext cx="367028" cy="384174"/>
+          </a:xfrm>
+          <a:prstGeom prst="ellipse">
+            <a:avLst/>
+          </a:prstGeom>
+          <a:solidFill>
+            <a:schemeClr val="accent3">
+              <a:lumMod val="60000"/>
+              <a:lumOff val="40000"/>
+            </a:schemeClr>
+          </a:solidFill>
+        </p:spPr>
+        <p:style>
+          <a:lnRef idx="2">
+            <a:schemeClr val="accent1">
+              <a:shade val="50000"/>
+            </a:schemeClr>
+          </a:lnRef>
+          <a:fillRef idx="1">
+            <a:schemeClr val="accent1"/>
+          </a:fillRef>
+          <a:effectRef idx="0">
+            <a:schemeClr val="accent1"/>
+          </a:effectRef>
+          <a:fontRef idx="minor">
+            <a:schemeClr val="lt1"/>
+          </a:fontRef>
+        </p:style>
+        <p:txBody>
+          <a:bodyPr rtlCol="0" anchor="ctr"/>
+          <a:lstStyle/>
+          <a:p>
+            <a:pPr algn="ctr"/>
+            <a:endParaRPr lang="ko-KR" altLang="en-US"/>
+          </a:p>
+        </p:txBody>
+      </p:sp>
+      <p:sp>
+        <p:nvSpPr>
+          <p:cNvPr id="191" name="TextBox 190"/>
+          <p:cNvSpPr txBox="1"/>
+          <p:nvPr/>
+        </p:nvSpPr>
+        <p:spPr>
+          <a:xfrm>
+            <a:off x="2651078" y="3663130"/>
+            <a:ext cx="311304" cy="369332"/>
+          </a:xfrm>
+          <a:prstGeom prst="rect">
+            <a:avLst/>
+          </a:prstGeom>
+          <a:noFill/>
+        </p:spPr>
+        <p:txBody>
+          <a:bodyPr wrap="none" rtlCol="0">
+            <a:spAutoFit/>
+          </a:bodyPr>
+          <a:lstStyle/>
+          <a:p>
+            <a:r>
+              <a:rPr lang="en-US" altLang="ko-KR" dirty="0" smtClean="0">
+                <a:solidFill>
+                  <a:srgbClr val="FF0000"/>
+                </a:solidFill>
+              </a:rPr>
+              <a:t>2</a:t>
+            </a:r>
+            <a:endParaRPr lang="ko-KR" altLang="en-US" dirty="0">
+              <a:solidFill>
+                <a:srgbClr val="FF0000"/>
+              </a:solidFill>
+            </a:endParaRPr>
+          </a:p>
+        </p:txBody>
+      </p:sp>
+      <p:sp>
+        <p:nvSpPr>
+          <p:cNvPr id="192" name="타원 191"/>
+          <p:cNvSpPr/>
+          <p:nvPr/>
+        </p:nvSpPr>
+        <p:spPr>
+          <a:xfrm>
+            <a:off x="3114197" y="3672883"/>
+            <a:ext cx="367028" cy="384174"/>
+          </a:xfrm>
+          <a:prstGeom prst="ellipse">
+            <a:avLst/>
+          </a:prstGeom>
+          <a:solidFill>
+            <a:schemeClr val="accent3">
+              <a:lumMod val="60000"/>
+              <a:lumOff val="40000"/>
+            </a:schemeClr>
+          </a:solidFill>
+        </p:spPr>
+        <p:style>
+          <a:lnRef idx="2">
+            <a:schemeClr val="accent1">
+              <a:shade val="50000"/>
+            </a:schemeClr>
+          </a:lnRef>
+          <a:fillRef idx="1">
+            <a:schemeClr val="accent1"/>
+          </a:fillRef>
+          <a:effectRef idx="0">
+            <a:schemeClr val="accent1"/>
+          </a:effectRef>
+          <a:fontRef idx="minor">
+            <a:schemeClr val="lt1"/>
+          </a:fontRef>
+        </p:style>
+        <p:txBody>
+          <a:bodyPr rtlCol="0" anchor="ctr"/>
+          <a:lstStyle/>
+          <a:p>
+            <a:pPr algn="ctr"/>
+            <a:endParaRPr lang="ko-KR" altLang="en-US"/>
+          </a:p>
+        </p:txBody>
+      </p:sp>
+      <p:sp>
+        <p:nvSpPr>
+          <p:cNvPr id="193" name="TextBox 192"/>
+          <p:cNvSpPr txBox="1"/>
+          <p:nvPr/>
+        </p:nvSpPr>
+        <p:spPr>
+          <a:xfrm>
+            <a:off x="3137688" y="3680304"/>
+            <a:ext cx="311304" cy="369332"/>
+          </a:xfrm>
+          <a:prstGeom prst="rect">
+            <a:avLst/>
+          </a:prstGeom>
+          <a:noFill/>
+        </p:spPr>
+        <p:txBody>
+          <a:bodyPr wrap="none" rtlCol="0">
+            <a:spAutoFit/>
+          </a:bodyPr>
+          <a:lstStyle/>
+          <a:p>
+            <a:r>
+              <a:rPr lang="en-US" altLang="ko-KR" dirty="0">
+                <a:solidFill>
+                  <a:srgbClr val="FF0000"/>
+                </a:solidFill>
+              </a:rPr>
+              <a:t>3</a:t>
+            </a:r>
+            <a:endParaRPr lang="ko-KR" altLang="en-US" dirty="0">
+              <a:solidFill>
+                <a:srgbClr val="FF0000"/>
+              </a:solidFill>
+            </a:endParaRPr>
+          </a:p>
+        </p:txBody>
+      </p:sp>
+      <p:cxnSp>
+        <p:nvCxnSpPr>
+          <p:cNvPr id="195" name="직선 연결선 194"/>
+          <p:cNvCxnSpPr/>
+          <p:nvPr/>
+        </p:nvCxnSpPr>
+        <p:spPr>
+          <a:xfrm>
+            <a:off x="5442622" y="1220212"/>
+            <a:ext cx="662903" cy="0"/>
+          </a:xfrm>
+          <a:prstGeom prst="line">
+            <a:avLst/>
+          </a:prstGeom>
+          <a:ln w="57150">
+            <a:solidFill>
+              <a:srgbClr val="FF0000"/>
+            </a:solidFill>
+          </a:ln>
+        </p:spPr>
+        <p:style>
+          <a:lnRef idx="1">
+            <a:schemeClr val="accent1"/>
+          </a:lnRef>
+          <a:fillRef idx="0">
+            <a:schemeClr val="accent1"/>
+          </a:fillRef>
+          <a:effectRef idx="0">
+            <a:schemeClr val="accent1"/>
+          </a:effectRef>
+          <a:fontRef idx="minor">
+            <a:schemeClr val="tx1"/>
+          </a:fontRef>
+        </p:style>
+      </p:cxnSp>
+      <p:sp>
+        <p:nvSpPr>
+          <p:cNvPr id="198" name="타원 197"/>
+          <p:cNvSpPr/>
+          <p:nvPr/>
+        </p:nvSpPr>
+        <p:spPr>
+          <a:xfrm>
+            <a:off x="3607849" y="3679336"/>
+            <a:ext cx="367028" cy="384174"/>
+          </a:xfrm>
+          <a:prstGeom prst="ellipse">
+            <a:avLst/>
+          </a:prstGeom>
+          <a:solidFill>
+            <a:schemeClr val="accent3">
+              <a:lumMod val="60000"/>
+              <a:lumOff val="40000"/>
+            </a:schemeClr>
+          </a:solidFill>
+        </p:spPr>
+        <p:style>
+          <a:lnRef idx="2">
+            <a:schemeClr val="accent1">
+              <a:shade val="50000"/>
+            </a:schemeClr>
+          </a:lnRef>
+          <a:fillRef idx="1">
+            <a:schemeClr val="accent1"/>
+          </a:fillRef>
+          <a:effectRef idx="0">
+            <a:schemeClr val="accent1"/>
+          </a:effectRef>
+          <a:fontRef idx="minor">
+            <a:schemeClr val="lt1"/>
+          </a:fontRef>
+        </p:style>
+        <p:txBody>
+          <a:bodyPr rtlCol="0" anchor="ctr"/>
+          <a:lstStyle/>
+          <a:p>
+            <a:pPr algn="ctr"/>
+            <a:endParaRPr lang="ko-KR" altLang="en-US"/>
+          </a:p>
+        </p:txBody>
+      </p:sp>
+      <p:sp>
+        <p:nvSpPr>
+          <p:cNvPr id="199" name="TextBox 198"/>
+          <p:cNvSpPr txBox="1"/>
+          <p:nvPr/>
+        </p:nvSpPr>
+        <p:spPr>
+          <a:xfrm>
+            <a:off x="3631814" y="3686757"/>
+            <a:ext cx="311304" cy="369332"/>
+          </a:xfrm>
+          <a:prstGeom prst="rect">
+            <a:avLst/>
+          </a:prstGeom>
+          <a:noFill/>
+        </p:spPr>
+        <p:txBody>
+          <a:bodyPr wrap="none" rtlCol="0">
+            <a:spAutoFit/>
+          </a:bodyPr>
+          <a:lstStyle/>
+          <a:p>
+            <a:r>
+              <a:rPr lang="en-US" altLang="ko-KR" dirty="0" smtClean="0">
+                <a:solidFill>
+                  <a:srgbClr val="FF0000"/>
+                </a:solidFill>
+              </a:rPr>
+              <a:t>4</a:t>
+            </a:r>
+            <a:endParaRPr lang="ko-KR" altLang="en-US" dirty="0">
+              <a:solidFill>
+                <a:srgbClr val="FF0000"/>
+              </a:solidFill>
+            </a:endParaRPr>
+          </a:p>
+        </p:txBody>
+      </p:sp>
+      <p:sp>
+        <p:nvSpPr>
+          <p:cNvPr id="200" name="타원 199"/>
+          <p:cNvSpPr/>
+          <p:nvPr/>
+        </p:nvSpPr>
+        <p:spPr>
+          <a:xfrm>
+            <a:off x="4066077" y="3665462"/>
+            <a:ext cx="367028" cy="384174"/>
+          </a:xfrm>
+          <a:prstGeom prst="ellipse">
+            <a:avLst/>
+          </a:prstGeom>
+          <a:solidFill>
+            <a:schemeClr val="accent3">
+              <a:lumMod val="60000"/>
+              <a:lumOff val="40000"/>
+            </a:schemeClr>
+          </a:solidFill>
+        </p:spPr>
+        <p:style>
+          <a:lnRef idx="2">
+            <a:schemeClr val="accent1">
+              <a:shade val="50000"/>
+            </a:schemeClr>
+          </a:lnRef>
+          <a:fillRef idx="1">
+            <a:schemeClr val="accent1"/>
+          </a:fillRef>
+          <a:effectRef idx="0">
+            <a:schemeClr val="accent1"/>
+          </a:effectRef>
+          <a:fontRef idx="minor">
+            <a:schemeClr val="lt1"/>
+          </a:fontRef>
+        </p:style>
+        <p:txBody>
+          <a:bodyPr rtlCol="0" anchor="ctr"/>
+          <a:lstStyle/>
+          <a:p>
+            <a:pPr algn="ctr"/>
+            <a:endParaRPr lang="ko-KR" altLang="en-US"/>
+          </a:p>
+        </p:txBody>
+      </p:sp>
+      <p:sp>
+        <p:nvSpPr>
+          <p:cNvPr id="201" name="TextBox 200"/>
+          <p:cNvSpPr txBox="1"/>
+          <p:nvPr/>
+        </p:nvSpPr>
+        <p:spPr>
+          <a:xfrm>
+            <a:off x="4105230" y="3680304"/>
+            <a:ext cx="311304" cy="369332"/>
+          </a:xfrm>
+          <a:prstGeom prst="rect">
+            <a:avLst/>
+          </a:prstGeom>
+          <a:noFill/>
+        </p:spPr>
+        <p:txBody>
+          <a:bodyPr wrap="none" rtlCol="0">
+            <a:spAutoFit/>
+          </a:bodyPr>
+          <a:lstStyle/>
+          <a:p>
+            <a:r>
+              <a:rPr lang="en-US" altLang="ko-KR" dirty="0" smtClean="0">
+                <a:solidFill>
+                  <a:srgbClr val="FF0000"/>
+                </a:solidFill>
+              </a:rPr>
+              <a:t>5</a:t>
+            </a:r>
+            <a:endParaRPr lang="ko-KR" altLang="en-US" dirty="0">
+              <a:solidFill>
+                <a:srgbClr val="FF0000"/>
+              </a:solidFill>
+            </a:endParaRPr>
+          </a:p>
+        </p:txBody>
+      </p:sp>
+      <p:sp>
+        <p:nvSpPr>
+          <p:cNvPr id="202" name="타원 201"/>
+          <p:cNvSpPr/>
+          <p:nvPr/>
+        </p:nvSpPr>
+        <p:spPr>
+          <a:xfrm>
+            <a:off x="4923611" y="3692515"/>
+            <a:ext cx="367028" cy="384174"/>
+          </a:xfrm>
+          <a:prstGeom prst="ellipse">
+            <a:avLst/>
+          </a:prstGeom>
+          <a:solidFill>
+            <a:schemeClr val="accent3">
+              <a:lumMod val="60000"/>
+              <a:lumOff val="40000"/>
+            </a:schemeClr>
+          </a:solidFill>
+        </p:spPr>
+        <p:style>
+          <a:lnRef idx="2">
+            <a:schemeClr val="accent1">
+              <a:shade val="50000"/>
+            </a:schemeClr>
+          </a:lnRef>
+          <a:fillRef idx="1">
+            <a:schemeClr val="accent1"/>
+          </a:fillRef>
+          <a:effectRef idx="0">
+            <a:schemeClr val="accent1"/>
+          </a:effectRef>
+          <a:fontRef idx="minor">
+            <a:schemeClr val="lt1"/>
+          </a:fontRef>
+        </p:style>
+        <p:txBody>
+          <a:bodyPr rtlCol="0" anchor="ctr"/>
+          <a:lstStyle/>
+          <a:p>
+            <a:pPr algn="ctr"/>
+            <a:endParaRPr lang="ko-KR" altLang="en-US"/>
+          </a:p>
+        </p:txBody>
+      </p:sp>
+      <p:sp>
+        <p:nvSpPr>
+          <p:cNvPr id="203" name="TextBox 202"/>
+          <p:cNvSpPr txBox="1"/>
+          <p:nvPr/>
+        </p:nvSpPr>
+        <p:spPr>
+          <a:xfrm>
+            <a:off x="4951473" y="3692515"/>
+            <a:ext cx="311304" cy="369332"/>
+          </a:xfrm>
+          <a:prstGeom prst="rect">
+            <a:avLst/>
+          </a:prstGeom>
+          <a:noFill/>
+        </p:spPr>
+        <p:txBody>
+          <a:bodyPr wrap="none" rtlCol="0">
+            <a:spAutoFit/>
+          </a:bodyPr>
+          <a:lstStyle/>
+          <a:p>
+            <a:r>
+              <a:rPr lang="en-US" altLang="ko-KR" dirty="0" smtClean="0">
+                <a:solidFill>
+                  <a:srgbClr val="FF0000"/>
+                </a:solidFill>
+              </a:rPr>
+              <a:t>7</a:t>
+            </a:r>
+            <a:endParaRPr lang="ko-KR" altLang="en-US" dirty="0">
+              <a:solidFill>
+                <a:srgbClr val="FF0000"/>
+              </a:solidFill>
+            </a:endParaRPr>
+          </a:p>
+        </p:txBody>
+      </p:sp>
+      <p:sp>
+        <p:nvSpPr>
+          <p:cNvPr id="204" name="타원 203"/>
+          <p:cNvSpPr/>
+          <p:nvPr/>
+        </p:nvSpPr>
+        <p:spPr>
+          <a:xfrm>
+            <a:off x="4494844" y="3680304"/>
+            <a:ext cx="367028" cy="384174"/>
+          </a:xfrm>
+          <a:prstGeom prst="ellipse">
+            <a:avLst/>
+          </a:prstGeom>
+          <a:solidFill>
+            <a:schemeClr val="accent3">
+              <a:lumMod val="60000"/>
+              <a:lumOff val="40000"/>
+            </a:schemeClr>
+          </a:solidFill>
+        </p:spPr>
+        <p:style>
+          <a:lnRef idx="2">
+            <a:schemeClr val="accent1">
+              <a:shade val="50000"/>
+            </a:schemeClr>
+          </a:lnRef>
+          <a:fillRef idx="1">
+            <a:schemeClr val="accent1"/>
+          </a:fillRef>
+          <a:effectRef idx="0">
+            <a:schemeClr val="accent1"/>
+          </a:effectRef>
+          <a:fontRef idx="minor">
+            <a:schemeClr val="lt1"/>
+          </a:fontRef>
+        </p:style>
+        <p:txBody>
+          <a:bodyPr rtlCol="0" anchor="ctr"/>
+          <a:lstStyle/>
+          <a:p>
+            <a:pPr algn="ctr"/>
+            <a:endParaRPr lang="ko-KR" altLang="en-US"/>
+          </a:p>
+        </p:txBody>
+      </p:sp>
+      <p:sp>
+        <p:nvSpPr>
+          <p:cNvPr id="205" name="TextBox 204"/>
+          <p:cNvSpPr txBox="1"/>
+          <p:nvPr/>
+        </p:nvSpPr>
+        <p:spPr>
+          <a:xfrm>
+            <a:off x="4522706" y="3680304"/>
+            <a:ext cx="311304" cy="369332"/>
+          </a:xfrm>
+          <a:prstGeom prst="rect">
+            <a:avLst/>
+          </a:prstGeom>
+          <a:noFill/>
+        </p:spPr>
+        <p:txBody>
+          <a:bodyPr wrap="none" rtlCol="0">
+            <a:spAutoFit/>
+          </a:bodyPr>
+          <a:lstStyle/>
+          <a:p>
+            <a:r>
+              <a:rPr lang="en-US" altLang="ko-KR" dirty="0" smtClean="0">
+                <a:solidFill>
+                  <a:srgbClr val="FF0000"/>
+                </a:solidFill>
+              </a:rPr>
+              <a:t>6</a:t>
+            </a:r>
+            <a:endParaRPr lang="ko-KR" altLang="en-US" dirty="0">
+              <a:solidFill>
+                <a:srgbClr val="FF0000"/>
+              </a:solidFill>
+            </a:endParaRPr>
+          </a:p>
+        </p:txBody>
+      </p:sp>
+      <p:sp>
+        <p:nvSpPr>
+          <p:cNvPr id="207" name="타원 206"/>
+          <p:cNvSpPr/>
+          <p:nvPr/>
+        </p:nvSpPr>
+        <p:spPr>
+          <a:xfrm>
+            <a:off x="5360231" y="3702678"/>
+            <a:ext cx="367028" cy="384174"/>
+          </a:xfrm>
+          <a:prstGeom prst="ellipse">
+            <a:avLst/>
+          </a:prstGeom>
+          <a:solidFill>
+            <a:schemeClr val="accent3">
+              <a:lumMod val="60000"/>
+              <a:lumOff val="40000"/>
+            </a:schemeClr>
+          </a:solidFill>
+        </p:spPr>
+        <p:style>
+          <a:lnRef idx="2">
+            <a:schemeClr val="accent1">
+              <a:shade val="50000"/>
+            </a:schemeClr>
+          </a:lnRef>
+          <a:fillRef idx="1">
+            <a:schemeClr val="accent1"/>
+          </a:fillRef>
+          <a:effectRef idx="0">
+            <a:schemeClr val="accent1"/>
+          </a:effectRef>
+          <a:fontRef idx="minor">
+            <a:schemeClr val="lt1"/>
+          </a:fontRef>
+        </p:style>
+        <p:txBody>
+          <a:bodyPr rtlCol="0" anchor="ctr"/>
+          <a:lstStyle/>
+          <a:p>
+            <a:pPr algn="ctr"/>
+            <a:endParaRPr lang="ko-KR" altLang="en-US"/>
+          </a:p>
+        </p:txBody>
+      </p:sp>
+      <p:sp>
+        <p:nvSpPr>
+          <p:cNvPr id="208" name="TextBox 207"/>
+          <p:cNvSpPr txBox="1"/>
+          <p:nvPr/>
+        </p:nvSpPr>
+        <p:spPr>
+          <a:xfrm>
+            <a:off x="5388093" y="3699936"/>
+            <a:ext cx="311304" cy="369332"/>
+          </a:xfrm>
+          <a:prstGeom prst="rect">
+            <a:avLst/>
+          </a:prstGeom>
+          <a:noFill/>
+        </p:spPr>
+        <p:txBody>
+          <a:bodyPr wrap="none" rtlCol="0">
+            <a:spAutoFit/>
+          </a:bodyPr>
+          <a:lstStyle/>
+          <a:p>
+            <a:r>
+              <a:rPr lang="en-US" altLang="ko-KR" dirty="0">
+                <a:solidFill>
+                  <a:srgbClr val="FF0000"/>
+                </a:solidFill>
+              </a:rPr>
+              <a:t>8</a:t>
+            </a:r>
+            <a:endParaRPr lang="ko-KR" altLang="en-US" dirty="0">
+              <a:solidFill>
+                <a:srgbClr val="FF0000"/>
+              </a:solidFill>
+            </a:endParaRPr>
+          </a:p>
+        </p:txBody>
+      </p:sp>
+      <p:sp>
+        <p:nvSpPr>
+          <p:cNvPr id="210" name="TextBox 209"/>
+          <p:cNvSpPr txBox="1"/>
+          <p:nvPr/>
+        </p:nvSpPr>
+        <p:spPr>
+          <a:xfrm>
+            <a:off x="6461648" y="306081"/>
+            <a:ext cx="875561" cy="369332"/>
+          </a:xfrm>
+          <a:prstGeom prst="rect">
+            <a:avLst/>
+          </a:prstGeom>
+          <a:noFill/>
+        </p:spPr>
+        <p:txBody>
+          <a:bodyPr wrap="none" rtlCol="0">
+            <a:spAutoFit/>
+          </a:bodyPr>
+          <a:lstStyle/>
+          <a:p>
+            <a:r>
+              <a:rPr lang="en-US" altLang="ko-KR" dirty="0" smtClean="0"/>
+              <a:t>Queue</a:t>
+            </a:r>
+            <a:endParaRPr lang="ko-KR" altLang="en-US" dirty="0"/>
+          </a:p>
+        </p:txBody>
+      </p:sp>
     </p:spTree>
     <p:extLst>
       <p:ext uri="{BB962C8B-B14F-4D97-AF65-F5344CB8AC3E}">
-        <p14:creationId xmlns:p14="http://schemas.microsoft.com/office/powerpoint/2010/main" val="1481446456"/>
+        <p14:creationId xmlns:p14="http://schemas.microsoft.com/office/powerpoint/2010/main" val="841179886"/>
       </p:ext>
     </p:extLst>
   </p:cSld>
@@ -6904,7 +11052,7 @@
     </p:spTree>
     <p:extLst>
       <p:ext uri="{BB962C8B-B14F-4D97-AF65-F5344CB8AC3E}">
-        <p14:creationId xmlns:p14="http://schemas.microsoft.com/office/powerpoint/2010/main" val="3564771101"/>
+        <p14:creationId xmlns:p14="http://schemas.microsoft.com/office/powerpoint/2010/main" val="1077271495"/>
       </p:ext>
     </p:extLst>
   </p:cSld>
@@ -6934,7 +11082,7 @@
     </p:spTree>
     <p:extLst>
       <p:ext uri="{BB962C8B-B14F-4D97-AF65-F5344CB8AC3E}">
-        <p14:creationId xmlns:p14="http://schemas.microsoft.com/office/powerpoint/2010/main" val="2737545611"/>
+        <p14:creationId xmlns:p14="http://schemas.microsoft.com/office/powerpoint/2010/main" val="3564771101"/>
       </p:ext>
     </p:extLst>
   </p:cSld>
@@ -6964,6 +11112,36 @@
     </p:spTree>
     <p:extLst>
       <p:ext uri="{BB962C8B-B14F-4D97-AF65-F5344CB8AC3E}">
+        <p14:creationId xmlns:p14="http://schemas.microsoft.com/office/powerpoint/2010/main" val="2737545611"/>
+      </p:ext>
+    </p:extLst>
+  </p:cSld>
+  <p:clrMapOvr>
+    <a:masterClrMapping/>
+  </p:clrMapOvr>
+</p:sld>
+</file>
+
+<file path=ppt/slides/slide33.xml><?xml version="1.0" encoding="utf-8"?>
+<p:sld xmlns:a="http://schemas.openxmlformats.org/drawingml/2006/main" xmlns:r="http://schemas.openxmlformats.org/officeDocument/2006/relationships" xmlns:p="http://schemas.openxmlformats.org/presentationml/2006/main">
+  <p:cSld>
+    <p:spTree>
+      <p:nvGrpSpPr>
+        <p:cNvPr id="1" name=""/>
+        <p:cNvGrpSpPr/>
+        <p:nvPr/>
+      </p:nvGrpSpPr>
+      <p:grpSpPr>
+        <a:xfrm>
+          <a:off x="0" y="0"/>
+          <a:ext cx="0" cy="0"/>
+          <a:chOff x="0" y="0"/>
+          <a:chExt cx="0" cy="0"/>
+        </a:xfrm>
+      </p:grpSpPr>
+    </p:spTree>
+    <p:extLst>
+      <p:ext uri="{BB962C8B-B14F-4D97-AF65-F5344CB8AC3E}">
         <p14:creationId xmlns:p14="http://schemas.microsoft.com/office/powerpoint/2010/main" val="2281360348"/>
       </p:ext>
     </p:extLst>
@@ -6974,7 +11152,7 @@
 </p:sld>
 </file>
 
-<file path=ppt/slides/slide33.xml><?xml version="1.0" encoding="utf-8"?>
+<file path=ppt/slides/slide34.xml><?xml version="1.0" encoding="utf-8"?>
 <p:sld xmlns:a="http://schemas.openxmlformats.org/drawingml/2006/main" xmlns:r="http://schemas.openxmlformats.org/officeDocument/2006/relationships" xmlns:p="http://schemas.openxmlformats.org/presentationml/2006/main">
   <p:cSld>
     <p:spTree>
@@ -7021,69 +11199,47 @@
           <a:chExt cx="0" cy="0"/>
         </a:xfrm>
       </p:grpSpPr>
-      <p:sp>
-        <p:nvSpPr>
-          <p:cNvPr id="2" name="직사각형 1"/>
-          <p:cNvSpPr/>
-          <p:nvPr/>
-        </p:nvSpPr>
-        <p:spPr>
-          <a:xfrm>
-            <a:off x="1917588" y="2421723"/>
-            <a:ext cx="6745701" cy="850232"/>
+      <p:pic>
+        <p:nvPicPr>
+          <p:cNvPr id="2" name="그림 1"/>
+          <p:cNvPicPr>
+            <a:picLocks noChangeAspect="1"/>
+          </p:cNvPicPr>
+          <p:nvPr/>
+        </p:nvPicPr>
+        <p:blipFill>
+          <a:blip r:embed="rId2"/>
+          <a:stretch>
+            <a:fillRect/>
+          </a:stretch>
+        </p:blipFill>
+        <p:spPr>
+          <a:xfrm>
+            <a:off x="1232907" y="1714412"/>
+            <a:ext cx="8316486" cy="1257475"/>
           </a:xfrm>
           <a:prstGeom prst="rect">
             <a:avLst/>
           </a:prstGeom>
-          <a:solidFill>
-            <a:schemeClr val="accent1">
-              <a:lumMod val="40000"/>
-              <a:lumOff val="60000"/>
-            </a:schemeClr>
-          </a:solidFill>
-        </p:spPr>
-        <p:style>
-          <a:lnRef idx="2">
-            <a:schemeClr val="accent1">
-              <a:shade val="50000"/>
-            </a:schemeClr>
-          </a:lnRef>
-          <a:fillRef idx="1">
-            <a:schemeClr val="accent1"/>
-          </a:fillRef>
-          <a:effectRef idx="0">
-            <a:schemeClr val="accent1"/>
-          </a:effectRef>
-          <a:fontRef idx="minor">
-            <a:schemeClr val="lt1"/>
-          </a:fontRef>
-        </p:style>
-        <p:txBody>
-          <a:bodyPr rtlCol="0" anchor="ctr"/>
-          <a:lstStyle/>
-          <a:p>
-            <a:pPr algn="ctr"/>
-            <a:endParaRPr lang="en-US" altLang="ko-KR" dirty="0" smtClean="0"/>
-          </a:p>
-        </p:txBody>
-      </p:sp>
+        </p:spPr>
+      </p:pic>
       <p:cxnSp>
         <p:nvCxnSpPr>
-          <p:cNvPr id="3" name="직선 연결선 2"/>
+          <p:cNvPr id="4" name="직선 연결선 3"/>
           <p:cNvCxnSpPr/>
           <p:nvPr/>
         </p:nvCxnSpPr>
         <p:spPr>
           <a:xfrm>
-            <a:off x="2799902" y="2405681"/>
-            <a:ext cx="0" cy="850232"/>
+            <a:off x="5227455" y="2702740"/>
+            <a:ext cx="3390563" cy="0"/>
           </a:xfrm>
           <a:prstGeom prst="line">
             <a:avLst/>
           </a:prstGeom>
-          <a:ln>
+          <a:ln w="19050">
             <a:solidFill>
-              <a:schemeClr val="tx1"/>
+              <a:srgbClr val="FF0000"/>
             </a:solidFill>
           </a:ln>
         </p:spPr>
@@ -7102,674 +11258,10 @@
           </a:fontRef>
         </p:style>
       </p:cxnSp>
-      <p:cxnSp>
-        <p:nvCxnSpPr>
-          <p:cNvPr id="4" name="직선 연결선 3"/>
-          <p:cNvCxnSpPr/>
-          <p:nvPr/>
-        </p:nvCxnSpPr>
-        <p:spPr>
-          <a:xfrm>
-            <a:off x="3770449" y="2421723"/>
-            <a:ext cx="0" cy="850232"/>
-          </a:xfrm>
-          <a:prstGeom prst="line">
-            <a:avLst/>
-          </a:prstGeom>
-          <a:ln>
-            <a:solidFill>
-              <a:schemeClr val="tx1"/>
-            </a:solidFill>
-          </a:ln>
-        </p:spPr>
-        <p:style>
-          <a:lnRef idx="1">
-            <a:schemeClr val="accent1"/>
-          </a:lnRef>
-          <a:fillRef idx="0">
-            <a:schemeClr val="accent1"/>
-          </a:fillRef>
-          <a:effectRef idx="0">
-            <a:schemeClr val="accent1"/>
-          </a:effectRef>
-          <a:fontRef idx="minor">
-            <a:schemeClr val="tx1"/>
-          </a:fontRef>
-        </p:style>
-      </p:cxnSp>
-      <p:cxnSp>
-        <p:nvCxnSpPr>
-          <p:cNvPr id="5" name="직선 연결선 4"/>
-          <p:cNvCxnSpPr/>
-          <p:nvPr/>
-        </p:nvCxnSpPr>
-        <p:spPr>
-          <a:xfrm>
-            <a:off x="4724954" y="2421723"/>
-            <a:ext cx="0" cy="850232"/>
-          </a:xfrm>
-          <a:prstGeom prst="line">
-            <a:avLst/>
-          </a:prstGeom>
-          <a:ln>
-            <a:solidFill>
-              <a:schemeClr val="tx1"/>
-            </a:solidFill>
-          </a:ln>
-        </p:spPr>
-        <p:style>
-          <a:lnRef idx="1">
-            <a:schemeClr val="accent1"/>
-          </a:lnRef>
-          <a:fillRef idx="0">
-            <a:schemeClr val="accent1"/>
-          </a:fillRef>
-          <a:effectRef idx="0">
-            <a:schemeClr val="accent1"/>
-          </a:effectRef>
-          <a:fontRef idx="minor">
-            <a:schemeClr val="tx1"/>
-          </a:fontRef>
-        </p:style>
-      </p:cxnSp>
-      <p:cxnSp>
-        <p:nvCxnSpPr>
-          <p:cNvPr id="6" name="직선 연결선 5"/>
-          <p:cNvCxnSpPr/>
-          <p:nvPr/>
-        </p:nvCxnSpPr>
-        <p:spPr>
-          <a:xfrm>
-            <a:off x="5759668" y="2421723"/>
-            <a:ext cx="0" cy="850232"/>
-          </a:xfrm>
-          <a:prstGeom prst="line">
-            <a:avLst/>
-          </a:prstGeom>
-          <a:ln>
-            <a:solidFill>
-              <a:schemeClr val="tx1"/>
-            </a:solidFill>
-          </a:ln>
-        </p:spPr>
-        <p:style>
-          <a:lnRef idx="1">
-            <a:schemeClr val="accent1"/>
-          </a:lnRef>
-          <a:fillRef idx="0">
-            <a:schemeClr val="accent1"/>
-          </a:fillRef>
-          <a:effectRef idx="0">
-            <a:schemeClr val="accent1"/>
-          </a:effectRef>
-          <a:fontRef idx="minor">
-            <a:schemeClr val="tx1"/>
-          </a:fontRef>
-        </p:style>
-      </p:cxnSp>
-      <p:cxnSp>
-        <p:nvCxnSpPr>
-          <p:cNvPr id="7" name="직선 연결선 6"/>
-          <p:cNvCxnSpPr/>
-          <p:nvPr/>
-        </p:nvCxnSpPr>
-        <p:spPr>
-          <a:xfrm>
-            <a:off x="6754279" y="2421723"/>
-            <a:ext cx="0" cy="850232"/>
-          </a:xfrm>
-          <a:prstGeom prst="line">
-            <a:avLst/>
-          </a:prstGeom>
-          <a:ln>
-            <a:solidFill>
-              <a:schemeClr val="tx1"/>
-            </a:solidFill>
-          </a:ln>
-        </p:spPr>
-        <p:style>
-          <a:lnRef idx="1">
-            <a:schemeClr val="accent1"/>
-          </a:lnRef>
-          <a:fillRef idx="0">
-            <a:schemeClr val="accent1"/>
-          </a:fillRef>
-          <a:effectRef idx="0">
-            <a:schemeClr val="accent1"/>
-          </a:effectRef>
-          <a:fontRef idx="minor">
-            <a:schemeClr val="tx1"/>
-          </a:fontRef>
-        </p:style>
-      </p:cxnSp>
-      <p:cxnSp>
-        <p:nvCxnSpPr>
-          <p:cNvPr id="8" name="직선 연결선 7"/>
-          <p:cNvCxnSpPr/>
-          <p:nvPr/>
-        </p:nvCxnSpPr>
-        <p:spPr>
-          <a:xfrm>
-            <a:off x="7740868" y="2437765"/>
-            <a:ext cx="0" cy="850232"/>
-          </a:xfrm>
-          <a:prstGeom prst="line">
-            <a:avLst/>
-          </a:prstGeom>
-          <a:ln>
-            <a:solidFill>
-              <a:schemeClr val="tx1"/>
-            </a:solidFill>
-          </a:ln>
-        </p:spPr>
-        <p:style>
-          <a:lnRef idx="1">
-            <a:schemeClr val="accent1"/>
-          </a:lnRef>
-          <a:fillRef idx="0">
-            <a:schemeClr val="accent1"/>
-          </a:fillRef>
-          <a:effectRef idx="0">
-            <a:schemeClr val="accent1"/>
-          </a:effectRef>
-          <a:fontRef idx="minor">
-            <a:schemeClr val="tx1"/>
-          </a:fontRef>
-        </p:style>
-      </p:cxnSp>
-      <p:sp>
-        <p:nvSpPr>
-          <p:cNvPr id="9" name="TextBox 8"/>
-          <p:cNvSpPr txBox="1"/>
-          <p:nvPr/>
-        </p:nvSpPr>
-        <p:spPr>
-          <a:xfrm>
-            <a:off x="2199083" y="2678215"/>
-            <a:ext cx="311304" cy="369332"/>
-          </a:xfrm>
-          <a:prstGeom prst="rect">
-            <a:avLst/>
-          </a:prstGeom>
-          <a:solidFill>
-            <a:schemeClr val="accent1">
-              <a:lumMod val="40000"/>
-              <a:lumOff val="60000"/>
-            </a:schemeClr>
-          </a:solidFill>
-        </p:spPr>
-        <p:txBody>
-          <a:bodyPr wrap="none" rtlCol="0">
-            <a:spAutoFit/>
-          </a:bodyPr>
-          <a:lstStyle/>
-          <a:p>
-            <a:r>
-              <a:rPr lang="en-US" altLang="ko-KR" dirty="0"/>
-              <a:t>6</a:t>
-            </a:r>
-            <a:endParaRPr lang="ko-KR" altLang="en-US" dirty="0"/>
-          </a:p>
-        </p:txBody>
-      </p:sp>
-      <p:sp>
-        <p:nvSpPr>
-          <p:cNvPr id="10" name="TextBox 9"/>
-          <p:cNvSpPr txBox="1"/>
-          <p:nvPr/>
-        </p:nvSpPr>
-        <p:spPr>
-          <a:xfrm>
-            <a:off x="3117045" y="2688375"/>
-            <a:ext cx="311304" cy="369332"/>
-          </a:xfrm>
-          <a:prstGeom prst="rect">
-            <a:avLst/>
-          </a:prstGeom>
-          <a:solidFill>
-            <a:schemeClr val="accent1">
-              <a:lumMod val="40000"/>
-              <a:lumOff val="60000"/>
-            </a:schemeClr>
-          </a:solidFill>
-        </p:spPr>
-        <p:txBody>
-          <a:bodyPr wrap="none" rtlCol="0">
-            <a:spAutoFit/>
-          </a:bodyPr>
-          <a:lstStyle/>
-          <a:p>
-            <a:r>
-              <a:rPr lang="en-US" altLang="ko-KR" dirty="0" smtClean="0"/>
-              <a:t>4</a:t>
-            </a:r>
-            <a:endParaRPr lang="ko-KR" altLang="en-US" dirty="0"/>
-          </a:p>
-        </p:txBody>
-      </p:sp>
-      <p:sp>
-        <p:nvSpPr>
-          <p:cNvPr id="11" name="TextBox 10"/>
-          <p:cNvSpPr txBox="1"/>
-          <p:nvPr/>
-        </p:nvSpPr>
-        <p:spPr>
-          <a:xfrm>
-            <a:off x="4124133" y="2668055"/>
-            <a:ext cx="311304" cy="369332"/>
-          </a:xfrm>
-          <a:prstGeom prst="rect">
-            <a:avLst/>
-          </a:prstGeom>
-          <a:solidFill>
-            <a:schemeClr val="accent1">
-              <a:lumMod val="40000"/>
-              <a:lumOff val="60000"/>
-            </a:schemeClr>
-          </a:solidFill>
-        </p:spPr>
-        <p:txBody>
-          <a:bodyPr wrap="none" rtlCol="0">
-            <a:spAutoFit/>
-          </a:bodyPr>
-          <a:lstStyle/>
-          <a:p>
-            <a:r>
-              <a:rPr lang="en-US" altLang="ko-KR" dirty="0"/>
-              <a:t>3</a:t>
-            </a:r>
-            <a:endParaRPr lang="ko-KR" altLang="en-US" dirty="0"/>
-          </a:p>
-        </p:txBody>
-      </p:sp>
-      <p:sp>
-        <p:nvSpPr>
-          <p:cNvPr id="12" name="TextBox 11"/>
-          <p:cNvSpPr txBox="1"/>
-          <p:nvPr/>
-        </p:nvSpPr>
-        <p:spPr>
-          <a:xfrm>
-            <a:off x="5082917" y="2668055"/>
-            <a:ext cx="311304" cy="369332"/>
-          </a:xfrm>
-          <a:prstGeom prst="rect">
-            <a:avLst/>
-          </a:prstGeom>
-          <a:solidFill>
-            <a:schemeClr val="accent1">
-              <a:lumMod val="40000"/>
-              <a:lumOff val="60000"/>
-            </a:schemeClr>
-          </a:solidFill>
-        </p:spPr>
-        <p:txBody>
-          <a:bodyPr wrap="none" rtlCol="0">
-            <a:spAutoFit/>
-          </a:bodyPr>
-          <a:lstStyle/>
-          <a:p>
-            <a:r>
-              <a:rPr lang="en-US" altLang="ko-KR" dirty="0"/>
-              <a:t>2</a:t>
-            </a:r>
-            <a:endParaRPr lang="ko-KR" altLang="en-US" dirty="0"/>
-          </a:p>
-        </p:txBody>
-      </p:sp>
-      <p:sp>
-        <p:nvSpPr>
-          <p:cNvPr id="13" name="TextBox 12"/>
-          <p:cNvSpPr txBox="1"/>
-          <p:nvPr/>
-        </p:nvSpPr>
-        <p:spPr>
-          <a:xfrm>
-            <a:off x="8040231" y="2678215"/>
-            <a:ext cx="311304" cy="369332"/>
-          </a:xfrm>
-          <a:prstGeom prst="rect">
-            <a:avLst/>
-          </a:prstGeom>
-          <a:solidFill>
-            <a:schemeClr val="accent1">
-              <a:lumMod val="40000"/>
-              <a:lumOff val="60000"/>
-            </a:schemeClr>
-          </a:solidFill>
-        </p:spPr>
-        <p:txBody>
-          <a:bodyPr wrap="none" rtlCol="0">
-            <a:spAutoFit/>
-          </a:bodyPr>
-          <a:lstStyle/>
-          <a:p>
-            <a:r>
-              <a:rPr lang="en-US" altLang="ko-KR" dirty="0" smtClean="0"/>
-              <a:t>8</a:t>
-            </a:r>
-            <a:endParaRPr lang="ko-KR" altLang="en-US" dirty="0"/>
-          </a:p>
-        </p:txBody>
-      </p:sp>
-      <p:sp>
-        <p:nvSpPr>
-          <p:cNvPr id="14" name="TextBox 13"/>
-          <p:cNvSpPr txBox="1"/>
-          <p:nvPr/>
-        </p:nvSpPr>
-        <p:spPr>
-          <a:xfrm>
-            <a:off x="7108272" y="2678215"/>
-            <a:ext cx="311304" cy="369332"/>
-          </a:xfrm>
-          <a:prstGeom prst="rect">
-            <a:avLst/>
-          </a:prstGeom>
-          <a:solidFill>
-            <a:schemeClr val="accent1">
-              <a:lumMod val="40000"/>
-              <a:lumOff val="60000"/>
-            </a:schemeClr>
-          </a:solidFill>
-        </p:spPr>
-        <p:txBody>
-          <a:bodyPr wrap="none" rtlCol="0">
-            <a:spAutoFit/>
-          </a:bodyPr>
-          <a:lstStyle/>
-          <a:p>
-            <a:r>
-              <a:rPr lang="en-US" altLang="ko-KR" dirty="0"/>
-              <a:t>3</a:t>
-            </a:r>
-            <a:endParaRPr lang="ko-KR" altLang="en-US" dirty="0"/>
-          </a:p>
-        </p:txBody>
-      </p:sp>
-      <p:sp>
-        <p:nvSpPr>
-          <p:cNvPr id="15" name="TextBox 14"/>
-          <p:cNvSpPr txBox="1"/>
-          <p:nvPr/>
-        </p:nvSpPr>
-        <p:spPr>
-          <a:xfrm>
-            <a:off x="6108584" y="2674472"/>
-            <a:ext cx="311304" cy="369332"/>
-          </a:xfrm>
-          <a:prstGeom prst="rect">
-            <a:avLst/>
-          </a:prstGeom>
-          <a:solidFill>
-            <a:schemeClr val="accent1">
-              <a:lumMod val="40000"/>
-              <a:lumOff val="60000"/>
-            </a:schemeClr>
-          </a:solidFill>
-        </p:spPr>
-        <p:txBody>
-          <a:bodyPr wrap="none" rtlCol="0">
-            <a:spAutoFit/>
-          </a:bodyPr>
-          <a:lstStyle/>
-          <a:p>
-            <a:r>
-              <a:rPr lang="en-US" altLang="ko-KR" dirty="0"/>
-              <a:t>1</a:t>
-            </a:r>
-            <a:endParaRPr lang="ko-KR" altLang="en-US" dirty="0"/>
-          </a:p>
-        </p:txBody>
-      </p:sp>
-      <p:sp>
-        <p:nvSpPr>
-          <p:cNvPr id="17" name="TextBox 16"/>
-          <p:cNvSpPr txBox="1"/>
-          <p:nvPr/>
-        </p:nvSpPr>
-        <p:spPr>
-          <a:xfrm>
-            <a:off x="2232204" y="2123561"/>
-            <a:ext cx="251992" cy="230832"/>
-          </a:xfrm>
-          <a:prstGeom prst="rect">
-            <a:avLst/>
-          </a:prstGeom>
-          <a:noFill/>
-        </p:spPr>
-        <p:txBody>
-          <a:bodyPr wrap="none" rtlCol="0">
-            <a:spAutoFit/>
-          </a:bodyPr>
-          <a:lstStyle/>
-          <a:p>
-            <a:r>
-              <a:rPr lang="en-US" altLang="ko-KR" sz="900" b="1" dirty="0"/>
-              <a:t>0</a:t>
-            </a:r>
-            <a:endParaRPr lang="ko-KR" altLang="en-US" sz="900" b="1" dirty="0"/>
-          </a:p>
-        </p:txBody>
-      </p:sp>
-      <p:sp>
-        <p:nvSpPr>
-          <p:cNvPr id="18" name="TextBox 17"/>
-          <p:cNvSpPr txBox="1"/>
-          <p:nvPr/>
-        </p:nvSpPr>
-        <p:spPr>
-          <a:xfrm>
-            <a:off x="3148304" y="2123561"/>
-            <a:ext cx="251992" cy="230832"/>
-          </a:xfrm>
-          <a:prstGeom prst="rect">
-            <a:avLst/>
-          </a:prstGeom>
-          <a:noFill/>
-        </p:spPr>
-        <p:txBody>
-          <a:bodyPr wrap="none" rtlCol="0">
-            <a:spAutoFit/>
-          </a:bodyPr>
-          <a:lstStyle/>
-          <a:p>
-            <a:r>
-              <a:rPr lang="en-US" altLang="ko-KR" sz="900" b="1" dirty="0" smtClean="0"/>
-              <a:t>1</a:t>
-            </a:r>
-            <a:endParaRPr lang="ko-KR" altLang="en-US" sz="900" b="1" dirty="0"/>
-          </a:p>
-        </p:txBody>
-      </p:sp>
-      <p:sp>
-        <p:nvSpPr>
-          <p:cNvPr id="19" name="TextBox 18"/>
-          <p:cNvSpPr txBox="1"/>
-          <p:nvPr/>
-        </p:nvSpPr>
-        <p:spPr>
-          <a:xfrm>
-            <a:off x="4155392" y="2123561"/>
-            <a:ext cx="251992" cy="230832"/>
-          </a:xfrm>
-          <a:prstGeom prst="rect">
-            <a:avLst/>
-          </a:prstGeom>
-          <a:noFill/>
-        </p:spPr>
-        <p:txBody>
-          <a:bodyPr wrap="none" rtlCol="0">
-            <a:spAutoFit/>
-          </a:bodyPr>
-          <a:lstStyle/>
-          <a:p>
-            <a:r>
-              <a:rPr lang="en-US" altLang="ko-KR" sz="900" b="1" dirty="0"/>
-              <a:t>2</a:t>
-            </a:r>
-            <a:endParaRPr lang="ko-KR" altLang="en-US" sz="900" b="1" dirty="0"/>
-          </a:p>
-        </p:txBody>
-      </p:sp>
-      <p:sp>
-        <p:nvSpPr>
-          <p:cNvPr id="20" name="TextBox 19"/>
-          <p:cNvSpPr txBox="1"/>
-          <p:nvPr/>
-        </p:nvSpPr>
-        <p:spPr>
-          <a:xfrm>
-            <a:off x="5114176" y="2123561"/>
-            <a:ext cx="251992" cy="230832"/>
-          </a:xfrm>
-          <a:prstGeom prst="rect">
-            <a:avLst/>
-          </a:prstGeom>
-          <a:noFill/>
-        </p:spPr>
-        <p:txBody>
-          <a:bodyPr wrap="none" rtlCol="0">
-            <a:spAutoFit/>
-          </a:bodyPr>
-          <a:lstStyle/>
-          <a:p>
-            <a:r>
-              <a:rPr lang="en-US" altLang="ko-KR" sz="900" b="1" dirty="0"/>
-              <a:t>3</a:t>
-            </a:r>
-            <a:endParaRPr lang="ko-KR" altLang="en-US" sz="900" b="1" dirty="0"/>
-          </a:p>
-        </p:txBody>
-      </p:sp>
-      <p:sp>
-        <p:nvSpPr>
-          <p:cNvPr id="21" name="TextBox 20"/>
-          <p:cNvSpPr txBox="1"/>
-          <p:nvPr/>
-        </p:nvSpPr>
-        <p:spPr>
-          <a:xfrm>
-            <a:off x="6139843" y="2123561"/>
-            <a:ext cx="251992" cy="230832"/>
-          </a:xfrm>
-          <a:prstGeom prst="rect">
-            <a:avLst/>
-          </a:prstGeom>
-          <a:noFill/>
-        </p:spPr>
-        <p:txBody>
-          <a:bodyPr wrap="none" rtlCol="0">
-            <a:spAutoFit/>
-          </a:bodyPr>
-          <a:lstStyle/>
-          <a:p>
-            <a:r>
-              <a:rPr lang="en-US" altLang="ko-KR" sz="900" b="1" dirty="0"/>
-              <a:t>4</a:t>
-            </a:r>
-            <a:endParaRPr lang="ko-KR" altLang="en-US" sz="900" b="1" dirty="0"/>
-          </a:p>
-        </p:txBody>
-      </p:sp>
-      <p:sp>
-        <p:nvSpPr>
-          <p:cNvPr id="22" name="TextBox 21"/>
-          <p:cNvSpPr txBox="1"/>
-          <p:nvPr/>
-        </p:nvSpPr>
-        <p:spPr>
-          <a:xfrm>
-            <a:off x="7139531" y="2118169"/>
-            <a:ext cx="251992" cy="230832"/>
-          </a:xfrm>
-          <a:prstGeom prst="rect">
-            <a:avLst/>
-          </a:prstGeom>
-          <a:noFill/>
-        </p:spPr>
-        <p:txBody>
-          <a:bodyPr wrap="none" rtlCol="0">
-            <a:spAutoFit/>
-          </a:bodyPr>
-          <a:lstStyle/>
-          <a:p>
-            <a:r>
-              <a:rPr lang="en-US" altLang="ko-KR" sz="900" b="1" dirty="0"/>
-              <a:t>5</a:t>
-            </a:r>
-            <a:endParaRPr lang="ko-KR" altLang="en-US" sz="900" b="1" dirty="0"/>
-          </a:p>
-        </p:txBody>
-      </p:sp>
-      <p:sp>
-        <p:nvSpPr>
-          <p:cNvPr id="23" name="TextBox 22"/>
-          <p:cNvSpPr txBox="1"/>
-          <p:nvPr/>
-        </p:nvSpPr>
-        <p:spPr>
-          <a:xfrm>
-            <a:off x="8071490" y="2118169"/>
-            <a:ext cx="251992" cy="230832"/>
-          </a:xfrm>
-          <a:prstGeom prst="rect">
-            <a:avLst/>
-          </a:prstGeom>
-          <a:noFill/>
-        </p:spPr>
-        <p:txBody>
-          <a:bodyPr wrap="none" rtlCol="0">
-            <a:spAutoFit/>
-          </a:bodyPr>
-          <a:lstStyle/>
-          <a:p>
-            <a:r>
-              <a:rPr lang="en-US" altLang="ko-KR" sz="900" b="1" dirty="0"/>
-              <a:t>6</a:t>
-            </a:r>
-            <a:endParaRPr lang="ko-KR" altLang="en-US" sz="900" b="1" dirty="0"/>
-          </a:p>
-        </p:txBody>
-      </p:sp>
-      <p:sp>
-        <p:nvSpPr>
-          <p:cNvPr id="24" name="TextBox 23"/>
-          <p:cNvSpPr txBox="1"/>
-          <p:nvPr/>
-        </p:nvSpPr>
-        <p:spPr>
-          <a:xfrm>
-            <a:off x="1516215" y="2126383"/>
-            <a:ext cx="588623" cy="215444"/>
-          </a:xfrm>
-          <a:prstGeom prst="rect">
-            <a:avLst/>
-          </a:prstGeom>
-          <a:noFill/>
-        </p:spPr>
-        <p:txBody>
-          <a:bodyPr wrap="none" rtlCol="0">
-            <a:spAutoFit/>
-          </a:bodyPr>
-          <a:lstStyle/>
-          <a:p>
-            <a:r>
-              <a:rPr lang="ko-KR" altLang="en-US" sz="800" b="1" dirty="0" smtClean="0"/>
-              <a:t>인덱스 </a:t>
-            </a:r>
-            <a:r>
-              <a:rPr lang="en-US" altLang="ko-KR" sz="800" b="1" dirty="0" smtClean="0"/>
-              <a:t>: </a:t>
-            </a:r>
-            <a:endParaRPr lang="ko-KR" altLang="en-US" sz="800" b="1" dirty="0"/>
-          </a:p>
-        </p:txBody>
-      </p:sp>
     </p:spTree>
     <p:extLst>
       <p:ext uri="{BB962C8B-B14F-4D97-AF65-F5344CB8AC3E}">
-        <p14:creationId xmlns:p14="http://schemas.microsoft.com/office/powerpoint/2010/main" val="2600401644"/>
+        <p14:creationId xmlns:p14="http://schemas.microsoft.com/office/powerpoint/2010/main" val="1481446456"/>
       </p:ext>
     </p:extLst>
   </p:cSld>
@@ -7804,8 +11296,8 @@
         </p:nvSpPr>
         <p:spPr>
           <a:xfrm>
-            <a:off x="553720" y="347579"/>
-            <a:ext cx="4857010" cy="850232"/>
+            <a:off x="1917588" y="2421723"/>
+            <a:ext cx="6745701" cy="850232"/>
           </a:xfrm>
           <a:prstGeom prst="rect">
             <a:avLst/>
@@ -7850,7 +11342,7 @@
         </p:nvCxnSpPr>
         <p:spPr>
           <a:xfrm>
-            <a:off x="1436033" y="331537"/>
+            <a:off x="2799902" y="2405681"/>
             <a:ext cx="0" cy="850232"/>
           </a:xfrm>
           <a:prstGeom prst="line">
@@ -7885,7 +11377,7 @@
         </p:nvCxnSpPr>
         <p:spPr>
           <a:xfrm>
-            <a:off x="2406580" y="347579"/>
+            <a:off x="3770449" y="2421723"/>
             <a:ext cx="0" cy="850232"/>
           </a:xfrm>
           <a:prstGeom prst="line">
@@ -7920,7 +11412,7 @@
         </p:nvCxnSpPr>
         <p:spPr>
           <a:xfrm>
-            <a:off x="3361085" y="347579"/>
+            <a:off x="4724954" y="2421723"/>
             <a:ext cx="0" cy="850232"/>
           </a:xfrm>
           <a:prstGeom prst="line">
@@ -7955,7 +11447,7 @@
         </p:nvCxnSpPr>
         <p:spPr>
           <a:xfrm>
-            <a:off x="4395799" y="347579"/>
+            <a:off x="5759668" y="2421723"/>
             <a:ext cx="0" cy="850232"/>
           </a:xfrm>
           <a:prstGeom prst="line">
@@ -7982,16 +11474,86 @@
           </a:fontRef>
         </p:style>
       </p:cxnSp>
-      <p:sp>
-        <p:nvSpPr>
-          <p:cNvPr id="7" name="TextBox 6"/>
+      <p:cxnSp>
+        <p:nvCxnSpPr>
+          <p:cNvPr id="7" name="직선 연결선 6"/>
+          <p:cNvCxnSpPr/>
+          <p:nvPr/>
+        </p:nvCxnSpPr>
+        <p:spPr>
+          <a:xfrm>
+            <a:off x="6754279" y="2421723"/>
+            <a:ext cx="0" cy="850232"/>
+          </a:xfrm>
+          <a:prstGeom prst="line">
+            <a:avLst/>
+          </a:prstGeom>
+          <a:ln>
+            <a:solidFill>
+              <a:schemeClr val="tx1"/>
+            </a:solidFill>
+          </a:ln>
+        </p:spPr>
+        <p:style>
+          <a:lnRef idx="1">
+            <a:schemeClr val="accent1"/>
+          </a:lnRef>
+          <a:fillRef idx="0">
+            <a:schemeClr val="accent1"/>
+          </a:fillRef>
+          <a:effectRef idx="0">
+            <a:schemeClr val="accent1"/>
+          </a:effectRef>
+          <a:fontRef idx="minor">
+            <a:schemeClr val="tx1"/>
+          </a:fontRef>
+        </p:style>
+      </p:cxnSp>
+      <p:cxnSp>
+        <p:nvCxnSpPr>
+          <p:cNvPr id="8" name="직선 연결선 7"/>
+          <p:cNvCxnSpPr/>
+          <p:nvPr/>
+        </p:nvCxnSpPr>
+        <p:spPr>
+          <a:xfrm>
+            <a:off x="7740868" y="2437765"/>
+            <a:ext cx="0" cy="850232"/>
+          </a:xfrm>
+          <a:prstGeom prst="line">
+            <a:avLst/>
+          </a:prstGeom>
+          <a:ln>
+            <a:solidFill>
+              <a:schemeClr val="tx1"/>
+            </a:solidFill>
+          </a:ln>
+        </p:spPr>
+        <p:style>
+          <a:lnRef idx="1">
+            <a:schemeClr val="accent1"/>
+          </a:lnRef>
+          <a:fillRef idx="0">
+            <a:schemeClr val="accent1"/>
+          </a:fillRef>
+          <a:effectRef idx="0">
+            <a:schemeClr val="accent1"/>
+          </a:effectRef>
+          <a:fontRef idx="minor">
+            <a:schemeClr val="tx1"/>
+          </a:fontRef>
+        </p:style>
+      </p:cxnSp>
+      <p:sp>
+        <p:nvSpPr>
+          <p:cNvPr id="9" name="TextBox 8"/>
           <p:cNvSpPr txBox="1"/>
           <p:nvPr/>
         </p:nvSpPr>
         <p:spPr>
           <a:xfrm>
-            <a:off x="7762340" y="1013145"/>
-            <a:ext cx="437940" cy="369332"/>
+            <a:off x="2199083" y="2678215"/>
+            <a:ext cx="311304" cy="369332"/>
           </a:xfrm>
           <a:prstGeom prst="rect">
             <a:avLst/>
@@ -8010,8 +11572,8 @@
           <a:lstStyle/>
           <a:p>
             <a:r>
-              <a:rPr lang="en-US" altLang="ko-KR" dirty="0" smtClean="0"/>
-              <a:t>21</a:t>
+              <a:rPr lang="en-US" altLang="ko-KR" dirty="0"/>
+              <a:t>6</a:t>
             </a:r>
             <a:endParaRPr lang="ko-KR" altLang="en-US" dirty="0"/>
           </a:p>
@@ -8019,14 +11581,14 @@
       </p:sp>
       <p:sp>
         <p:nvSpPr>
-          <p:cNvPr id="8" name="TextBox 7"/>
+          <p:cNvPr id="10" name="TextBox 9"/>
           <p:cNvSpPr txBox="1"/>
           <p:nvPr/>
         </p:nvSpPr>
         <p:spPr>
           <a:xfrm>
-            <a:off x="792476" y="571987"/>
-            <a:ext cx="437940" cy="369332"/>
+            <a:off x="3117045" y="2688375"/>
+            <a:ext cx="311304" cy="369332"/>
           </a:xfrm>
           <a:prstGeom prst="rect">
             <a:avLst/>
@@ -8046,7 +11608,7 @@
           <a:p>
             <a:r>
               <a:rPr lang="en-US" altLang="ko-KR" dirty="0" smtClean="0"/>
-              <a:t>20</a:t>
+              <a:t>4</a:t>
             </a:r>
             <a:endParaRPr lang="ko-KR" altLang="en-US" dirty="0"/>
           </a:p>
@@ -8054,13 +11616,13 @@
       </p:sp>
       <p:sp>
         <p:nvSpPr>
-          <p:cNvPr id="9" name="TextBox 8"/>
+          <p:cNvPr id="11" name="TextBox 10"/>
           <p:cNvSpPr txBox="1"/>
           <p:nvPr/>
         </p:nvSpPr>
         <p:spPr>
           <a:xfrm>
-            <a:off x="9050998" y="415662"/>
+            <a:off x="4124133" y="2668055"/>
             <a:ext cx="311304" cy="369332"/>
           </a:xfrm>
           <a:prstGeom prst="rect">
@@ -8080,8 +11642,8 @@
           <a:lstStyle/>
           <a:p>
             <a:r>
-              <a:rPr lang="en-US" altLang="ko-KR" dirty="0" smtClean="0"/>
-              <a:t>1</a:t>
+              <a:rPr lang="en-US" altLang="ko-KR" dirty="0"/>
+              <a:t>3</a:t>
             </a:r>
             <a:endParaRPr lang="ko-KR" altLang="en-US" dirty="0"/>
           </a:p>
@@ -8089,13 +11651,13 @@
       </p:sp>
       <p:sp>
         <p:nvSpPr>
-          <p:cNvPr id="10" name="TextBox 9"/>
+          <p:cNvPr id="12" name="TextBox 11"/>
           <p:cNvSpPr txBox="1"/>
           <p:nvPr/>
         </p:nvSpPr>
         <p:spPr>
           <a:xfrm>
-            <a:off x="9611848" y="1431128"/>
+            <a:off x="5082917" y="2668055"/>
             <a:ext cx="311304" cy="369332"/>
           </a:xfrm>
           <a:prstGeom prst="rect">
@@ -8116,7 +11678,7 @@
           <a:p>
             <a:r>
               <a:rPr lang="en-US" altLang="ko-KR" dirty="0"/>
-              <a:t>8</a:t>
+              <a:t>2</a:t>
             </a:r>
             <a:endParaRPr lang="ko-KR" altLang="en-US" dirty="0"/>
           </a:p>
@@ -8124,14 +11686,14 @@
       </p:sp>
       <p:sp>
         <p:nvSpPr>
-          <p:cNvPr id="11" name="TextBox 10"/>
+          <p:cNvPr id="13" name="TextBox 12"/>
           <p:cNvSpPr txBox="1"/>
           <p:nvPr/>
         </p:nvSpPr>
         <p:spPr>
           <a:xfrm>
-            <a:off x="1723811" y="569488"/>
-            <a:ext cx="437940" cy="369332"/>
+            <a:off x="8040231" y="2678215"/>
+            <a:ext cx="311304" cy="369332"/>
           </a:xfrm>
           <a:prstGeom prst="rect">
             <a:avLst/>
@@ -8151,7 +11713,7 @@
           <a:p>
             <a:r>
               <a:rPr lang="en-US" altLang="ko-KR" dirty="0" smtClean="0"/>
-              <a:t>30</a:t>
+              <a:t>8</a:t>
             </a:r>
             <a:endParaRPr lang="ko-KR" altLang="en-US" dirty="0"/>
           </a:p>
@@ -8159,19 +11721,24 @@
       </p:sp>
       <p:sp>
         <p:nvSpPr>
-          <p:cNvPr id="12" name="TextBox 11"/>
+          <p:cNvPr id="14" name="TextBox 13"/>
           <p:cNvSpPr txBox="1"/>
           <p:nvPr/>
         </p:nvSpPr>
         <p:spPr>
           <a:xfrm>
-            <a:off x="1577969" y="1246462"/>
-            <a:ext cx="729623" cy="369332"/>
+            <a:off x="7108272" y="2678215"/>
+            <a:ext cx="311304" cy="369332"/>
           </a:xfrm>
           <a:prstGeom prst="rect">
             <a:avLst/>
           </a:prstGeom>
-          <a:noFill/>
+          <a:solidFill>
+            <a:schemeClr val="accent1">
+              <a:lumMod val="40000"/>
+              <a:lumOff val="60000"/>
+            </a:schemeClr>
+          </a:solidFill>
         </p:spPr>
         <p:txBody>
           <a:bodyPr wrap="none" rtlCol="0">
@@ -8180,27 +11747,33 @@
           <a:lstStyle/>
           <a:p>
             <a:r>
-              <a:rPr lang="en-US" altLang="ko-KR" dirty="0" smtClean="0"/>
-              <a:t>Front</a:t>
-            </a:r>
-          </a:p>
-        </p:txBody>
-      </p:sp>
-      <p:sp>
-        <p:nvSpPr>
-          <p:cNvPr id="13" name="TextBox 12"/>
+              <a:rPr lang="en-US" altLang="ko-KR" dirty="0"/>
+              <a:t>3</a:t>
+            </a:r>
+            <a:endParaRPr lang="ko-KR" altLang="en-US" dirty="0"/>
+          </a:p>
+        </p:txBody>
+      </p:sp>
+      <p:sp>
+        <p:nvSpPr>
+          <p:cNvPr id="15" name="TextBox 14"/>
           <p:cNvSpPr txBox="1"/>
           <p:nvPr/>
         </p:nvSpPr>
         <p:spPr>
           <a:xfrm>
-            <a:off x="2660149" y="1246462"/>
-            <a:ext cx="644151" cy="369332"/>
+            <a:off x="6108584" y="2674472"/>
+            <a:ext cx="311304" cy="369332"/>
           </a:xfrm>
           <a:prstGeom prst="rect">
             <a:avLst/>
           </a:prstGeom>
-          <a:noFill/>
+          <a:solidFill>
+            <a:schemeClr val="accent1">
+              <a:lumMod val="40000"/>
+              <a:lumOff val="60000"/>
+            </a:schemeClr>
+          </a:solidFill>
         </p:spPr>
         <p:txBody>
           <a:bodyPr wrap="none" rtlCol="0">
@@ -8209,104 +11782,261 @@
           <a:lstStyle/>
           <a:p>
             <a:r>
-              <a:rPr lang="en-US" altLang="ko-KR" dirty="0" smtClean="0"/>
-              <a:t>Rear</a:t>
-            </a:r>
-          </a:p>
-        </p:txBody>
-      </p:sp>
-      <p:pic>
-        <p:nvPicPr>
-          <p:cNvPr id="14" name="그림 13"/>
-          <p:cNvPicPr>
-            <a:picLocks noChangeAspect="1"/>
-          </p:cNvPicPr>
-          <p:nvPr/>
-        </p:nvPicPr>
-        <p:blipFill>
-          <a:blip r:embed="rId2"/>
-          <a:stretch>
-            <a:fillRect/>
-          </a:stretch>
-        </p:blipFill>
-        <p:spPr>
-          <a:xfrm>
-            <a:off x="391013" y="3314300"/>
-            <a:ext cx="3383573" cy="3314987"/>
+              <a:rPr lang="en-US" altLang="ko-KR" dirty="0"/>
+              <a:t>1</a:t>
+            </a:r>
+            <a:endParaRPr lang="ko-KR" altLang="en-US" dirty="0"/>
+          </a:p>
+        </p:txBody>
+      </p:sp>
+      <p:sp>
+        <p:nvSpPr>
+          <p:cNvPr id="17" name="TextBox 16"/>
+          <p:cNvSpPr txBox="1"/>
+          <p:nvPr/>
+        </p:nvSpPr>
+        <p:spPr>
+          <a:xfrm>
+            <a:off x="2232204" y="2123561"/>
+            <a:ext cx="251992" cy="230832"/>
           </a:xfrm>
           <a:prstGeom prst="rect">
             <a:avLst/>
           </a:prstGeom>
-        </p:spPr>
-      </p:pic>
-      <p:sp>
-        <p:nvSpPr>
-          <p:cNvPr id="15" name="오른쪽 화살표 14"/>
-          <p:cNvSpPr/>
-          <p:nvPr/>
-        </p:nvSpPr>
-        <p:spPr>
-          <a:xfrm>
-            <a:off x="5660422" y="4764360"/>
-            <a:ext cx="533400" cy="414866"/>
-          </a:xfrm>
-          <a:prstGeom prst="rightArrow">
-            <a:avLst/>
-          </a:prstGeom>
-        </p:spPr>
-        <p:style>
-          <a:lnRef idx="2">
-            <a:schemeClr val="accent1">
-              <a:shade val="50000"/>
-            </a:schemeClr>
-          </a:lnRef>
-          <a:fillRef idx="1">
-            <a:schemeClr val="accent1"/>
-          </a:fillRef>
-          <a:effectRef idx="0">
-            <a:schemeClr val="accent1"/>
-          </a:effectRef>
-          <a:fontRef idx="minor">
-            <a:schemeClr val="lt1"/>
-          </a:fontRef>
-        </p:style>
-        <p:txBody>
-          <a:bodyPr rtlCol="0" anchor="ctr"/>
-          <a:lstStyle/>
-          <a:p>
-            <a:pPr algn="ctr"/>
-            <a:endParaRPr lang="ko-KR" altLang="en-US" dirty="0"/>
-          </a:p>
-        </p:txBody>
-      </p:sp>
-      <p:pic>
-        <p:nvPicPr>
-          <p:cNvPr id="16" name="그림 15"/>
-          <p:cNvPicPr>
-            <a:picLocks noChangeAspect="1"/>
-          </p:cNvPicPr>
-          <p:nvPr/>
-        </p:nvPicPr>
-        <p:blipFill>
-          <a:blip r:embed="rId3"/>
-          <a:stretch>
-            <a:fillRect/>
-          </a:stretch>
-        </p:blipFill>
-        <p:spPr>
-          <a:xfrm>
-            <a:off x="7778447" y="4676209"/>
-            <a:ext cx="2144705" cy="591168"/>
+          <a:noFill/>
+        </p:spPr>
+        <p:txBody>
+          <a:bodyPr wrap="none" rtlCol="0">
+            <a:spAutoFit/>
+          </a:bodyPr>
+          <a:lstStyle/>
+          <a:p>
+            <a:r>
+              <a:rPr lang="en-US" altLang="ko-KR" sz="900" b="1" dirty="0"/>
+              <a:t>0</a:t>
+            </a:r>
+            <a:endParaRPr lang="ko-KR" altLang="en-US" sz="900" b="1" dirty="0"/>
+          </a:p>
+        </p:txBody>
+      </p:sp>
+      <p:sp>
+        <p:nvSpPr>
+          <p:cNvPr id="18" name="TextBox 17"/>
+          <p:cNvSpPr txBox="1"/>
+          <p:nvPr/>
+        </p:nvSpPr>
+        <p:spPr>
+          <a:xfrm>
+            <a:off x="3148304" y="2123561"/>
+            <a:ext cx="251992" cy="230832"/>
           </a:xfrm>
           <a:prstGeom prst="rect">
             <a:avLst/>
           </a:prstGeom>
-        </p:spPr>
-      </p:pic>
+          <a:noFill/>
+        </p:spPr>
+        <p:txBody>
+          <a:bodyPr wrap="none" rtlCol="0">
+            <a:spAutoFit/>
+          </a:bodyPr>
+          <a:lstStyle/>
+          <a:p>
+            <a:r>
+              <a:rPr lang="en-US" altLang="ko-KR" sz="900" b="1" dirty="0" smtClean="0"/>
+              <a:t>1</a:t>
+            </a:r>
+            <a:endParaRPr lang="ko-KR" altLang="en-US" sz="900" b="1" dirty="0"/>
+          </a:p>
+        </p:txBody>
+      </p:sp>
+      <p:sp>
+        <p:nvSpPr>
+          <p:cNvPr id="19" name="TextBox 18"/>
+          <p:cNvSpPr txBox="1"/>
+          <p:nvPr/>
+        </p:nvSpPr>
+        <p:spPr>
+          <a:xfrm>
+            <a:off x="4155392" y="2123561"/>
+            <a:ext cx="251992" cy="230832"/>
+          </a:xfrm>
+          <a:prstGeom prst="rect">
+            <a:avLst/>
+          </a:prstGeom>
+          <a:noFill/>
+        </p:spPr>
+        <p:txBody>
+          <a:bodyPr wrap="none" rtlCol="0">
+            <a:spAutoFit/>
+          </a:bodyPr>
+          <a:lstStyle/>
+          <a:p>
+            <a:r>
+              <a:rPr lang="en-US" altLang="ko-KR" sz="900" b="1" dirty="0"/>
+              <a:t>2</a:t>
+            </a:r>
+            <a:endParaRPr lang="ko-KR" altLang="en-US" sz="900" b="1" dirty="0"/>
+          </a:p>
+        </p:txBody>
+      </p:sp>
+      <p:sp>
+        <p:nvSpPr>
+          <p:cNvPr id="20" name="TextBox 19"/>
+          <p:cNvSpPr txBox="1"/>
+          <p:nvPr/>
+        </p:nvSpPr>
+        <p:spPr>
+          <a:xfrm>
+            <a:off x="5114176" y="2123561"/>
+            <a:ext cx="251992" cy="230832"/>
+          </a:xfrm>
+          <a:prstGeom prst="rect">
+            <a:avLst/>
+          </a:prstGeom>
+          <a:noFill/>
+        </p:spPr>
+        <p:txBody>
+          <a:bodyPr wrap="none" rtlCol="0">
+            <a:spAutoFit/>
+          </a:bodyPr>
+          <a:lstStyle/>
+          <a:p>
+            <a:r>
+              <a:rPr lang="en-US" altLang="ko-KR" sz="900" b="1" dirty="0"/>
+              <a:t>3</a:t>
+            </a:r>
+            <a:endParaRPr lang="ko-KR" altLang="en-US" sz="900" b="1" dirty="0"/>
+          </a:p>
+        </p:txBody>
+      </p:sp>
+      <p:sp>
+        <p:nvSpPr>
+          <p:cNvPr id="21" name="TextBox 20"/>
+          <p:cNvSpPr txBox="1"/>
+          <p:nvPr/>
+        </p:nvSpPr>
+        <p:spPr>
+          <a:xfrm>
+            <a:off x="6139843" y="2123561"/>
+            <a:ext cx="251992" cy="230832"/>
+          </a:xfrm>
+          <a:prstGeom prst="rect">
+            <a:avLst/>
+          </a:prstGeom>
+          <a:noFill/>
+        </p:spPr>
+        <p:txBody>
+          <a:bodyPr wrap="none" rtlCol="0">
+            <a:spAutoFit/>
+          </a:bodyPr>
+          <a:lstStyle/>
+          <a:p>
+            <a:r>
+              <a:rPr lang="en-US" altLang="ko-KR" sz="900" b="1" dirty="0"/>
+              <a:t>4</a:t>
+            </a:r>
+            <a:endParaRPr lang="ko-KR" altLang="en-US" sz="900" b="1" dirty="0"/>
+          </a:p>
+        </p:txBody>
+      </p:sp>
+      <p:sp>
+        <p:nvSpPr>
+          <p:cNvPr id="22" name="TextBox 21"/>
+          <p:cNvSpPr txBox="1"/>
+          <p:nvPr/>
+        </p:nvSpPr>
+        <p:spPr>
+          <a:xfrm>
+            <a:off x="7139531" y="2118169"/>
+            <a:ext cx="251992" cy="230832"/>
+          </a:xfrm>
+          <a:prstGeom prst="rect">
+            <a:avLst/>
+          </a:prstGeom>
+          <a:noFill/>
+        </p:spPr>
+        <p:txBody>
+          <a:bodyPr wrap="none" rtlCol="0">
+            <a:spAutoFit/>
+          </a:bodyPr>
+          <a:lstStyle/>
+          <a:p>
+            <a:r>
+              <a:rPr lang="en-US" altLang="ko-KR" sz="900" b="1" dirty="0"/>
+              <a:t>5</a:t>
+            </a:r>
+            <a:endParaRPr lang="ko-KR" altLang="en-US" sz="900" b="1" dirty="0"/>
+          </a:p>
+        </p:txBody>
+      </p:sp>
+      <p:sp>
+        <p:nvSpPr>
+          <p:cNvPr id="23" name="TextBox 22"/>
+          <p:cNvSpPr txBox="1"/>
+          <p:nvPr/>
+        </p:nvSpPr>
+        <p:spPr>
+          <a:xfrm>
+            <a:off x="8071490" y="2118169"/>
+            <a:ext cx="251992" cy="230832"/>
+          </a:xfrm>
+          <a:prstGeom prst="rect">
+            <a:avLst/>
+          </a:prstGeom>
+          <a:noFill/>
+        </p:spPr>
+        <p:txBody>
+          <a:bodyPr wrap="none" rtlCol="0">
+            <a:spAutoFit/>
+          </a:bodyPr>
+          <a:lstStyle/>
+          <a:p>
+            <a:r>
+              <a:rPr lang="en-US" altLang="ko-KR" sz="900" b="1" dirty="0"/>
+              <a:t>6</a:t>
+            </a:r>
+            <a:endParaRPr lang="ko-KR" altLang="en-US" sz="900" b="1" dirty="0"/>
+          </a:p>
+        </p:txBody>
+      </p:sp>
+      <p:sp>
+        <p:nvSpPr>
+          <p:cNvPr id="24" name="TextBox 23"/>
+          <p:cNvSpPr txBox="1"/>
+          <p:nvPr/>
+        </p:nvSpPr>
+        <p:spPr>
+          <a:xfrm>
+            <a:off x="1516215" y="2126383"/>
+            <a:ext cx="588623" cy="215444"/>
+          </a:xfrm>
+          <a:prstGeom prst="rect">
+            <a:avLst/>
+          </a:prstGeom>
+          <a:noFill/>
+        </p:spPr>
+        <p:txBody>
+          <a:bodyPr wrap="none" rtlCol="0">
+            <a:spAutoFit/>
+          </a:bodyPr>
+          <a:lstStyle/>
+          <a:p>
+            <a:r>
+              <a:rPr lang="ko-KR" altLang="en-US" sz="800" b="1" dirty="0" smtClean="0"/>
+              <a:t>인덱스 </a:t>
+            </a:r>
+            <a:r>
+              <a:rPr lang="en-US" altLang="ko-KR" sz="800" b="1" dirty="0" smtClean="0"/>
+              <a:t>: </a:t>
+            </a:r>
+            <a:endParaRPr lang="ko-KR" altLang="en-US" sz="800" b="1" dirty="0"/>
+          </a:p>
+        </p:txBody>
+      </p:sp>
     </p:spTree>
     <p:extLst>
       <p:ext uri="{BB962C8B-B14F-4D97-AF65-F5344CB8AC3E}">
-        <p14:creationId xmlns:p14="http://schemas.microsoft.com/office/powerpoint/2010/main" val="1808026246"/>
+        <p14:creationId xmlns:p14="http://schemas.microsoft.com/office/powerpoint/2010/main" val="2600401644"/>
       </p:ext>
     </p:extLst>
   </p:cSld>
@@ -8333,9 +12063,428 @@
           <a:chExt cx="0" cy="0"/>
         </a:xfrm>
       </p:grpSpPr>
+      <p:sp>
+        <p:nvSpPr>
+          <p:cNvPr id="2" name="직사각형 1"/>
+          <p:cNvSpPr/>
+          <p:nvPr/>
+        </p:nvSpPr>
+        <p:spPr>
+          <a:xfrm>
+            <a:off x="553720" y="347579"/>
+            <a:ext cx="4857010" cy="850232"/>
+          </a:xfrm>
+          <a:prstGeom prst="rect">
+            <a:avLst/>
+          </a:prstGeom>
+          <a:solidFill>
+            <a:schemeClr val="accent1">
+              <a:lumMod val="40000"/>
+              <a:lumOff val="60000"/>
+            </a:schemeClr>
+          </a:solidFill>
+        </p:spPr>
+        <p:style>
+          <a:lnRef idx="2">
+            <a:schemeClr val="accent1">
+              <a:shade val="50000"/>
+            </a:schemeClr>
+          </a:lnRef>
+          <a:fillRef idx="1">
+            <a:schemeClr val="accent1"/>
+          </a:fillRef>
+          <a:effectRef idx="0">
+            <a:schemeClr val="accent1"/>
+          </a:effectRef>
+          <a:fontRef idx="minor">
+            <a:schemeClr val="lt1"/>
+          </a:fontRef>
+        </p:style>
+        <p:txBody>
+          <a:bodyPr rtlCol="0" anchor="ctr"/>
+          <a:lstStyle/>
+          <a:p>
+            <a:pPr algn="ctr"/>
+            <a:endParaRPr lang="en-US" altLang="ko-KR" dirty="0" smtClean="0"/>
+          </a:p>
+        </p:txBody>
+      </p:sp>
+      <p:cxnSp>
+        <p:nvCxnSpPr>
+          <p:cNvPr id="3" name="직선 연결선 2"/>
+          <p:cNvCxnSpPr/>
+          <p:nvPr/>
+        </p:nvCxnSpPr>
+        <p:spPr>
+          <a:xfrm>
+            <a:off x="1436033" y="331537"/>
+            <a:ext cx="0" cy="850232"/>
+          </a:xfrm>
+          <a:prstGeom prst="line">
+            <a:avLst/>
+          </a:prstGeom>
+          <a:ln>
+            <a:solidFill>
+              <a:schemeClr val="tx1"/>
+            </a:solidFill>
+          </a:ln>
+        </p:spPr>
+        <p:style>
+          <a:lnRef idx="1">
+            <a:schemeClr val="accent1"/>
+          </a:lnRef>
+          <a:fillRef idx="0">
+            <a:schemeClr val="accent1"/>
+          </a:fillRef>
+          <a:effectRef idx="0">
+            <a:schemeClr val="accent1"/>
+          </a:effectRef>
+          <a:fontRef idx="minor">
+            <a:schemeClr val="tx1"/>
+          </a:fontRef>
+        </p:style>
+      </p:cxnSp>
+      <p:cxnSp>
+        <p:nvCxnSpPr>
+          <p:cNvPr id="4" name="직선 연결선 3"/>
+          <p:cNvCxnSpPr/>
+          <p:nvPr/>
+        </p:nvCxnSpPr>
+        <p:spPr>
+          <a:xfrm>
+            <a:off x="2406580" y="347579"/>
+            <a:ext cx="0" cy="850232"/>
+          </a:xfrm>
+          <a:prstGeom prst="line">
+            <a:avLst/>
+          </a:prstGeom>
+          <a:ln>
+            <a:solidFill>
+              <a:schemeClr val="tx1"/>
+            </a:solidFill>
+          </a:ln>
+        </p:spPr>
+        <p:style>
+          <a:lnRef idx="1">
+            <a:schemeClr val="accent1"/>
+          </a:lnRef>
+          <a:fillRef idx="0">
+            <a:schemeClr val="accent1"/>
+          </a:fillRef>
+          <a:effectRef idx="0">
+            <a:schemeClr val="accent1"/>
+          </a:effectRef>
+          <a:fontRef idx="minor">
+            <a:schemeClr val="tx1"/>
+          </a:fontRef>
+        </p:style>
+      </p:cxnSp>
+      <p:cxnSp>
+        <p:nvCxnSpPr>
+          <p:cNvPr id="5" name="직선 연결선 4"/>
+          <p:cNvCxnSpPr/>
+          <p:nvPr/>
+        </p:nvCxnSpPr>
+        <p:spPr>
+          <a:xfrm>
+            <a:off x="3361085" y="347579"/>
+            <a:ext cx="0" cy="850232"/>
+          </a:xfrm>
+          <a:prstGeom prst="line">
+            <a:avLst/>
+          </a:prstGeom>
+          <a:ln>
+            <a:solidFill>
+              <a:schemeClr val="tx1"/>
+            </a:solidFill>
+          </a:ln>
+        </p:spPr>
+        <p:style>
+          <a:lnRef idx="1">
+            <a:schemeClr val="accent1"/>
+          </a:lnRef>
+          <a:fillRef idx="0">
+            <a:schemeClr val="accent1"/>
+          </a:fillRef>
+          <a:effectRef idx="0">
+            <a:schemeClr val="accent1"/>
+          </a:effectRef>
+          <a:fontRef idx="minor">
+            <a:schemeClr val="tx1"/>
+          </a:fontRef>
+        </p:style>
+      </p:cxnSp>
+      <p:cxnSp>
+        <p:nvCxnSpPr>
+          <p:cNvPr id="6" name="직선 연결선 5"/>
+          <p:cNvCxnSpPr/>
+          <p:nvPr/>
+        </p:nvCxnSpPr>
+        <p:spPr>
+          <a:xfrm>
+            <a:off x="4395799" y="347579"/>
+            <a:ext cx="0" cy="850232"/>
+          </a:xfrm>
+          <a:prstGeom prst="line">
+            <a:avLst/>
+          </a:prstGeom>
+          <a:ln>
+            <a:solidFill>
+              <a:schemeClr val="tx1"/>
+            </a:solidFill>
+          </a:ln>
+        </p:spPr>
+        <p:style>
+          <a:lnRef idx="1">
+            <a:schemeClr val="accent1"/>
+          </a:lnRef>
+          <a:fillRef idx="0">
+            <a:schemeClr val="accent1"/>
+          </a:fillRef>
+          <a:effectRef idx="0">
+            <a:schemeClr val="accent1"/>
+          </a:effectRef>
+          <a:fontRef idx="minor">
+            <a:schemeClr val="tx1"/>
+          </a:fontRef>
+        </p:style>
+      </p:cxnSp>
+      <p:sp>
+        <p:nvSpPr>
+          <p:cNvPr id="7" name="TextBox 6"/>
+          <p:cNvSpPr txBox="1"/>
+          <p:nvPr/>
+        </p:nvSpPr>
+        <p:spPr>
+          <a:xfrm>
+            <a:off x="7762340" y="1013145"/>
+            <a:ext cx="437940" cy="369332"/>
+          </a:xfrm>
+          <a:prstGeom prst="rect">
+            <a:avLst/>
+          </a:prstGeom>
+          <a:solidFill>
+            <a:schemeClr val="accent1">
+              <a:lumMod val="40000"/>
+              <a:lumOff val="60000"/>
+            </a:schemeClr>
+          </a:solidFill>
+        </p:spPr>
+        <p:txBody>
+          <a:bodyPr wrap="none" rtlCol="0">
+            <a:spAutoFit/>
+          </a:bodyPr>
+          <a:lstStyle/>
+          <a:p>
+            <a:r>
+              <a:rPr lang="en-US" altLang="ko-KR" dirty="0" smtClean="0"/>
+              <a:t>21</a:t>
+            </a:r>
+            <a:endParaRPr lang="ko-KR" altLang="en-US" dirty="0"/>
+          </a:p>
+        </p:txBody>
+      </p:sp>
+      <p:sp>
+        <p:nvSpPr>
+          <p:cNvPr id="8" name="TextBox 7"/>
+          <p:cNvSpPr txBox="1"/>
+          <p:nvPr/>
+        </p:nvSpPr>
+        <p:spPr>
+          <a:xfrm>
+            <a:off x="792476" y="571987"/>
+            <a:ext cx="437940" cy="369332"/>
+          </a:xfrm>
+          <a:prstGeom prst="rect">
+            <a:avLst/>
+          </a:prstGeom>
+          <a:solidFill>
+            <a:schemeClr val="accent1">
+              <a:lumMod val="40000"/>
+              <a:lumOff val="60000"/>
+            </a:schemeClr>
+          </a:solidFill>
+        </p:spPr>
+        <p:txBody>
+          <a:bodyPr wrap="none" rtlCol="0">
+            <a:spAutoFit/>
+          </a:bodyPr>
+          <a:lstStyle/>
+          <a:p>
+            <a:r>
+              <a:rPr lang="en-US" altLang="ko-KR" dirty="0" smtClean="0"/>
+              <a:t>20</a:t>
+            </a:r>
+            <a:endParaRPr lang="ko-KR" altLang="en-US" dirty="0"/>
+          </a:p>
+        </p:txBody>
+      </p:sp>
+      <p:sp>
+        <p:nvSpPr>
+          <p:cNvPr id="9" name="TextBox 8"/>
+          <p:cNvSpPr txBox="1"/>
+          <p:nvPr/>
+        </p:nvSpPr>
+        <p:spPr>
+          <a:xfrm>
+            <a:off x="9050998" y="415662"/>
+            <a:ext cx="311304" cy="369332"/>
+          </a:xfrm>
+          <a:prstGeom prst="rect">
+            <a:avLst/>
+          </a:prstGeom>
+          <a:solidFill>
+            <a:schemeClr val="accent1">
+              <a:lumMod val="40000"/>
+              <a:lumOff val="60000"/>
+            </a:schemeClr>
+          </a:solidFill>
+        </p:spPr>
+        <p:txBody>
+          <a:bodyPr wrap="none" rtlCol="0">
+            <a:spAutoFit/>
+          </a:bodyPr>
+          <a:lstStyle/>
+          <a:p>
+            <a:r>
+              <a:rPr lang="en-US" altLang="ko-KR" dirty="0" smtClean="0"/>
+              <a:t>1</a:t>
+            </a:r>
+            <a:endParaRPr lang="ko-KR" altLang="en-US" dirty="0"/>
+          </a:p>
+        </p:txBody>
+      </p:sp>
+      <p:sp>
+        <p:nvSpPr>
+          <p:cNvPr id="10" name="TextBox 9"/>
+          <p:cNvSpPr txBox="1"/>
+          <p:nvPr/>
+        </p:nvSpPr>
+        <p:spPr>
+          <a:xfrm>
+            <a:off x="9611848" y="1431128"/>
+            <a:ext cx="311304" cy="369332"/>
+          </a:xfrm>
+          <a:prstGeom prst="rect">
+            <a:avLst/>
+          </a:prstGeom>
+          <a:solidFill>
+            <a:schemeClr val="accent1">
+              <a:lumMod val="40000"/>
+              <a:lumOff val="60000"/>
+            </a:schemeClr>
+          </a:solidFill>
+        </p:spPr>
+        <p:txBody>
+          <a:bodyPr wrap="none" rtlCol="0">
+            <a:spAutoFit/>
+          </a:bodyPr>
+          <a:lstStyle/>
+          <a:p>
+            <a:r>
+              <a:rPr lang="en-US" altLang="ko-KR" dirty="0"/>
+              <a:t>8</a:t>
+            </a:r>
+            <a:endParaRPr lang="ko-KR" altLang="en-US" dirty="0"/>
+          </a:p>
+        </p:txBody>
+      </p:sp>
+      <p:sp>
+        <p:nvSpPr>
+          <p:cNvPr id="11" name="TextBox 10"/>
+          <p:cNvSpPr txBox="1"/>
+          <p:nvPr/>
+        </p:nvSpPr>
+        <p:spPr>
+          <a:xfrm>
+            <a:off x="1723811" y="569488"/>
+            <a:ext cx="437940" cy="369332"/>
+          </a:xfrm>
+          <a:prstGeom prst="rect">
+            <a:avLst/>
+          </a:prstGeom>
+          <a:solidFill>
+            <a:schemeClr val="accent1">
+              <a:lumMod val="40000"/>
+              <a:lumOff val="60000"/>
+            </a:schemeClr>
+          </a:solidFill>
+        </p:spPr>
+        <p:txBody>
+          <a:bodyPr wrap="none" rtlCol="0">
+            <a:spAutoFit/>
+          </a:bodyPr>
+          <a:lstStyle/>
+          <a:p>
+            <a:r>
+              <a:rPr lang="en-US" altLang="ko-KR" dirty="0" smtClean="0"/>
+              <a:t>30</a:t>
+            </a:r>
+            <a:endParaRPr lang="ko-KR" altLang="en-US" dirty="0"/>
+          </a:p>
+        </p:txBody>
+      </p:sp>
+      <p:sp>
+        <p:nvSpPr>
+          <p:cNvPr id="12" name="TextBox 11"/>
+          <p:cNvSpPr txBox="1"/>
+          <p:nvPr/>
+        </p:nvSpPr>
+        <p:spPr>
+          <a:xfrm>
+            <a:off x="1577969" y="1246462"/>
+            <a:ext cx="729623" cy="369332"/>
+          </a:xfrm>
+          <a:prstGeom prst="rect">
+            <a:avLst/>
+          </a:prstGeom>
+          <a:noFill/>
+        </p:spPr>
+        <p:txBody>
+          <a:bodyPr wrap="none" rtlCol="0">
+            <a:spAutoFit/>
+          </a:bodyPr>
+          <a:lstStyle/>
+          <a:p>
+            <a:r>
+              <a:rPr lang="en-US" altLang="ko-KR" dirty="0" smtClean="0"/>
+              <a:t>Front</a:t>
+            </a:r>
+          </a:p>
+        </p:txBody>
+      </p:sp>
+      <p:sp>
+        <p:nvSpPr>
+          <p:cNvPr id="13" name="TextBox 12"/>
+          <p:cNvSpPr txBox="1"/>
+          <p:nvPr/>
+        </p:nvSpPr>
+        <p:spPr>
+          <a:xfrm>
+            <a:off x="2660149" y="1246462"/>
+            <a:ext cx="644151" cy="369332"/>
+          </a:xfrm>
+          <a:prstGeom prst="rect">
+            <a:avLst/>
+          </a:prstGeom>
+          <a:noFill/>
+        </p:spPr>
+        <p:txBody>
+          <a:bodyPr wrap="none" rtlCol="0">
+            <a:spAutoFit/>
+          </a:bodyPr>
+          <a:lstStyle/>
+          <a:p>
+            <a:r>
+              <a:rPr lang="en-US" altLang="ko-KR" dirty="0" smtClean="0"/>
+              <a:t>Rear</a:t>
+            </a:r>
+          </a:p>
+        </p:txBody>
+      </p:sp>
       <p:pic>
         <p:nvPicPr>
-          <p:cNvPr id="2" name="그림 1"/>
+          <p:cNvPr id="14" name="그림 13"/>
           <p:cNvPicPr>
             <a:picLocks noChangeAspect="1"/>
           </p:cNvPicPr>
@@ -8349,8 +12498,8 @@
         </p:blipFill>
         <p:spPr>
           <a:xfrm>
-            <a:off x="0" y="65114"/>
-            <a:ext cx="3970364" cy="1188823"/>
+            <a:off x="391013" y="3314300"/>
+            <a:ext cx="3383573" cy="3314987"/>
           </a:xfrm>
           <a:prstGeom prst="rect">
             <a:avLst/>
@@ -8359,13 +12508,13 @@
       </p:pic>
       <p:sp>
         <p:nvSpPr>
-          <p:cNvPr id="3" name="오른쪽 화살표 2"/>
+          <p:cNvPr id="15" name="오른쪽 화살표 14"/>
           <p:cNvSpPr/>
           <p:nvPr/>
         </p:nvSpPr>
         <p:spPr>
           <a:xfrm>
-            <a:off x="8487833" y="1046504"/>
+            <a:off x="5660422" y="4764360"/>
             <a:ext cx="533400" cy="414866"/>
           </a:xfrm>
           <a:prstGeom prst="rightArrow">
@@ -8393,13 +12542,13 @@
           <a:lstStyle/>
           <a:p>
             <a:pPr algn="ctr"/>
-            <a:endParaRPr lang="ko-KR" altLang="en-US"/>
+            <a:endParaRPr lang="ko-KR" altLang="en-US" dirty="0"/>
           </a:p>
         </p:txBody>
       </p:sp>
       <p:pic>
         <p:nvPicPr>
-          <p:cNvPr id="4" name="그림 3"/>
+          <p:cNvPr id="16" name="그림 15"/>
           <p:cNvPicPr>
             <a:picLocks noChangeAspect="1"/>
           </p:cNvPicPr>
@@ -8413,56 +12562,8 @@
         </p:blipFill>
         <p:spPr>
           <a:xfrm>
-            <a:off x="3970364" y="65114"/>
-            <a:ext cx="3878916" cy="1783235"/>
-          </a:xfrm>
-          <a:prstGeom prst="rect">
-            <a:avLst/>
-          </a:prstGeom>
-        </p:spPr>
-      </p:pic>
-      <p:pic>
-        <p:nvPicPr>
-          <p:cNvPr id="6" name="그림 5"/>
-          <p:cNvPicPr>
-            <a:picLocks noChangeAspect="1"/>
-          </p:cNvPicPr>
-          <p:nvPr/>
-        </p:nvPicPr>
-        <p:blipFill>
-          <a:blip r:embed="rId4"/>
-          <a:stretch>
-            <a:fillRect/>
-          </a:stretch>
-        </p:blipFill>
-        <p:spPr>
-          <a:xfrm>
-            <a:off x="6693167" y="2485212"/>
-            <a:ext cx="3589331" cy="3276884"/>
-          </a:xfrm>
-          <a:prstGeom prst="rect">
-            <a:avLst/>
-          </a:prstGeom>
-        </p:spPr>
-      </p:pic>
-      <p:pic>
-        <p:nvPicPr>
-          <p:cNvPr id="8" name="그림 7"/>
-          <p:cNvPicPr>
-            <a:picLocks noChangeAspect="1"/>
-          </p:cNvPicPr>
-          <p:nvPr/>
-        </p:nvPicPr>
-        <p:blipFill>
-          <a:blip r:embed="rId5"/>
-          <a:stretch>
-            <a:fillRect/>
-          </a:stretch>
-        </p:blipFill>
-        <p:spPr>
-          <a:xfrm>
-            <a:off x="1442982" y="2077507"/>
-            <a:ext cx="3711262" cy="4092295"/>
+            <a:off x="7778447" y="4676209"/>
+            <a:ext cx="2144705" cy="591168"/>
           </a:xfrm>
           <a:prstGeom prst="rect">
             <a:avLst/>
@@ -8472,7 +12573,7 @@
     </p:spTree>
     <p:extLst>
       <p:ext uri="{BB962C8B-B14F-4D97-AF65-F5344CB8AC3E}">
-        <p14:creationId xmlns:p14="http://schemas.microsoft.com/office/powerpoint/2010/main" val="2731514670"/>
+        <p14:creationId xmlns:p14="http://schemas.microsoft.com/office/powerpoint/2010/main" val="1808026246"/>
       </p:ext>
     </p:extLst>
   </p:cSld>
@@ -8515,17 +12616,57 @@
         </p:blipFill>
         <p:spPr>
           <a:xfrm>
-            <a:off x="8352762" y="1675046"/>
-            <a:ext cx="647756" cy="1943268"/>
+            <a:off x="0" y="65114"/>
+            <a:ext cx="3970364" cy="1188823"/>
           </a:xfrm>
           <a:prstGeom prst="rect">
             <a:avLst/>
           </a:prstGeom>
         </p:spPr>
       </p:pic>
+      <p:sp>
+        <p:nvSpPr>
+          <p:cNvPr id="3" name="오른쪽 화살표 2"/>
+          <p:cNvSpPr/>
+          <p:nvPr/>
+        </p:nvSpPr>
+        <p:spPr>
+          <a:xfrm>
+            <a:off x="8487833" y="1046504"/>
+            <a:ext cx="533400" cy="414866"/>
+          </a:xfrm>
+          <a:prstGeom prst="rightArrow">
+            <a:avLst/>
+          </a:prstGeom>
+        </p:spPr>
+        <p:style>
+          <a:lnRef idx="2">
+            <a:schemeClr val="accent1">
+              <a:shade val="50000"/>
+            </a:schemeClr>
+          </a:lnRef>
+          <a:fillRef idx="1">
+            <a:schemeClr val="accent1"/>
+          </a:fillRef>
+          <a:effectRef idx="0">
+            <a:schemeClr val="accent1"/>
+          </a:effectRef>
+          <a:fontRef idx="minor">
+            <a:schemeClr val="lt1"/>
+          </a:fontRef>
+        </p:style>
+        <p:txBody>
+          <a:bodyPr rtlCol="0" anchor="ctr"/>
+          <a:lstStyle/>
+          <a:p>
+            <a:pPr algn="ctr"/>
+            <a:endParaRPr lang="ko-KR" altLang="en-US"/>
+          </a:p>
+        </p:txBody>
+      </p:sp>
       <p:pic>
         <p:nvPicPr>
-          <p:cNvPr id="3" name="그림 2"/>
+          <p:cNvPr id="4" name="그림 3"/>
           <p:cNvPicPr>
             <a:picLocks noChangeAspect="1"/>
           </p:cNvPicPr>
@@ -8539,8 +12680,8 @@
         </p:blipFill>
         <p:spPr>
           <a:xfrm>
-            <a:off x="1243098" y="1484529"/>
-            <a:ext cx="5357324" cy="2133785"/>
+            <a:off x="3970364" y="65114"/>
+            <a:ext cx="3878916" cy="1783235"/>
           </a:xfrm>
           <a:prstGeom prst="rect">
             <a:avLst/>
@@ -8549,7 +12690,7 @@
       </p:pic>
       <p:pic>
         <p:nvPicPr>
-          <p:cNvPr id="4" name="그림 3"/>
+          <p:cNvPr id="6" name="그림 5"/>
           <p:cNvPicPr>
             <a:picLocks noChangeAspect="1"/>
           </p:cNvPicPr>
@@ -8563,8 +12704,8 @@
         </p:blipFill>
         <p:spPr>
           <a:xfrm>
-            <a:off x="1243098" y="3974997"/>
-            <a:ext cx="5608806" cy="2362405"/>
+            <a:off x="6693167" y="2485212"/>
+            <a:ext cx="3589331" cy="3276884"/>
           </a:xfrm>
           <a:prstGeom prst="rect">
             <a:avLst/>
@@ -8573,7 +12714,7 @@
       </p:pic>
       <p:pic>
         <p:nvPicPr>
-          <p:cNvPr id="5" name="그림 4"/>
+          <p:cNvPr id="8" name="그림 7"/>
           <p:cNvPicPr>
             <a:picLocks noChangeAspect="1"/>
           </p:cNvPicPr>
@@ -8587,8 +12728,8 @@
         </p:blipFill>
         <p:spPr>
           <a:xfrm>
-            <a:off x="8352762" y="4161703"/>
-            <a:ext cx="579170" cy="1988992"/>
+            <a:off x="1442982" y="2077507"/>
+            <a:ext cx="3711262" cy="4092295"/>
           </a:xfrm>
           <a:prstGeom prst="rect">
             <a:avLst/>
@@ -8598,7 +12739,7 @@
     </p:spTree>
     <p:extLst>
       <p:ext uri="{BB962C8B-B14F-4D97-AF65-F5344CB8AC3E}">
-        <p14:creationId xmlns:p14="http://schemas.microsoft.com/office/powerpoint/2010/main" val="3242610934"/>
+        <p14:creationId xmlns:p14="http://schemas.microsoft.com/office/powerpoint/2010/main" val="2731514670"/>
       </p:ext>
     </p:extLst>
   </p:cSld>
@@ -8625,10 +12766,106 @@
           <a:chExt cx="0" cy="0"/>
         </a:xfrm>
       </p:grpSpPr>
+      <p:pic>
+        <p:nvPicPr>
+          <p:cNvPr id="2" name="그림 1"/>
+          <p:cNvPicPr>
+            <a:picLocks noChangeAspect="1"/>
+          </p:cNvPicPr>
+          <p:nvPr/>
+        </p:nvPicPr>
+        <p:blipFill>
+          <a:blip r:embed="rId2"/>
+          <a:stretch>
+            <a:fillRect/>
+          </a:stretch>
+        </p:blipFill>
+        <p:spPr>
+          <a:xfrm>
+            <a:off x="8352762" y="1675046"/>
+            <a:ext cx="647756" cy="1943268"/>
+          </a:xfrm>
+          <a:prstGeom prst="rect">
+            <a:avLst/>
+          </a:prstGeom>
+        </p:spPr>
+      </p:pic>
+      <p:pic>
+        <p:nvPicPr>
+          <p:cNvPr id="3" name="그림 2"/>
+          <p:cNvPicPr>
+            <a:picLocks noChangeAspect="1"/>
+          </p:cNvPicPr>
+          <p:nvPr/>
+        </p:nvPicPr>
+        <p:blipFill>
+          <a:blip r:embed="rId3"/>
+          <a:stretch>
+            <a:fillRect/>
+          </a:stretch>
+        </p:blipFill>
+        <p:spPr>
+          <a:xfrm>
+            <a:off x="1243098" y="1484529"/>
+            <a:ext cx="5357324" cy="2133785"/>
+          </a:xfrm>
+          <a:prstGeom prst="rect">
+            <a:avLst/>
+          </a:prstGeom>
+        </p:spPr>
+      </p:pic>
+      <p:pic>
+        <p:nvPicPr>
+          <p:cNvPr id="4" name="그림 3"/>
+          <p:cNvPicPr>
+            <a:picLocks noChangeAspect="1"/>
+          </p:cNvPicPr>
+          <p:nvPr/>
+        </p:nvPicPr>
+        <p:blipFill>
+          <a:blip r:embed="rId4"/>
+          <a:stretch>
+            <a:fillRect/>
+          </a:stretch>
+        </p:blipFill>
+        <p:spPr>
+          <a:xfrm>
+            <a:off x="1243098" y="3974997"/>
+            <a:ext cx="5608806" cy="2362405"/>
+          </a:xfrm>
+          <a:prstGeom prst="rect">
+            <a:avLst/>
+          </a:prstGeom>
+        </p:spPr>
+      </p:pic>
+      <p:pic>
+        <p:nvPicPr>
+          <p:cNvPr id="5" name="그림 4"/>
+          <p:cNvPicPr>
+            <a:picLocks noChangeAspect="1"/>
+          </p:cNvPicPr>
+          <p:nvPr/>
+        </p:nvPicPr>
+        <p:blipFill>
+          <a:blip r:embed="rId5"/>
+          <a:stretch>
+            <a:fillRect/>
+          </a:stretch>
+        </p:blipFill>
+        <p:spPr>
+          <a:xfrm>
+            <a:off x="8352762" y="4161703"/>
+            <a:ext cx="579170" cy="1988992"/>
+          </a:xfrm>
+          <a:prstGeom prst="rect">
+            <a:avLst/>
+          </a:prstGeom>
+        </p:spPr>
+      </p:pic>
     </p:spTree>
     <p:extLst>
       <p:ext uri="{BB962C8B-B14F-4D97-AF65-F5344CB8AC3E}">
-        <p14:creationId xmlns:p14="http://schemas.microsoft.com/office/powerpoint/2010/main" val="114199566"/>
+        <p14:creationId xmlns:p14="http://schemas.microsoft.com/office/powerpoint/2010/main" val="3242610934"/>
       </p:ext>
     </p:extLst>
   </p:cSld>
@@ -8658,7 +12895,7 @@
     </p:spTree>
     <p:extLst>
       <p:ext uri="{BB962C8B-B14F-4D97-AF65-F5344CB8AC3E}">
-        <p14:creationId xmlns:p14="http://schemas.microsoft.com/office/powerpoint/2010/main" val="2890894902"/>
+        <p14:creationId xmlns:p14="http://schemas.microsoft.com/office/powerpoint/2010/main" val="114199566"/>
       </p:ext>
     </p:extLst>
   </p:cSld>

--- a/Algorithm-이론/알고리즘 이론 학습 자료.pptx
+++ b/Algorithm-이론/알고리즘 이론 학습 자료.pptx
@@ -276,7 +276,7 @@
           <a:p>
             <a:fld id="{F5183EF9-8AE5-4977-9B10-E3C99861EBC1}" type="datetimeFigureOut">
               <a:rPr lang="ko-KR" altLang="en-US" smtClean="0"/>
-              <a:t>2020-03-01</a:t>
+              <a:t>2020-03-05</a:t>
             </a:fld>
             <a:endParaRPr lang="ko-KR" altLang="en-US"/>
           </a:p>
@@ -446,7 +446,7 @@
           <a:p>
             <a:fld id="{F5183EF9-8AE5-4977-9B10-E3C99861EBC1}" type="datetimeFigureOut">
               <a:rPr lang="ko-KR" altLang="en-US" smtClean="0"/>
-              <a:t>2020-03-01</a:t>
+              <a:t>2020-03-05</a:t>
             </a:fld>
             <a:endParaRPr lang="ko-KR" altLang="en-US"/>
           </a:p>
@@ -626,7 +626,7 @@
           <a:p>
             <a:fld id="{F5183EF9-8AE5-4977-9B10-E3C99861EBC1}" type="datetimeFigureOut">
               <a:rPr lang="ko-KR" altLang="en-US" smtClean="0"/>
-              <a:t>2020-03-01</a:t>
+              <a:t>2020-03-05</a:t>
             </a:fld>
             <a:endParaRPr lang="ko-KR" altLang="en-US"/>
           </a:p>
@@ -796,7 +796,7 @@
           <a:p>
             <a:fld id="{F5183EF9-8AE5-4977-9B10-E3C99861EBC1}" type="datetimeFigureOut">
               <a:rPr lang="ko-KR" altLang="en-US" smtClean="0"/>
-              <a:t>2020-03-01</a:t>
+              <a:t>2020-03-05</a:t>
             </a:fld>
             <a:endParaRPr lang="ko-KR" altLang="en-US"/>
           </a:p>
@@ -1042,7 +1042,7 @@
           <a:p>
             <a:fld id="{F5183EF9-8AE5-4977-9B10-E3C99861EBC1}" type="datetimeFigureOut">
               <a:rPr lang="ko-KR" altLang="en-US" smtClean="0"/>
-              <a:t>2020-03-01</a:t>
+              <a:t>2020-03-05</a:t>
             </a:fld>
             <a:endParaRPr lang="ko-KR" altLang="en-US"/>
           </a:p>
@@ -1274,7 +1274,7 @@
           <a:p>
             <a:fld id="{F5183EF9-8AE5-4977-9B10-E3C99861EBC1}" type="datetimeFigureOut">
               <a:rPr lang="ko-KR" altLang="en-US" smtClean="0"/>
-              <a:t>2020-03-01</a:t>
+              <a:t>2020-03-05</a:t>
             </a:fld>
             <a:endParaRPr lang="ko-KR" altLang="en-US"/>
           </a:p>
@@ -1641,7 +1641,7 @@
           <a:p>
             <a:fld id="{F5183EF9-8AE5-4977-9B10-E3C99861EBC1}" type="datetimeFigureOut">
               <a:rPr lang="ko-KR" altLang="en-US" smtClean="0"/>
-              <a:t>2020-03-01</a:t>
+              <a:t>2020-03-05</a:t>
             </a:fld>
             <a:endParaRPr lang="ko-KR" altLang="en-US"/>
           </a:p>
@@ -1759,7 +1759,7 @@
           <a:p>
             <a:fld id="{F5183EF9-8AE5-4977-9B10-E3C99861EBC1}" type="datetimeFigureOut">
               <a:rPr lang="ko-KR" altLang="en-US" smtClean="0"/>
-              <a:t>2020-03-01</a:t>
+              <a:t>2020-03-05</a:t>
             </a:fld>
             <a:endParaRPr lang="ko-KR" altLang="en-US"/>
           </a:p>
@@ -1854,7 +1854,7 @@
           <a:p>
             <a:fld id="{F5183EF9-8AE5-4977-9B10-E3C99861EBC1}" type="datetimeFigureOut">
               <a:rPr lang="ko-KR" altLang="en-US" smtClean="0"/>
-              <a:t>2020-03-01</a:t>
+              <a:t>2020-03-05</a:t>
             </a:fld>
             <a:endParaRPr lang="ko-KR" altLang="en-US"/>
           </a:p>
@@ -2131,7 +2131,7 @@
           <a:p>
             <a:fld id="{F5183EF9-8AE5-4977-9B10-E3C99861EBC1}" type="datetimeFigureOut">
               <a:rPr lang="ko-KR" altLang="en-US" smtClean="0"/>
-              <a:t>2020-03-01</a:t>
+              <a:t>2020-03-05</a:t>
             </a:fld>
             <a:endParaRPr lang="ko-KR" altLang="en-US"/>
           </a:p>
@@ -2384,7 +2384,7 @@
           <a:p>
             <a:fld id="{F5183EF9-8AE5-4977-9B10-E3C99861EBC1}" type="datetimeFigureOut">
               <a:rPr lang="ko-KR" altLang="en-US" smtClean="0"/>
-              <a:t>2020-03-01</a:t>
+              <a:t>2020-03-05</a:t>
             </a:fld>
             <a:endParaRPr lang="ko-KR" altLang="en-US"/>
           </a:p>
@@ -2597,7 +2597,7 @@
           <a:p>
             <a:fld id="{F5183EF9-8AE5-4977-9B10-E3C99861EBC1}" type="datetimeFigureOut">
               <a:rPr lang="ko-KR" altLang="en-US" smtClean="0"/>
-              <a:t>2020-03-01</a:t>
+              <a:t>2020-03-05</a:t>
             </a:fld>
             <a:endParaRPr lang="ko-KR" altLang="en-US"/>
           </a:p>
@@ -5863,6 +5863,214 @@
           <a:chExt cx="0" cy="0"/>
         </a:xfrm>
       </p:grpSpPr>
+      <p:pic>
+        <p:nvPicPr>
+          <p:cNvPr id="2" name="그림 1"/>
+          <p:cNvPicPr>
+            <a:picLocks noChangeAspect="1"/>
+          </p:cNvPicPr>
+          <p:nvPr/>
+        </p:nvPicPr>
+        <p:blipFill>
+          <a:blip r:embed="rId2"/>
+          <a:stretch>
+            <a:fillRect/>
+          </a:stretch>
+        </p:blipFill>
+        <p:spPr>
+          <a:xfrm>
+            <a:off x="646307" y="782733"/>
+            <a:ext cx="8487960" cy="4839375"/>
+          </a:xfrm>
+          <a:prstGeom prst="rect">
+            <a:avLst/>
+          </a:prstGeom>
+        </p:spPr>
+      </p:pic>
+      <p:sp>
+        <p:nvSpPr>
+          <p:cNvPr id="3" name="직사각형 2"/>
+          <p:cNvSpPr/>
+          <p:nvPr/>
+        </p:nvSpPr>
+        <p:spPr>
+          <a:xfrm>
+            <a:off x="5356928" y="4741933"/>
+            <a:ext cx="744467" cy="880175"/>
+          </a:xfrm>
+          <a:prstGeom prst="rect">
+            <a:avLst/>
+          </a:prstGeom>
+          <a:noFill/>
+          <a:ln w="28575">
+            <a:solidFill>
+              <a:srgbClr val="FF0000"/>
+            </a:solidFill>
+          </a:ln>
+        </p:spPr>
+        <p:style>
+          <a:lnRef idx="2">
+            <a:schemeClr val="accent1">
+              <a:shade val="50000"/>
+            </a:schemeClr>
+          </a:lnRef>
+          <a:fillRef idx="1">
+            <a:schemeClr val="accent1"/>
+          </a:fillRef>
+          <a:effectRef idx="0">
+            <a:schemeClr val="accent1"/>
+          </a:effectRef>
+          <a:fontRef idx="minor">
+            <a:schemeClr val="lt1"/>
+          </a:fontRef>
+        </p:style>
+        <p:txBody>
+          <a:bodyPr rtlCol="0" anchor="ctr"/>
+          <a:lstStyle/>
+          <a:p>
+            <a:pPr algn="ctr"/>
+            <a:endParaRPr lang="ko-KR" altLang="en-US"/>
+          </a:p>
+        </p:txBody>
+      </p:sp>
+      <p:sp>
+        <p:nvSpPr>
+          <p:cNvPr id="4" name="직사각형 3"/>
+          <p:cNvSpPr/>
+          <p:nvPr/>
+        </p:nvSpPr>
+        <p:spPr>
+          <a:xfrm>
+            <a:off x="6375175" y="3720988"/>
+            <a:ext cx="744467" cy="880175"/>
+          </a:xfrm>
+          <a:prstGeom prst="rect">
+            <a:avLst/>
+          </a:prstGeom>
+          <a:noFill/>
+          <a:ln w="28575">
+            <a:solidFill>
+              <a:srgbClr val="FF0000"/>
+            </a:solidFill>
+          </a:ln>
+        </p:spPr>
+        <p:style>
+          <a:lnRef idx="2">
+            <a:schemeClr val="accent1">
+              <a:shade val="50000"/>
+            </a:schemeClr>
+          </a:lnRef>
+          <a:fillRef idx="1">
+            <a:schemeClr val="accent1"/>
+          </a:fillRef>
+          <a:effectRef idx="0">
+            <a:schemeClr val="accent1"/>
+          </a:effectRef>
+          <a:fontRef idx="minor">
+            <a:schemeClr val="lt1"/>
+          </a:fontRef>
+        </p:style>
+        <p:txBody>
+          <a:bodyPr rtlCol="0" anchor="ctr"/>
+          <a:lstStyle/>
+          <a:p>
+            <a:pPr algn="ctr"/>
+            <a:endParaRPr lang="ko-KR" altLang="en-US"/>
+          </a:p>
+        </p:txBody>
+      </p:sp>
+      <p:sp>
+        <p:nvSpPr>
+          <p:cNvPr id="5" name="직사각형 4"/>
+          <p:cNvSpPr/>
+          <p:nvPr/>
+        </p:nvSpPr>
+        <p:spPr>
+          <a:xfrm>
+            <a:off x="6375175" y="1788340"/>
+            <a:ext cx="744467" cy="1791877"/>
+          </a:xfrm>
+          <a:prstGeom prst="rect">
+            <a:avLst/>
+          </a:prstGeom>
+          <a:noFill/>
+          <a:ln w="28575">
+            <a:solidFill>
+              <a:srgbClr val="FF0000"/>
+            </a:solidFill>
+          </a:ln>
+        </p:spPr>
+        <p:style>
+          <a:lnRef idx="2">
+            <a:schemeClr val="accent1">
+              <a:shade val="50000"/>
+            </a:schemeClr>
+          </a:lnRef>
+          <a:fillRef idx="1">
+            <a:schemeClr val="accent1"/>
+          </a:fillRef>
+          <a:effectRef idx="0">
+            <a:schemeClr val="accent1"/>
+          </a:effectRef>
+          <a:fontRef idx="minor">
+            <a:schemeClr val="lt1"/>
+          </a:fontRef>
+        </p:style>
+        <p:txBody>
+          <a:bodyPr rtlCol="0" anchor="ctr"/>
+          <a:lstStyle/>
+          <a:p>
+            <a:pPr algn="ctr"/>
+            <a:endParaRPr lang="ko-KR" altLang="en-US"/>
+          </a:p>
+        </p:txBody>
+      </p:sp>
+      <p:sp>
+        <p:nvSpPr>
+          <p:cNvPr id="6" name="직사각형 5"/>
+          <p:cNvSpPr/>
+          <p:nvPr/>
+        </p:nvSpPr>
+        <p:spPr>
+          <a:xfrm>
+            <a:off x="7385331" y="849664"/>
+            <a:ext cx="744467" cy="746656"/>
+          </a:xfrm>
+          <a:prstGeom prst="rect">
+            <a:avLst/>
+          </a:prstGeom>
+          <a:noFill/>
+          <a:ln w="28575">
+            <a:solidFill>
+              <a:srgbClr val="FF0000"/>
+            </a:solidFill>
+          </a:ln>
+        </p:spPr>
+        <p:style>
+          <a:lnRef idx="2">
+            <a:schemeClr val="accent1">
+              <a:shade val="50000"/>
+            </a:schemeClr>
+          </a:lnRef>
+          <a:fillRef idx="1">
+            <a:schemeClr val="accent1"/>
+          </a:fillRef>
+          <a:effectRef idx="0">
+            <a:schemeClr val="accent1"/>
+          </a:effectRef>
+          <a:fontRef idx="minor">
+            <a:schemeClr val="lt1"/>
+          </a:fontRef>
+        </p:style>
+        <p:txBody>
+          <a:bodyPr rtlCol="0" anchor="ctr"/>
+          <a:lstStyle/>
+          <a:p>
+            <a:pPr algn="ctr"/>
+            <a:endParaRPr lang="ko-KR" altLang="en-US"/>
+          </a:p>
+        </p:txBody>
+      </p:sp>
     </p:spTree>
     <p:extLst>
       <p:ext uri="{BB962C8B-B14F-4D97-AF65-F5344CB8AC3E}">
@@ -5893,6 +6101,190 @@
           <a:chExt cx="0" cy="0"/>
         </a:xfrm>
       </p:grpSpPr>
+      <p:pic>
+        <p:nvPicPr>
+          <p:cNvPr id="2" name="그림 1"/>
+          <p:cNvPicPr>
+            <a:picLocks noChangeAspect="1"/>
+          </p:cNvPicPr>
+          <p:nvPr/>
+        </p:nvPicPr>
+        <p:blipFill>
+          <a:blip r:embed="rId2"/>
+          <a:stretch>
+            <a:fillRect/>
+          </a:stretch>
+        </p:blipFill>
+        <p:spPr>
+          <a:xfrm>
+            <a:off x="1635689" y="0"/>
+            <a:ext cx="8920622" cy="6858000"/>
+          </a:xfrm>
+          <a:prstGeom prst="rect">
+            <a:avLst/>
+          </a:prstGeom>
+        </p:spPr>
+      </p:pic>
+      <p:sp>
+        <p:nvSpPr>
+          <p:cNvPr id="3" name="직사각형 2"/>
+          <p:cNvSpPr/>
+          <p:nvPr/>
+        </p:nvSpPr>
+        <p:spPr>
+          <a:xfrm>
+            <a:off x="3876085" y="1399922"/>
+            <a:ext cx="347957" cy="161841"/>
+          </a:xfrm>
+          <a:prstGeom prst="rect">
+            <a:avLst/>
+          </a:prstGeom>
+        </p:spPr>
+        <p:style>
+          <a:lnRef idx="2">
+            <a:schemeClr val="accent1">
+              <a:shade val="50000"/>
+            </a:schemeClr>
+          </a:lnRef>
+          <a:fillRef idx="1">
+            <a:schemeClr val="accent1"/>
+          </a:fillRef>
+          <a:effectRef idx="0">
+            <a:schemeClr val="accent1"/>
+          </a:effectRef>
+          <a:fontRef idx="minor">
+            <a:schemeClr val="lt1"/>
+          </a:fontRef>
+        </p:style>
+        <p:txBody>
+          <a:bodyPr rtlCol="0" anchor="ctr"/>
+          <a:lstStyle/>
+          <a:p>
+            <a:pPr algn="ctr"/>
+            <a:endParaRPr lang="ko-KR" altLang="en-US"/>
+          </a:p>
+        </p:txBody>
+      </p:sp>
+      <p:sp>
+        <p:nvSpPr>
+          <p:cNvPr id="4" name="직사각형 3"/>
+          <p:cNvSpPr/>
+          <p:nvPr/>
+        </p:nvSpPr>
+        <p:spPr>
+          <a:xfrm>
+            <a:off x="3876085" y="1786991"/>
+            <a:ext cx="697264" cy="155098"/>
+          </a:xfrm>
+          <a:prstGeom prst="rect">
+            <a:avLst/>
+          </a:prstGeom>
+        </p:spPr>
+        <p:style>
+          <a:lnRef idx="2">
+            <a:schemeClr val="accent1">
+              <a:shade val="50000"/>
+            </a:schemeClr>
+          </a:lnRef>
+          <a:fillRef idx="1">
+            <a:schemeClr val="accent1"/>
+          </a:fillRef>
+          <a:effectRef idx="0">
+            <a:schemeClr val="accent1"/>
+          </a:effectRef>
+          <a:fontRef idx="minor">
+            <a:schemeClr val="lt1"/>
+          </a:fontRef>
+        </p:style>
+        <p:txBody>
+          <a:bodyPr rtlCol="0" anchor="ctr"/>
+          <a:lstStyle/>
+          <a:p>
+            <a:pPr algn="ctr"/>
+            <a:endParaRPr lang="ko-KR" altLang="en-US"/>
+          </a:p>
+        </p:txBody>
+      </p:sp>
+      <p:sp>
+        <p:nvSpPr>
+          <p:cNvPr id="5" name="직사각형 4"/>
+          <p:cNvSpPr/>
+          <p:nvPr/>
+        </p:nvSpPr>
+        <p:spPr>
+          <a:xfrm>
+            <a:off x="3876084" y="2167317"/>
+            <a:ext cx="793019" cy="147005"/>
+          </a:xfrm>
+          <a:prstGeom prst="rect">
+            <a:avLst/>
+          </a:prstGeom>
+        </p:spPr>
+        <p:style>
+          <a:lnRef idx="2">
+            <a:schemeClr val="accent1">
+              <a:shade val="50000"/>
+            </a:schemeClr>
+          </a:lnRef>
+          <a:fillRef idx="1">
+            <a:schemeClr val="accent1"/>
+          </a:fillRef>
+          <a:effectRef idx="0">
+            <a:schemeClr val="accent1"/>
+          </a:effectRef>
+          <a:fontRef idx="minor">
+            <a:schemeClr val="lt1"/>
+          </a:fontRef>
+        </p:style>
+        <p:txBody>
+          <a:bodyPr rtlCol="0" anchor="ctr"/>
+          <a:lstStyle/>
+          <a:p>
+            <a:pPr algn="ctr"/>
+            <a:endParaRPr lang="ko-KR" altLang="en-US"/>
+          </a:p>
+        </p:txBody>
+      </p:sp>
+      <p:sp>
+        <p:nvSpPr>
+          <p:cNvPr id="6" name="직사각형 5"/>
+          <p:cNvSpPr/>
+          <p:nvPr/>
+        </p:nvSpPr>
+        <p:spPr>
+          <a:xfrm>
+            <a:off x="3876084" y="2539550"/>
+            <a:ext cx="1189530" cy="155098"/>
+          </a:xfrm>
+          <a:prstGeom prst="rect">
+            <a:avLst/>
+          </a:prstGeom>
+        </p:spPr>
+        <p:style>
+          <a:lnRef idx="2">
+            <a:schemeClr val="accent1">
+              <a:shade val="50000"/>
+            </a:schemeClr>
+          </a:lnRef>
+          <a:fillRef idx="1">
+            <a:schemeClr val="accent1"/>
+          </a:fillRef>
+          <a:effectRef idx="0">
+            <a:schemeClr val="accent1"/>
+          </a:effectRef>
+          <a:fontRef idx="minor">
+            <a:schemeClr val="lt1"/>
+          </a:fontRef>
+        </p:style>
+        <p:txBody>
+          <a:bodyPr rtlCol="0" anchor="ctr"/>
+          <a:lstStyle/>
+          <a:p>
+            <a:pPr algn="ctr"/>
+            <a:endParaRPr lang="ko-KR" altLang="en-US"/>
+          </a:p>
+        </p:txBody>
+      </p:sp>
     </p:spTree>
     <p:extLst>
       <p:ext uri="{BB962C8B-B14F-4D97-AF65-F5344CB8AC3E}">
@@ -5923,6 +6315,65 @@
           <a:chExt cx="0" cy="0"/>
         </a:xfrm>
       </p:grpSpPr>
+      <p:pic>
+        <p:nvPicPr>
+          <p:cNvPr id="2" name="그림 1"/>
+          <p:cNvPicPr>
+            <a:picLocks noChangeAspect="1"/>
+          </p:cNvPicPr>
+          <p:nvPr/>
+        </p:nvPicPr>
+        <p:blipFill>
+          <a:blip r:embed="rId2"/>
+          <a:stretch>
+            <a:fillRect/>
+          </a:stretch>
+        </p:blipFill>
+        <p:spPr>
+          <a:xfrm>
+            <a:off x="631075" y="1165244"/>
+            <a:ext cx="9926435" cy="2553056"/>
+          </a:xfrm>
+          <a:prstGeom prst="rect">
+            <a:avLst/>
+          </a:prstGeom>
+        </p:spPr>
+      </p:pic>
+      <p:cxnSp>
+        <p:nvCxnSpPr>
+          <p:cNvPr id="4" name="직선 연결선 3"/>
+          <p:cNvCxnSpPr/>
+          <p:nvPr/>
+        </p:nvCxnSpPr>
+        <p:spPr>
+          <a:xfrm flipV="1">
+            <a:off x="1262358" y="1772156"/>
+            <a:ext cx="3876084" cy="8092"/>
+          </a:xfrm>
+          <a:prstGeom prst="line">
+            <a:avLst/>
+          </a:prstGeom>
+          <a:ln w="19050">
+            <a:solidFill>
+              <a:srgbClr val="FF0000"/>
+            </a:solidFill>
+          </a:ln>
+        </p:spPr>
+        <p:style>
+          <a:lnRef idx="1">
+            <a:schemeClr val="accent1"/>
+          </a:lnRef>
+          <a:fillRef idx="0">
+            <a:schemeClr val="accent1"/>
+          </a:fillRef>
+          <a:effectRef idx="0">
+            <a:schemeClr val="accent1"/>
+          </a:effectRef>
+          <a:fontRef idx="minor">
+            <a:schemeClr val="tx1"/>
+          </a:fontRef>
+        </p:style>
+      </p:cxnSp>
     </p:spTree>
     <p:extLst>
       <p:ext uri="{BB962C8B-B14F-4D97-AF65-F5344CB8AC3E}">
@@ -5953,6 +6404,54 @@
           <a:chExt cx="0" cy="0"/>
         </a:xfrm>
       </p:grpSpPr>
+      <p:pic>
+        <p:nvPicPr>
+          <p:cNvPr id="2" name="그림 1"/>
+          <p:cNvPicPr>
+            <a:picLocks noChangeAspect="1"/>
+          </p:cNvPicPr>
+          <p:nvPr/>
+        </p:nvPicPr>
+        <p:blipFill>
+          <a:blip r:embed="rId2"/>
+          <a:stretch>
+            <a:fillRect/>
+          </a:stretch>
+        </p:blipFill>
+        <p:spPr>
+          <a:xfrm>
+            <a:off x="2362537" y="117553"/>
+            <a:ext cx="7328382" cy="3106297"/>
+          </a:xfrm>
+          <a:prstGeom prst="rect">
+            <a:avLst/>
+          </a:prstGeom>
+        </p:spPr>
+      </p:pic>
+      <p:pic>
+        <p:nvPicPr>
+          <p:cNvPr id="3" name="그림 2"/>
+          <p:cNvPicPr>
+            <a:picLocks noChangeAspect="1"/>
+          </p:cNvPicPr>
+          <p:nvPr/>
+        </p:nvPicPr>
+        <p:blipFill>
+          <a:blip r:embed="rId3"/>
+          <a:stretch>
+            <a:fillRect/>
+          </a:stretch>
+        </p:blipFill>
+        <p:spPr>
+          <a:xfrm>
+            <a:off x="2362538" y="3316235"/>
+            <a:ext cx="7328382" cy="3294132"/>
+          </a:xfrm>
+          <a:prstGeom prst="rect">
+            <a:avLst/>
+          </a:prstGeom>
+        </p:spPr>
+      </p:pic>
     </p:spTree>
     <p:extLst>
       <p:ext uri="{BB962C8B-B14F-4D97-AF65-F5344CB8AC3E}">
@@ -5983,6 +6482,30 @@
           <a:chExt cx="0" cy="0"/>
         </a:xfrm>
       </p:grpSpPr>
+      <p:pic>
+        <p:nvPicPr>
+          <p:cNvPr id="2" name="그림 1"/>
+          <p:cNvPicPr>
+            <a:picLocks noChangeAspect="1"/>
+          </p:cNvPicPr>
+          <p:nvPr/>
+        </p:nvPicPr>
+        <p:blipFill>
+          <a:blip r:embed="rId2"/>
+          <a:stretch>
+            <a:fillRect/>
+          </a:stretch>
+        </p:blipFill>
+        <p:spPr>
+          <a:xfrm>
+            <a:off x="1847420" y="132943"/>
+            <a:ext cx="6154009" cy="5830114"/>
+          </a:xfrm>
+          <a:prstGeom prst="rect">
+            <a:avLst/>
+          </a:prstGeom>
+        </p:spPr>
+      </p:pic>
     </p:spTree>
     <p:extLst>
       <p:ext uri="{BB962C8B-B14F-4D97-AF65-F5344CB8AC3E}">
@@ -12892,6 +13415,93 @@
           <a:chExt cx="0" cy="0"/>
         </a:xfrm>
       </p:grpSpPr>
+      <p:pic>
+        <p:nvPicPr>
+          <p:cNvPr id="1026" name="Picture 2" descr="https://k.kakaocdn.net/dn/blN614/btqCjdQZsWk/wOON9S5maaWsAEkdfvAEy1/img.png"/>
+          <p:cNvPicPr>
+            <a:picLocks noChangeAspect="1" noChangeArrowheads="1"/>
+          </p:cNvPicPr>
+          <p:nvPr/>
+        </p:nvPicPr>
+        <p:blipFill>
+          <a:blip r:embed="rId2">
+            <a:extLst>
+              <a:ext uri="{28A0092B-C50C-407E-A947-70E740481C1C}">
+                <a14:useLocalDpi xmlns:a14="http://schemas.microsoft.com/office/drawing/2010/main" val="0"/>
+              </a:ext>
+            </a:extLst>
+          </a:blip>
+          <a:srcRect/>
+          <a:stretch>
+            <a:fillRect/>
+          </a:stretch>
+        </p:blipFill>
+        <p:spPr bwMode="auto">
+          <a:xfrm>
+            <a:off x="1150895" y="469829"/>
+            <a:ext cx="6715125" cy="5162551"/>
+          </a:xfrm>
+          <a:prstGeom prst="rect">
+            <a:avLst/>
+          </a:prstGeom>
+          <a:noFill/>
+          <a:extLst>
+            <a:ext uri="{909E8E84-426E-40DD-AFC4-6F175D3DCCD1}">
+              <a14:hiddenFill xmlns:a14="http://schemas.microsoft.com/office/drawing/2010/main">
+                <a:solidFill>
+                  <a:srgbClr val="FFFFFF"/>
+                </a:solidFill>
+              </a14:hiddenFill>
+            </a:ext>
+          </a:extLst>
+        </p:spPr>
+      </p:pic>
+      <p:sp>
+        <p:nvSpPr>
+          <p:cNvPr id="2" name="직사각형 1"/>
+          <p:cNvSpPr/>
+          <p:nvPr/>
+        </p:nvSpPr>
+        <p:spPr>
+          <a:xfrm>
+            <a:off x="1343278" y="4709565"/>
+            <a:ext cx="2621819" cy="226577"/>
+          </a:xfrm>
+          <a:prstGeom prst="rect">
+            <a:avLst/>
+          </a:prstGeom>
+          <a:noFill/>
+          <a:ln w="28575">
+            <a:solidFill>
+              <a:srgbClr val="FF0000"/>
+            </a:solidFill>
+          </a:ln>
+        </p:spPr>
+        <p:style>
+          <a:lnRef idx="2">
+            <a:schemeClr val="accent1">
+              <a:shade val="50000"/>
+            </a:schemeClr>
+          </a:lnRef>
+          <a:fillRef idx="1">
+            <a:schemeClr val="accent1"/>
+          </a:fillRef>
+          <a:effectRef idx="0">
+            <a:schemeClr val="accent1"/>
+          </a:effectRef>
+          <a:fontRef idx="minor">
+            <a:schemeClr val="lt1"/>
+          </a:fontRef>
+        </p:style>
+        <p:txBody>
+          <a:bodyPr rtlCol="0" anchor="ctr"/>
+          <a:lstStyle/>
+          <a:p>
+            <a:pPr algn="ctr"/>
+            <a:endParaRPr lang="ko-KR" altLang="en-US"/>
+          </a:p>
+        </p:txBody>
+      </p:sp>
     </p:spTree>
     <p:extLst>
       <p:ext uri="{BB962C8B-B14F-4D97-AF65-F5344CB8AC3E}">

--- a/Algorithm-이론/알고리즘 이론 학습 자료.pptx
+++ b/Algorithm-이론/알고리즘 이론 학습 자료.pptx
@@ -11738,7 +11738,7 @@
         </p:blipFill>
         <p:spPr>
           <a:xfrm>
-            <a:off x="1232907" y="1714412"/>
+            <a:off x="577451" y="48552"/>
             <a:ext cx="8316486" cy="1257475"/>
           </a:xfrm>
           <a:prstGeom prst="rect">
@@ -11754,7 +11754,7 @@
         </p:nvCxnSpPr>
         <p:spPr>
           <a:xfrm>
-            <a:off x="5227455" y="2702740"/>
+            <a:off x="3908453" y="404602"/>
             <a:ext cx="3390563" cy="0"/>
           </a:xfrm>
           <a:prstGeom prst="line">
@@ -11781,6 +11781,54 @@
           </a:fontRef>
         </p:style>
       </p:cxnSp>
+      <p:pic>
+        <p:nvPicPr>
+          <p:cNvPr id="3" name="그림 2"/>
+          <p:cNvPicPr>
+            <a:picLocks noChangeAspect="1"/>
+          </p:cNvPicPr>
+          <p:nvPr/>
+        </p:nvPicPr>
+        <p:blipFill>
+          <a:blip r:embed="rId3"/>
+          <a:stretch>
+            <a:fillRect/>
+          </a:stretch>
+        </p:blipFill>
+        <p:spPr>
+          <a:xfrm>
+            <a:off x="752559" y="1580474"/>
+            <a:ext cx="3528128" cy="4894940"/>
+          </a:xfrm>
+          <a:prstGeom prst="rect">
+            <a:avLst/>
+          </a:prstGeom>
+        </p:spPr>
+      </p:pic>
+      <p:pic>
+        <p:nvPicPr>
+          <p:cNvPr id="5" name="그림 4"/>
+          <p:cNvPicPr>
+            <a:picLocks noChangeAspect="1"/>
+          </p:cNvPicPr>
+          <p:nvPr/>
+        </p:nvPicPr>
+        <p:blipFill>
+          <a:blip r:embed="rId4"/>
+          <a:stretch>
+            <a:fillRect/>
+          </a:stretch>
+        </p:blipFill>
+        <p:spPr>
+          <a:xfrm>
+            <a:off x="4799627" y="2087746"/>
+            <a:ext cx="6026753" cy="3914723"/>
+          </a:xfrm>
+          <a:prstGeom prst="rect">
+            <a:avLst/>
+          </a:prstGeom>
+        </p:spPr>
+      </p:pic>
     </p:spTree>
     <p:extLst>
       <p:ext uri="{BB962C8B-B14F-4D97-AF65-F5344CB8AC3E}">

--- a/Algorithm-이론/알고리즘 이론 학습 자료.pptx
+++ b/Algorithm-이론/알고리즘 이론 학습 자료.pptx
@@ -276,7 +276,7 @@
           <a:p>
             <a:fld id="{F5183EF9-8AE5-4977-9B10-E3C99861EBC1}" type="datetimeFigureOut">
               <a:rPr lang="ko-KR" altLang="en-US" smtClean="0"/>
-              <a:t>2020-03-05</a:t>
+              <a:t>2020-03-27</a:t>
             </a:fld>
             <a:endParaRPr lang="ko-KR" altLang="en-US"/>
           </a:p>
@@ -446,7 +446,7 @@
           <a:p>
             <a:fld id="{F5183EF9-8AE5-4977-9B10-E3C99861EBC1}" type="datetimeFigureOut">
               <a:rPr lang="ko-KR" altLang="en-US" smtClean="0"/>
-              <a:t>2020-03-05</a:t>
+              <a:t>2020-03-27</a:t>
             </a:fld>
             <a:endParaRPr lang="ko-KR" altLang="en-US"/>
           </a:p>
@@ -626,7 +626,7 @@
           <a:p>
             <a:fld id="{F5183EF9-8AE5-4977-9B10-E3C99861EBC1}" type="datetimeFigureOut">
               <a:rPr lang="ko-KR" altLang="en-US" smtClean="0"/>
-              <a:t>2020-03-05</a:t>
+              <a:t>2020-03-27</a:t>
             </a:fld>
             <a:endParaRPr lang="ko-KR" altLang="en-US"/>
           </a:p>
@@ -796,7 +796,7 @@
           <a:p>
             <a:fld id="{F5183EF9-8AE5-4977-9B10-E3C99861EBC1}" type="datetimeFigureOut">
               <a:rPr lang="ko-KR" altLang="en-US" smtClean="0"/>
-              <a:t>2020-03-05</a:t>
+              <a:t>2020-03-27</a:t>
             </a:fld>
             <a:endParaRPr lang="ko-KR" altLang="en-US"/>
           </a:p>
@@ -1042,7 +1042,7 @@
           <a:p>
             <a:fld id="{F5183EF9-8AE5-4977-9B10-E3C99861EBC1}" type="datetimeFigureOut">
               <a:rPr lang="ko-KR" altLang="en-US" smtClean="0"/>
-              <a:t>2020-03-05</a:t>
+              <a:t>2020-03-27</a:t>
             </a:fld>
             <a:endParaRPr lang="ko-KR" altLang="en-US"/>
           </a:p>
@@ -1274,7 +1274,7 @@
           <a:p>
             <a:fld id="{F5183EF9-8AE5-4977-9B10-E3C99861EBC1}" type="datetimeFigureOut">
               <a:rPr lang="ko-KR" altLang="en-US" smtClean="0"/>
-              <a:t>2020-03-05</a:t>
+              <a:t>2020-03-27</a:t>
             </a:fld>
             <a:endParaRPr lang="ko-KR" altLang="en-US"/>
           </a:p>
@@ -1641,7 +1641,7 @@
           <a:p>
             <a:fld id="{F5183EF9-8AE5-4977-9B10-E3C99861EBC1}" type="datetimeFigureOut">
               <a:rPr lang="ko-KR" altLang="en-US" smtClean="0"/>
-              <a:t>2020-03-05</a:t>
+              <a:t>2020-03-27</a:t>
             </a:fld>
             <a:endParaRPr lang="ko-KR" altLang="en-US"/>
           </a:p>
@@ -1759,7 +1759,7 @@
           <a:p>
             <a:fld id="{F5183EF9-8AE5-4977-9B10-E3C99861EBC1}" type="datetimeFigureOut">
               <a:rPr lang="ko-KR" altLang="en-US" smtClean="0"/>
-              <a:t>2020-03-05</a:t>
+              <a:t>2020-03-27</a:t>
             </a:fld>
             <a:endParaRPr lang="ko-KR" altLang="en-US"/>
           </a:p>
@@ -1854,7 +1854,7 @@
           <a:p>
             <a:fld id="{F5183EF9-8AE5-4977-9B10-E3C99861EBC1}" type="datetimeFigureOut">
               <a:rPr lang="ko-KR" altLang="en-US" smtClean="0"/>
-              <a:t>2020-03-05</a:t>
+              <a:t>2020-03-27</a:t>
             </a:fld>
             <a:endParaRPr lang="ko-KR" altLang="en-US"/>
           </a:p>
@@ -2131,7 +2131,7 @@
           <a:p>
             <a:fld id="{F5183EF9-8AE5-4977-9B10-E3C99861EBC1}" type="datetimeFigureOut">
               <a:rPr lang="ko-KR" altLang="en-US" smtClean="0"/>
-              <a:t>2020-03-05</a:t>
+              <a:t>2020-03-27</a:t>
             </a:fld>
             <a:endParaRPr lang="ko-KR" altLang="en-US"/>
           </a:p>
@@ -2384,7 +2384,7 @@
           <a:p>
             <a:fld id="{F5183EF9-8AE5-4977-9B10-E3C99861EBC1}" type="datetimeFigureOut">
               <a:rPr lang="ko-KR" altLang="en-US" smtClean="0"/>
-              <a:t>2020-03-05</a:t>
+              <a:t>2020-03-27</a:t>
             </a:fld>
             <a:endParaRPr lang="ko-KR" altLang="en-US"/>
           </a:p>
@@ -2597,7 +2597,7 @@
           <a:p>
             <a:fld id="{F5183EF9-8AE5-4977-9B10-E3C99861EBC1}" type="datetimeFigureOut">
               <a:rPr lang="ko-KR" altLang="en-US" smtClean="0"/>
-              <a:t>2020-03-05</a:t>
+              <a:t>2020-03-27</a:t>
             </a:fld>
             <a:endParaRPr lang="ko-KR" altLang="en-US"/>
           </a:p>
@@ -6484,7 +6484,7 @@
       </p:grpSpPr>
       <p:pic>
         <p:nvPicPr>
-          <p:cNvPr id="2" name="그림 1"/>
+          <p:cNvPr id="3" name="그림 2"/>
           <p:cNvPicPr>
             <a:picLocks noChangeAspect="1"/>
           </p:cNvPicPr>
@@ -6498,14 +6498,106 @@
         </p:blipFill>
         <p:spPr>
           <a:xfrm>
-            <a:off x="1847420" y="132943"/>
-            <a:ext cx="6154009" cy="5830114"/>
+            <a:off x="3010110" y="750174"/>
+            <a:ext cx="4229690" cy="3982006"/>
           </a:xfrm>
           <a:prstGeom prst="rect">
             <a:avLst/>
           </a:prstGeom>
         </p:spPr>
       </p:pic>
+      <p:sp>
+        <p:nvSpPr>
+          <p:cNvPr id="4" name="직사각형 3"/>
+          <p:cNvSpPr/>
+          <p:nvPr/>
+        </p:nvSpPr>
+        <p:spPr>
+          <a:xfrm>
+            <a:off x="6198499" y="906308"/>
+            <a:ext cx="598811" cy="275129"/>
+          </a:xfrm>
+          <a:prstGeom prst="rect">
+            <a:avLst/>
+          </a:prstGeom>
+          <a:noFill/>
+          <a:ln w="38100">
+            <a:solidFill>
+              <a:srgbClr val="FF0000"/>
+            </a:solidFill>
+          </a:ln>
+        </p:spPr>
+        <p:style>
+          <a:lnRef idx="2">
+            <a:schemeClr val="accent1">
+              <a:shade val="50000"/>
+            </a:schemeClr>
+          </a:lnRef>
+          <a:fillRef idx="1">
+            <a:schemeClr val="accent1"/>
+          </a:fillRef>
+          <a:effectRef idx="0">
+            <a:schemeClr val="accent1"/>
+          </a:effectRef>
+          <a:fontRef idx="minor">
+            <a:schemeClr val="lt1"/>
+          </a:fontRef>
+        </p:style>
+        <p:txBody>
+          <a:bodyPr rtlCol="0" anchor="ctr"/>
+          <a:lstStyle/>
+          <a:p>
+            <a:pPr algn="ctr"/>
+            <a:endParaRPr lang="ko-KR" altLang="en-US"/>
+          </a:p>
+        </p:txBody>
+      </p:sp>
+      <p:sp>
+        <p:nvSpPr>
+          <p:cNvPr id="5" name="직사각형 4"/>
+          <p:cNvSpPr/>
+          <p:nvPr/>
+        </p:nvSpPr>
+        <p:spPr>
+          <a:xfrm>
+            <a:off x="3251649" y="2452249"/>
+            <a:ext cx="1053314" cy="275129"/>
+          </a:xfrm>
+          <a:prstGeom prst="rect">
+            <a:avLst/>
+          </a:prstGeom>
+          <a:noFill/>
+          <a:ln w="38100">
+            <a:solidFill>
+              <a:srgbClr val="FF0000"/>
+            </a:solidFill>
+          </a:ln>
+        </p:spPr>
+        <p:style>
+          <a:lnRef idx="2">
+            <a:schemeClr val="accent1">
+              <a:shade val="50000"/>
+            </a:schemeClr>
+          </a:lnRef>
+          <a:fillRef idx="1">
+            <a:schemeClr val="accent1"/>
+          </a:fillRef>
+          <a:effectRef idx="0">
+            <a:schemeClr val="accent1"/>
+          </a:effectRef>
+          <a:fontRef idx="minor">
+            <a:schemeClr val="lt1"/>
+          </a:fontRef>
+        </p:style>
+        <p:txBody>
+          <a:bodyPr rtlCol="0" anchor="ctr"/>
+          <a:lstStyle/>
+          <a:p>
+            <a:pPr algn="ctr"/>
+            <a:endParaRPr lang="ko-KR" altLang="en-US"/>
+          </a:p>
+        </p:txBody>
+      </p:sp>
     </p:spTree>
     <p:extLst>
       <p:ext uri="{BB962C8B-B14F-4D97-AF65-F5344CB8AC3E}">
